--- a/PPT/09-Accenture-FS-Angular-Form.pptx
+++ b/PPT/09-Accenture-FS-Angular-Form.pptx
@@ -13676,17 +13676,7 @@
                 <a:latin typeface="SimSun" panose="02010600030101010101" pitchFamily="2" charset="-122"/>
                 <a:ea typeface="SimSun" panose="02010600030101010101" pitchFamily="2" charset="-122"/>
               </a:rPr>
-              <a:t>Angular4 </a:t>
-            </a:r>
-            <a:r>
-              <a:rPr lang="en-US" altLang="zh-CN" dirty="0" smtClean="0">
-                <a:solidFill>
-                  <a:schemeClr val="tx1"/>
-                </a:solidFill>
-                <a:latin typeface="SimSun" panose="02010600030101010101" pitchFamily="2" charset="-122"/>
-                <a:ea typeface="SimSun" panose="02010600030101010101" pitchFamily="2" charset="-122"/>
-              </a:rPr>
-              <a:t>Form</a:t>
+              <a:t>Angular4 Form</a:t>
             </a:r>
             <a:r>
               <a:rPr lang="en-US" altLang="zh-CN" dirty="0">
@@ -14016,7 +14006,7 @@
           <p:nvPr>
             <p:extLst>
               <p:ext uri="{D42A27DB-BD31-4B8C-83A1-F6EECF244321}">
-                <p14:modId xmlns:p14="http://schemas.microsoft.com/office/powerpoint/2010/main" val="739440454"/>
+                <p14:modId xmlns:p14="http://schemas.microsoft.com/office/powerpoint/2010/main" val="843463891"/>
               </p:ext>
             </p:extLst>
           </p:nvPr>
@@ -14033,7 +14023,7 @@
                 <a:gridCol w="7612062">
                   <a:extLst>
                     <a:ext uri="{9D8B030D-6E8A-4147-A177-3AD203B41FA5}">
-                      <a16:colId xmlns:a16="http://schemas.microsoft.com/office/drawing/2014/main" xmlns="" val="20000"/>
+                      <a16:colId xmlns="" xmlns:a16="http://schemas.microsoft.com/office/drawing/2014/main" val="20000"/>
                     </a:ext>
                   </a:extLst>
                 </a:gridCol>
@@ -14072,7 +14062,7 @@
                           <a:latin typeface="SimSun" panose="02010600030101010101" pitchFamily="2" charset="-122"/>
                           <a:ea typeface="SimSun" panose="02010600030101010101" pitchFamily="2" charset="-122"/>
                         </a:rPr>
-                        <a:t>Angular</a:t>
+                        <a:t>Angular4</a:t>
                       </a:r>
                       <a:r>
                         <a:rPr kumimoji="0" lang="zh-CN" altLang="en-US" sz="2200" b="0" i="0" u="none" strike="noStrike" cap="none" normalizeH="0" baseline="0" dirty="0" smtClean="0">
@@ -14537,7 +14527,7 @@
                 </a:tc>
                 <a:extLst>
                   <a:ext uri="{0D108BD9-81ED-4DB2-BD59-A6C34878D82A}">
-                    <a16:rowId xmlns:a16="http://schemas.microsoft.com/office/drawing/2014/main" xmlns="" val="10000"/>
+                    <a16:rowId xmlns="" xmlns:a16="http://schemas.microsoft.com/office/drawing/2014/main" val="10000"/>
                   </a:ext>
                 </a:extLst>
               </a:tr>
@@ -14694,7 +14684,7 @@
                 <a:latin typeface="SimSun" panose="02010600030101010101" pitchFamily="2" charset="-122"/>
                 <a:ea typeface="SimSun" panose="02010600030101010101" pitchFamily="2" charset="-122"/>
               </a:rPr>
-              <a:t>Angular</a:t>
+              <a:t>Angular4</a:t>
             </a:r>
             <a:r>
               <a:rPr lang="zh-CN" altLang="en-US" sz="2800" dirty="0" smtClean="0">
@@ -14745,37 +14735,314 @@
               <a:defRPr/>
             </a:pPr>
             <a:r>
-              <a:rPr lang="en-US" altLang="zh-CN" sz="1800" dirty="0" smtClean="0">
-                <a:latin typeface="SimSun" panose="02010600030101010101" pitchFamily="2" charset="-122"/>
-                <a:ea typeface="SimSun" panose="02010600030101010101" pitchFamily="2" charset="-122"/>
-              </a:rPr>
-              <a:t>Router</a:t>
-            </a:r>
-            <a:r>
-              <a:rPr lang="ja-JP" altLang="en-US" sz="1600" b="0" dirty="0"/>
-              <a:t> </a:t>
-            </a:r>
-            <a:r>
-              <a:rPr lang="ja-JP" altLang="en-US" sz="1600" b="0" dirty="0">
-                <a:latin typeface="SimSun" panose="02010600030101010101" pitchFamily="2" charset="-122"/>
-                <a:ea typeface="SimSun" panose="02010600030101010101" pitchFamily="2" charset="-122"/>
-              </a:rPr>
-              <a:t>（即“路由器</a:t>
-            </a:r>
-            <a:r>
-              <a:rPr lang="ja-JP" altLang="en-US" sz="1600" b="0" dirty="0" smtClean="0">
-                <a:latin typeface="SimSun" panose="02010600030101010101" pitchFamily="2" charset="-122"/>
-                <a:ea typeface="SimSun" panose="02010600030101010101" pitchFamily="2" charset="-122"/>
-              </a:rPr>
-              <a:t>”）</a:t>
+              <a:rPr lang="en-US" altLang="zh-CN" sz="1600" b="0" dirty="0" smtClean="0">
+                <a:latin typeface="SimSun" panose="02010600030101010101" pitchFamily="2" charset="-122"/>
+                <a:ea typeface="SimSun" panose="02010600030101010101" pitchFamily="2" charset="-122"/>
+              </a:rPr>
+              <a:t>Angular4</a:t>
             </a:r>
             <a:r>
               <a:rPr lang="zh-CN" altLang="en-US" sz="1600" b="0" dirty="0" smtClean="0">
                 <a:latin typeface="SimSun" panose="02010600030101010101" pitchFamily="2" charset="-122"/>
                 <a:ea typeface="SimSun" panose="02010600030101010101" pitchFamily="2" charset="-122"/>
               </a:rPr>
-              <a:t>，主要作用：画面间迁移，传值，画面间验证等。</a:t>
-            </a:r>
+              <a:t>表</a:t>
+            </a:r>
+            <a:r>
+              <a:rPr lang="zh-CN" altLang="en-US" sz="1600" b="0" dirty="0">
+                <a:latin typeface="SimSun" panose="02010600030101010101" pitchFamily="2" charset="-122"/>
+                <a:ea typeface="SimSun" panose="02010600030101010101" pitchFamily="2" charset="-122"/>
+              </a:rPr>
+              <a:t>单是对原生的扩</a:t>
+            </a:r>
+            <a:r>
+              <a:rPr lang="zh-CN" altLang="en-US" sz="1600" b="0" dirty="0" smtClean="0">
+                <a:latin typeface="SimSun" panose="02010600030101010101" pitchFamily="2" charset="-122"/>
+                <a:ea typeface="SimSun" panose="02010600030101010101" pitchFamily="2" charset="-122"/>
+              </a:rPr>
+              <a:t>展，它有一下特点。</a:t>
+            </a:r>
+            <a:endParaRPr lang="en-US" sz="1600" b="0" dirty="0">
+              <a:latin typeface="SimSun" panose="02010600030101010101" pitchFamily="2" charset="-122"/>
+              <a:ea typeface="SimSun" panose="02010600030101010101" pitchFamily="2" charset="-122"/>
+            </a:endParaRPr>
+          </a:p>
+          <a:p>
+            <a:pPr marL="342900" indent="-342900" algn="just" eaLnBrk="0" hangingPunct="0">
+              <a:lnSpc>
+                <a:spcPct val="250000"/>
+              </a:lnSpc>
+              <a:spcBef>
+                <a:spcPct val="100000"/>
+              </a:spcBef>
+              <a:buFont typeface="+mj-lt"/>
+              <a:buAutoNum type="arabicPeriod"/>
+              <a:defRPr/>
+            </a:pPr>
+            <a:r>
+              <a:rPr lang="zh-CN" altLang="en-US" sz="1600" b="0" dirty="0">
+                <a:latin typeface="SimSun" panose="02010600030101010101" pitchFamily="2" charset="-122"/>
+                <a:ea typeface="SimSun" panose="02010600030101010101" pitchFamily="2" charset="-122"/>
+              </a:rPr>
+              <a:t>它使用捆绑方式对画面进行数据及事件的绑定</a:t>
+            </a:r>
+            <a:r>
+              <a:rPr lang="zh-CN" altLang="en-US" sz="1600" b="0" dirty="0" smtClean="0">
+                <a:latin typeface="SimSun" panose="02010600030101010101" pitchFamily="2" charset="-122"/>
+                <a:ea typeface="SimSun" panose="02010600030101010101" pitchFamily="2" charset="-122"/>
+              </a:rPr>
+              <a:t>。</a:t>
+            </a:r>
+            <a:endParaRPr lang="en-US" altLang="zh-CN" sz="1600" b="0" dirty="0" smtClean="0">
+              <a:latin typeface="SimSun" panose="02010600030101010101" pitchFamily="2" charset="-122"/>
+              <a:ea typeface="SimSun" panose="02010600030101010101" pitchFamily="2" charset="-122"/>
+            </a:endParaRPr>
+          </a:p>
+          <a:p>
+            <a:pPr marL="342900" indent="-342900" algn="just" eaLnBrk="0" hangingPunct="0">
+              <a:lnSpc>
+                <a:spcPct val="250000"/>
+              </a:lnSpc>
+              <a:spcBef>
+                <a:spcPct val="100000"/>
+              </a:spcBef>
+              <a:buFont typeface="+mj-lt"/>
+              <a:buAutoNum type="arabicPeriod"/>
+              <a:defRPr/>
+            </a:pPr>
+            <a:r>
+              <a:rPr lang="zh-CN" altLang="en-US" sz="1600" b="0" dirty="0" smtClean="0">
+                <a:latin typeface="SimSun" panose="02010600030101010101" pitchFamily="2" charset="-122"/>
+                <a:ea typeface="SimSun" panose="02010600030101010101" pitchFamily="2" charset="-122"/>
+              </a:rPr>
+              <a:t>它</a:t>
+            </a:r>
+            <a:r>
+              <a:rPr lang="zh-CN" altLang="en-US" sz="1600" b="0" dirty="0">
+                <a:latin typeface="SimSun" panose="02010600030101010101" pitchFamily="2" charset="-122"/>
+                <a:ea typeface="SimSun" panose="02010600030101010101" pitchFamily="2" charset="-122"/>
+              </a:rPr>
+              <a:t>提</a:t>
+            </a:r>
+            <a:r>
+              <a:rPr lang="zh-CN" altLang="en-US" sz="1600" b="0" dirty="0" smtClean="0">
+                <a:latin typeface="SimSun" panose="02010600030101010101" pitchFamily="2" charset="-122"/>
+                <a:ea typeface="SimSun" panose="02010600030101010101" pitchFamily="2" charset="-122"/>
+              </a:rPr>
+              <a:t>供了一部分简单的验证功能及扩展功能。</a:t>
+            </a:r>
+            <a:endParaRPr lang="en-US" altLang="zh-CN" sz="1600" b="0" dirty="0" smtClean="0">
+              <a:latin typeface="SimSun" panose="02010600030101010101" pitchFamily="2" charset="-122"/>
+              <a:ea typeface="SimSun" panose="02010600030101010101" pitchFamily="2" charset="-122"/>
+            </a:endParaRPr>
+          </a:p>
+          <a:p>
+            <a:pPr marL="342900" indent="-342900" algn="just" eaLnBrk="0" hangingPunct="0">
+              <a:lnSpc>
+                <a:spcPct val="250000"/>
+              </a:lnSpc>
+              <a:spcBef>
+                <a:spcPct val="100000"/>
+              </a:spcBef>
+              <a:buFont typeface="+mj-lt"/>
+              <a:buAutoNum type="arabicPeriod"/>
+              <a:defRPr/>
+            </a:pPr>
+            <a:r>
+              <a:rPr lang="zh-CN" altLang="en-US" sz="1600" b="0" dirty="0" smtClean="0">
+                <a:latin typeface="SimSun" panose="02010600030101010101" pitchFamily="2" charset="-122"/>
+                <a:ea typeface="SimSun" panose="02010600030101010101" pitchFamily="2" charset="-122"/>
+              </a:rPr>
+              <a:t>它通过</a:t>
+            </a:r>
+            <a:r>
+              <a:rPr lang="en-US" sz="1600" b="0" dirty="0" smtClean="0">
+                <a:latin typeface="SimSun" panose="02010600030101010101" pitchFamily="2" charset="-122"/>
+                <a:ea typeface="SimSun" panose="02010600030101010101" pitchFamily="2" charset="-122"/>
+              </a:rPr>
+              <a:t>Component</a:t>
+            </a:r>
+            <a:r>
+              <a:rPr lang="zh-CN" altLang="en-US" sz="1600" b="0" dirty="0" smtClean="0">
+                <a:latin typeface="SimSun" panose="02010600030101010101" pitchFamily="2" charset="-122"/>
+                <a:ea typeface="SimSun" panose="02010600030101010101" pitchFamily="2" charset="-122"/>
+              </a:rPr>
+              <a:t>对</a:t>
+            </a:r>
+            <a:r>
+              <a:rPr lang="en-US" altLang="zh-CN" sz="1600" b="0" dirty="0" smtClean="0">
+                <a:latin typeface="SimSun" panose="02010600030101010101" pitchFamily="2" charset="-122"/>
+                <a:ea typeface="SimSun" panose="02010600030101010101" pitchFamily="2" charset="-122"/>
+              </a:rPr>
+              <a:t>DOM</a:t>
+            </a:r>
+            <a:r>
+              <a:rPr lang="zh-CN" altLang="en-US" sz="1600" b="0" dirty="0" smtClean="0">
+                <a:latin typeface="SimSun" panose="02010600030101010101" pitchFamily="2" charset="-122"/>
+                <a:ea typeface="SimSun" panose="02010600030101010101" pitchFamily="2" charset="-122"/>
+              </a:rPr>
+              <a:t>进行操作，</a:t>
+            </a:r>
+            <a:r>
+              <a:rPr lang="zh-CN" altLang="en-US" sz="1600" b="0" dirty="0">
+                <a:latin typeface="SimSun" panose="02010600030101010101" pitchFamily="2" charset="-122"/>
+                <a:ea typeface="SimSun" panose="02010600030101010101" pitchFamily="2" charset="-122"/>
+              </a:rPr>
+              <a:t>它将所有控件视作为</a:t>
+            </a:r>
+            <a:r>
+              <a:rPr lang="en-US" sz="1600" b="0" dirty="0" smtClean="0">
+                <a:latin typeface="SimSun" panose="02010600030101010101" pitchFamily="2" charset="-122"/>
+                <a:ea typeface="SimSun" panose="02010600030101010101" pitchFamily="2" charset="-122"/>
+              </a:rPr>
+              <a:t>Component</a:t>
+            </a:r>
+            <a:r>
+              <a:rPr lang="zh-CN" altLang="en-US" sz="1600" b="0" dirty="0" smtClean="0">
+                <a:latin typeface="SimSun" panose="02010600030101010101" pitchFamily="2" charset="-122"/>
+                <a:ea typeface="SimSun" panose="02010600030101010101" pitchFamily="2" charset="-122"/>
+              </a:rPr>
+              <a:t>。</a:t>
+            </a:r>
+            <a:endParaRPr lang="en-US" altLang="zh-CN" sz="1600" b="0" dirty="0" smtClean="0">
+              <a:latin typeface="SimSun" panose="02010600030101010101" pitchFamily="2" charset="-122"/>
+              <a:ea typeface="SimSun" panose="02010600030101010101" pitchFamily="2" charset="-122"/>
+            </a:endParaRPr>
+          </a:p>
+          <a:p>
+            <a:pPr marL="342900" indent="-342900" algn="just" eaLnBrk="0" hangingPunct="0">
+              <a:lnSpc>
+                <a:spcPct val="250000"/>
+              </a:lnSpc>
+              <a:spcBef>
+                <a:spcPct val="100000"/>
+              </a:spcBef>
+              <a:buFont typeface="+mj-lt"/>
+              <a:buAutoNum type="arabicPeriod"/>
+              <a:defRPr/>
+            </a:pPr>
+            <a:r>
+              <a:rPr lang="zh-CN" altLang="en-US" sz="1600" b="0" dirty="0" smtClean="0">
+                <a:latin typeface="SimSun" panose="02010600030101010101" pitchFamily="2" charset="-122"/>
+                <a:ea typeface="SimSun" panose="02010600030101010101" pitchFamily="2" charset="-122"/>
+              </a:rPr>
+              <a:t>它在</a:t>
+            </a:r>
+            <a:r>
+              <a:rPr lang="en-US" altLang="zh-CN" sz="1600" b="0" dirty="0" smtClean="0">
+                <a:latin typeface="SimSun" panose="02010600030101010101" pitchFamily="2" charset="-122"/>
+                <a:ea typeface="SimSun" panose="02010600030101010101" pitchFamily="2" charset="-122"/>
+              </a:rPr>
+              <a:t>HTML</a:t>
+            </a:r>
+            <a:r>
+              <a:rPr lang="zh-CN" altLang="en-US" sz="1600" b="0" dirty="0" smtClean="0">
+                <a:latin typeface="SimSun" panose="02010600030101010101" pitchFamily="2" charset="-122"/>
+                <a:ea typeface="SimSun" panose="02010600030101010101" pitchFamily="2" charset="-122"/>
+              </a:rPr>
+              <a:t>中提供了部分的运算绑定组件。</a:t>
+            </a:r>
+            <a:endParaRPr lang="en-US" altLang="zh-CN" sz="1600" b="0" dirty="0" smtClean="0">
+              <a:latin typeface="SimSun" panose="02010600030101010101" pitchFamily="2" charset="-122"/>
+              <a:ea typeface="SimSun" panose="02010600030101010101" pitchFamily="2" charset="-122"/>
+            </a:endParaRPr>
+          </a:p>
+          <a:p>
+            <a:pPr marL="342900" indent="-342900" algn="just" eaLnBrk="0" hangingPunct="0">
+              <a:lnSpc>
+                <a:spcPct val="250000"/>
+              </a:lnSpc>
+              <a:spcBef>
+                <a:spcPct val="100000"/>
+              </a:spcBef>
+              <a:buFont typeface="+mj-lt"/>
+              <a:buAutoNum type="arabicPeriod"/>
+              <a:defRPr/>
+            </a:pPr>
+            <a:r>
+              <a:rPr lang="zh-CN" altLang="en-US" sz="1600" b="0" dirty="0">
+                <a:latin typeface="SimSun" panose="02010600030101010101" pitchFamily="2" charset="-122"/>
+                <a:ea typeface="SimSun" panose="02010600030101010101" pitchFamily="2" charset="-122"/>
+              </a:rPr>
+              <a:t>它</a:t>
+            </a:r>
+            <a:r>
+              <a:rPr lang="zh-CN" altLang="en-US" sz="1600" b="0" dirty="0" smtClean="0">
+                <a:latin typeface="SimSun" panose="02010600030101010101" pitchFamily="2" charset="-122"/>
+                <a:ea typeface="SimSun" panose="02010600030101010101" pitchFamily="2" charset="-122"/>
+              </a:rPr>
+              <a:t>在表单控件中</a:t>
+            </a:r>
+            <a:r>
+              <a:rPr lang="zh-CN" altLang="en-US" sz="1600" b="0" dirty="0">
+                <a:latin typeface="SimSun" panose="02010600030101010101" pitchFamily="2" charset="-122"/>
+                <a:ea typeface="SimSun" panose="02010600030101010101" pitchFamily="2" charset="-122"/>
+              </a:rPr>
+              <a:t>添</a:t>
+            </a:r>
+            <a:r>
+              <a:rPr lang="zh-CN" altLang="en-US" sz="1600" b="0" dirty="0" smtClean="0">
+                <a:latin typeface="SimSun" panose="02010600030101010101" pitchFamily="2" charset="-122"/>
+                <a:ea typeface="SimSun" panose="02010600030101010101" pitchFamily="2" charset="-122"/>
+              </a:rPr>
+              <a:t>加</a:t>
+            </a:r>
+            <a:r>
+              <a:rPr lang="zh-CN" altLang="en-US" sz="1600" b="0" dirty="0">
+                <a:latin typeface="SimSun" panose="02010600030101010101" pitchFamily="2" charset="-122"/>
+                <a:ea typeface="SimSun" panose="02010600030101010101" pitchFamily="2" charset="-122"/>
+              </a:rPr>
+              <a:t>各</a:t>
+            </a:r>
+            <a:r>
+              <a:rPr lang="zh-CN" altLang="en-US" sz="1600" b="0" dirty="0" smtClean="0">
+                <a:latin typeface="SimSun" panose="02010600030101010101" pitchFamily="2" charset="-122"/>
+                <a:ea typeface="SimSun" panose="02010600030101010101" pitchFamily="2" charset="-122"/>
+              </a:rPr>
+              <a:t>种</a:t>
+            </a:r>
+            <a:r>
+              <a:rPr lang="zh-CN" altLang="en-US" sz="1600" b="0" dirty="0">
+                <a:latin typeface="SimSun" panose="02010600030101010101" pitchFamily="2" charset="-122"/>
+                <a:ea typeface="SimSun" panose="02010600030101010101" pitchFamily="2" charset="-122"/>
+              </a:rPr>
+              <a:t>状</a:t>
+            </a:r>
+            <a:r>
+              <a:rPr lang="zh-CN" altLang="en-US" sz="1600" b="0" dirty="0" smtClean="0">
+                <a:latin typeface="SimSun" panose="02010600030101010101" pitchFamily="2" charset="-122"/>
+                <a:ea typeface="SimSun" panose="02010600030101010101" pitchFamily="2" charset="-122"/>
+              </a:rPr>
+              <a:t>态的</a:t>
+            </a:r>
+            <a:r>
+              <a:rPr lang="en-US" altLang="zh-CN" sz="1600" b="0" dirty="0" smtClean="0">
+                <a:latin typeface="SimSun" panose="02010600030101010101" pitchFamily="2" charset="-122"/>
+                <a:ea typeface="SimSun" panose="02010600030101010101" pitchFamily="2" charset="-122"/>
+              </a:rPr>
+              <a:t>CSS</a:t>
+            </a:r>
+            <a:r>
+              <a:rPr lang="zh-CN" altLang="en-US" sz="1600" b="0" dirty="0" smtClean="0">
+                <a:latin typeface="SimSun" panose="02010600030101010101" pitchFamily="2" charset="-122"/>
+                <a:ea typeface="SimSun" panose="02010600030101010101" pitchFamily="2" charset="-122"/>
+              </a:rPr>
+              <a:t>。</a:t>
+            </a:r>
+            <a:endParaRPr lang="en-US" sz="1600" b="0" dirty="0">
+              <a:latin typeface="SimSun" panose="02010600030101010101" pitchFamily="2" charset="-122"/>
+              <a:ea typeface="SimSun" panose="02010600030101010101" pitchFamily="2" charset="-122"/>
+            </a:endParaRPr>
+          </a:p>
+          <a:p>
+            <a:pPr marL="342900" indent="-342900" algn="just" eaLnBrk="0" hangingPunct="0">
+              <a:spcBef>
+                <a:spcPct val="100000"/>
+              </a:spcBef>
+              <a:buFont typeface="+mj-lt"/>
+              <a:buAutoNum type="arabicPeriod"/>
+              <a:defRPr/>
+            </a:pPr>
             <a:endParaRPr lang="en-US" sz="1600" b="0" dirty="0">
               <a:latin typeface="SimSun" panose="02010600030101010101" pitchFamily="2" charset="-122"/>
               <a:ea typeface="SimSun" panose="02010600030101010101" pitchFamily="2" charset="-122"/>
@@ -14868,47 +15135,6 @@
           </a:p>
         </p:txBody>
       </p:sp>
-      <p:pic>
-        <p:nvPicPr>
-          <p:cNvPr id="1026" name="Picture 2" descr="http://files.jb51.net/file_images/article/201612/2016120217003771.png"/>
-          <p:cNvPicPr>
-            <a:picLocks noChangeAspect="1" noChangeArrowheads="1"/>
-          </p:cNvPicPr>
-          <p:nvPr/>
-        </p:nvPicPr>
-        <p:blipFill>
-          <a:blip r:embed="rId3">
-            <a:extLst>
-              <a:ext uri="{28A0092B-C50C-407E-A947-70E740481C1C}">
-                <a14:useLocalDpi xmlns:a14="http://schemas.microsoft.com/office/drawing/2010/main" val="0"/>
-              </a:ext>
-            </a:extLst>
-          </a:blip>
-          <a:srcRect/>
-          <a:stretch>
-            <a:fillRect/>
-          </a:stretch>
-        </p:blipFill>
-        <p:spPr bwMode="auto">
-          <a:xfrm>
-            <a:off x="1271173" y="1744668"/>
-            <a:ext cx="6634052" cy="4579578"/>
-          </a:xfrm>
-          <a:prstGeom prst="rect">
-            <a:avLst/>
-          </a:prstGeom>
-          <a:noFill/>
-          <a:extLst>
-            <a:ext uri="{909E8E84-426E-40DD-AFC4-6F175D3DCCD1}">
-              <a14:hiddenFill xmlns:a14="http://schemas.microsoft.com/office/drawing/2010/main">
-                <a:solidFill>
-                  <a:srgbClr val="FFFFFF"/>
-                </a:solidFill>
-              </a14:hiddenFill>
-            </a:ext>
-          </a:extLst>
-        </p:spPr>
-      </p:pic>
     </p:spTree>
   </p:cSld>
   <p:clrMapOvr>
@@ -14969,14 +15195,14 @@
                 <a:latin typeface="SimSun" panose="02010600030101010101" pitchFamily="2" charset="-122"/>
                 <a:ea typeface="SimSun" panose="02010600030101010101" pitchFamily="2" charset="-122"/>
               </a:rPr>
-              <a:t>Router</a:t>
+              <a:t>Angular4</a:t>
             </a:r>
             <a:r>
               <a:rPr lang="zh-CN" altLang="en-US" sz="2800" dirty="0" smtClean="0">
                 <a:latin typeface="SimSun" panose="02010600030101010101" pitchFamily="2" charset="-122"/>
                 <a:ea typeface="SimSun" panose="02010600030101010101" pitchFamily="2" charset="-122"/>
               </a:rPr>
-              <a:t>的注入</a:t>
+              <a:t>表单验证</a:t>
             </a:r>
             <a:endParaRPr lang="en-US" sz="2800" dirty="0">
               <a:latin typeface="SimSun" panose="02010600030101010101" pitchFamily="2" charset="-122"/>
@@ -15014,39 +15240,108 @@
           <a:lstStyle/>
           <a:p>
             <a:r>
+              <a:rPr lang="en-US" altLang="zh-CN" sz="1600" b="0" dirty="0" smtClean="0">
+                <a:latin typeface="SimSun" panose="02010600030101010101" pitchFamily="2" charset="-122"/>
+                <a:ea typeface="SimSun" panose="02010600030101010101" pitchFamily="2" charset="-122"/>
+              </a:rPr>
+              <a:t>Angular4</a:t>
+            </a:r>
+            <a:r>
               <a:rPr lang="zh-CN" altLang="en-US" sz="1600" b="0" dirty="0" smtClean="0">
                 <a:latin typeface="SimSun" panose="02010600030101010101" pitchFamily="2" charset="-122"/>
                 <a:ea typeface="SimSun" panose="02010600030101010101" pitchFamily="2" charset="-122"/>
               </a:rPr>
-              <a:t>在使用</a:t>
+              <a:t>提供了</a:t>
             </a:r>
             <a:r>
               <a:rPr lang="en-US" altLang="zh-CN" sz="1600" b="0" dirty="0" smtClean="0">
                 <a:latin typeface="SimSun" panose="02010600030101010101" pitchFamily="2" charset="-122"/>
                 <a:ea typeface="SimSun" panose="02010600030101010101" pitchFamily="2" charset="-122"/>
               </a:rPr>
-              <a:t>Router</a:t>
+              <a:t>2</a:t>
             </a:r>
             <a:r>
               <a:rPr lang="zh-CN" altLang="en-US" sz="1600" b="0" dirty="0" smtClean="0">
                 <a:latin typeface="SimSun" panose="02010600030101010101" pitchFamily="2" charset="-122"/>
                 <a:ea typeface="SimSun" panose="02010600030101010101" pitchFamily="2" charset="-122"/>
               </a:rPr>
-              <a:t>前需要将</a:t>
-            </a:r>
-            <a:r>
-              <a:rPr lang="en-US" altLang="zh-CN" sz="1600" b="0" dirty="0" smtClean="0">
-                <a:latin typeface="SimSun" panose="02010600030101010101" pitchFamily="2" charset="-122"/>
-                <a:ea typeface="SimSun" panose="02010600030101010101" pitchFamily="2" charset="-122"/>
-              </a:rPr>
-              <a:t>Router</a:t>
+              <a:t>种验证方式。</a:t>
+            </a:r>
+            <a:endParaRPr lang="en-US" altLang="zh-CN" sz="1600" b="0" dirty="0">
+              <a:latin typeface="SimSun" panose="02010600030101010101" pitchFamily="2" charset="-122"/>
+              <a:ea typeface="SimSun" panose="02010600030101010101" pitchFamily="2" charset="-122"/>
+            </a:endParaRPr>
+          </a:p>
+          <a:p>
+            <a:pPr marL="342900" indent="-342900">
+              <a:lnSpc>
+                <a:spcPct val="250000"/>
+              </a:lnSpc>
+              <a:buFont typeface="+mj-lt"/>
+              <a:buAutoNum type="arabicPeriod"/>
+            </a:pPr>
+            <a:r>
+              <a:rPr lang="en-US" sz="1600" b="0" dirty="0">
+                <a:latin typeface="SimSun" panose="02010600030101010101" pitchFamily="2" charset="-122"/>
+                <a:ea typeface="SimSun" panose="02010600030101010101" pitchFamily="2" charset="-122"/>
+              </a:rPr>
+              <a:t>Template Driven </a:t>
+            </a:r>
+            <a:r>
+              <a:rPr lang="en-US" sz="1600" b="0" dirty="0">
+                <a:latin typeface="SimSun" panose="02010600030101010101" pitchFamily="2" charset="-122"/>
+                <a:ea typeface="SimSun" panose="02010600030101010101" pitchFamily="2" charset="-122"/>
+              </a:rPr>
+              <a:t>Forms </a:t>
+            </a:r>
+            <a:r>
+              <a:rPr lang="en-US" altLang="zh-CN" sz="1600" b="0" dirty="0">
+                <a:latin typeface="SimSun" panose="02010600030101010101" pitchFamily="2" charset="-122"/>
+                <a:ea typeface="SimSun" panose="02010600030101010101" pitchFamily="2" charset="-122"/>
+              </a:rPr>
+              <a:t>- </a:t>
+            </a:r>
+            <a:r>
+              <a:rPr lang="zh-CN" altLang="en-US" sz="1600" b="0" dirty="0">
+                <a:latin typeface="SimSun" panose="02010600030101010101" pitchFamily="2" charset="-122"/>
+                <a:ea typeface="SimSun" panose="02010600030101010101" pitchFamily="2" charset="-122"/>
+              </a:rPr>
+              <a:t>模板驱动式表</a:t>
             </a:r>
             <a:r>
               <a:rPr lang="zh-CN" altLang="en-US" sz="1600" b="0" dirty="0" smtClean="0">
                 <a:latin typeface="SimSun" panose="02010600030101010101" pitchFamily="2" charset="-122"/>
                 <a:ea typeface="SimSun" panose="02010600030101010101" pitchFamily="2" charset="-122"/>
               </a:rPr>
-              <a:t>注入到模块构成整个系统的导航。</a:t>
+              <a:t>单（沿</a:t>
+            </a:r>
+            <a:r>
+              <a:rPr lang="zh-CN" altLang="en-US" sz="1600" b="0" dirty="0">
+                <a:latin typeface="SimSun" panose="02010600030101010101" pitchFamily="2" charset="-122"/>
+                <a:ea typeface="SimSun" panose="02010600030101010101" pitchFamily="2" charset="-122"/>
+              </a:rPr>
+              <a:t>用了</a:t>
+            </a:r>
+            <a:r>
+              <a:rPr lang="en-US" altLang="zh-CN" sz="1600" b="0" dirty="0">
+                <a:latin typeface="SimSun" panose="02010600030101010101" pitchFamily="2" charset="-122"/>
+                <a:ea typeface="SimSun" panose="02010600030101010101" pitchFamily="2" charset="-122"/>
+              </a:rPr>
+              <a:t>AngularJs1</a:t>
+            </a:r>
+            <a:r>
+              <a:rPr lang="zh-CN" altLang="en-US" sz="1600" b="0" dirty="0">
+                <a:latin typeface="SimSun" panose="02010600030101010101" pitchFamily="2" charset="-122"/>
+                <a:ea typeface="SimSun" panose="02010600030101010101" pitchFamily="2" charset="-122"/>
+              </a:rPr>
+              <a:t>的</a:t>
+            </a:r>
+            <a:r>
+              <a:rPr lang="zh-CN" altLang="en-US" sz="1600" b="0" dirty="0" smtClean="0">
+                <a:latin typeface="SimSun" panose="02010600030101010101" pitchFamily="2" charset="-122"/>
+                <a:ea typeface="SimSun" panose="02010600030101010101" pitchFamily="2" charset="-122"/>
+              </a:rPr>
+              <a:t>验证方式）</a:t>
             </a:r>
             <a:endParaRPr lang="en-US" altLang="zh-CN" sz="1600" b="0" dirty="0" smtClean="0">
               <a:latin typeface="SimSun" panose="02010600030101010101" pitchFamily="2" charset="-122"/>
@@ -15054,67 +15349,74 @@
             </a:endParaRPr>
           </a:p>
           <a:p>
-            <a:pPr algn="just" eaLnBrk="0" hangingPunct="0">
-              <a:spcBef>
-                <a:spcPct val="100000"/>
-              </a:spcBef>
-              <a:defRPr/>
+            <a:pPr marL="342900" indent="-342900">
+              <a:lnSpc>
+                <a:spcPct val="250000"/>
+              </a:lnSpc>
+              <a:buFont typeface="+mj-lt"/>
+              <a:buAutoNum type="arabicPeriod"/>
             </a:pPr>
             <a:r>
+              <a:rPr lang="en-US" sz="1600" b="0" dirty="0" smtClean="0">
+                <a:latin typeface="SimSun" panose="02010600030101010101" pitchFamily="2" charset="-122"/>
+                <a:ea typeface="SimSun" panose="02010600030101010101" pitchFamily="2" charset="-122"/>
+              </a:rPr>
+              <a:t>Reactive </a:t>
+            </a:r>
+            <a:r>
+              <a:rPr lang="en-US" sz="1600" b="0" dirty="0">
+                <a:latin typeface="SimSun" panose="02010600030101010101" pitchFamily="2" charset="-122"/>
+                <a:ea typeface="SimSun" panose="02010600030101010101" pitchFamily="2" charset="-122"/>
+              </a:rPr>
+              <a:t>Forms - </a:t>
+            </a:r>
+            <a:r>
+              <a:rPr lang="ja-JP" altLang="en-US" sz="1600" b="0" dirty="0">
+                <a:latin typeface="SimSun" panose="02010600030101010101" pitchFamily="2" charset="-122"/>
+                <a:ea typeface="SimSun" panose="02010600030101010101" pitchFamily="2" charset="-122"/>
+              </a:rPr>
+              <a:t>响应式表</a:t>
+            </a:r>
+            <a:r>
+              <a:rPr lang="ja-JP" altLang="en-US" sz="1600" b="0" dirty="0" smtClean="0">
+                <a:latin typeface="SimSun" panose="02010600030101010101" pitchFamily="2" charset="-122"/>
+                <a:ea typeface="SimSun" panose="02010600030101010101" pitchFamily="2" charset="-122"/>
+              </a:rPr>
+              <a:t>单</a:t>
+            </a:r>
+            <a:r>
+              <a:rPr lang="en-US" altLang="ja-JP" sz="1600" b="0" dirty="0" smtClean="0">
+                <a:latin typeface="SimSun" panose="02010600030101010101" pitchFamily="2" charset="-122"/>
+                <a:ea typeface="SimSun" panose="02010600030101010101" pitchFamily="2" charset="-122"/>
+              </a:rPr>
+              <a:t/>
+            </a:r>
+            <a:br>
+              <a:rPr lang="en-US" altLang="ja-JP" sz="1600" b="0" dirty="0" smtClean="0">
+                <a:latin typeface="SimSun" panose="02010600030101010101" pitchFamily="2" charset="-122"/>
+                <a:ea typeface="SimSun" panose="02010600030101010101" pitchFamily="2" charset="-122"/>
+              </a:rPr>
+            </a:br>
+            <a:r>
               <a:rPr lang="zh-CN" altLang="en-US" sz="1600" b="0" dirty="0" smtClean="0">
                 <a:latin typeface="SimSun" panose="02010600030101010101" pitchFamily="2" charset="-122"/>
                 <a:ea typeface="SimSun" panose="02010600030101010101" pitchFamily="2" charset="-122"/>
               </a:rPr>
-              <a:t>使用注入模块的方法是在</a:t>
-            </a:r>
-            <a:r>
-              <a:rPr lang="en-US" sz="1600" b="0" dirty="0">
-                <a:latin typeface="SimSun" panose="02010600030101010101" pitchFamily="2" charset="-122"/>
-                <a:ea typeface="SimSun" panose="02010600030101010101" pitchFamily="2" charset="-122"/>
-              </a:rPr>
-              <a:t>@</a:t>
-            </a:r>
-            <a:r>
-              <a:rPr lang="en-US" sz="1600" b="0" dirty="0" err="1" smtClean="0">
-                <a:latin typeface="SimSun" panose="02010600030101010101" pitchFamily="2" charset="-122"/>
-                <a:ea typeface="SimSun" panose="02010600030101010101" pitchFamily="2" charset="-122"/>
-              </a:rPr>
-              <a:t>NgModule</a:t>
+              <a:t>将验证的主体放在</a:t>
+            </a:r>
+            <a:r>
+              <a:rPr lang="en-US" altLang="zh-CN" sz="1600" b="0" dirty="0" err="1" smtClean="0">
+                <a:latin typeface="SimSun" panose="02010600030101010101" pitchFamily="2" charset="-122"/>
+                <a:ea typeface="SimSun" panose="02010600030101010101" pitchFamily="2" charset="-122"/>
+              </a:rPr>
+              <a:t>ts</a:t>
             </a:r>
             <a:r>
               <a:rPr lang="zh-CN" altLang="en-US" sz="1600" b="0" dirty="0" smtClean="0">
                 <a:latin typeface="SimSun" panose="02010600030101010101" pitchFamily="2" charset="-122"/>
                 <a:ea typeface="SimSun" panose="02010600030101010101" pitchFamily="2" charset="-122"/>
               </a:rPr>
-              <a:t>内使用</a:t>
-            </a:r>
-            <a:r>
-              <a:rPr lang="en-US" sz="1600" b="0" dirty="0" err="1" smtClean="0">
-                <a:latin typeface="SimSun" panose="02010600030101010101" pitchFamily="2" charset="-122"/>
-                <a:ea typeface="SimSun" panose="02010600030101010101" pitchFamily="2" charset="-122"/>
-              </a:rPr>
-              <a:t>RouterModule</a:t>
-            </a:r>
-            <a:r>
-              <a:rPr lang="zh-CN" altLang="en-US" sz="1600" b="0" dirty="0" smtClean="0">
-                <a:latin typeface="SimSun" panose="02010600030101010101" pitchFamily="2" charset="-122"/>
-                <a:ea typeface="SimSun" panose="02010600030101010101" pitchFamily="2" charset="-122"/>
-              </a:rPr>
-              <a:t>类进行注入，他有</a:t>
-            </a:r>
-            <a:r>
-              <a:rPr lang="en-US" altLang="zh-CN" sz="1600" b="0" dirty="0" smtClean="0">
-                <a:latin typeface="SimSun" panose="02010600030101010101" pitchFamily="2" charset="-122"/>
-                <a:ea typeface="SimSun" panose="02010600030101010101" pitchFamily="2" charset="-122"/>
-              </a:rPr>
-              <a:t>2</a:t>
-            </a:r>
-            <a:r>
-              <a:rPr lang="zh-CN" altLang="en-US" sz="1600" b="0" dirty="0" smtClean="0">
-                <a:latin typeface="SimSun" panose="02010600030101010101" pitchFamily="2" charset="-122"/>
-                <a:ea typeface="SimSun" panose="02010600030101010101" pitchFamily="2" charset="-122"/>
-              </a:rPr>
-              <a:t>种模式。</a:t>
+              <a:t>代码内，验证与数据都是同步进行的。</a:t>
             </a:r>
             <a:endParaRPr lang="en-US" altLang="zh-CN" sz="1600" b="0" dirty="0" smtClean="0">
               <a:latin typeface="SimSun" panose="02010600030101010101" pitchFamily="2" charset="-122"/>
@@ -15122,62 +15424,87 @@
             </a:endParaRPr>
           </a:p>
           <a:p>
-            <a:pPr marL="285750" indent="-285750" algn="just" eaLnBrk="0" hangingPunct="0">
-              <a:spcBef>
-                <a:spcPct val="100000"/>
-              </a:spcBef>
-              <a:buFont typeface="Arial" panose="020B0604020202020204" pitchFamily="34" charset="0"/>
-              <a:buChar char="•"/>
-              <a:defRPr/>
+            <a:pPr marL="342900" indent="-342900">
+              <a:buFont typeface="+mj-lt"/>
+              <a:buAutoNum type="arabicPeriod"/>
             </a:pPr>
-            <a:r>
-              <a:rPr lang="en-US" sz="1600" b="0" dirty="0" err="1" smtClean="0">
-                <a:latin typeface="SimSun" panose="02010600030101010101" pitchFamily="2" charset="-122"/>
-                <a:ea typeface="SimSun" panose="02010600030101010101" pitchFamily="2" charset="-122"/>
-              </a:rPr>
-              <a:t>forChild</a:t>
-            </a:r>
-            <a:r>
-              <a:rPr lang="zh-CN" altLang="en-US" sz="1600" b="0" dirty="0">
-                <a:latin typeface="SimSun" panose="02010600030101010101" pitchFamily="2" charset="-122"/>
-                <a:ea typeface="SimSun" panose="02010600030101010101" pitchFamily="2" charset="-122"/>
-              </a:rPr>
-              <a:t>只能用于子模块</a:t>
-            </a:r>
-            <a:endParaRPr lang="en-US" sz="1600" b="0" dirty="0" smtClean="0">
+            <a:endParaRPr lang="en-US" altLang="ja-JP" sz="1600" b="0" dirty="0" smtClean="0">
               <a:latin typeface="SimSun" panose="02010600030101010101" pitchFamily="2" charset="-122"/>
               <a:ea typeface="SimSun" panose="02010600030101010101" pitchFamily="2" charset="-122"/>
             </a:endParaRPr>
           </a:p>
           <a:p>
-            <a:pPr marL="285750" indent="-285750" algn="just" eaLnBrk="0" hangingPunct="0">
-              <a:spcBef>
-                <a:spcPct val="100000"/>
-              </a:spcBef>
-              <a:buFont typeface="Arial" panose="020B0604020202020204" pitchFamily="34" charset="0"/>
-              <a:buChar char="•"/>
-              <a:defRPr/>
-            </a:pPr>
-            <a:r>
-              <a:rPr lang="en-US" sz="1600" b="0" dirty="0" err="1" smtClean="0">
-                <a:latin typeface="SimSun" panose="02010600030101010101" pitchFamily="2" charset="-122"/>
-                <a:ea typeface="SimSun" panose="02010600030101010101" pitchFamily="2" charset="-122"/>
-              </a:rPr>
-              <a:t>forRoot</a:t>
-            </a:r>
+            <a:endParaRPr lang="en-US" altLang="ja-JP" sz="1600" b="0" dirty="0">
+              <a:latin typeface="SimSun" panose="02010600030101010101" pitchFamily="2" charset="-122"/>
+              <a:ea typeface="SimSun" panose="02010600030101010101" pitchFamily="2" charset="-122"/>
+            </a:endParaRPr>
+          </a:p>
+          <a:p>
+            <a:endParaRPr lang="en-US" altLang="ja-JP" sz="1600" b="0" dirty="0" smtClean="0">
+              <a:latin typeface="SimSun" panose="02010600030101010101" pitchFamily="2" charset="-122"/>
+              <a:ea typeface="SimSun" panose="02010600030101010101" pitchFamily="2" charset="-122"/>
+            </a:endParaRPr>
+          </a:p>
+          <a:p>
+            <a:endParaRPr lang="en-US" altLang="ja-JP" sz="1600" b="0" dirty="0">
+              <a:latin typeface="SimSun" panose="02010600030101010101" pitchFamily="2" charset="-122"/>
+              <a:ea typeface="SimSun" panose="02010600030101010101" pitchFamily="2" charset="-122"/>
+            </a:endParaRPr>
+          </a:p>
+          <a:p>
+            <a:endParaRPr lang="en-US" altLang="ja-JP" sz="1600" b="0" dirty="0" smtClean="0">
+              <a:latin typeface="SimSun" panose="02010600030101010101" pitchFamily="2" charset="-122"/>
+              <a:ea typeface="SimSun" panose="02010600030101010101" pitchFamily="2" charset="-122"/>
+            </a:endParaRPr>
+          </a:p>
+          <a:p>
+            <a:endParaRPr lang="en-US" altLang="ja-JP" sz="1600" b="0" dirty="0">
+              <a:latin typeface="SimSun" panose="02010600030101010101" pitchFamily="2" charset="-122"/>
+              <a:ea typeface="SimSun" panose="02010600030101010101" pitchFamily="2" charset="-122"/>
+            </a:endParaRPr>
+          </a:p>
+          <a:p>
             <a:r>
               <a:rPr lang="zh-CN" altLang="en-US" sz="1600" b="0" dirty="0">
                 <a:latin typeface="SimSun" panose="02010600030101010101" pitchFamily="2" charset="-122"/>
                 <a:ea typeface="SimSun" panose="02010600030101010101" pitchFamily="2" charset="-122"/>
               </a:rPr>
-              <a:t>只能用于跟</a:t>
+              <a:t>两</a:t>
             </a:r>
             <a:r>
               <a:rPr lang="zh-CN" altLang="en-US" sz="1600" b="0" dirty="0" smtClean="0">
                 <a:latin typeface="SimSun" panose="02010600030101010101" pitchFamily="2" charset="-122"/>
                 <a:ea typeface="SimSun" panose="02010600030101010101" pitchFamily="2" charset="-122"/>
               </a:rPr>
-              <a:t>模块</a:t>
+              <a:t>种验证方式的区别</a:t>
+            </a:r>
+            <a:r>
+              <a:rPr lang="zh-CN" altLang="en-US" sz="1600" b="0" dirty="0">
+                <a:latin typeface="SimSun" panose="02010600030101010101" pitchFamily="2" charset="-122"/>
+                <a:ea typeface="SimSun" panose="02010600030101010101" pitchFamily="2" charset="-122"/>
+              </a:rPr>
+              <a:t>主</a:t>
+            </a:r>
+            <a:r>
+              <a:rPr lang="zh-CN" altLang="en-US" sz="1600" b="0" dirty="0" smtClean="0">
+                <a:latin typeface="SimSun" panose="02010600030101010101" pitchFamily="2" charset="-122"/>
+                <a:ea typeface="SimSun" panose="02010600030101010101" pitchFamily="2" charset="-122"/>
+              </a:rPr>
+              <a:t>要</a:t>
+            </a:r>
+            <a:r>
+              <a:rPr lang="zh-CN" altLang="en-US" sz="1600" b="0" dirty="0">
+                <a:latin typeface="SimSun" panose="02010600030101010101" pitchFamily="2" charset="-122"/>
+                <a:ea typeface="SimSun" panose="02010600030101010101" pitchFamily="2" charset="-122"/>
+              </a:rPr>
+              <a:t>在</a:t>
+            </a:r>
+            <a:r>
+              <a:rPr lang="zh-CN" altLang="en-US" sz="1600" b="0" dirty="0" smtClean="0">
+                <a:latin typeface="SimSun" panose="02010600030101010101" pitchFamily="2" charset="-122"/>
+                <a:ea typeface="SimSun" panose="02010600030101010101" pitchFamily="2" charset="-122"/>
+              </a:rPr>
+              <a:t>于响应的方式，模版驱动表单是异步的，响应式表单是同步的。</a:t>
             </a:r>
             <a:endParaRPr lang="en-US" altLang="zh-CN" sz="1600" b="0" dirty="0" smtClean="0">
               <a:latin typeface="SimSun" panose="02010600030101010101" pitchFamily="2" charset="-122"/>
@@ -15185,375 +15512,65 @@
             </a:endParaRPr>
           </a:p>
           <a:p>
-            <a:pPr marL="285750" indent="-285750" algn="just" eaLnBrk="0" hangingPunct="0">
-              <a:spcBef>
-                <a:spcPct val="100000"/>
-              </a:spcBef>
-              <a:buFont typeface="Arial" panose="020B0604020202020204" pitchFamily="34" charset="0"/>
-              <a:buChar char="•"/>
-              <a:defRPr/>
-            </a:pPr>
-            <a:endParaRPr lang="en-US" sz="1600" b="0" dirty="0">
+            <a:r>
+              <a:rPr lang="zh-CN" altLang="en-US" sz="1600" b="0" dirty="0">
+                <a:latin typeface="SimSun" panose="02010600030101010101" pitchFamily="2" charset="-122"/>
+                <a:ea typeface="SimSun" panose="02010600030101010101" pitchFamily="2" charset="-122"/>
+              </a:rPr>
+              <a:t>模版</a:t>
+            </a:r>
+            <a:r>
+              <a:rPr lang="zh-CN" altLang="en-US" sz="1600" b="0" dirty="0">
+                <a:latin typeface="SimSun" panose="02010600030101010101" pitchFamily="2" charset="-122"/>
+                <a:ea typeface="SimSun" panose="02010600030101010101" pitchFamily="2" charset="-122"/>
+              </a:rPr>
+              <a:t>驱动表</a:t>
+            </a:r>
+            <a:r>
+              <a:rPr lang="zh-CN" altLang="en-US" sz="1600" b="0" dirty="0">
+                <a:latin typeface="SimSun" panose="02010600030101010101" pitchFamily="2" charset="-122"/>
+                <a:ea typeface="SimSun" panose="02010600030101010101" pitchFamily="2" charset="-122"/>
+              </a:rPr>
+              <a:t>单</a:t>
+            </a:r>
+            <a:r>
+              <a:rPr lang="zh-CN" altLang="en-US" sz="1600" b="0" dirty="0">
+                <a:latin typeface="SimSun" panose="02010600030101010101" pitchFamily="2" charset="-122"/>
+                <a:ea typeface="SimSun" panose="02010600030101010101" pitchFamily="2" charset="-122"/>
+              </a:rPr>
+              <a:t>会委托指令来创建它们的表单控件。 为了消除“检查完后又变化了”的错误，这些指令需要消耗一个以上的变更检测周期来构建整个控件树。 这意味着在从组件类中操纵任何控件之前，我们都必须先等待一个节拍。</a:t>
+            </a:r>
+            <a:endParaRPr lang="en-US" altLang="ja-JP" sz="1600" b="0" dirty="0">
               <a:latin typeface="SimSun" panose="02010600030101010101" pitchFamily="2" charset="-122"/>
               <a:ea typeface="SimSun" panose="02010600030101010101" pitchFamily="2" charset="-122"/>
             </a:endParaRPr>
           </a:p>
           <a:p>
-            <a:pPr algn="just" eaLnBrk="0" hangingPunct="0">
-              <a:spcBef>
-                <a:spcPct val="100000"/>
-              </a:spcBef>
-              <a:defRPr/>
+            <a:pPr marL="342900" indent="-342900">
+              <a:buFont typeface="+mj-lt"/>
+              <a:buAutoNum type="arabicPeriod"/>
             </a:pPr>
-            <a:r>
-              <a:rPr lang="en-US" sz="1600" b="0" dirty="0" err="1" smtClean="0">
-                <a:latin typeface="SimSun" panose="02010600030101010101" pitchFamily="2" charset="-122"/>
-                <a:ea typeface="SimSun" panose="02010600030101010101" pitchFamily="2" charset="-122"/>
-              </a:rPr>
-              <a:t>forRoot</a:t>
-            </a:r>
-            <a:r>
-              <a:rPr lang="zh-CN" altLang="en-US" sz="1600" b="0" dirty="0" smtClean="0">
-                <a:latin typeface="SimSun" panose="02010600030101010101" pitchFamily="2" charset="-122"/>
-                <a:ea typeface="SimSun" panose="02010600030101010101" pitchFamily="2" charset="-122"/>
-              </a:rPr>
-              <a:t>需要一个</a:t>
-            </a:r>
-            <a:r>
-              <a:rPr lang="en-US" altLang="zh-CN" sz="1600" dirty="0" smtClean="0">
-                <a:latin typeface="SimSun" panose="02010600030101010101" pitchFamily="2" charset="-122"/>
-                <a:ea typeface="SimSun" panose="02010600030101010101" pitchFamily="2" charset="-122"/>
-              </a:rPr>
-              <a:t>Route</a:t>
-            </a:r>
-            <a:r>
-              <a:rPr lang="zh-CN" altLang="en-US" sz="1600" b="0" dirty="0" smtClean="0">
-                <a:latin typeface="SimSun" panose="02010600030101010101" pitchFamily="2" charset="-122"/>
-                <a:ea typeface="SimSun" panose="02010600030101010101" pitchFamily="2" charset="-122"/>
-              </a:rPr>
-              <a:t>的数组和以下可选参数</a:t>
-            </a:r>
-            <a:endParaRPr lang="en-US" altLang="zh-CN" sz="1600" b="0" dirty="0" smtClean="0">
+            <a:endParaRPr lang="en-US" altLang="ja-JP" sz="1600" b="0" dirty="0">
               <a:latin typeface="SimSun" panose="02010600030101010101" pitchFamily="2" charset="-122"/>
               <a:ea typeface="SimSun" panose="02010600030101010101" pitchFamily="2" charset="-122"/>
             </a:endParaRPr>
           </a:p>
           <a:p>
-            <a:pPr marL="342900" indent="-342900" algn="just" eaLnBrk="0" hangingPunct="0">
-              <a:spcBef>
-                <a:spcPct val="100000"/>
-              </a:spcBef>
+            <a:pPr marL="342900" indent="-342900">
               <a:buFont typeface="+mj-lt"/>
               <a:buAutoNum type="arabicPeriod"/>
-              <a:defRPr/>
             </a:pPr>
-            <a:r>
-              <a:rPr lang="en-US" altLang="zh-CN" sz="1600" b="0" dirty="0" err="1" smtClean="0">
-                <a:latin typeface="SimSun" panose="02010600030101010101" pitchFamily="2" charset="-122"/>
-                <a:ea typeface="SimSun" panose="02010600030101010101" pitchFamily="2" charset="-122"/>
-              </a:rPr>
-              <a:t>enableTracing</a:t>
-            </a:r>
-            <a:r>
-              <a:rPr lang="en-US" altLang="zh-CN" sz="1600" b="0" dirty="0" smtClean="0">
-                <a:latin typeface="SimSun" panose="02010600030101010101" pitchFamily="2" charset="-122"/>
-                <a:ea typeface="SimSun" panose="02010600030101010101" pitchFamily="2" charset="-122"/>
-              </a:rPr>
-              <a:t> </a:t>
-            </a:r>
-            <a:r>
-              <a:rPr lang="zh-CN" altLang="en-US" sz="1600" b="0" dirty="0" smtClean="0">
-                <a:latin typeface="SimSun" panose="02010600030101010101" pitchFamily="2" charset="-122"/>
-                <a:ea typeface="SimSun" panose="02010600030101010101" pitchFamily="2" charset="-122"/>
-              </a:rPr>
-              <a:t>（</a:t>
-            </a:r>
-            <a:r>
-              <a:rPr lang="zh-CN" altLang="en-US" sz="1600" b="0" dirty="0">
-                <a:latin typeface="SimSun" panose="02010600030101010101" pitchFamily="2" charset="-122"/>
-                <a:ea typeface="SimSun" panose="02010600030101010101" pitchFamily="2" charset="-122"/>
-              </a:rPr>
-              <a:t>在</a:t>
-            </a:r>
-            <a:r>
-              <a:rPr lang="en-US" altLang="zh-CN" sz="1600" b="0" dirty="0">
-                <a:latin typeface="SimSun" panose="02010600030101010101" pitchFamily="2" charset="-122"/>
-                <a:ea typeface="SimSun" panose="02010600030101010101" pitchFamily="2" charset="-122"/>
-              </a:rPr>
-              <a:t>console.log</a:t>
-            </a:r>
-            <a:r>
-              <a:rPr lang="zh-CN" altLang="en-US" sz="1600" b="0" dirty="0">
-                <a:latin typeface="SimSun" panose="02010600030101010101" pitchFamily="2" charset="-122"/>
-                <a:ea typeface="SimSun" panose="02010600030101010101" pitchFamily="2" charset="-122"/>
-              </a:rPr>
-              <a:t>中打印出路由内部事件信息</a:t>
-            </a:r>
-            <a:r>
-              <a:rPr lang="zh-CN" altLang="en-US" sz="1600" b="0" dirty="0" smtClean="0">
-                <a:latin typeface="SimSun" panose="02010600030101010101" pitchFamily="2" charset="-122"/>
-                <a:ea typeface="SimSun" panose="02010600030101010101" pitchFamily="2" charset="-122"/>
-              </a:rPr>
-              <a:t>）</a:t>
-            </a:r>
-            <a:endParaRPr lang="en-US" altLang="zh-CN" sz="1600" b="0" dirty="0" smtClean="0">
+            <a:endParaRPr lang="ja-JP" altLang="en-US" sz="1600" b="0" dirty="0">
               <a:latin typeface="SimSun" panose="02010600030101010101" pitchFamily="2" charset="-122"/>
               <a:ea typeface="SimSun" panose="02010600030101010101" pitchFamily="2" charset="-122"/>
             </a:endParaRPr>
           </a:p>
           <a:p>
-            <a:pPr marL="342900" indent="-342900" algn="just" eaLnBrk="0" hangingPunct="0">
-              <a:spcBef>
-                <a:spcPct val="100000"/>
-              </a:spcBef>
+            <a:pPr marL="342900" indent="-342900">
               <a:buFont typeface="+mj-lt"/>
               <a:buAutoNum type="arabicPeriod"/>
-              <a:defRPr/>
             </a:pPr>
-            <a:r>
-              <a:rPr lang="en-US" altLang="zh-CN" sz="1600" b="0" dirty="0" err="1">
-                <a:latin typeface="SimSun" panose="02010600030101010101" pitchFamily="2" charset="-122"/>
-                <a:ea typeface="SimSun" panose="02010600030101010101" pitchFamily="2" charset="-122"/>
-              </a:rPr>
-              <a:t>useHash</a:t>
-            </a:r>
-            <a:r>
-              <a:rPr lang="en-US" altLang="zh-CN" sz="1600" b="0" dirty="0">
-                <a:latin typeface="SimSun" panose="02010600030101010101" pitchFamily="2" charset="-122"/>
-                <a:ea typeface="SimSun" panose="02010600030101010101" pitchFamily="2" charset="-122"/>
-              </a:rPr>
-              <a:t> </a:t>
-            </a:r>
-            <a:r>
-              <a:rPr lang="zh-CN" altLang="en-US" sz="1600" b="0" dirty="0" smtClean="0">
-                <a:latin typeface="SimSun" panose="02010600030101010101" pitchFamily="2" charset="-122"/>
-                <a:ea typeface="SimSun" panose="02010600030101010101" pitchFamily="2" charset="-122"/>
-              </a:rPr>
-              <a:t>（</a:t>
-            </a:r>
-            <a:r>
-              <a:rPr lang="zh-CN" altLang="en-US" sz="1600" b="0" dirty="0">
-                <a:latin typeface="SimSun" panose="02010600030101010101" pitchFamily="2" charset="-122"/>
-                <a:ea typeface="SimSun" panose="02010600030101010101" pitchFamily="2" charset="-122"/>
-              </a:rPr>
-              <a:t>把</a:t>
-            </a:r>
-            <a:r>
-              <a:rPr lang="en-US" altLang="zh-CN" sz="1600" b="0" dirty="0" err="1" smtClean="0">
-                <a:latin typeface="SimSun" panose="02010600030101010101" pitchFamily="2" charset="-122"/>
-                <a:ea typeface="SimSun" panose="02010600030101010101" pitchFamily="2" charset="-122"/>
-              </a:rPr>
-              <a:t>url</a:t>
-            </a:r>
-            <a:r>
-              <a:rPr lang="zh-CN" altLang="en-US" sz="1600" b="0" dirty="0" smtClean="0">
-                <a:latin typeface="SimSun" panose="02010600030101010101" pitchFamily="2" charset="-122"/>
-                <a:ea typeface="SimSun" panose="02010600030101010101" pitchFamily="2" charset="-122"/>
-              </a:rPr>
-              <a:t>风格，默认为</a:t>
-            </a:r>
-            <a:r>
-              <a:rPr lang="en-US" altLang="zh-CN" sz="1600" b="0" dirty="0" smtClean="0">
-                <a:latin typeface="SimSun" panose="02010600030101010101" pitchFamily="2" charset="-122"/>
-                <a:ea typeface="SimSun" panose="02010600030101010101" pitchFamily="2" charset="-122"/>
-              </a:rPr>
-              <a:t>html5</a:t>
-            </a:r>
-            <a:r>
-              <a:rPr lang="zh-CN" altLang="en-US" sz="1600" b="0" dirty="0" smtClean="0">
-                <a:latin typeface="SimSun" panose="02010600030101010101" pitchFamily="2" charset="-122"/>
-                <a:ea typeface="SimSun" panose="02010600030101010101" pitchFamily="2" charset="-122"/>
-              </a:rPr>
-              <a:t>风格为</a:t>
-            </a:r>
-            <a:r>
-              <a:rPr lang="en-US" altLang="zh-CN" sz="1600" b="0" dirty="0" smtClean="0">
-                <a:latin typeface="SimSun" panose="02010600030101010101" pitchFamily="2" charset="-122"/>
-                <a:ea typeface="SimSun" panose="02010600030101010101" pitchFamily="2" charset="-122"/>
-              </a:rPr>
-              <a:t>false</a:t>
-            </a:r>
-            <a:r>
-              <a:rPr lang="zh-CN" altLang="en-US" sz="1600" b="0" dirty="0" smtClean="0">
-                <a:latin typeface="SimSun" panose="02010600030101010101" pitchFamily="2" charset="-122"/>
-                <a:ea typeface="SimSun" panose="02010600030101010101" pitchFamily="2" charset="-122"/>
-              </a:rPr>
-              <a:t>，</a:t>
-            </a:r>
-            <a:r>
-              <a:rPr lang="en-US" altLang="zh-CN" sz="1600" b="0" dirty="0" smtClean="0">
-                <a:latin typeface="SimSun" panose="02010600030101010101" pitchFamily="2" charset="-122"/>
-                <a:ea typeface="SimSun" panose="02010600030101010101" pitchFamily="2" charset="-122"/>
-              </a:rPr>
-              <a:t>true</a:t>
-            </a:r>
-            <a:r>
-              <a:rPr lang="zh-CN" altLang="en-US" sz="1600" b="0" dirty="0" smtClean="0">
-                <a:latin typeface="SimSun" panose="02010600030101010101" pitchFamily="2" charset="-122"/>
-                <a:ea typeface="SimSun" panose="02010600030101010101" pitchFamily="2" charset="-122"/>
-              </a:rPr>
-              <a:t>为</a:t>
-            </a:r>
-            <a:r>
-              <a:rPr lang="en-US" altLang="zh-CN" sz="1600" b="0" dirty="0" smtClean="0">
-                <a:latin typeface="SimSun" panose="02010600030101010101" pitchFamily="2" charset="-122"/>
-                <a:ea typeface="SimSun" panose="02010600030101010101" pitchFamily="2" charset="-122"/>
-              </a:rPr>
-              <a:t>hash</a:t>
-            </a:r>
-            <a:r>
-              <a:rPr lang="zh-CN" altLang="en-US" sz="1600" b="0" dirty="0">
-                <a:latin typeface="SimSun" panose="02010600030101010101" pitchFamily="2" charset="-122"/>
-                <a:ea typeface="SimSun" panose="02010600030101010101" pitchFamily="2" charset="-122"/>
-              </a:rPr>
-              <a:t>风格</a:t>
-            </a:r>
-            <a:r>
-              <a:rPr lang="zh-CN" altLang="en-US" sz="1600" b="0" dirty="0" smtClean="0">
-                <a:latin typeface="SimSun" panose="02010600030101010101" pitchFamily="2" charset="-122"/>
-                <a:ea typeface="SimSun" panose="02010600030101010101" pitchFamily="2" charset="-122"/>
-              </a:rPr>
-              <a:t>）</a:t>
-            </a:r>
             <a:endParaRPr lang="en-US" altLang="zh-CN" sz="1600" b="0" dirty="0" smtClean="0">
-              <a:latin typeface="SimSun" panose="02010600030101010101" pitchFamily="2" charset="-122"/>
-              <a:ea typeface="SimSun" panose="02010600030101010101" pitchFamily="2" charset="-122"/>
-            </a:endParaRPr>
-          </a:p>
-          <a:p>
-            <a:pPr marL="342900" indent="-342900" algn="just" eaLnBrk="0" hangingPunct="0">
-              <a:spcBef>
-                <a:spcPct val="100000"/>
-              </a:spcBef>
-              <a:buFont typeface="+mj-lt"/>
-              <a:buAutoNum type="arabicPeriod"/>
-              <a:defRPr/>
-            </a:pPr>
-            <a:r>
-              <a:rPr lang="en-US" altLang="zh-CN" sz="1600" b="0" dirty="0" err="1" smtClean="0">
-                <a:latin typeface="SimSun" panose="02010600030101010101" pitchFamily="2" charset="-122"/>
-                <a:ea typeface="SimSun" panose="02010600030101010101" pitchFamily="2" charset="-122"/>
-              </a:rPr>
-              <a:t>initialNavigation</a:t>
-            </a:r>
-            <a:r>
-              <a:rPr lang="en-US" altLang="zh-CN" sz="1600" b="0" dirty="0" smtClean="0">
-                <a:latin typeface="SimSun" panose="02010600030101010101" pitchFamily="2" charset="-122"/>
-                <a:ea typeface="SimSun" panose="02010600030101010101" pitchFamily="2" charset="-122"/>
-              </a:rPr>
-              <a:t> </a:t>
-            </a:r>
-            <a:r>
-              <a:rPr lang="zh-CN" altLang="en-US" sz="1600" b="0" dirty="0" smtClean="0">
-                <a:latin typeface="SimSun" panose="02010600030101010101" pitchFamily="2" charset="-122"/>
-                <a:ea typeface="SimSun" panose="02010600030101010101" pitchFamily="2" charset="-122"/>
-              </a:rPr>
-              <a:t>（</a:t>
-            </a:r>
-            <a:r>
-              <a:rPr lang="zh-CN" altLang="en-US" sz="1600" b="0" dirty="0">
-                <a:latin typeface="SimSun" panose="02010600030101010101" pitchFamily="2" charset="-122"/>
-                <a:ea typeface="SimSun" panose="02010600030101010101" pitchFamily="2" charset="-122"/>
-              </a:rPr>
-              <a:t>禁用初始</a:t>
-            </a:r>
-            <a:r>
-              <a:rPr lang="zh-CN" altLang="en-US" sz="1600" b="0" dirty="0" smtClean="0">
-                <a:latin typeface="SimSun" panose="02010600030101010101" pitchFamily="2" charset="-122"/>
-                <a:ea typeface="SimSun" panose="02010600030101010101" pitchFamily="2" charset="-122"/>
-              </a:rPr>
-              <a:t>导航</a:t>
-            </a:r>
-            <a:r>
-              <a:rPr lang="en-US" altLang="zh-CN" sz="1600" b="0" dirty="0">
-                <a:latin typeface="SimSun" panose="02010600030101010101" pitchFamily="2" charset="-122"/>
-                <a:ea typeface="SimSun" panose="02010600030101010101" pitchFamily="2" charset="-122"/>
-              </a:rPr>
-              <a:t>base </a:t>
-            </a:r>
-            <a:r>
-              <a:rPr lang="en-US" altLang="zh-CN" sz="1600" b="0" dirty="0" err="1">
-                <a:latin typeface="SimSun" panose="02010600030101010101" pitchFamily="2" charset="-122"/>
-                <a:ea typeface="SimSun" panose="02010600030101010101" pitchFamily="2" charset="-122"/>
-              </a:rPr>
-              <a:t>href</a:t>
-            </a:r>
-            <a:r>
-              <a:rPr lang="en-US" altLang="zh-CN" sz="1600" b="0" dirty="0">
-                <a:latin typeface="SimSun" panose="02010600030101010101" pitchFamily="2" charset="-122"/>
-                <a:ea typeface="SimSun" panose="02010600030101010101" pitchFamily="2" charset="-122"/>
-              </a:rPr>
-              <a:t>=“/”</a:t>
-            </a:r>
-            <a:r>
-              <a:rPr lang="zh-CN" altLang="en-US" sz="1600" b="0" dirty="0" smtClean="0">
-                <a:latin typeface="SimSun" panose="02010600030101010101" pitchFamily="2" charset="-122"/>
-                <a:ea typeface="SimSun" panose="02010600030101010101" pitchFamily="2" charset="-122"/>
-              </a:rPr>
-              <a:t>）</a:t>
-            </a:r>
-            <a:endParaRPr lang="en-US" altLang="zh-CN" sz="1600" b="0" dirty="0" smtClean="0">
-              <a:latin typeface="SimSun" panose="02010600030101010101" pitchFamily="2" charset="-122"/>
-              <a:ea typeface="SimSun" panose="02010600030101010101" pitchFamily="2" charset="-122"/>
-            </a:endParaRPr>
-          </a:p>
-          <a:p>
-            <a:pPr marL="342900" indent="-342900" algn="just" eaLnBrk="0" hangingPunct="0">
-              <a:spcBef>
-                <a:spcPct val="100000"/>
-              </a:spcBef>
-              <a:buFont typeface="+mj-lt"/>
-              <a:buAutoNum type="arabicPeriod"/>
-              <a:defRPr/>
-            </a:pPr>
-            <a:r>
-              <a:rPr lang="en-US" altLang="zh-CN" sz="1600" b="0" dirty="0" err="1">
-                <a:latin typeface="SimSun" panose="02010600030101010101" pitchFamily="2" charset="-122"/>
-                <a:ea typeface="SimSun" panose="02010600030101010101" pitchFamily="2" charset="-122"/>
-              </a:rPr>
-              <a:t>errorHandler</a:t>
-            </a:r>
-            <a:r>
-              <a:rPr lang="en-US" altLang="zh-CN" sz="1600" b="0" dirty="0">
-                <a:latin typeface="SimSun" panose="02010600030101010101" pitchFamily="2" charset="-122"/>
-                <a:ea typeface="SimSun" panose="02010600030101010101" pitchFamily="2" charset="-122"/>
-              </a:rPr>
-              <a:t> </a:t>
-            </a:r>
-            <a:r>
-              <a:rPr lang="zh-CN" altLang="en-US" sz="1600" b="0" dirty="0" smtClean="0">
-                <a:latin typeface="SimSun" panose="02010600030101010101" pitchFamily="2" charset="-122"/>
-                <a:ea typeface="SimSun" panose="02010600030101010101" pitchFamily="2" charset="-122"/>
-              </a:rPr>
-              <a:t>（</a:t>
-            </a:r>
-            <a:r>
-              <a:rPr lang="zh-CN" altLang="en-US" sz="1600" b="0" dirty="0">
-                <a:latin typeface="SimSun" panose="02010600030101010101" pitchFamily="2" charset="-122"/>
-                <a:ea typeface="SimSun" panose="02010600030101010101" pitchFamily="2" charset="-122"/>
-              </a:rPr>
-              <a:t>使用自定义的错误处理，来抛出报错信息</a:t>
-            </a:r>
-            <a:r>
-              <a:rPr lang="zh-CN" altLang="en-US" sz="1600" b="0" dirty="0" smtClean="0">
-                <a:latin typeface="SimSun" panose="02010600030101010101" pitchFamily="2" charset="-122"/>
-                <a:ea typeface="SimSun" panose="02010600030101010101" pitchFamily="2" charset="-122"/>
-              </a:rPr>
-              <a:t>）</a:t>
-            </a:r>
-            <a:endParaRPr lang="en-US" altLang="zh-CN" sz="1600" b="0" dirty="0" smtClean="0">
-              <a:latin typeface="SimSun" panose="02010600030101010101" pitchFamily="2" charset="-122"/>
-              <a:ea typeface="SimSun" panose="02010600030101010101" pitchFamily="2" charset="-122"/>
-            </a:endParaRPr>
-          </a:p>
-          <a:p>
-            <a:pPr algn="just" eaLnBrk="0" hangingPunct="0">
-              <a:spcBef>
-                <a:spcPct val="100000"/>
-              </a:spcBef>
-              <a:defRPr/>
-            </a:pPr>
-            <a:endParaRPr lang="en-US" sz="1600" b="0" dirty="0">
               <a:latin typeface="SimSun" panose="02010600030101010101" pitchFamily="2" charset="-122"/>
               <a:ea typeface="SimSun" panose="02010600030101010101" pitchFamily="2" charset="-122"/>
             </a:endParaRPr>
@@ -15706,18 +15723,11 @@
           <a:lstStyle/>
           <a:p>
             <a:r>
-              <a:rPr lang="en-US" altLang="zh-CN" sz="2800" dirty="0">
-                <a:latin typeface="SimSun" panose="02010600030101010101" pitchFamily="2" charset="-122"/>
-                <a:ea typeface="SimSun" panose="02010600030101010101" pitchFamily="2" charset="-122"/>
-              </a:rPr>
-              <a:t>Router</a:t>
-            </a:r>
-            <a:r>
               <a:rPr lang="zh-CN" altLang="en-US" sz="2800" dirty="0">
                 <a:latin typeface="SimSun" panose="02010600030101010101" pitchFamily="2" charset="-122"/>
                 <a:ea typeface="SimSun" panose="02010600030101010101" pitchFamily="2" charset="-122"/>
               </a:rPr>
-              <a:t>与画面关联</a:t>
+              <a:t>模板驱动式表单</a:t>
             </a:r>
             <a:endParaRPr lang="en-US" sz="2800" dirty="0">
               <a:latin typeface="SimSun" panose="02010600030101010101" pitchFamily="2" charset="-122"/>
@@ -15755,122 +15765,131 @@
           <a:lstStyle/>
           <a:p>
             <a:r>
-              <a:rPr lang="en-US" altLang="zh-CN" sz="1600" dirty="0" smtClean="0">
-                <a:latin typeface="SimSun" panose="02010600030101010101" pitchFamily="2" charset="-122"/>
-                <a:ea typeface="SimSun" panose="02010600030101010101" pitchFamily="2" charset="-122"/>
-              </a:rPr>
-              <a:t>Angular</a:t>
+              <a:rPr lang="zh-CN" altLang="en-US" sz="1600" b="0" dirty="0">
+                <a:latin typeface="SimSun" panose="02010600030101010101" pitchFamily="2" charset="-122"/>
+                <a:ea typeface="SimSun" panose="02010600030101010101" pitchFamily="2" charset="-122"/>
+              </a:rPr>
+              <a:t>整体验证方式以控件为主，通过</a:t>
+            </a:r>
+            <a:r>
+              <a:rPr lang="en-US" altLang="zh-CN" sz="1600" b="0" dirty="0" err="1">
+                <a:latin typeface="SimSun" panose="02010600030101010101" pitchFamily="2" charset="-122"/>
+                <a:ea typeface="SimSun" panose="02010600030101010101" pitchFamily="2" charset="-122"/>
+              </a:rPr>
+              <a:t>ngModel</a:t>
+            </a:r>
+            <a:r>
+              <a:rPr lang="zh-CN" altLang="en-US" sz="1600" b="0" dirty="0">
+                <a:latin typeface="SimSun" panose="02010600030101010101" pitchFamily="2" charset="-122"/>
+                <a:ea typeface="SimSun" panose="02010600030101010101" pitchFamily="2" charset="-122"/>
+              </a:rPr>
+              <a:t>绑定数据模型，直接将控件上添加要验证的内容，在</a:t>
+            </a:r>
+            <a:r>
+              <a:rPr lang="en-US" altLang="zh-CN" sz="1600" b="0" dirty="0" err="1">
+                <a:latin typeface="SimSun" panose="02010600030101010101" pitchFamily="2" charset="-122"/>
+                <a:ea typeface="SimSun" panose="02010600030101010101" pitchFamily="2" charset="-122"/>
+              </a:rPr>
+              <a:t>ts</a:t>
+            </a:r>
+            <a:r>
+              <a:rPr lang="zh-CN" altLang="en-US" sz="1600" b="0" dirty="0">
+                <a:latin typeface="SimSun" panose="02010600030101010101" pitchFamily="2" charset="-122"/>
+                <a:ea typeface="SimSun" panose="02010600030101010101" pitchFamily="2" charset="-122"/>
+              </a:rPr>
+              <a:t>内不用创建控件的对象，这样</a:t>
+            </a:r>
+            <a:r>
+              <a:rPr lang="en-US" altLang="zh-CN" sz="1600" b="0" dirty="0" err="1">
+                <a:latin typeface="SimSun" panose="02010600030101010101" pitchFamily="2" charset="-122"/>
+                <a:ea typeface="SimSun" panose="02010600030101010101" pitchFamily="2" charset="-122"/>
+              </a:rPr>
+              <a:t>ts</a:t>
+            </a:r>
+            <a:r>
+              <a:rPr lang="zh-CN" altLang="en-US" sz="1600" b="0" dirty="0">
+                <a:latin typeface="SimSun" panose="02010600030101010101" pitchFamily="2" charset="-122"/>
+                <a:ea typeface="SimSun" panose="02010600030101010101" pitchFamily="2" charset="-122"/>
+              </a:rPr>
+              <a:t>内部代码量更小</a:t>
             </a:r>
             <a:r>
               <a:rPr lang="zh-CN" altLang="en-US" sz="1600" b="0" dirty="0" smtClean="0">
                 <a:latin typeface="SimSun" panose="02010600030101010101" pitchFamily="2" charset="-122"/>
                 <a:ea typeface="SimSun" panose="02010600030101010101" pitchFamily="2" charset="-122"/>
               </a:rPr>
-              <a:t>是一款区域性静态刷新框架，它通过</a:t>
-            </a:r>
-            <a:r>
-              <a:rPr lang="en-US" altLang="zh-CN" sz="1600" b="0" dirty="0" smtClean="0">
-                <a:latin typeface="SimSun" panose="02010600030101010101" pitchFamily="2" charset="-122"/>
-                <a:ea typeface="SimSun" panose="02010600030101010101" pitchFamily="2" charset="-122"/>
-              </a:rPr>
-              <a:t>html</a:t>
-            </a:r>
+              <a:t>。</a:t>
+            </a:r>
+            <a:endParaRPr lang="en-US" altLang="zh-CN" sz="1600" b="0" dirty="0" smtClean="0">
+              <a:latin typeface="SimSun" panose="02010600030101010101" pitchFamily="2" charset="-122"/>
+              <a:ea typeface="SimSun" panose="02010600030101010101" pitchFamily="2" charset="-122"/>
+            </a:endParaRPr>
+          </a:p>
+          <a:p>
             <a:r>
               <a:rPr lang="zh-CN" altLang="en-US" sz="1600" b="0" dirty="0" smtClean="0">
                 <a:latin typeface="SimSun" panose="02010600030101010101" pitchFamily="2" charset="-122"/>
                 <a:ea typeface="SimSun" panose="02010600030101010101" pitchFamily="2" charset="-122"/>
               </a:rPr>
-              <a:t>使用</a:t>
-            </a:r>
-            <a:r>
-              <a:rPr lang="en-US" altLang="zh-CN" sz="1600" b="0" dirty="0" smtClean="0">
-                <a:latin typeface="SimSun" panose="02010600030101010101" pitchFamily="2" charset="-122"/>
-                <a:ea typeface="SimSun" panose="02010600030101010101" pitchFamily="2" charset="-122"/>
-              </a:rPr>
-              <a:t>&lt;router-outlet&gt;</a:t>
-            </a:r>
-            <a:r>
-              <a:rPr lang="zh-CN" altLang="en-US" sz="1600" b="0" dirty="0" smtClean="0">
-                <a:latin typeface="SimSun" panose="02010600030101010101" pitchFamily="2" charset="-122"/>
-                <a:ea typeface="SimSun" panose="02010600030101010101" pitchFamily="2" charset="-122"/>
-              </a:rPr>
-              <a:t>来指定静态刷新的区域，通过</a:t>
-            </a:r>
-            <a:r>
-              <a:rPr lang="en-US" altLang="zh-CN" sz="1600" b="0" dirty="0" smtClean="0">
-                <a:latin typeface="SimSun" panose="02010600030101010101" pitchFamily="2" charset="-122"/>
-                <a:ea typeface="SimSun" panose="02010600030101010101" pitchFamily="2" charset="-122"/>
-              </a:rPr>
-              <a:t>router</a:t>
-            </a:r>
-            <a:r>
-              <a:rPr lang="zh-CN" altLang="en-US" sz="1600" b="0" dirty="0" smtClean="0">
-                <a:latin typeface="SimSun" panose="02010600030101010101" pitchFamily="2" charset="-122"/>
-                <a:ea typeface="SimSun" panose="02010600030101010101" pitchFamily="2" charset="-122"/>
-              </a:rPr>
-              <a:t>来关联对应</a:t>
-            </a:r>
-            <a:r>
-              <a:rPr lang="en-US" altLang="zh-CN" sz="1600" b="0" dirty="0" smtClean="0">
-                <a:latin typeface="SimSun" panose="02010600030101010101" pitchFamily="2" charset="-122"/>
-                <a:ea typeface="SimSun" panose="02010600030101010101" pitchFamily="2" charset="-122"/>
-              </a:rPr>
-              <a:t>URL</a:t>
-            </a:r>
-            <a:r>
-              <a:rPr lang="zh-CN" altLang="en-US" sz="1600" b="0" dirty="0" smtClean="0">
-                <a:latin typeface="SimSun" panose="02010600030101010101" pitchFamily="2" charset="-122"/>
-                <a:ea typeface="SimSun" panose="02010600030101010101" pitchFamily="2" charset="-122"/>
-              </a:rPr>
-              <a:t>所指定的</a:t>
-            </a:r>
-            <a:r>
-              <a:rPr lang="en-US" altLang="zh-CN" sz="1600" b="0" dirty="0" smtClean="0">
-                <a:latin typeface="SimSun" panose="02010600030101010101" pitchFamily="2" charset="-122"/>
-                <a:ea typeface="SimSun" panose="02010600030101010101" pitchFamily="2" charset="-122"/>
-              </a:rPr>
-              <a:t>Components</a:t>
-            </a:r>
-            <a:r>
-              <a:rPr lang="zh-CN" altLang="en-US" sz="1600" b="0" dirty="0" smtClean="0">
-                <a:latin typeface="SimSun" panose="02010600030101010101" pitchFamily="2" charset="-122"/>
-                <a:ea typeface="SimSun" panose="02010600030101010101" pitchFamily="2" charset="-122"/>
-              </a:rPr>
-              <a:t>。实现地址和对应画面的分离，已达到解耦目的。在画面加载时会使用</a:t>
-            </a:r>
-            <a:r>
-              <a:rPr lang="en-US" altLang="zh-CN" sz="1600" b="0" dirty="0">
-                <a:latin typeface="SimSun" panose="02010600030101010101" pitchFamily="2" charset="-122"/>
-                <a:ea typeface="SimSun" panose="02010600030101010101" pitchFamily="2" charset="-122"/>
-              </a:rPr>
-              <a:t>&lt;base </a:t>
-            </a:r>
-            <a:r>
-              <a:rPr lang="en-US" altLang="zh-CN" sz="1600" b="0" dirty="0" err="1">
-                <a:latin typeface="SimSun" panose="02010600030101010101" pitchFamily="2" charset="-122"/>
-                <a:ea typeface="SimSun" panose="02010600030101010101" pitchFamily="2" charset="-122"/>
-              </a:rPr>
-              <a:t>href</a:t>
-            </a:r>
-            <a:r>
-              <a:rPr lang="en-US" altLang="zh-CN" sz="1600" b="0" dirty="0" smtClean="0">
-                <a:latin typeface="SimSun" panose="02010600030101010101" pitchFamily="2" charset="-122"/>
-                <a:ea typeface="SimSun" panose="02010600030101010101" pitchFamily="2" charset="-122"/>
-              </a:rPr>
-              <a:t>=“/”&gt;</a:t>
-            </a:r>
-            <a:r>
-              <a:rPr lang="zh-CN" altLang="en-US" sz="1600" b="0" dirty="0" smtClean="0">
-                <a:latin typeface="SimSun" panose="02010600030101010101" pitchFamily="2" charset="-122"/>
-                <a:ea typeface="SimSun" panose="02010600030101010101" pitchFamily="2" charset="-122"/>
-              </a:rPr>
-              <a:t>来指定初始页面</a:t>
-            </a:r>
-            <a:r>
-              <a:rPr lang="zh-CN" altLang="en-US" sz="1600" b="0" dirty="0" smtClean="0"/>
-              <a:t>。</a:t>
-            </a:r>
-            <a:endParaRPr lang="en-US" altLang="zh-CN" sz="1600" b="0" dirty="0" smtClean="0">
+              <a:t>参照</a:t>
+            </a:r>
+            <a:r>
+              <a:rPr lang="ja-JP" altLang="en-US" sz="1600" b="0" dirty="0" smtClean="0">
+                <a:latin typeface="SimSun" panose="02010600030101010101" pitchFamily="2" charset="-122"/>
+                <a:ea typeface="SimSun" panose="02010600030101010101" pitchFamily="2" charset="-122"/>
+              </a:rPr>
+              <a:t>「</a:t>
+            </a:r>
+            <a:r>
+              <a:rPr lang="en-US" altLang="ja-JP" sz="1600" b="0" dirty="0">
+                <a:latin typeface="SimSun" panose="02010600030101010101" pitchFamily="2" charset="-122"/>
+                <a:ea typeface="SimSun" panose="02010600030101010101" pitchFamily="2" charset="-122"/>
+              </a:rPr>
+              <a:t> </a:t>
+            </a:r>
+            <a:r>
+              <a:rPr lang="en-US" altLang="ja-JP" sz="1600" b="0" dirty="0" smtClean="0">
+                <a:latin typeface="SimSun" panose="02010600030101010101" pitchFamily="2" charset="-122"/>
+                <a:ea typeface="SimSun" panose="02010600030101010101" pitchFamily="2" charset="-122"/>
+              </a:rPr>
+              <a:t>\</a:t>
+            </a:r>
+            <a:r>
+              <a:rPr lang="en-US" altLang="ja-JP" sz="1600" b="0" dirty="0" err="1" smtClean="0">
+                <a:latin typeface="SimSun" panose="02010600030101010101" pitchFamily="2" charset="-122"/>
+                <a:ea typeface="SimSun" panose="02010600030101010101" pitchFamily="2" charset="-122"/>
+              </a:rPr>
+              <a:t>samplesource</a:t>
+            </a:r>
+            <a:r>
+              <a:rPr lang="en-US" altLang="ja-JP" sz="1600" b="0" dirty="0" smtClean="0">
+                <a:latin typeface="SimSun" panose="02010600030101010101" pitchFamily="2" charset="-122"/>
+                <a:ea typeface="SimSun" panose="02010600030101010101" pitchFamily="2" charset="-122"/>
+              </a:rPr>
+              <a:t>\09\my-app\</a:t>
+            </a:r>
+            <a:r>
+              <a:rPr lang="en-US" altLang="ja-JP" sz="1600" b="0" dirty="0" err="1" smtClean="0">
+                <a:latin typeface="SimSun" panose="02010600030101010101" pitchFamily="2" charset="-122"/>
+                <a:ea typeface="SimSun" panose="02010600030101010101" pitchFamily="2" charset="-122"/>
+              </a:rPr>
+              <a:t>src</a:t>
+            </a:r>
+            <a:r>
+              <a:rPr lang="en-US" altLang="ja-JP" sz="1600" b="0" dirty="0" smtClean="0">
+                <a:latin typeface="SimSun" panose="02010600030101010101" pitchFamily="2" charset="-122"/>
+                <a:ea typeface="SimSun" panose="02010600030101010101" pitchFamily="2" charset="-122"/>
+              </a:rPr>
+              <a:t>\app\form1</a:t>
+            </a:r>
+            <a:r>
+              <a:rPr lang="ja-JP" altLang="en-US" sz="1600" b="0" dirty="0" smtClean="0">
+                <a:latin typeface="SimSun" panose="02010600030101010101" pitchFamily="2" charset="-122"/>
+                <a:ea typeface="SimSun" panose="02010600030101010101" pitchFamily="2" charset="-122"/>
+              </a:rPr>
+              <a:t>」</a:t>
+            </a:r>
+            <a:endParaRPr lang="en-US" altLang="zh-CN" sz="1600" b="0" dirty="0">
               <a:latin typeface="SimSun" panose="02010600030101010101" pitchFamily="2" charset="-122"/>
               <a:ea typeface="SimSun" panose="02010600030101010101" pitchFamily="2" charset="-122"/>
             </a:endParaRPr>
@@ -15968,342 +15987,6 @@
           </a:p>
         </p:txBody>
       </p:sp>
-      <p:sp>
-        <p:nvSpPr>
-          <p:cNvPr id="2" name="矩形 1"/>
-          <p:cNvSpPr/>
-          <p:nvPr/>
-        </p:nvSpPr>
-        <p:spPr>
-          <a:xfrm>
-            <a:off x="6039061" y="3831721"/>
-            <a:ext cx="2467376" cy="390068"/>
-          </a:xfrm>
-          <a:prstGeom prst="rect">
-            <a:avLst/>
-          </a:prstGeom>
-          <a:ln/>
-        </p:spPr>
-        <p:style>
-          <a:lnRef idx="1">
-            <a:schemeClr val="accent2"/>
-          </a:lnRef>
-          <a:fillRef idx="2">
-            <a:schemeClr val="accent2"/>
-          </a:fillRef>
-          <a:effectRef idx="1">
-            <a:schemeClr val="accent2"/>
-          </a:effectRef>
-          <a:fontRef idx="minor">
-            <a:schemeClr val="dk1"/>
-          </a:fontRef>
-        </p:style>
-        <p:txBody>
-          <a:bodyPr rtlCol="0" anchor="ctr"/>
-          <a:lstStyle/>
-          <a:p>
-            <a:pPr algn="ctr"/>
-            <a:r>
-              <a:rPr lang="en-US" altLang="zh-CN" sz="1200" dirty="0" smtClean="0"/>
-              <a:t>&lt;</a:t>
-            </a:r>
-            <a:r>
-              <a:rPr lang="en-US" altLang="zh-CN" sz="1200" dirty="0"/>
-              <a:t>router-outlet&gt;&lt;/router-outlet&gt;</a:t>
-            </a:r>
-            <a:endParaRPr lang="zh-CN" altLang="en-US" sz="1200" dirty="0"/>
-          </a:p>
-        </p:txBody>
-      </p:sp>
-      <p:sp>
-        <p:nvSpPr>
-          <p:cNvPr id="7" name="矩形 6"/>
-          <p:cNvSpPr/>
-          <p:nvPr/>
-        </p:nvSpPr>
-        <p:spPr>
-          <a:xfrm>
-            <a:off x="3354511" y="2460101"/>
-            <a:ext cx="2467376" cy="390068"/>
-          </a:xfrm>
-          <a:prstGeom prst="rect">
-            <a:avLst/>
-          </a:prstGeom>
-          <a:ln/>
-        </p:spPr>
-        <p:style>
-          <a:lnRef idx="1">
-            <a:schemeClr val="accent1"/>
-          </a:lnRef>
-          <a:fillRef idx="2">
-            <a:schemeClr val="accent1"/>
-          </a:fillRef>
-          <a:effectRef idx="1">
-            <a:schemeClr val="accent1"/>
-          </a:effectRef>
-          <a:fontRef idx="minor">
-            <a:schemeClr val="dk1"/>
-          </a:fontRef>
-        </p:style>
-        <p:txBody>
-          <a:bodyPr rtlCol="0" anchor="ctr"/>
-          <a:lstStyle/>
-          <a:p>
-            <a:pPr algn="ctr"/>
-            <a:r>
-              <a:rPr lang="en-US" altLang="zh-CN" sz="1200" dirty="0" smtClean="0"/>
-              <a:t>URL</a:t>
-            </a:r>
-            <a:endParaRPr lang="zh-CN" altLang="en-US" sz="1200" dirty="0"/>
-          </a:p>
-        </p:txBody>
-      </p:sp>
-      <p:sp>
-        <p:nvSpPr>
-          <p:cNvPr id="8" name="矩形 7"/>
-          <p:cNvSpPr/>
-          <p:nvPr/>
-        </p:nvSpPr>
-        <p:spPr>
-          <a:xfrm>
-            <a:off x="821109" y="3831721"/>
-            <a:ext cx="2467376" cy="390068"/>
-          </a:xfrm>
-          <a:prstGeom prst="rect">
-            <a:avLst/>
-          </a:prstGeom>
-          <a:ln/>
-        </p:spPr>
-        <p:style>
-          <a:lnRef idx="1">
-            <a:schemeClr val="accent4"/>
-          </a:lnRef>
-          <a:fillRef idx="2">
-            <a:schemeClr val="accent4"/>
-          </a:fillRef>
-          <a:effectRef idx="1">
-            <a:schemeClr val="accent4"/>
-          </a:effectRef>
-          <a:fontRef idx="minor">
-            <a:schemeClr val="dk1"/>
-          </a:fontRef>
-        </p:style>
-        <p:txBody>
-          <a:bodyPr rtlCol="0" anchor="ctr"/>
-          <a:lstStyle/>
-          <a:p>
-            <a:pPr algn="ctr"/>
-            <a:r>
-              <a:rPr lang="en-US" altLang="zh-CN" sz="1200" dirty="0" smtClean="0"/>
-              <a:t>Router</a:t>
-            </a:r>
-            <a:endParaRPr lang="zh-CN" altLang="en-US" sz="1200" dirty="0"/>
-          </a:p>
-        </p:txBody>
-      </p:sp>
-      <p:sp>
-        <p:nvSpPr>
-          <p:cNvPr id="9" name="矩形 8"/>
-          <p:cNvSpPr/>
-          <p:nvPr/>
-        </p:nvSpPr>
-        <p:spPr>
-          <a:xfrm>
-            <a:off x="3354511" y="5436105"/>
-            <a:ext cx="2467376" cy="390068"/>
-          </a:xfrm>
-          <a:prstGeom prst="rect">
-            <a:avLst/>
-          </a:prstGeom>
-          <a:ln/>
-        </p:spPr>
-        <p:style>
-          <a:lnRef idx="1">
-            <a:schemeClr val="accent3"/>
-          </a:lnRef>
-          <a:fillRef idx="2">
-            <a:schemeClr val="accent3"/>
-          </a:fillRef>
-          <a:effectRef idx="1">
-            <a:schemeClr val="accent3"/>
-          </a:effectRef>
-          <a:fontRef idx="minor">
-            <a:schemeClr val="dk1"/>
-          </a:fontRef>
-        </p:style>
-        <p:txBody>
-          <a:bodyPr rtlCol="0" anchor="ctr"/>
-          <a:lstStyle/>
-          <a:p>
-            <a:pPr algn="ctr"/>
-            <a:r>
-              <a:rPr lang="en-US" altLang="zh-CN" sz="1200" dirty="0" smtClean="0"/>
-              <a:t>Components</a:t>
-            </a:r>
-            <a:endParaRPr lang="zh-CN" altLang="en-US" sz="1200" dirty="0"/>
-          </a:p>
-        </p:txBody>
-      </p:sp>
-      <p:cxnSp>
-        <p:nvCxnSpPr>
-          <p:cNvPr id="6" name="直接箭头连接符 5"/>
-          <p:cNvCxnSpPr>
-            <a:stCxn id="7" idx="3"/>
-            <a:endCxn id="2" idx="0"/>
-          </p:cNvCxnSpPr>
-          <p:nvPr/>
-        </p:nvCxnSpPr>
-        <p:spPr>
-          <a:xfrm>
-            <a:off x="5821887" y="2655135"/>
-            <a:ext cx="1450862" cy="1176586"/>
-          </a:xfrm>
-          <a:prstGeom prst="curvedConnector2">
-            <a:avLst/>
-          </a:prstGeom>
-          <a:ln w="12700">
-            <a:solidFill>
-              <a:srgbClr val="0000FF"/>
-            </a:solidFill>
-            <a:headEnd type="arrow"/>
-            <a:tailEnd type="none"/>
-          </a:ln>
-        </p:spPr>
-        <p:style>
-          <a:lnRef idx="1">
-            <a:schemeClr val="accent1"/>
-          </a:lnRef>
-          <a:fillRef idx="0">
-            <a:schemeClr val="accent1"/>
-          </a:fillRef>
-          <a:effectRef idx="0">
-            <a:schemeClr val="accent1"/>
-          </a:effectRef>
-          <a:fontRef idx="minor">
-            <a:schemeClr val="tx1"/>
-          </a:fontRef>
-        </p:style>
-      </p:cxnSp>
-      <p:cxnSp>
-        <p:nvCxnSpPr>
-          <p:cNvPr id="12" name="直接箭头连接符 5"/>
-          <p:cNvCxnSpPr>
-            <a:stCxn id="8" idx="0"/>
-            <a:endCxn id="7" idx="1"/>
-          </p:cNvCxnSpPr>
-          <p:nvPr/>
-        </p:nvCxnSpPr>
-        <p:spPr>
-          <a:xfrm rot="5400000" flipH="1" flipV="1">
-            <a:off x="2116361" y="2593571"/>
-            <a:ext cx="1176586" cy="1299714"/>
-          </a:xfrm>
-          <a:prstGeom prst="curvedConnector2">
-            <a:avLst/>
-          </a:prstGeom>
-          <a:ln w="12700">
-            <a:solidFill>
-              <a:srgbClr val="0000FF"/>
-            </a:solidFill>
-            <a:headEnd type="arrow"/>
-            <a:tailEnd type="none"/>
-          </a:ln>
-        </p:spPr>
-        <p:style>
-          <a:lnRef idx="1">
-            <a:schemeClr val="accent1"/>
-          </a:lnRef>
-          <a:fillRef idx="0">
-            <a:schemeClr val="accent1"/>
-          </a:fillRef>
-          <a:effectRef idx="0">
-            <a:schemeClr val="accent1"/>
-          </a:effectRef>
-          <a:fontRef idx="minor">
-            <a:schemeClr val="tx1"/>
-          </a:fontRef>
-        </p:style>
-      </p:cxnSp>
-      <p:cxnSp>
-        <p:nvCxnSpPr>
-          <p:cNvPr id="13" name="直接箭头连接符 5"/>
-          <p:cNvCxnSpPr>
-            <a:stCxn id="9" idx="1"/>
-            <a:endCxn id="8" idx="2"/>
-          </p:cNvCxnSpPr>
-          <p:nvPr/>
-        </p:nvCxnSpPr>
-        <p:spPr>
-          <a:xfrm rot="10800000">
-            <a:off x="2054797" y="4221789"/>
-            <a:ext cx="1299714" cy="1409350"/>
-          </a:xfrm>
-          <a:prstGeom prst="curvedConnector2">
-            <a:avLst/>
-          </a:prstGeom>
-          <a:ln w="12700">
-            <a:solidFill>
-              <a:srgbClr val="0000FF"/>
-            </a:solidFill>
-            <a:headEnd type="arrow"/>
-            <a:tailEnd type="none"/>
-          </a:ln>
-        </p:spPr>
-        <p:style>
-          <a:lnRef idx="1">
-            <a:schemeClr val="accent1"/>
-          </a:lnRef>
-          <a:fillRef idx="0">
-            <a:schemeClr val="accent1"/>
-          </a:fillRef>
-          <a:effectRef idx="0">
-            <a:schemeClr val="accent1"/>
-          </a:effectRef>
-          <a:fontRef idx="minor">
-            <a:schemeClr val="tx1"/>
-          </a:fontRef>
-        </p:style>
-      </p:cxnSp>
-      <p:cxnSp>
-        <p:nvCxnSpPr>
-          <p:cNvPr id="14" name="直接箭头连接符 5"/>
-          <p:cNvCxnSpPr>
-            <a:stCxn id="2" idx="2"/>
-            <a:endCxn id="9" idx="3"/>
-          </p:cNvCxnSpPr>
-          <p:nvPr/>
-        </p:nvCxnSpPr>
-        <p:spPr>
-          <a:xfrm rot="5400000">
-            <a:off x="5842643" y="4201033"/>
-            <a:ext cx="1409350" cy="1450862"/>
-          </a:xfrm>
-          <a:prstGeom prst="curvedConnector2">
-            <a:avLst/>
-          </a:prstGeom>
-          <a:ln w="12700">
-            <a:solidFill>
-              <a:srgbClr val="0000FF"/>
-            </a:solidFill>
-            <a:headEnd type="arrow"/>
-            <a:tailEnd type="none"/>
-          </a:ln>
-        </p:spPr>
-        <p:style>
-          <a:lnRef idx="1">
-            <a:schemeClr val="accent1"/>
-          </a:lnRef>
-          <a:fillRef idx="0">
-            <a:schemeClr val="accent1"/>
-          </a:fillRef>
-          <a:effectRef idx="0">
-            <a:schemeClr val="accent1"/>
-          </a:effectRef>
-          <a:fontRef idx="minor">
-            <a:schemeClr val="tx1"/>
-          </a:fontRef>
-        </p:style>
-      </p:cxnSp>
     </p:spTree>
     <p:extLst>
       <p:ext uri="{BB962C8B-B14F-4D97-AF65-F5344CB8AC3E}">
@@ -18978,21 +18661,21 @@
                 <a:gridCol w="2187788">
                   <a:extLst>
                     <a:ext uri="{9D8B030D-6E8A-4147-A177-3AD203B41FA5}">
-                      <a16:colId xmlns:a16="http://schemas.microsoft.com/office/drawing/2014/main" xmlns="" val="1427776139"/>
+                      <a16:colId xmlns="" xmlns:a16="http://schemas.microsoft.com/office/drawing/2014/main" val="1427776139"/>
                     </a:ext>
                   </a:extLst>
                 </a:gridCol>
                 <a:gridCol w="2562274">
                   <a:extLst>
                     <a:ext uri="{9D8B030D-6E8A-4147-A177-3AD203B41FA5}">
-                      <a16:colId xmlns:a16="http://schemas.microsoft.com/office/drawing/2014/main" xmlns="" val="3370170297"/>
+                      <a16:colId xmlns="" xmlns:a16="http://schemas.microsoft.com/office/drawing/2014/main" val="3370170297"/>
                     </a:ext>
                   </a:extLst>
                 </a:gridCol>
                 <a:gridCol w="3687098">
                   <a:extLst>
                     <a:ext uri="{9D8B030D-6E8A-4147-A177-3AD203B41FA5}">
-                      <a16:colId xmlns:a16="http://schemas.microsoft.com/office/drawing/2014/main" xmlns="" val="784783711"/>
+                      <a16:colId xmlns="" xmlns:a16="http://schemas.microsoft.com/office/drawing/2014/main" val="784783711"/>
                     </a:ext>
                   </a:extLst>
                 </a:gridCol>
@@ -19063,7 +18746,7 @@
                 </a:tc>
                 <a:extLst>
                   <a:ext uri="{0D108BD9-81ED-4DB2-BD59-A6C34878D82A}">
-                    <a16:rowId xmlns:a16="http://schemas.microsoft.com/office/drawing/2014/main" xmlns="" val="2469836323"/>
+                    <a16:rowId xmlns="" xmlns:a16="http://schemas.microsoft.com/office/drawing/2014/main" val="2469836323"/>
                   </a:ext>
                 </a:extLst>
               </a:tr>
@@ -19175,7 +18858,7 @@
                 </a:tc>
                 <a:extLst>
                   <a:ext uri="{0D108BD9-81ED-4DB2-BD59-A6C34878D82A}">
-                    <a16:rowId xmlns:a16="http://schemas.microsoft.com/office/drawing/2014/main" xmlns="" val="4026608687"/>
+                    <a16:rowId xmlns="" xmlns:a16="http://schemas.microsoft.com/office/drawing/2014/main" val="4026608687"/>
                   </a:ext>
                 </a:extLst>
               </a:tr>
@@ -19259,7 +18942,7 @@
                 </a:tc>
                 <a:extLst>
                   <a:ext uri="{0D108BD9-81ED-4DB2-BD59-A6C34878D82A}">
-                    <a16:rowId xmlns:a16="http://schemas.microsoft.com/office/drawing/2014/main" xmlns="" val="3808931876"/>
+                    <a16:rowId xmlns="" xmlns:a16="http://schemas.microsoft.com/office/drawing/2014/main" val="3808931876"/>
                   </a:ext>
                 </a:extLst>
               </a:tr>
@@ -19350,7 +19033,7 @@
                 </a:tc>
                 <a:extLst>
                   <a:ext uri="{0D108BD9-81ED-4DB2-BD59-A6C34878D82A}">
-                    <a16:rowId xmlns:a16="http://schemas.microsoft.com/office/drawing/2014/main" xmlns="" val="3120658752"/>
+                    <a16:rowId xmlns="" xmlns:a16="http://schemas.microsoft.com/office/drawing/2014/main" val="3120658752"/>
                   </a:ext>
                 </a:extLst>
               </a:tr>
@@ -20200,22 +19883,6 @@
 </file>
 
 <file path=customXml/item1.xml><?xml version="1.0" encoding="utf-8"?>
-<p:properties xmlns:p="http://schemas.microsoft.com/office/2006/metadata/properties" xmlns:xsi="http://www.w3.org/2001/XMLSchema-instance" xmlns:pc="http://schemas.microsoft.com/office/infopath/2007/PartnerControls">
-  <documentManagement>
-    <TemplateUrl xmlns="http://schemas.microsoft.com/sharepoint/v3" xsi:nil="true"/>
-    <_SourceUrl xmlns="http://schemas.microsoft.com/sharepoint/v3" xsi:nil="true"/>
-    <Comments0 xmlns="C6B13D8A-F6C8-4777-9906-93DFDA163C9A" xsi:nil="true"/>
-    <xd_ProgID xmlns="http://schemas.microsoft.com/sharepoint/v3" xsi:nil="true"/>
-    <test xmlns="C6B13D8A-F6C8-4777-9906-93DFDA163C9A" xsi:nil="true"/>
-    <Order xmlns="http://schemas.microsoft.com/sharepoint/v3" xsi:nil="true"/>
-    <_SharedFileIndex xmlns="http://schemas.microsoft.com/sharepoint/v3" xsi:nil="true"/>
-    <MetaInfo xmlns="http://schemas.microsoft.com/sharepoint/v3" xsi:nil="true"/>
-    <ContentTypeId xmlns="http://schemas.microsoft.com/sharepoint/v3">0x0101008A3DB1C6C8F67747990693DFDA163C9A</ContentTypeId>
-  </documentManagement>
-</p:properties>
-</file>
-
-<file path=customXml/item2.xml><?xml version="1.0" encoding="utf-8"?>
 <ct:contentTypeSchema xmlns:ct="http://schemas.microsoft.com/office/2006/metadata/contentType" xmlns:ma="http://schemas.microsoft.com/office/2006/metadata/properties/metaAttributes" ct:_="" ma:_="" ma:contentTypeName="Document" ma:contentTypeID="0x0101008A3DB1C6C8F67747990693DFDA163C9A" ma:contentTypeVersion="0" ma:contentTypeDescription="Create a new document." ma:contentTypeScope="" ma:versionID="c53e8d4c718320ba5c01db3429b48e01">
   <xsd:schema xmlns:xsd="http://www.w3.org/2001/XMLSchema" xmlns:xs="http://www.w3.org/2001/XMLSchema" xmlns:p="http://schemas.microsoft.com/office/2006/metadata/properties" xmlns:ns1="http://schemas.microsoft.com/sharepoint/v3" xmlns:ns2="C6B13D8A-F6C8-4777-9906-93DFDA163C9A" targetNamespace="http://schemas.microsoft.com/office/2006/metadata/properties" ma:root="true" ma:fieldsID="10d7d5cf4be4c05f12ebb16474ba6c35" ns1:_="" ns2:_="">
     <xsd:import namespace="http://schemas.microsoft.com/sharepoint/v3"/>
@@ -20686,6 +20353,22 @@
 </ct:contentTypeSchema>
 </file>
 
+<file path=customXml/item2.xml><?xml version="1.0" encoding="utf-8"?>
+<p:properties xmlns:p="http://schemas.microsoft.com/office/2006/metadata/properties" xmlns:xsi="http://www.w3.org/2001/XMLSchema-instance" xmlns:pc="http://schemas.microsoft.com/office/infopath/2007/PartnerControls">
+  <documentManagement>
+    <TemplateUrl xmlns="http://schemas.microsoft.com/sharepoint/v3" xsi:nil="true"/>
+    <_SourceUrl xmlns="http://schemas.microsoft.com/sharepoint/v3" xsi:nil="true"/>
+    <Comments0 xmlns="C6B13D8A-F6C8-4777-9906-93DFDA163C9A" xsi:nil="true"/>
+    <xd_ProgID xmlns="http://schemas.microsoft.com/sharepoint/v3" xsi:nil="true"/>
+    <test xmlns="C6B13D8A-F6C8-4777-9906-93DFDA163C9A" xsi:nil="true"/>
+    <Order xmlns="http://schemas.microsoft.com/sharepoint/v3" xsi:nil="true"/>
+    <_SharedFileIndex xmlns="http://schemas.microsoft.com/sharepoint/v3" xsi:nil="true"/>
+    <MetaInfo xmlns="http://schemas.microsoft.com/sharepoint/v3" xsi:nil="true"/>
+    <ContentTypeId xmlns="http://schemas.microsoft.com/sharepoint/v3">0x0101008A3DB1C6C8F67747990693DFDA163C9A</ContentTypeId>
+  </documentManagement>
+</p:properties>
+</file>
+
 <file path=customXml/item3.xml><?xml version="1.0" encoding="utf-8"?>
 <?mso-contentType ?>
 <FormTemplates xmlns="http://schemas.microsoft.com/sharepoint/v3/contenttype/forms">
@@ -20696,23 +20379,6 @@
 </file>
 
 <file path=customXml/itemProps1.xml><?xml version="1.0" encoding="utf-8"?>
-<ds:datastoreItem xmlns:ds="http://schemas.openxmlformats.org/officeDocument/2006/customXml" ds:itemID="{F59E41AE-6836-4572-AAEF-EE3E09D690B6}">
-  <ds:schemaRefs>
-    <ds:schemaRef ds:uri="http://schemas.microsoft.com/office/infopath/2007/PartnerControls"/>
-    <ds:schemaRef ds:uri="http://www.w3.org/XML/1998/namespace"/>
-    <ds:schemaRef ds:uri="http://purl.org/dc/terms/"/>
-    <ds:schemaRef ds:uri="http://purl.org/dc/elements/1.1/"/>
-    <ds:schemaRef ds:uri="http://schemas.microsoft.com/office/2006/metadata/properties"/>
-    <ds:schemaRef ds:uri="http://schemas.openxmlformats.org/package/2006/metadata/core-properties"/>
-    <ds:schemaRef ds:uri="C6B13D8A-F6C8-4777-9906-93DFDA163C9A"/>
-    <ds:schemaRef ds:uri="http://schemas.microsoft.com/office/2006/documentManagement/types"/>
-    <ds:schemaRef ds:uri="http://schemas.microsoft.com/sharepoint/v3"/>
-    <ds:schemaRef ds:uri="http://purl.org/dc/dcmitype/"/>
-  </ds:schemaRefs>
-</ds:datastoreItem>
-</file>
-
-<file path=customXml/itemProps2.xml><?xml version="1.0" encoding="utf-8"?>
 <ds:datastoreItem xmlns:ds="http://schemas.openxmlformats.org/officeDocument/2006/customXml" ds:itemID="{CC4C9FB6-25E4-4D1F-A1E8-D3497EBEE75E}">
   <ds:schemaRefs>
     <ds:schemaRef ds:uri="http://schemas.microsoft.com/office/2006/metadata/contentType"/>
@@ -20731,6 +20397,23 @@
 </ds:datastoreItem>
 </file>
 
+<file path=customXml/itemProps2.xml><?xml version="1.0" encoding="utf-8"?>
+<ds:datastoreItem xmlns:ds="http://schemas.openxmlformats.org/officeDocument/2006/customXml" ds:itemID="{F59E41AE-6836-4572-AAEF-EE3E09D690B6}">
+  <ds:schemaRefs>
+    <ds:schemaRef ds:uri="http://schemas.microsoft.com/office/infopath/2007/PartnerControls"/>
+    <ds:schemaRef ds:uri="http://www.w3.org/XML/1998/namespace"/>
+    <ds:schemaRef ds:uri="http://purl.org/dc/terms/"/>
+    <ds:schemaRef ds:uri="http://purl.org/dc/elements/1.1/"/>
+    <ds:schemaRef ds:uri="http://schemas.microsoft.com/office/2006/metadata/properties"/>
+    <ds:schemaRef ds:uri="http://schemas.openxmlformats.org/package/2006/metadata/core-properties"/>
+    <ds:schemaRef ds:uri="C6B13D8A-F6C8-4777-9906-93DFDA163C9A"/>
+    <ds:schemaRef ds:uri="http://schemas.microsoft.com/office/2006/documentManagement/types"/>
+    <ds:schemaRef ds:uri="http://schemas.microsoft.com/sharepoint/v3"/>
+    <ds:schemaRef ds:uri="http://purl.org/dc/dcmitype/"/>
+  </ds:schemaRefs>
+</ds:datastoreItem>
+</file>
+
 <file path=customXml/itemProps3.xml><?xml version="1.0" encoding="utf-8"?>
 <ds:datastoreItem xmlns:ds="http://schemas.openxmlformats.org/officeDocument/2006/customXml" ds:itemID="{6268566E-43AA-4A68-BD58-84AB4DF5B82A}">
   <ds:schemaRefs>

--- a/PPT/09-Accenture-FS-Angular-Form.pptx
+++ b/PPT/09-Accenture-FS-Angular-Form.pptx
@@ -5,10 +5,10 @@
     <p:sldMasterId id="2147483774" r:id="rId4"/>
   </p:sldMasterIdLst>
   <p:notesMasterIdLst>
-    <p:notesMasterId r:id="rId15"/>
+    <p:notesMasterId r:id="rId14"/>
   </p:notesMasterIdLst>
   <p:handoutMasterIdLst>
-    <p:handoutMasterId r:id="rId16"/>
+    <p:handoutMasterId r:id="rId15"/>
   </p:handoutMasterIdLst>
   <p:sldIdLst>
     <p:sldId id="259" r:id="rId5"/>
@@ -16,16 +16,15 @@
     <p:sldId id="379" r:id="rId7"/>
     <p:sldId id="441" r:id="rId8"/>
     <p:sldId id="468" r:id="rId9"/>
-    <p:sldId id="445" r:id="rId10"/>
-    <p:sldId id="452" r:id="rId11"/>
-    <p:sldId id="454" r:id="rId12"/>
-    <p:sldId id="467" r:id="rId13"/>
-    <p:sldId id="388" r:id="rId14"/>
+    <p:sldId id="470" r:id="rId10"/>
+    <p:sldId id="469" r:id="rId11"/>
+    <p:sldId id="467" r:id="rId12"/>
+    <p:sldId id="388" r:id="rId13"/>
   </p:sldIdLst>
   <p:sldSz cx="9144000" cy="6858000" type="screen4x3"/>
   <p:notesSz cx="7099300" cy="10234613"/>
   <p:custDataLst>
-    <p:tags r:id="rId17"/>
+    <p:tags r:id="rId16"/>
   </p:custDataLst>
   <p:defaultTextStyle>
     <a:defPPr>
@@ -1370,697 +1369,6 @@
 </p:notes>
 </file>
 
-<file path=ppt/notesSlides/notesSlide10.xml><?xml version="1.0" encoding="utf-8"?>
-<p:notes xmlns:a="http://schemas.openxmlformats.org/drawingml/2006/main" xmlns:r="http://schemas.openxmlformats.org/officeDocument/2006/relationships" xmlns:p="http://schemas.openxmlformats.org/presentationml/2006/main">
-  <p:cSld>
-    <p:spTree>
-      <p:nvGrpSpPr>
-        <p:cNvPr id="1" name=""/>
-        <p:cNvGrpSpPr/>
-        <p:nvPr/>
-      </p:nvGrpSpPr>
-      <p:grpSpPr>
-        <a:xfrm>
-          <a:off x="0" y="0"/>
-          <a:ext cx="0" cy="0"/>
-          <a:chOff x="0" y="0"/>
-          <a:chExt cx="0" cy="0"/>
-        </a:xfrm>
-      </p:grpSpPr>
-      <p:sp>
-        <p:nvSpPr>
-          <p:cNvPr id="44034" name="Slide Image Placeholder 1"/>
-          <p:cNvSpPr>
-            <a:spLocks noGrp="1" noRot="1" noChangeAspect="1" noTextEdit="1"/>
-          </p:cNvSpPr>
-          <p:nvPr>
-            <p:ph type="sldImg"/>
-          </p:nvPr>
-        </p:nvSpPr>
-        <p:spPr>
-          <a:xfrm>
-            <a:off x="990600" y="766763"/>
-            <a:ext cx="5118100" cy="3838575"/>
-          </a:xfrm>
-          <a:ln/>
-        </p:spPr>
-      </p:sp>
-      <p:sp>
-        <p:nvSpPr>
-          <p:cNvPr id="44035" name="Notes Placeholder 2"/>
-          <p:cNvSpPr>
-            <a:spLocks noGrp="1"/>
-          </p:cNvSpPr>
-          <p:nvPr>
-            <p:ph type="body" idx="1"/>
-          </p:nvPr>
-        </p:nvSpPr>
-        <p:spPr>
-          <a:xfrm>
-            <a:off x="709613" y="4862513"/>
-            <a:ext cx="5680075" cy="4605337"/>
-          </a:xfrm>
-          <a:noFill/>
-          <a:ln/>
-          <a:extLst>
-            <a:ext uri="{909E8E84-426E-40DD-AFC4-6F175D3DCCD1}">
-              <a14:hiddenFill xmlns:a14="http://schemas.microsoft.com/office/drawing/2010/main">
-                <a:solidFill>
-                  <a:srgbClr val="FFFFFF"/>
-                </a:solidFill>
-              </a14:hiddenFill>
-            </a:ext>
-            <a:ext uri="{91240B29-F687-4F45-9708-019B960494DF}">
-              <a14:hiddenLine xmlns:a14="http://schemas.microsoft.com/office/drawing/2010/main" w="9525">
-                <a:solidFill>
-                  <a:srgbClr val="000000"/>
-                </a:solidFill>
-                <a:miter lim="800000"/>
-                <a:headEnd/>
-                <a:tailEnd/>
-              </a14:hiddenLine>
-            </a:ext>
-          </a:extLst>
-        </p:spPr>
-        <p:txBody>
-          <a:bodyPr lIns="94750" tIns="47375" rIns="94750" bIns="47375"/>
-          <a:lstStyle/>
-          <a:p>
-            <a:pPr marL="114300" indent="-114300" eaLnBrk="1" hangingPunct="1"/>
-            <a:endParaRPr lang="en-US" dirty="0"/>
-          </a:p>
-        </p:txBody>
-      </p:sp>
-      <p:sp>
-        <p:nvSpPr>
-          <p:cNvPr id="44036" name="Rectangle 2"/>
-          <p:cNvSpPr txBox="1">
-            <a:spLocks noGrp="1" noChangeArrowheads="1"/>
-          </p:cNvSpPr>
-          <p:nvPr/>
-        </p:nvSpPr>
-        <p:spPr bwMode="auto">
-          <a:xfrm>
-            <a:off x="100013" y="85725"/>
-            <a:ext cx="3074987" cy="511175"/>
-          </a:xfrm>
-          <a:prstGeom prst="rect">
-            <a:avLst/>
-          </a:prstGeom>
-          <a:noFill/>
-          <a:ln>
-            <a:noFill/>
-          </a:ln>
-          <a:extLst>
-            <a:ext uri="{909E8E84-426E-40DD-AFC4-6F175D3DCCD1}">
-              <a14:hiddenFill xmlns:a14="http://schemas.microsoft.com/office/drawing/2010/main">
-                <a:solidFill>
-                  <a:srgbClr val="FFFFFF"/>
-                </a:solidFill>
-              </a14:hiddenFill>
-            </a:ext>
-            <a:ext uri="{91240B29-F687-4F45-9708-019B960494DF}">
-              <a14:hiddenLine xmlns:a14="http://schemas.microsoft.com/office/drawing/2010/main" w="9525">
-                <a:solidFill>
-                  <a:srgbClr val="000000"/>
-                </a:solidFill>
-                <a:miter lim="800000"/>
-                <a:headEnd/>
-                <a:tailEnd/>
-              </a14:hiddenLine>
-            </a:ext>
-          </a:extLst>
-        </p:spPr>
-        <p:txBody>
-          <a:bodyPr lIns="19933" tIns="0" rIns="19933" bIns="0"/>
-          <a:lstStyle>
-            <a:lvl1pPr defTabSz="958850" eaLnBrk="0" hangingPunct="0">
-              <a:defRPr sz="3200" b="1">
-                <a:solidFill>
-                  <a:schemeClr val="tx1"/>
-                </a:solidFill>
-                <a:latin typeface="Arial" pitchFamily="34" charset="0"/>
-              </a:defRPr>
-            </a:lvl1pPr>
-            <a:lvl2pPr marL="742950" indent="-285750" defTabSz="958850" eaLnBrk="0" hangingPunct="0">
-              <a:defRPr sz="3200" b="1">
-                <a:solidFill>
-                  <a:schemeClr val="tx1"/>
-                </a:solidFill>
-                <a:latin typeface="Arial" pitchFamily="34" charset="0"/>
-              </a:defRPr>
-            </a:lvl2pPr>
-            <a:lvl3pPr marL="1143000" indent="-228600" defTabSz="958850" eaLnBrk="0" hangingPunct="0">
-              <a:defRPr sz="3200" b="1">
-                <a:solidFill>
-                  <a:schemeClr val="tx1"/>
-                </a:solidFill>
-                <a:latin typeface="Arial" pitchFamily="34" charset="0"/>
-              </a:defRPr>
-            </a:lvl3pPr>
-            <a:lvl4pPr marL="1600200" indent="-228600" defTabSz="958850" eaLnBrk="0" hangingPunct="0">
-              <a:defRPr sz="3200" b="1">
-                <a:solidFill>
-                  <a:schemeClr val="tx1"/>
-                </a:solidFill>
-                <a:latin typeface="Arial" pitchFamily="34" charset="0"/>
-              </a:defRPr>
-            </a:lvl4pPr>
-            <a:lvl5pPr marL="2057400" indent="-228600" defTabSz="958850" eaLnBrk="0" hangingPunct="0">
-              <a:defRPr sz="3200" b="1">
-                <a:solidFill>
-                  <a:schemeClr val="tx1"/>
-                </a:solidFill>
-                <a:latin typeface="Arial" pitchFamily="34" charset="0"/>
-              </a:defRPr>
-            </a:lvl5pPr>
-            <a:lvl6pPr marL="2514600" indent="-228600" defTabSz="958850" eaLnBrk="0" fontAlgn="base" hangingPunct="0">
-              <a:spcBef>
-                <a:spcPct val="0"/>
-              </a:spcBef>
-              <a:spcAft>
-                <a:spcPct val="0"/>
-              </a:spcAft>
-              <a:defRPr sz="3200" b="1">
-                <a:solidFill>
-                  <a:schemeClr val="tx1"/>
-                </a:solidFill>
-                <a:latin typeface="Arial" pitchFamily="34" charset="0"/>
-              </a:defRPr>
-            </a:lvl6pPr>
-            <a:lvl7pPr marL="2971800" indent="-228600" defTabSz="958850" eaLnBrk="0" fontAlgn="base" hangingPunct="0">
-              <a:spcBef>
-                <a:spcPct val="0"/>
-              </a:spcBef>
-              <a:spcAft>
-                <a:spcPct val="0"/>
-              </a:spcAft>
-              <a:defRPr sz="3200" b="1">
-                <a:solidFill>
-                  <a:schemeClr val="tx1"/>
-                </a:solidFill>
-                <a:latin typeface="Arial" pitchFamily="34" charset="0"/>
-              </a:defRPr>
-            </a:lvl7pPr>
-            <a:lvl8pPr marL="3429000" indent="-228600" defTabSz="958850" eaLnBrk="0" fontAlgn="base" hangingPunct="0">
-              <a:spcBef>
-                <a:spcPct val="0"/>
-              </a:spcBef>
-              <a:spcAft>
-                <a:spcPct val="0"/>
-              </a:spcAft>
-              <a:defRPr sz="3200" b="1">
-                <a:solidFill>
-                  <a:schemeClr val="tx1"/>
-                </a:solidFill>
-                <a:latin typeface="Arial" pitchFamily="34" charset="0"/>
-              </a:defRPr>
-            </a:lvl8pPr>
-            <a:lvl9pPr marL="3886200" indent="-228600" defTabSz="958850" eaLnBrk="0" fontAlgn="base" hangingPunct="0">
-              <a:spcBef>
-                <a:spcPct val="0"/>
-              </a:spcBef>
-              <a:spcAft>
-                <a:spcPct val="0"/>
-              </a:spcAft>
-              <a:defRPr sz="3200" b="1">
-                <a:solidFill>
-                  <a:schemeClr val="tx1"/>
-                </a:solidFill>
-                <a:latin typeface="Arial" pitchFamily="34" charset="0"/>
-              </a:defRPr>
-            </a:lvl9pPr>
-          </a:lstStyle>
-          <a:p>
-            <a:r>
-              <a:rPr lang="en-US" sz="800" b="0"/>
-              <a:t>Agile University Delivery School</a:t>
-            </a:r>
-          </a:p>
-        </p:txBody>
-      </p:sp>
-      <p:sp>
-        <p:nvSpPr>
-          <p:cNvPr id="44037" name="Rectangle 3"/>
-          <p:cNvSpPr txBox="1">
-            <a:spLocks noGrp="1" noChangeArrowheads="1"/>
-          </p:cNvSpPr>
-          <p:nvPr/>
-        </p:nvSpPr>
-        <p:spPr bwMode="auto">
-          <a:xfrm>
-            <a:off x="3924300" y="114300"/>
-            <a:ext cx="3074988" cy="511175"/>
-          </a:xfrm>
-          <a:prstGeom prst="rect">
-            <a:avLst/>
-          </a:prstGeom>
-          <a:noFill/>
-          <a:ln>
-            <a:noFill/>
-          </a:ln>
-          <a:extLst>
-            <a:ext uri="{909E8E84-426E-40DD-AFC4-6F175D3DCCD1}">
-              <a14:hiddenFill xmlns:a14="http://schemas.microsoft.com/office/drawing/2010/main">
-                <a:solidFill>
-                  <a:srgbClr val="FFFFFF"/>
-                </a:solidFill>
-              </a14:hiddenFill>
-            </a:ext>
-            <a:ext uri="{91240B29-F687-4F45-9708-019B960494DF}">
-              <a14:hiddenLine xmlns:a14="http://schemas.microsoft.com/office/drawing/2010/main" w="9525">
-                <a:solidFill>
-                  <a:srgbClr val="000000"/>
-                </a:solidFill>
-                <a:miter lim="800000"/>
-                <a:headEnd/>
-                <a:tailEnd/>
-              </a14:hiddenLine>
-            </a:ext>
-          </a:extLst>
-        </p:spPr>
-        <p:txBody>
-          <a:bodyPr lIns="19933" tIns="0" rIns="19933" bIns="0"/>
-          <a:lstStyle>
-            <a:lvl1pPr defTabSz="958850" eaLnBrk="0" hangingPunct="0">
-              <a:defRPr sz="3200" b="1">
-                <a:solidFill>
-                  <a:schemeClr val="tx1"/>
-                </a:solidFill>
-                <a:latin typeface="Arial" pitchFamily="34" charset="0"/>
-              </a:defRPr>
-            </a:lvl1pPr>
-            <a:lvl2pPr marL="742950" indent="-285750" defTabSz="958850" eaLnBrk="0" hangingPunct="0">
-              <a:defRPr sz="3200" b="1">
-                <a:solidFill>
-                  <a:schemeClr val="tx1"/>
-                </a:solidFill>
-                <a:latin typeface="Arial" pitchFamily="34" charset="0"/>
-              </a:defRPr>
-            </a:lvl2pPr>
-            <a:lvl3pPr marL="1143000" indent="-228600" defTabSz="958850" eaLnBrk="0" hangingPunct="0">
-              <a:defRPr sz="3200" b="1">
-                <a:solidFill>
-                  <a:schemeClr val="tx1"/>
-                </a:solidFill>
-                <a:latin typeface="Arial" pitchFamily="34" charset="0"/>
-              </a:defRPr>
-            </a:lvl3pPr>
-            <a:lvl4pPr marL="1600200" indent="-228600" defTabSz="958850" eaLnBrk="0" hangingPunct="0">
-              <a:defRPr sz="3200" b="1">
-                <a:solidFill>
-                  <a:schemeClr val="tx1"/>
-                </a:solidFill>
-                <a:latin typeface="Arial" pitchFamily="34" charset="0"/>
-              </a:defRPr>
-            </a:lvl4pPr>
-            <a:lvl5pPr marL="2057400" indent="-228600" defTabSz="958850" eaLnBrk="0" hangingPunct="0">
-              <a:defRPr sz="3200" b="1">
-                <a:solidFill>
-                  <a:schemeClr val="tx1"/>
-                </a:solidFill>
-                <a:latin typeface="Arial" pitchFamily="34" charset="0"/>
-              </a:defRPr>
-            </a:lvl5pPr>
-            <a:lvl6pPr marL="2514600" indent="-228600" defTabSz="958850" eaLnBrk="0" fontAlgn="base" hangingPunct="0">
-              <a:spcBef>
-                <a:spcPct val="0"/>
-              </a:spcBef>
-              <a:spcAft>
-                <a:spcPct val="0"/>
-              </a:spcAft>
-              <a:defRPr sz="3200" b="1">
-                <a:solidFill>
-                  <a:schemeClr val="tx1"/>
-                </a:solidFill>
-                <a:latin typeface="Arial" pitchFamily="34" charset="0"/>
-              </a:defRPr>
-            </a:lvl6pPr>
-            <a:lvl7pPr marL="2971800" indent="-228600" defTabSz="958850" eaLnBrk="0" fontAlgn="base" hangingPunct="0">
-              <a:spcBef>
-                <a:spcPct val="0"/>
-              </a:spcBef>
-              <a:spcAft>
-                <a:spcPct val="0"/>
-              </a:spcAft>
-              <a:defRPr sz="3200" b="1">
-                <a:solidFill>
-                  <a:schemeClr val="tx1"/>
-                </a:solidFill>
-                <a:latin typeface="Arial" pitchFamily="34" charset="0"/>
-              </a:defRPr>
-            </a:lvl7pPr>
-            <a:lvl8pPr marL="3429000" indent="-228600" defTabSz="958850" eaLnBrk="0" fontAlgn="base" hangingPunct="0">
-              <a:spcBef>
-                <a:spcPct val="0"/>
-              </a:spcBef>
-              <a:spcAft>
-                <a:spcPct val="0"/>
-              </a:spcAft>
-              <a:defRPr sz="3200" b="1">
-                <a:solidFill>
-                  <a:schemeClr val="tx1"/>
-                </a:solidFill>
-                <a:latin typeface="Arial" pitchFamily="34" charset="0"/>
-              </a:defRPr>
-            </a:lvl8pPr>
-            <a:lvl9pPr marL="3886200" indent="-228600" defTabSz="958850" eaLnBrk="0" fontAlgn="base" hangingPunct="0">
-              <a:spcBef>
-                <a:spcPct val="0"/>
-              </a:spcBef>
-              <a:spcAft>
-                <a:spcPct val="0"/>
-              </a:spcAft>
-              <a:defRPr sz="3200" b="1">
-                <a:solidFill>
-                  <a:schemeClr val="tx1"/>
-                </a:solidFill>
-                <a:latin typeface="Arial" pitchFamily="34" charset="0"/>
-              </a:defRPr>
-            </a:lvl9pPr>
-          </a:lstStyle>
-          <a:p>
-            <a:pPr algn="r"/>
-            <a:r>
-              <a:rPr lang="en-US" sz="800" b="0"/>
-              <a:t>D01-M02-P01_ADM for Distributed Agile Overview </a:t>
-            </a:r>
-          </a:p>
-        </p:txBody>
-      </p:sp>
-      <p:sp>
-        <p:nvSpPr>
-          <p:cNvPr id="44038" name="Rectangle 6"/>
-          <p:cNvSpPr txBox="1">
-            <a:spLocks noGrp="1" noChangeArrowheads="1"/>
-          </p:cNvSpPr>
-          <p:nvPr/>
-        </p:nvSpPr>
-        <p:spPr bwMode="auto">
-          <a:xfrm>
-            <a:off x="100013" y="9623425"/>
-            <a:ext cx="3074987" cy="511175"/>
-          </a:xfrm>
-          <a:prstGeom prst="rect">
-            <a:avLst/>
-          </a:prstGeom>
-          <a:noFill/>
-          <a:ln>
-            <a:noFill/>
-          </a:ln>
-          <a:extLst>
-            <a:ext uri="{909E8E84-426E-40DD-AFC4-6F175D3DCCD1}">
-              <a14:hiddenFill xmlns:a14="http://schemas.microsoft.com/office/drawing/2010/main">
-                <a:solidFill>
-                  <a:srgbClr val="FFFFFF"/>
-                </a:solidFill>
-              </a14:hiddenFill>
-            </a:ext>
-            <a:ext uri="{91240B29-F687-4F45-9708-019B960494DF}">
-              <a14:hiddenLine xmlns:a14="http://schemas.microsoft.com/office/drawing/2010/main" w="9525">
-                <a:solidFill>
-                  <a:srgbClr val="000000"/>
-                </a:solidFill>
-                <a:miter lim="800000"/>
-                <a:headEnd/>
-                <a:tailEnd/>
-              </a14:hiddenLine>
-            </a:ext>
-          </a:extLst>
-        </p:spPr>
-        <p:txBody>
-          <a:bodyPr lIns="19933" tIns="0" rIns="19933" bIns="0" anchor="b"/>
-          <a:lstStyle>
-            <a:lvl1pPr defTabSz="958850" eaLnBrk="0" hangingPunct="0">
-              <a:defRPr sz="3200" b="1">
-                <a:solidFill>
-                  <a:schemeClr val="tx1"/>
-                </a:solidFill>
-                <a:latin typeface="Arial" pitchFamily="34" charset="0"/>
-              </a:defRPr>
-            </a:lvl1pPr>
-            <a:lvl2pPr marL="742950" indent="-285750" defTabSz="958850" eaLnBrk="0" hangingPunct="0">
-              <a:defRPr sz="3200" b="1">
-                <a:solidFill>
-                  <a:schemeClr val="tx1"/>
-                </a:solidFill>
-                <a:latin typeface="Arial" pitchFamily="34" charset="0"/>
-              </a:defRPr>
-            </a:lvl2pPr>
-            <a:lvl3pPr marL="1143000" indent="-228600" defTabSz="958850" eaLnBrk="0" hangingPunct="0">
-              <a:defRPr sz="3200" b="1">
-                <a:solidFill>
-                  <a:schemeClr val="tx1"/>
-                </a:solidFill>
-                <a:latin typeface="Arial" pitchFamily="34" charset="0"/>
-              </a:defRPr>
-            </a:lvl3pPr>
-            <a:lvl4pPr marL="1600200" indent="-228600" defTabSz="958850" eaLnBrk="0" hangingPunct="0">
-              <a:defRPr sz="3200" b="1">
-                <a:solidFill>
-                  <a:schemeClr val="tx1"/>
-                </a:solidFill>
-                <a:latin typeface="Arial" pitchFamily="34" charset="0"/>
-              </a:defRPr>
-            </a:lvl4pPr>
-            <a:lvl5pPr marL="2057400" indent="-228600" defTabSz="958850" eaLnBrk="0" hangingPunct="0">
-              <a:defRPr sz="3200" b="1">
-                <a:solidFill>
-                  <a:schemeClr val="tx1"/>
-                </a:solidFill>
-                <a:latin typeface="Arial" pitchFamily="34" charset="0"/>
-              </a:defRPr>
-            </a:lvl5pPr>
-            <a:lvl6pPr marL="2514600" indent="-228600" defTabSz="958850" eaLnBrk="0" fontAlgn="base" hangingPunct="0">
-              <a:spcBef>
-                <a:spcPct val="0"/>
-              </a:spcBef>
-              <a:spcAft>
-                <a:spcPct val="0"/>
-              </a:spcAft>
-              <a:defRPr sz="3200" b="1">
-                <a:solidFill>
-                  <a:schemeClr val="tx1"/>
-                </a:solidFill>
-                <a:latin typeface="Arial" pitchFamily="34" charset="0"/>
-              </a:defRPr>
-            </a:lvl6pPr>
-            <a:lvl7pPr marL="2971800" indent="-228600" defTabSz="958850" eaLnBrk="0" fontAlgn="base" hangingPunct="0">
-              <a:spcBef>
-                <a:spcPct val="0"/>
-              </a:spcBef>
-              <a:spcAft>
-                <a:spcPct val="0"/>
-              </a:spcAft>
-              <a:defRPr sz="3200" b="1">
-                <a:solidFill>
-                  <a:schemeClr val="tx1"/>
-                </a:solidFill>
-                <a:latin typeface="Arial" pitchFamily="34" charset="0"/>
-              </a:defRPr>
-            </a:lvl7pPr>
-            <a:lvl8pPr marL="3429000" indent="-228600" defTabSz="958850" eaLnBrk="0" fontAlgn="base" hangingPunct="0">
-              <a:spcBef>
-                <a:spcPct val="0"/>
-              </a:spcBef>
-              <a:spcAft>
-                <a:spcPct val="0"/>
-              </a:spcAft>
-              <a:defRPr sz="3200" b="1">
-                <a:solidFill>
-                  <a:schemeClr val="tx1"/>
-                </a:solidFill>
-                <a:latin typeface="Arial" pitchFamily="34" charset="0"/>
-              </a:defRPr>
-            </a:lvl8pPr>
-            <a:lvl9pPr marL="3886200" indent="-228600" defTabSz="958850" eaLnBrk="0" fontAlgn="base" hangingPunct="0">
-              <a:spcBef>
-                <a:spcPct val="0"/>
-              </a:spcBef>
-              <a:spcAft>
-                <a:spcPct val="0"/>
-              </a:spcAft>
-              <a:defRPr sz="3200" b="1">
-                <a:solidFill>
-                  <a:schemeClr val="tx1"/>
-                </a:solidFill>
-                <a:latin typeface="Arial" pitchFamily="34" charset="0"/>
-              </a:defRPr>
-            </a:lvl9pPr>
-          </a:lstStyle>
-          <a:p>
-            <a:r>
-              <a:rPr lang="en-GB" sz="800" b="0" dirty="0"/>
-              <a:t>Copyright © 2012 Accenture All Rights Reserved.</a:t>
-            </a:r>
-            <a:endParaRPr lang="en-US" sz="800" b="0" dirty="0"/>
-          </a:p>
-        </p:txBody>
-      </p:sp>
-      <p:sp>
-        <p:nvSpPr>
-          <p:cNvPr id="44039" name="Rectangle 7"/>
-          <p:cNvSpPr txBox="1">
-            <a:spLocks noGrp="1" noChangeArrowheads="1"/>
-          </p:cNvSpPr>
-          <p:nvPr/>
-        </p:nvSpPr>
-        <p:spPr bwMode="auto">
-          <a:xfrm>
-            <a:off x="3938588" y="9609138"/>
-            <a:ext cx="3074987" cy="511175"/>
-          </a:xfrm>
-          <a:prstGeom prst="rect">
-            <a:avLst/>
-          </a:prstGeom>
-          <a:noFill/>
-          <a:ln>
-            <a:noFill/>
-          </a:ln>
-          <a:extLst>
-            <a:ext uri="{909E8E84-426E-40DD-AFC4-6F175D3DCCD1}">
-              <a14:hiddenFill xmlns:a14="http://schemas.microsoft.com/office/drawing/2010/main">
-                <a:solidFill>
-                  <a:srgbClr val="FFFFFF"/>
-                </a:solidFill>
-              </a14:hiddenFill>
-            </a:ext>
-            <a:ext uri="{91240B29-F687-4F45-9708-019B960494DF}">
-              <a14:hiddenLine xmlns:a14="http://schemas.microsoft.com/office/drawing/2010/main" w="9525">
-                <a:solidFill>
-                  <a:srgbClr val="000000"/>
-                </a:solidFill>
-                <a:miter lim="800000"/>
-                <a:headEnd/>
-                <a:tailEnd/>
-              </a14:hiddenLine>
-            </a:ext>
-          </a:extLst>
-        </p:spPr>
-        <p:txBody>
-          <a:bodyPr lIns="19933" tIns="0" rIns="19933" bIns="0" anchor="b"/>
-          <a:lstStyle>
-            <a:lvl1pPr defTabSz="958850" eaLnBrk="0" hangingPunct="0">
-              <a:defRPr sz="3200" b="1">
-                <a:solidFill>
-                  <a:schemeClr val="tx1"/>
-                </a:solidFill>
-                <a:latin typeface="Arial" pitchFamily="34" charset="0"/>
-              </a:defRPr>
-            </a:lvl1pPr>
-            <a:lvl2pPr marL="742950" indent="-285750" defTabSz="958850" eaLnBrk="0" hangingPunct="0">
-              <a:defRPr sz="3200" b="1">
-                <a:solidFill>
-                  <a:schemeClr val="tx1"/>
-                </a:solidFill>
-                <a:latin typeface="Arial" pitchFamily="34" charset="0"/>
-              </a:defRPr>
-            </a:lvl2pPr>
-            <a:lvl3pPr marL="1143000" indent="-228600" defTabSz="958850" eaLnBrk="0" hangingPunct="0">
-              <a:defRPr sz="3200" b="1">
-                <a:solidFill>
-                  <a:schemeClr val="tx1"/>
-                </a:solidFill>
-                <a:latin typeface="Arial" pitchFamily="34" charset="0"/>
-              </a:defRPr>
-            </a:lvl3pPr>
-            <a:lvl4pPr marL="1600200" indent="-228600" defTabSz="958850" eaLnBrk="0" hangingPunct="0">
-              <a:defRPr sz="3200" b="1">
-                <a:solidFill>
-                  <a:schemeClr val="tx1"/>
-                </a:solidFill>
-                <a:latin typeface="Arial" pitchFamily="34" charset="0"/>
-              </a:defRPr>
-            </a:lvl4pPr>
-            <a:lvl5pPr marL="2057400" indent="-228600" defTabSz="958850" eaLnBrk="0" hangingPunct="0">
-              <a:defRPr sz="3200" b="1">
-                <a:solidFill>
-                  <a:schemeClr val="tx1"/>
-                </a:solidFill>
-                <a:latin typeface="Arial" pitchFamily="34" charset="0"/>
-              </a:defRPr>
-            </a:lvl5pPr>
-            <a:lvl6pPr marL="2514600" indent="-228600" defTabSz="958850" eaLnBrk="0" fontAlgn="base" hangingPunct="0">
-              <a:spcBef>
-                <a:spcPct val="0"/>
-              </a:spcBef>
-              <a:spcAft>
-                <a:spcPct val="0"/>
-              </a:spcAft>
-              <a:defRPr sz="3200" b="1">
-                <a:solidFill>
-                  <a:schemeClr val="tx1"/>
-                </a:solidFill>
-                <a:latin typeface="Arial" pitchFamily="34" charset="0"/>
-              </a:defRPr>
-            </a:lvl6pPr>
-            <a:lvl7pPr marL="2971800" indent="-228600" defTabSz="958850" eaLnBrk="0" fontAlgn="base" hangingPunct="0">
-              <a:spcBef>
-                <a:spcPct val="0"/>
-              </a:spcBef>
-              <a:spcAft>
-                <a:spcPct val="0"/>
-              </a:spcAft>
-              <a:defRPr sz="3200" b="1">
-                <a:solidFill>
-                  <a:schemeClr val="tx1"/>
-                </a:solidFill>
-                <a:latin typeface="Arial" pitchFamily="34" charset="0"/>
-              </a:defRPr>
-            </a:lvl7pPr>
-            <a:lvl8pPr marL="3429000" indent="-228600" defTabSz="958850" eaLnBrk="0" fontAlgn="base" hangingPunct="0">
-              <a:spcBef>
-                <a:spcPct val="0"/>
-              </a:spcBef>
-              <a:spcAft>
-                <a:spcPct val="0"/>
-              </a:spcAft>
-              <a:defRPr sz="3200" b="1">
-                <a:solidFill>
-                  <a:schemeClr val="tx1"/>
-                </a:solidFill>
-                <a:latin typeface="Arial" pitchFamily="34" charset="0"/>
-              </a:defRPr>
-            </a:lvl8pPr>
-            <a:lvl9pPr marL="3886200" indent="-228600" defTabSz="958850" eaLnBrk="0" fontAlgn="base" hangingPunct="0">
-              <a:spcBef>
-                <a:spcPct val="0"/>
-              </a:spcBef>
-              <a:spcAft>
-                <a:spcPct val="0"/>
-              </a:spcAft>
-              <a:defRPr sz="3200" b="1">
-                <a:solidFill>
-                  <a:schemeClr val="tx1"/>
-                </a:solidFill>
-                <a:latin typeface="Arial" pitchFamily="34" charset="0"/>
-              </a:defRPr>
-            </a:lvl9pPr>
-          </a:lstStyle>
-          <a:p>
-            <a:pPr algn="r"/>
-            <a:fld id="{50C5752E-C29B-490E-BA18-43D3637E4506}" type="slidenum">
-              <a:rPr lang="en-GB" sz="800" b="0"/>
-              <a:pPr algn="r"/>
-              <a:t>9</a:t>
-            </a:fld>
-            <a:endParaRPr lang="en-GB" sz="800" b="0"/>
-          </a:p>
-        </p:txBody>
-      </p:sp>
-    </p:spTree>
-    <p:extLst>
-      <p:ext uri="{BB962C8B-B14F-4D97-AF65-F5344CB8AC3E}">
-        <p14:creationId xmlns:p14="http://schemas.microsoft.com/office/powerpoint/2010/main" val="3282063519"/>
-      </p:ext>
-    </p:extLst>
-  </p:cSld>
-  <p:clrMapOvr>
-    <a:masterClrMapping/>
-  </p:clrMapOvr>
-</p:notes>
-</file>
-
 <file path=ppt/notesSlides/notesSlide2.xml><?xml version="1.0" encoding="utf-8"?>
 <p:notes xmlns:a="http://schemas.openxmlformats.org/drawingml/2006/main" xmlns:r="http://schemas.openxmlformats.org/officeDocument/2006/relationships" xmlns:p="http://schemas.openxmlformats.org/presentationml/2006/main">
   <p:cSld>
@@ -5638,7 +4946,7 @@
     </p:spTree>
     <p:extLst>
       <p:ext uri="{BB962C8B-B14F-4D97-AF65-F5344CB8AC3E}">
-        <p14:creationId xmlns:p14="http://schemas.microsoft.com/office/powerpoint/2010/main" val="1072381664"/>
+        <p14:creationId xmlns:p14="http://schemas.microsoft.com/office/powerpoint/2010/main" val="1169859943"/>
       </p:ext>
     </p:extLst>
   </p:cSld>
@@ -6372,7 +5680,7 @@
     </p:spTree>
     <p:extLst>
       <p:ext uri="{BB962C8B-B14F-4D97-AF65-F5344CB8AC3E}">
-        <p14:creationId xmlns:p14="http://schemas.microsoft.com/office/powerpoint/2010/main" val="1980288087"/>
+        <p14:creationId xmlns:p14="http://schemas.microsoft.com/office/powerpoint/2010/main" val="3632316885"/>
       </p:ext>
     </p:extLst>
   </p:cSld>
@@ -7106,7 +6414,7 @@
     </p:spTree>
     <p:extLst>
       <p:ext uri="{BB962C8B-B14F-4D97-AF65-F5344CB8AC3E}">
-        <p14:creationId xmlns:p14="http://schemas.microsoft.com/office/powerpoint/2010/main" val="1351384399"/>
+        <p14:creationId xmlns:p14="http://schemas.microsoft.com/office/powerpoint/2010/main" val="3468551468"/>
       </p:ext>
     </p:extLst>
   </p:cSld>
@@ -7135,7 +6443,7 @@
       </p:grpSpPr>
       <p:sp>
         <p:nvSpPr>
-          <p:cNvPr id="25602" name="Slide Image Placeholder 1"/>
+          <p:cNvPr id="44034" name="Slide Image Placeholder 1"/>
           <p:cNvSpPr>
             <a:spLocks noGrp="1" noRot="1" noChangeAspect="1" noTextEdit="1"/>
           </p:cNvSpPr>
@@ -7144,12 +6452,16 @@
           </p:nvPr>
         </p:nvSpPr>
         <p:spPr>
+          <a:xfrm>
+            <a:off x="990600" y="766763"/>
+            <a:ext cx="5118100" cy="3838575"/>
+          </a:xfrm>
           <a:ln/>
         </p:spPr>
       </p:sp>
       <p:sp>
         <p:nvSpPr>
-          <p:cNvPr id="25603" name="Notes Placeholder 2"/>
+          <p:cNvPr id="44035" name="Notes Placeholder 2"/>
           <p:cNvSpPr>
             <a:spLocks noGrp="1"/>
           </p:cNvSpPr>
@@ -7158,6 +6470,10 @@
           </p:nvPr>
         </p:nvSpPr>
         <p:spPr>
+          <a:xfrm>
+            <a:off x="709613" y="4862513"/>
+            <a:ext cx="5680075" cy="4605337"/>
+          </a:xfrm>
           <a:noFill/>
           <a:ln/>
           <a:extLst>
@@ -7181,68 +6497,17 @@
           </a:extLst>
         </p:spPr>
         <p:txBody>
-          <a:bodyPr/>
+          <a:bodyPr lIns="94750" tIns="47375" rIns="94750" bIns="47375"/>
           <a:lstStyle/>
           <a:p>
-            <a:r>
-              <a:rPr lang="en-US" b="1" dirty="0">
-                <a:latin typeface="Arial" pitchFamily="34" charset="0"/>
-              </a:rPr>
-              <a:t>Focus</a:t>
-            </a:r>
-          </a:p>
-          <a:p>
-            <a:pPr marL="742950" lvl="1" indent="-285750"/>
-            <a:r>
-              <a:rPr lang="en-US" dirty="0">
-                <a:latin typeface="Arial" pitchFamily="34" charset="0"/>
-              </a:rPr>
-              <a:t>Distributed Agile</a:t>
-            </a:r>
-          </a:p>
-          <a:p>
-            <a:endParaRPr lang="en-US" b="1" dirty="0">
-              <a:latin typeface="Arial" pitchFamily="34" charset="0"/>
-            </a:endParaRPr>
-          </a:p>
-          <a:p>
-            <a:r>
-              <a:rPr lang="en-US" b="1" dirty="0">
-                <a:latin typeface="Arial" pitchFamily="34" charset="0"/>
-              </a:rPr>
-              <a:t>Notes to Faculty:</a:t>
-            </a:r>
-            <a:r>
-              <a:rPr lang="en-US" dirty="0">
-                <a:latin typeface="Arial" pitchFamily="34" charset="0"/>
-              </a:rPr>
-              <a:t> </a:t>
-            </a:r>
-          </a:p>
-          <a:p>
-            <a:pPr marL="742950" lvl="1" indent="-285750"/>
-            <a:r>
-              <a:rPr lang="en-US" dirty="0">
-                <a:latin typeface="Arial" pitchFamily="34" charset="0"/>
-              </a:rPr>
-              <a:t>Discuss why distributed agile is  required and what ADM for DA offers</a:t>
-            </a:r>
-          </a:p>
-          <a:p>
-            <a:endParaRPr lang="en-US" b="1" dirty="0">
-              <a:latin typeface="Arial" pitchFamily="34" charset="0"/>
-            </a:endParaRPr>
-          </a:p>
-          <a:p>
-            <a:endParaRPr lang="en-US" dirty="0">
-              <a:latin typeface="Arial" pitchFamily="34" charset="0"/>
-            </a:endParaRPr>
+            <a:pPr marL="114300" indent="-114300" eaLnBrk="1" hangingPunct="1"/>
+            <a:endParaRPr lang="en-US" dirty="0"/>
           </a:p>
         </p:txBody>
       </p:sp>
       <p:sp>
         <p:nvSpPr>
-          <p:cNvPr id="25604" name="Rectangle 2"/>
+          <p:cNvPr id="44036" name="Rectangle 2"/>
           <p:cNvSpPr txBox="1">
             <a:spLocks noGrp="1" noChangeArrowheads="1"/>
           </p:cNvSpPr>
@@ -7390,7 +6655,7 @@
       </p:sp>
       <p:sp>
         <p:nvSpPr>
-          <p:cNvPr id="25605" name="Rectangle 3"/>
+          <p:cNvPr id="44037" name="Rectangle 3"/>
           <p:cNvSpPr txBox="1">
             <a:spLocks noGrp="1" noChangeArrowheads="1"/>
           </p:cNvSpPr>
@@ -7539,7 +6804,7 @@
       </p:sp>
       <p:sp>
         <p:nvSpPr>
-          <p:cNvPr id="25606" name="Rectangle 6"/>
+          <p:cNvPr id="44038" name="Rectangle 6"/>
           <p:cNvSpPr txBox="1">
             <a:spLocks noGrp="1" noChangeArrowheads="1"/>
           </p:cNvSpPr>
@@ -7688,7 +6953,7 @@
       </p:sp>
       <p:sp>
         <p:nvSpPr>
-          <p:cNvPr id="25607" name="Rectangle 7"/>
+          <p:cNvPr id="44039" name="Rectangle 7"/>
           <p:cNvSpPr txBox="1">
             <a:spLocks noGrp="1" noChangeArrowheads="1"/>
           </p:cNvSpPr>
@@ -7828,7 +7093,7 @@
           </a:lstStyle>
           <a:p>
             <a:pPr algn="r"/>
-            <a:fld id="{AB5C843C-6EED-49F6-94FB-305FAB24794A}" type="slidenum">
+            <a:fld id="{50C5752E-C29B-490E-BA18-43D3637E4506}" type="slidenum">
               <a:rPr lang="en-GB" sz="800" b="0"/>
               <a:pPr algn="r"/>
               <a:t>8</a:t>
@@ -7840,7 +7105,7 @@
     </p:spTree>
     <p:extLst>
       <p:ext uri="{BB962C8B-B14F-4D97-AF65-F5344CB8AC3E}">
-        <p14:creationId xmlns:p14="http://schemas.microsoft.com/office/powerpoint/2010/main" val="3468551468"/>
+        <p14:creationId xmlns:p14="http://schemas.microsoft.com/office/powerpoint/2010/main" val="3282063519"/>
       </p:ext>
     </p:extLst>
   </p:cSld>
@@ -13715,239 +12980,6 @@
 </p:sld>
 </file>
 
-<file path=ppt/slides/slide10.xml><?xml version="1.0" encoding="utf-8"?>
-<p:sld xmlns:a="http://schemas.openxmlformats.org/drawingml/2006/main" xmlns:r="http://schemas.openxmlformats.org/officeDocument/2006/relationships" xmlns:p="http://schemas.openxmlformats.org/presentationml/2006/main">
-  <p:cSld>
-    <p:spTree>
-      <p:nvGrpSpPr>
-        <p:cNvPr id="1" name=""/>
-        <p:cNvGrpSpPr/>
-        <p:nvPr/>
-      </p:nvGrpSpPr>
-      <p:grpSpPr>
-        <a:xfrm>
-          <a:off x="0" y="0"/>
-          <a:ext cx="0" cy="0"/>
-          <a:chOff x="0" y="0"/>
-          <a:chExt cx="0" cy="0"/>
-        </a:xfrm>
-      </p:grpSpPr>
-      <p:sp>
-        <p:nvSpPr>
-          <p:cNvPr id="3" name="Content Placeholder 2"/>
-          <p:cNvSpPr>
-            <a:spLocks noGrp="1"/>
-          </p:cNvSpPr>
-          <p:nvPr>
-            <p:ph sz="quarter" idx="12"/>
-          </p:nvPr>
-        </p:nvSpPr>
-        <p:spPr bwMode="gray">
-          <a:ln w="12700">
-            <a:miter lim="800000"/>
-            <a:headEnd/>
-            <a:tailEnd/>
-          </a:ln>
-        </p:spPr>
-        <p:txBody>
-          <a:bodyPr lIns="90488" tIns="44450" rIns="90488" bIns="44450" anchor="ctr">
-            <a:scene3d>
-              <a:camera prst="orthographicFront">
-                <a:rot lat="0" lon="0" rev="0"/>
-              </a:camera>
-              <a:lightRig rig="contrasting" dir="t">
-                <a:rot lat="0" lon="0" rev="4500000"/>
-              </a:lightRig>
-            </a:scene3d>
-            <a:sp3d contourW="6350" prstMaterial="metal">
-              <a:contourClr>
-                <a:schemeClr val="accent1">
-                  <a:shade val="75000"/>
-                </a:schemeClr>
-              </a:contourClr>
-            </a:sp3d>
-          </a:bodyPr>
-          <a:lstStyle/>
-          <a:p>
-            <a:pPr marL="176213" indent="-176213" algn="ctr" eaLnBrk="1" hangingPunct="1">
-              <a:lnSpc>
-                <a:spcPct val="90000"/>
-              </a:lnSpc>
-              <a:spcBef>
-                <a:spcPct val="40000"/>
-              </a:spcBef>
-              <a:buClr>
-                <a:schemeClr val="tx1"/>
-              </a:buClr>
-              <a:buFontTx/>
-              <a:buNone/>
-              <a:defRPr/>
-            </a:pPr>
-            <a:r>
-              <a:rPr lang="en-US" sz="7200" b="1" cap="all" dirty="0">
-                <a:ln w="0">
-                  <a:solidFill>
-                    <a:schemeClr val="accent6">
-                      <a:lumMod val="75000"/>
-                    </a:schemeClr>
-                  </a:solidFill>
-                </a:ln>
-                <a:solidFill>
-                  <a:srgbClr val="CCFF33"/>
-                </a:solidFill>
-                <a:effectLst>
-                  <a:reflection blurRad="6350" stA="55000" endA="300" endPos="45500" dir="5400000" sy="-100000" algn="bl" rotWithShape="0"/>
-                </a:effectLst>
-              </a:rPr>
-              <a:t>Q &amp; A</a:t>
-            </a:r>
-          </a:p>
-        </p:txBody>
-      </p:sp>
-      <p:sp>
-        <p:nvSpPr>
-          <p:cNvPr id="22531" name="Rectangle 2"/>
-          <p:cNvSpPr>
-            <a:spLocks noChangeArrowheads="1"/>
-          </p:cNvSpPr>
-          <p:nvPr/>
-        </p:nvSpPr>
-        <p:spPr bwMode="gray">
-          <a:xfrm>
-            <a:off x="356457" y="616374"/>
-            <a:ext cx="8380413" cy="523220"/>
-          </a:xfrm>
-          <a:prstGeom prst="rect">
-            <a:avLst/>
-          </a:prstGeom>
-          <a:noFill/>
-          <a:ln>
-            <a:noFill/>
-          </a:ln>
-          <a:extLst>
-            <a:ext uri="{909E8E84-426E-40DD-AFC4-6F175D3DCCD1}">
-              <a14:hiddenFill xmlns:a14="http://schemas.microsoft.com/office/drawing/2010/main">
-                <a:solidFill>
-                  <a:srgbClr val="FFFFFF"/>
-                </a:solidFill>
-              </a14:hiddenFill>
-            </a:ext>
-            <a:ext uri="{91240B29-F687-4F45-9708-019B960494DF}">
-              <a14:hiddenLine xmlns:a14="http://schemas.microsoft.com/office/drawing/2010/main" w="9525" algn="ctr">
-                <a:solidFill>
-                  <a:srgbClr val="000000"/>
-                </a:solidFill>
-                <a:miter lim="800000"/>
-                <a:headEnd/>
-                <a:tailEnd/>
-              </a14:hiddenLine>
-            </a:ext>
-          </a:extLst>
-        </p:spPr>
-        <p:txBody>
-          <a:bodyPr anchor="b">
-            <a:spAutoFit/>
-          </a:bodyPr>
-          <a:lstStyle/>
-          <a:p>
-            <a:pPr marL="58738" indent="-58738" eaLnBrk="0" hangingPunct="0"/>
-            <a:r>
-              <a:rPr lang="en-US" sz="2800" dirty="0"/>
-              <a:t>Questions &amp; Answers</a:t>
-            </a:r>
-          </a:p>
-        </p:txBody>
-      </p:sp>
-      <p:sp>
-        <p:nvSpPr>
-          <p:cNvPr id="4" name="TextBox 3"/>
-          <p:cNvSpPr txBox="1"/>
-          <p:nvPr/>
-        </p:nvSpPr>
-        <p:spPr>
-          <a:xfrm>
-            <a:off x="267494" y="6570473"/>
-            <a:ext cx="3180355" cy="230832"/>
-          </a:xfrm>
-          <a:prstGeom prst="rect">
-            <a:avLst/>
-          </a:prstGeom>
-          <a:noFill/>
-        </p:spPr>
-        <p:txBody>
-          <a:bodyPr wrap="square" lIns="0">
-            <a:spAutoFit/>
-          </a:bodyPr>
-          <a:lstStyle/>
-          <a:p>
-            <a:pPr algn="ctr">
-              <a:defRPr/>
-            </a:pPr>
-            <a:r>
-              <a:rPr lang="en-US" sz="900" dirty="0">
-                <a:solidFill>
-                  <a:srgbClr val="7F7F7F"/>
-                </a:solidFill>
-                <a:latin typeface="Arial" pitchFamily="34" charset="0"/>
-                <a:cs typeface="Arial" pitchFamily="34" charset="0"/>
-              </a:rPr>
-              <a:t>Copyright © 2014 Accenture  All rights reserved.</a:t>
-            </a:r>
-          </a:p>
-        </p:txBody>
-      </p:sp>
-      <p:sp>
-        <p:nvSpPr>
-          <p:cNvPr id="5" name="TextBox 4"/>
-          <p:cNvSpPr txBox="1"/>
-          <p:nvPr/>
-        </p:nvSpPr>
-        <p:spPr>
-          <a:xfrm>
-            <a:off x="8144698" y="6562940"/>
-            <a:ext cx="536400" cy="244800"/>
-          </a:xfrm>
-          <a:prstGeom prst="rect">
-            <a:avLst/>
-          </a:prstGeom>
-          <a:noFill/>
-        </p:spPr>
-        <p:txBody>
-          <a:bodyPr wrap="square" lIns="0" tIns="0" rIns="0" bIns="0" rtlCol="0" anchor="ctr" anchorCtr="0">
-            <a:noAutofit/>
-          </a:bodyPr>
-          <a:lstStyle/>
-          <a:p>
-            <a:pPr algn="r"/>
-            <a:fld id="{597A8DCA-8F96-49CD-B4D5-7AC92F955860}" type="slidenum">
-              <a:rPr lang="en-CA" sz="900" smtClean="0">
-                <a:solidFill>
-                  <a:srgbClr val="7F7F7F"/>
-                </a:solidFill>
-                <a:latin typeface="Arial" pitchFamily="34" charset="0"/>
-                <a:cs typeface="Arial" pitchFamily="34" charset="0"/>
-              </a:rPr>
-              <a:pPr algn="r"/>
-              <a:t>9</a:t>
-            </a:fld>
-            <a:endParaRPr lang="en-CA" sz="900" dirty="0">
-              <a:solidFill>
-                <a:srgbClr val="7F7F7F"/>
-              </a:solidFill>
-              <a:latin typeface="Arial" pitchFamily="34" charset="0"/>
-              <a:cs typeface="Arial" pitchFamily="34" charset="0"/>
-            </a:endParaRPr>
-          </a:p>
-        </p:txBody>
-      </p:sp>
-    </p:spTree>
-  </p:cSld>
-  <p:clrMapOvr>
-    <a:masterClrMapping/>
-  </p:clrMapOvr>
-</p:sld>
-</file>
-
 <file path=ppt/slides/slide2.xml><?xml version="1.0" encoding="utf-8"?>
 <p:sld xmlns:a="http://schemas.openxmlformats.org/drawingml/2006/main" xmlns:r="http://schemas.openxmlformats.org/officeDocument/2006/relationships" xmlns:p="http://schemas.openxmlformats.org/presentationml/2006/main">
   <p:cSld>
@@ -13977,8 +13009,8 @@
         </p:nvSpPr>
         <p:spPr>
           <a:xfrm>
-            <a:off x="363586" y="329961"/>
-            <a:ext cx="8205261" cy="785553"/>
+            <a:off x="422348" y="329961"/>
+            <a:ext cx="8146499" cy="785553"/>
           </a:xfrm>
         </p:spPr>
         <p:txBody>
@@ -14006,14 +13038,14 @@
           <p:nvPr>
             <p:extLst>
               <p:ext uri="{D42A27DB-BD31-4B8C-83A1-F6EECF244321}">
-                <p14:modId xmlns:p14="http://schemas.microsoft.com/office/powerpoint/2010/main" val="843463891"/>
+                <p14:modId xmlns:p14="http://schemas.microsoft.com/office/powerpoint/2010/main" val="3078086668"/>
               </p:ext>
             </p:extLst>
           </p:nvPr>
         </p:nvGraphicFramePr>
         <p:xfrm>
           <a:off x="422348" y="1333500"/>
-          <a:ext cx="7612062" cy="4036251"/>
+          <a:ext cx="7612062" cy="3716211"/>
         </p:xfrm>
         <a:graphic>
           <a:graphicData uri="http://schemas.openxmlformats.org/drawingml/2006/table">
@@ -14023,7 +13055,7 @@
                 <a:gridCol w="7612062">
                   <a:extLst>
                     <a:ext uri="{9D8B030D-6E8A-4147-A177-3AD203B41FA5}">
-                      <a16:colId xmlns="" xmlns:a16="http://schemas.microsoft.com/office/drawing/2014/main" val="20000"/>
+                      <a16:colId xmlns:a16="http://schemas.microsoft.com/office/drawing/2014/main" xmlns="" val="20000"/>
                     </a:ext>
                   </a:extLst>
                 </a:gridCol>
@@ -14109,41 +13141,20 @@
                         <a:defRPr/>
                       </a:pPr>
                       <a:r>
-                        <a:rPr kumimoji="0" lang="en-US" altLang="zh-CN" sz="2200" b="0" i="0" u="none" strike="noStrike" cap="none" normalizeH="0" baseline="0" dirty="0" smtClean="0">
-                          <a:ln>
-                            <a:noFill/>
-                          </a:ln>
-                          <a:solidFill>
-                            <a:srgbClr val="000000"/>
-                          </a:solidFill>
-                          <a:effectLst/>
+                        <a:rPr lang="en-US" altLang="zh-CN" sz="2400" dirty="0" smtClean="0">
                           <a:latin typeface="SimSun" panose="02010600030101010101" pitchFamily="2" charset="-122"/>
                           <a:ea typeface="SimSun" panose="02010600030101010101" pitchFamily="2" charset="-122"/>
                         </a:rPr>
-                        <a:t>Router</a:t>
+                        <a:t>Angular4</a:t>
                       </a:r>
                       <a:r>
-                        <a:rPr kumimoji="0" lang="zh-CN" altLang="en-US" sz="2200" b="0" i="0" u="none" strike="noStrike" cap="none" normalizeH="0" baseline="0" dirty="0" smtClean="0">
-                          <a:ln>
-                            <a:noFill/>
-                          </a:ln>
-                          <a:solidFill>
-                            <a:srgbClr val="000000"/>
-                          </a:solidFill>
-                          <a:effectLst/>
+                        <a:rPr lang="zh-CN" altLang="en-US" sz="2400" dirty="0" smtClean="0">
                           <a:latin typeface="SimSun" panose="02010600030101010101" pitchFamily="2" charset="-122"/>
                           <a:ea typeface="SimSun" panose="02010600030101010101" pitchFamily="2" charset="-122"/>
                         </a:rPr>
-                        <a:t>的注入</a:t>
+                        <a:t>表单验证</a:t>
                       </a:r>
-                      <a:endParaRPr kumimoji="0" lang="en-US" sz="2200" b="0" i="0" u="none" strike="noStrike" cap="none" normalizeH="0" baseline="0" dirty="0">
-                        <a:ln>
-                          <a:noFill/>
-                        </a:ln>
-                        <a:solidFill>
-                          <a:srgbClr val="000000"/>
-                        </a:solidFill>
-                        <a:effectLst/>
+                      <a:endParaRPr lang="en-US" altLang="zh-CN" sz="2400" dirty="0" smtClean="0">
                         <a:latin typeface="SimSun" panose="02010600030101010101" pitchFamily="2" charset="-122"/>
                         <a:ea typeface="SimSun" panose="02010600030101010101" pitchFamily="2" charset="-122"/>
                       </a:endParaRPr>
@@ -14167,95 +13178,15 @@
                         <a:defRPr/>
                       </a:pPr>
                       <a:r>
-                        <a:rPr kumimoji="0" lang="en-US" altLang="zh-CN" sz="2200" b="0" i="0" u="none" strike="noStrike" kern="1200" cap="none" normalizeH="0" baseline="0" dirty="0" smtClean="0">
-                          <a:ln>
-                            <a:noFill/>
-                          </a:ln>
-                          <a:solidFill>
-                            <a:srgbClr val="000000"/>
-                          </a:solidFill>
-                          <a:effectLst/>
+                        <a:rPr lang="zh-CN" altLang="en-US" sz="2400" dirty="0" smtClean="0">
                           <a:latin typeface="SimSun" panose="02010600030101010101" pitchFamily="2" charset="-122"/>
                           <a:ea typeface="SimSun" panose="02010600030101010101" pitchFamily="2" charset="-122"/>
-                          <a:cs typeface="+mn-cs"/>
                         </a:rPr>
-                        <a:t>Router</a:t>
+                        <a:t>模板驱动式表单</a:t>
                       </a:r>
-                      <a:r>
-                        <a:rPr kumimoji="0" lang="zh-CN" altLang="en-US" sz="2200" b="0" i="0" u="none" strike="noStrike" kern="1200" cap="none" normalizeH="0" baseline="0" dirty="0" smtClean="0">
-                          <a:ln>
-                            <a:noFill/>
-                          </a:ln>
-                          <a:solidFill>
-                            <a:srgbClr val="000000"/>
-                          </a:solidFill>
-                          <a:effectLst/>
-                          <a:latin typeface="SimSun" panose="02010600030101010101" pitchFamily="2" charset="-122"/>
-                          <a:ea typeface="SimSun" panose="02010600030101010101" pitchFamily="2" charset="-122"/>
-                          <a:cs typeface="+mn-cs"/>
-                        </a:rPr>
-                        <a:t>与画面关联</a:t>
-                      </a:r>
-                    </a:p>
-                    <a:p>
-                      <a:pPr marL="342900" marR="0" lvl="0" indent="-342900" algn="l" defTabSz="914400" rtl="0" eaLnBrk="1" fontAlgn="base" latinLnBrk="0" hangingPunct="1">
-                        <a:lnSpc>
-                          <a:spcPct val="150000"/>
-                        </a:lnSpc>
-                        <a:spcBef>
-                          <a:spcPct val="0"/>
-                        </a:spcBef>
-                        <a:spcAft>
-                          <a:spcPct val="0"/>
-                        </a:spcAft>
-                        <a:buClrTx/>
-                        <a:buSzTx/>
-                        <a:buFont typeface="Arial" panose="020B0604020202020204" pitchFamily="34" charset="0"/>
-                        <a:buChar char="•"/>
-                        <a:tabLst/>
-                        <a:defRPr/>
-                      </a:pPr>
-                      <a:r>
-                        <a:rPr kumimoji="0" lang="en-US" altLang="zh-CN" sz="2200" b="0" i="0" u="none" strike="noStrike" kern="1200" cap="none" normalizeH="0" baseline="0" dirty="0" smtClean="0">
-                          <a:ln>
-                            <a:noFill/>
-                          </a:ln>
-                          <a:solidFill>
-                            <a:srgbClr val="000000"/>
-                          </a:solidFill>
-                          <a:effectLst/>
-                          <a:latin typeface="SimSun" panose="02010600030101010101" pitchFamily="2" charset="-122"/>
-                          <a:ea typeface="SimSun" panose="02010600030101010101" pitchFamily="2" charset="-122"/>
-                          <a:cs typeface="+mn-cs"/>
-                        </a:rPr>
-                        <a:t>Route</a:t>
-                      </a:r>
-                      <a:r>
-                        <a:rPr kumimoji="0" lang="zh-CN" altLang="en-US" sz="2200" b="0" i="0" u="none" strike="noStrike" kern="1200" cap="none" normalizeH="0" baseline="0" dirty="0" smtClean="0">
-                          <a:ln>
-                            <a:noFill/>
-                          </a:ln>
-                          <a:solidFill>
-                            <a:srgbClr val="000000"/>
-                          </a:solidFill>
-                          <a:effectLst/>
-                          <a:latin typeface="SimSun" panose="02010600030101010101" pitchFamily="2" charset="-122"/>
-                          <a:ea typeface="SimSun" panose="02010600030101010101" pitchFamily="2" charset="-122"/>
-                          <a:cs typeface="+mn-cs"/>
-                        </a:rPr>
-                        <a:t>属性</a:t>
-                      </a:r>
-                      <a:endParaRPr kumimoji="0" lang="en-US" altLang="zh-CN" sz="2200" b="0" i="0" u="none" strike="noStrike" kern="1200" cap="none" normalizeH="0" baseline="0" dirty="0" smtClean="0">
-                        <a:ln>
-                          <a:noFill/>
-                        </a:ln>
-                        <a:solidFill>
-                          <a:srgbClr val="000000"/>
-                        </a:solidFill>
-                        <a:effectLst/>
+                      <a:endParaRPr lang="en-US" altLang="zh-CN" sz="2400" dirty="0" smtClean="0">
                         <a:latin typeface="SimSun" panose="02010600030101010101" pitchFamily="2" charset="-122"/>
                         <a:ea typeface="SimSun" panose="02010600030101010101" pitchFamily="2" charset="-122"/>
-                        <a:cs typeface="+mn-cs"/>
                       </a:endParaRPr>
                     </a:p>
                     <a:p>
@@ -14277,46 +13208,15 @@
                         <a:defRPr/>
                       </a:pPr>
                       <a:r>
-                        <a:rPr kumimoji="0" lang="en-US" altLang="zh-CN" sz="2200" b="0" i="0" u="none" strike="noStrike" kern="1200" cap="none" normalizeH="0" baseline="0" dirty="0" smtClean="0">
-                          <a:ln>
-                            <a:noFill/>
-                          </a:ln>
-                          <a:solidFill>
-                            <a:srgbClr val="000000"/>
-                          </a:solidFill>
-                          <a:effectLst/>
+                        <a:rPr lang="zh-CN" altLang="en-US" sz="2400" dirty="0" smtClean="0">
                           <a:latin typeface="SimSun" panose="02010600030101010101" pitchFamily="2" charset="-122"/>
                           <a:ea typeface="SimSun" panose="02010600030101010101" pitchFamily="2" charset="-122"/>
-                          <a:cs typeface="+mn-cs"/>
                         </a:rPr>
-                        <a:t>Router</a:t>
+                        <a:t>响应式表单</a:t>
                       </a:r>
-                      <a:r>
-                        <a:rPr kumimoji="0" lang="zh-CN" altLang="en-US" sz="2200" b="0" i="0" u="none" strike="noStrike" kern="1200" cap="none" normalizeH="0" baseline="0" dirty="0" smtClean="0">
-                          <a:ln>
-                            <a:noFill/>
-                          </a:ln>
-                          <a:solidFill>
-                            <a:srgbClr val="000000"/>
-                          </a:solidFill>
-                          <a:effectLst/>
-                          <a:latin typeface="SimSun" panose="02010600030101010101" pitchFamily="2" charset="-122"/>
-                          <a:ea typeface="SimSun" panose="02010600030101010101" pitchFamily="2" charset="-122"/>
-                          <a:cs typeface="+mn-cs"/>
-                        </a:rPr>
-                        <a:t>的传值</a:t>
-                      </a:r>
-                      <a:endParaRPr kumimoji="0" lang="en-US" altLang="zh-CN" sz="2200" b="0" i="0" u="none" strike="noStrike" kern="1200" cap="none" normalizeH="0" baseline="0" dirty="0" smtClean="0">
-                        <a:ln>
-                          <a:noFill/>
-                        </a:ln>
-                        <a:solidFill>
-                          <a:srgbClr val="000000"/>
-                        </a:solidFill>
-                        <a:effectLst/>
+                      <a:endParaRPr lang="en-US" altLang="zh-CN" sz="2400" dirty="0" smtClean="0">
                         <a:latin typeface="SimSun" panose="02010600030101010101" pitchFamily="2" charset="-122"/>
                         <a:ea typeface="SimSun" panose="02010600030101010101" pitchFamily="2" charset="-122"/>
-                        <a:cs typeface="+mn-cs"/>
                       </a:endParaRPr>
                     </a:p>
                     <a:p>
@@ -14338,46 +13238,22 @@
                         <a:defRPr/>
                       </a:pPr>
                       <a:r>
-                        <a:rPr kumimoji="0" lang="en-US" altLang="zh-CN" sz="2200" b="0" i="0" u="none" strike="noStrike" kern="1200" cap="none" normalizeH="0" baseline="0" dirty="0" smtClean="0">
-                          <a:ln>
-                            <a:noFill/>
-                          </a:ln>
-                          <a:solidFill>
-                            <a:srgbClr val="000000"/>
-                          </a:solidFill>
-                          <a:effectLst/>
+                        <a:rPr lang="en-US" sz="2400" dirty="0" smtClean="0">
                           <a:latin typeface="SimSun" panose="02010600030101010101" pitchFamily="2" charset="-122"/>
                           <a:ea typeface="SimSun" panose="02010600030101010101" pitchFamily="2" charset="-122"/>
-                          <a:cs typeface="+mn-cs"/>
                         </a:rPr>
-                        <a:t>Router</a:t>
+                        <a:t>DOM</a:t>
                       </a:r>
                       <a:r>
-                        <a:rPr kumimoji="0" lang="zh-CN" altLang="en-US" sz="2200" b="0" i="0" u="none" strike="noStrike" kern="1200" cap="none" normalizeH="0" baseline="0" dirty="0" smtClean="0">
-                          <a:ln>
-                            <a:noFill/>
-                          </a:ln>
-                          <a:solidFill>
-                            <a:srgbClr val="000000"/>
-                          </a:solidFill>
-                          <a:effectLst/>
+                        <a:rPr lang="zh-CN" altLang="en-US" sz="2400" dirty="0" smtClean="0">
                           <a:latin typeface="SimSun" panose="02010600030101010101" pitchFamily="2" charset="-122"/>
                           <a:ea typeface="SimSun" panose="02010600030101010101" pitchFamily="2" charset="-122"/>
-                          <a:cs typeface="+mn-cs"/>
                         </a:rPr>
-                        <a:t>卫士</a:t>
+                        <a:t>操作</a:t>
                       </a:r>
-                      <a:endParaRPr kumimoji="0" lang="en-US" altLang="zh-CN" sz="2200" b="0" i="0" u="none" strike="noStrike" kern="1200" cap="none" normalizeH="0" baseline="0" dirty="0" smtClean="0">
-                        <a:ln>
-                          <a:noFill/>
-                        </a:ln>
-                        <a:solidFill>
-                          <a:srgbClr val="000000"/>
-                        </a:solidFill>
-                        <a:effectLst/>
+                      <a:endParaRPr lang="en-US" altLang="zh-CN" sz="2400" dirty="0" smtClean="0">
                         <a:latin typeface="SimSun" panose="02010600030101010101" pitchFamily="2" charset="-122"/>
                         <a:ea typeface="SimSun" panose="02010600030101010101" pitchFamily="2" charset="-122"/>
-                        <a:cs typeface="+mn-cs"/>
                       </a:endParaRPr>
                     </a:p>
                     <a:p>
@@ -14527,7 +13403,7 @@
                 </a:tc>
                 <a:extLst>
                   <a:ext uri="{0D108BD9-81ED-4DB2-BD59-A6C34878D82A}">
-                    <a16:rowId xmlns="" xmlns:a16="http://schemas.microsoft.com/office/drawing/2014/main" val="10000"/>
+                    <a16:rowId xmlns:a16="http://schemas.microsoft.com/office/drawing/2014/main" xmlns="" val="10000"/>
                   </a:ext>
                 </a:extLst>
               </a:tr>
@@ -15285,14 +14161,7 @@
                 <a:latin typeface="SimSun" panose="02010600030101010101" pitchFamily="2" charset="-122"/>
                 <a:ea typeface="SimSun" panose="02010600030101010101" pitchFamily="2" charset="-122"/>
               </a:rPr>
-              <a:t>Template Driven </a:t>
-            </a:r>
-            <a:r>
-              <a:rPr lang="en-US" sz="1600" b="0" dirty="0">
-                <a:latin typeface="SimSun" panose="02010600030101010101" pitchFamily="2" charset="-122"/>
-                <a:ea typeface="SimSun" panose="02010600030101010101" pitchFamily="2" charset="-122"/>
-              </a:rPr>
-              <a:t>Forms </a:t>
+              <a:t>Template Driven Forms </a:t>
             </a:r>
             <a:r>
               <a:rPr lang="en-US" altLang="zh-CN" sz="1600" b="0" dirty="0">
@@ -15384,39 +14253,105 @@
               </a:rPr>
               <a:t>单</a:t>
             </a:r>
-            <a:r>
-              <a:rPr lang="en-US" altLang="ja-JP" sz="1600" b="0" dirty="0" smtClean="0">
-                <a:latin typeface="SimSun" panose="02010600030101010101" pitchFamily="2" charset="-122"/>
-                <a:ea typeface="SimSun" panose="02010600030101010101" pitchFamily="2" charset="-122"/>
-              </a:rPr>
-              <a:t/>
-            </a:r>
-            <a:br>
-              <a:rPr lang="en-US" altLang="ja-JP" sz="1600" b="0" dirty="0" smtClean="0">
-                <a:latin typeface="SimSun" panose="02010600030101010101" pitchFamily="2" charset="-122"/>
-                <a:ea typeface="SimSun" panose="02010600030101010101" pitchFamily="2" charset="-122"/>
-              </a:rPr>
-            </a:br>
+            <a:endParaRPr lang="en-US" altLang="ja-JP" sz="1600" b="0" dirty="0" smtClean="0">
+              <a:latin typeface="SimSun" panose="02010600030101010101" pitchFamily="2" charset="-122"/>
+              <a:ea typeface="SimSun" panose="02010600030101010101" pitchFamily="2" charset="-122"/>
+            </a:endParaRPr>
+          </a:p>
+          <a:p>
+            <a:endParaRPr lang="en-US" altLang="ja-JP" sz="1600" b="0" dirty="0" smtClean="0">
+              <a:latin typeface="SimSun" panose="02010600030101010101" pitchFamily="2" charset="-122"/>
+              <a:ea typeface="SimSun" panose="02010600030101010101" pitchFamily="2" charset="-122"/>
+            </a:endParaRPr>
+          </a:p>
+          <a:p>
+            <a:r>
+              <a:rPr lang="zh-CN" altLang="en-US" sz="1600" b="0" dirty="0">
+                <a:latin typeface="SimSun" panose="02010600030101010101" pitchFamily="2" charset="-122"/>
+                <a:ea typeface="SimSun" panose="02010600030101010101" pitchFamily="2" charset="-122"/>
+              </a:rPr>
+              <a:t>两种验证方式的区别主要在于响应的方式，模版驱动表单是异步的，响应式表单是同步的。</a:t>
+            </a:r>
+            <a:endParaRPr lang="en-US" altLang="zh-CN" sz="1600" b="0" dirty="0">
+              <a:latin typeface="SimSun" panose="02010600030101010101" pitchFamily="2" charset="-122"/>
+              <a:ea typeface="SimSun" panose="02010600030101010101" pitchFamily="2" charset="-122"/>
+            </a:endParaRPr>
+          </a:p>
+          <a:p>
+            <a:r>
+              <a:rPr lang="zh-CN" altLang="en-US" sz="1600" b="0" dirty="0">
+                <a:latin typeface="SimSun" panose="02010600030101010101" pitchFamily="2" charset="-122"/>
+                <a:ea typeface="SimSun" panose="02010600030101010101" pitchFamily="2" charset="-122"/>
+              </a:rPr>
+              <a:t>模版驱动表单会委托指令来创建它们的表单控件。 为了消除“检查完后又变化了”的错误，这些指令需要消耗一个以上的变更检测周期来构建整个控件树。 这意味着在从组件类中操纵任何控件之前，我们都必须先等待一个节拍。</a:t>
+            </a:r>
+            <a:endParaRPr lang="en-US" altLang="ja-JP" sz="1600" b="0" dirty="0">
+              <a:latin typeface="SimSun" panose="02010600030101010101" pitchFamily="2" charset="-122"/>
+              <a:ea typeface="SimSun" panose="02010600030101010101" pitchFamily="2" charset="-122"/>
+            </a:endParaRPr>
+          </a:p>
+          <a:p>
+            <a:endParaRPr lang="en-US" altLang="ja-JP" sz="1600" b="0" dirty="0" smtClean="0">
+              <a:latin typeface="SimSun" panose="02010600030101010101" pitchFamily="2" charset="-122"/>
+              <a:ea typeface="SimSun" panose="02010600030101010101" pitchFamily="2" charset="-122"/>
+            </a:endParaRPr>
+          </a:p>
+          <a:p>
+            <a:r>
+              <a:rPr lang="zh-CN" altLang="en-US" sz="1600" b="0" dirty="0">
+                <a:latin typeface="SimSun" panose="02010600030101010101" pitchFamily="2" charset="-122"/>
+                <a:ea typeface="SimSun" panose="02010600030101010101" pitchFamily="2" charset="-122"/>
+              </a:rPr>
+              <a:t>像 </a:t>
+            </a:r>
+            <a:r>
+              <a:rPr lang="en-US" altLang="zh-CN" sz="1600" b="0" dirty="0">
+                <a:latin typeface="SimSun" panose="02010600030101010101" pitchFamily="2" charset="-122"/>
+                <a:ea typeface="SimSun" panose="02010600030101010101" pitchFamily="2" charset="-122"/>
+              </a:rPr>
+              <a:t>AngularJS </a:t>
+            </a:r>
+            <a:r>
+              <a:rPr lang="zh-CN" altLang="en-US" sz="1600" b="0" dirty="0">
+                <a:latin typeface="SimSun" panose="02010600030101010101" pitchFamily="2" charset="-122"/>
+                <a:ea typeface="SimSun" panose="02010600030101010101" pitchFamily="2" charset="-122"/>
+              </a:rPr>
+              <a:t>中一样，</a:t>
+            </a:r>
+            <a:r>
+              <a:rPr lang="en-US" altLang="zh-CN" sz="1600" b="0" dirty="0" smtClean="0">
+                <a:latin typeface="SimSun" panose="02010600030101010101" pitchFamily="2" charset="-122"/>
+                <a:ea typeface="SimSun" panose="02010600030101010101" pitchFamily="2" charset="-122"/>
+              </a:rPr>
+              <a:t>Angular4 </a:t>
+            </a:r>
+            <a:r>
+              <a:rPr lang="zh-CN" altLang="en-US" sz="1600" b="0" dirty="0">
+                <a:latin typeface="SimSun" panose="02010600030101010101" pitchFamily="2" charset="-122"/>
+                <a:ea typeface="SimSun" panose="02010600030101010101" pitchFamily="2" charset="-122"/>
+              </a:rPr>
+              <a:t>会自动把很多控件属性作为 </a:t>
+            </a:r>
+            <a:r>
+              <a:rPr lang="en-US" altLang="zh-CN" sz="1600" b="0" dirty="0">
+                <a:latin typeface="SimSun" panose="02010600030101010101" pitchFamily="2" charset="-122"/>
+                <a:ea typeface="SimSun" panose="02010600030101010101" pitchFamily="2" charset="-122"/>
+              </a:rPr>
+              <a:t>CSS </a:t>
+            </a:r>
+            <a:r>
+              <a:rPr lang="zh-CN" altLang="en-US" sz="1600" b="0" dirty="0">
+                <a:latin typeface="SimSun" panose="02010600030101010101" pitchFamily="2" charset="-122"/>
+                <a:ea typeface="SimSun" panose="02010600030101010101" pitchFamily="2" charset="-122"/>
+              </a:rPr>
+              <a:t>类映射到控件所在的元素上。我们可以使用这些类来根据表单状态给表单控件元素添加样式</a:t>
+            </a:r>
             <a:r>
               <a:rPr lang="zh-CN" altLang="en-US" sz="1600" b="0" dirty="0" smtClean="0">
                 <a:latin typeface="SimSun" panose="02010600030101010101" pitchFamily="2" charset="-122"/>
                 <a:ea typeface="SimSun" panose="02010600030101010101" pitchFamily="2" charset="-122"/>
               </a:rPr>
-              <a:t>将验证的主体放在</a:t>
-            </a:r>
-            <a:r>
-              <a:rPr lang="en-US" altLang="zh-CN" sz="1600" b="0" dirty="0" err="1" smtClean="0">
-                <a:latin typeface="SimSun" panose="02010600030101010101" pitchFamily="2" charset="-122"/>
-                <a:ea typeface="SimSun" panose="02010600030101010101" pitchFamily="2" charset="-122"/>
-              </a:rPr>
-              <a:t>ts</a:t>
-            </a:r>
-            <a:r>
-              <a:rPr lang="zh-CN" altLang="en-US" sz="1600" b="0" dirty="0" smtClean="0">
-                <a:latin typeface="SimSun" panose="02010600030101010101" pitchFamily="2" charset="-122"/>
-                <a:ea typeface="SimSun" panose="02010600030101010101" pitchFamily="2" charset="-122"/>
-              </a:rPr>
-              <a:t>代码内，验证与数据都是同步进行的。</a:t>
+              <a:t>。</a:t>
             </a:r>
             <a:endParaRPr lang="en-US" altLang="zh-CN" sz="1600" b="0" dirty="0" smtClean="0">
               <a:latin typeface="SimSun" panose="02010600030101010101" pitchFamily="2" charset="-122"/>
@@ -15424,10 +14359,135 @@
             </a:endParaRPr>
           </a:p>
           <a:p>
-            <a:pPr marL="342900" indent="-342900">
-              <a:buFont typeface="+mj-lt"/>
-              <a:buAutoNum type="arabicPeriod"/>
-            </a:pPr>
+            <a:r>
+              <a:rPr lang="zh-CN" altLang="en-US" sz="1600" b="0" dirty="0" smtClean="0">
+                <a:latin typeface="SimSun" panose="02010600030101010101" pitchFamily="2" charset="-122"/>
+                <a:ea typeface="SimSun" panose="02010600030101010101" pitchFamily="2" charset="-122"/>
+              </a:rPr>
+              <a:t>目</a:t>
+            </a:r>
+            <a:r>
+              <a:rPr lang="zh-CN" altLang="en-US" sz="1600" b="0" dirty="0">
+                <a:latin typeface="SimSun" panose="02010600030101010101" pitchFamily="2" charset="-122"/>
+                <a:ea typeface="SimSun" panose="02010600030101010101" pitchFamily="2" charset="-122"/>
+              </a:rPr>
+              <a:t>前支持下列类：</a:t>
+            </a:r>
+            <a:endParaRPr lang="en-US" altLang="zh-CN" sz="1600" b="0" dirty="0">
+              <a:latin typeface="SimSun" panose="02010600030101010101" pitchFamily="2" charset="-122"/>
+              <a:ea typeface="SimSun" panose="02010600030101010101" pitchFamily="2" charset="-122"/>
+            </a:endParaRPr>
+          </a:p>
+          <a:p>
+            <a:r>
+              <a:rPr lang="en-US" sz="1600" b="0" dirty="0">
+                <a:latin typeface="SimSun" panose="02010600030101010101" pitchFamily="2" charset="-122"/>
+                <a:ea typeface="SimSun" panose="02010600030101010101" pitchFamily="2" charset="-122"/>
+              </a:rPr>
+              <a:t>ng-valid</a:t>
+            </a:r>
+            <a:r>
+              <a:rPr lang="zh-CN" altLang="en-US" sz="1600" b="0" dirty="0">
+                <a:latin typeface="SimSun" panose="02010600030101010101" pitchFamily="2" charset="-122"/>
+                <a:ea typeface="SimSun" panose="02010600030101010101" pitchFamily="2" charset="-122"/>
+              </a:rPr>
+              <a:t>，</a:t>
+            </a:r>
+            <a:r>
+              <a:rPr lang="en-US" sz="1600" b="0" dirty="0">
+                <a:latin typeface="SimSun" panose="02010600030101010101" pitchFamily="2" charset="-122"/>
+                <a:ea typeface="SimSun" panose="02010600030101010101" pitchFamily="2" charset="-122"/>
+              </a:rPr>
+              <a:t>ng-invalid</a:t>
+            </a:r>
+            <a:r>
+              <a:rPr lang="zh-CN" altLang="en-US" sz="1600" b="0" dirty="0">
+                <a:latin typeface="SimSun" panose="02010600030101010101" pitchFamily="2" charset="-122"/>
+                <a:ea typeface="SimSun" panose="02010600030101010101" pitchFamily="2" charset="-122"/>
+              </a:rPr>
+              <a:t>，</a:t>
+            </a:r>
+            <a:r>
+              <a:rPr lang="en-US" sz="1600" b="0" dirty="0">
+                <a:latin typeface="SimSun" panose="02010600030101010101" pitchFamily="2" charset="-122"/>
+                <a:ea typeface="SimSun" panose="02010600030101010101" pitchFamily="2" charset="-122"/>
+              </a:rPr>
+              <a:t>ng-pending</a:t>
+            </a:r>
+            <a:r>
+              <a:rPr lang="zh-CN" altLang="en-US" sz="1600" b="0" dirty="0">
+                <a:latin typeface="SimSun" panose="02010600030101010101" pitchFamily="2" charset="-122"/>
+                <a:ea typeface="SimSun" panose="02010600030101010101" pitchFamily="2" charset="-122"/>
+              </a:rPr>
+              <a:t>，</a:t>
+            </a:r>
+            <a:r>
+              <a:rPr lang="en-US" sz="1600" b="0" dirty="0">
+                <a:latin typeface="SimSun" panose="02010600030101010101" pitchFamily="2" charset="-122"/>
+                <a:ea typeface="SimSun" panose="02010600030101010101" pitchFamily="2" charset="-122"/>
+              </a:rPr>
+              <a:t>ng-pristine</a:t>
+            </a:r>
+            <a:r>
+              <a:rPr lang="zh-CN" altLang="en-US" sz="1600" b="0" dirty="0">
+                <a:latin typeface="SimSun" panose="02010600030101010101" pitchFamily="2" charset="-122"/>
+                <a:ea typeface="SimSun" panose="02010600030101010101" pitchFamily="2" charset="-122"/>
+              </a:rPr>
+              <a:t>，</a:t>
+            </a:r>
+            <a:r>
+              <a:rPr lang="en-US" sz="1600" b="0" dirty="0">
+                <a:latin typeface="SimSun" panose="02010600030101010101" pitchFamily="2" charset="-122"/>
+                <a:ea typeface="SimSun" panose="02010600030101010101" pitchFamily="2" charset="-122"/>
+              </a:rPr>
+              <a:t>ng-dirty</a:t>
+            </a:r>
+            <a:r>
+              <a:rPr lang="zh-CN" altLang="en-US" sz="1600" b="0" dirty="0">
+                <a:latin typeface="SimSun" panose="02010600030101010101" pitchFamily="2" charset="-122"/>
+                <a:ea typeface="SimSun" panose="02010600030101010101" pitchFamily="2" charset="-122"/>
+              </a:rPr>
+              <a:t>，</a:t>
+            </a:r>
+            <a:r>
+              <a:rPr lang="en-US" sz="1600" b="0" dirty="0">
+                <a:latin typeface="SimSun" panose="02010600030101010101" pitchFamily="2" charset="-122"/>
+                <a:ea typeface="SimSun" panose="02010600030101010101" pitchFamily="2" charset="-122"/>
+              </a:rPr>
+              <a:t>ng-untouched</a:t>
+            </a:r>
+            <a:r>
+              <a:rPr lang="zh-CN" altLang="en-US" sz="1600" b="0" dirty="0">
+                <a:latin typeface="SimSun" panose="02010600030101010101" pitchFamily="2" charset="-122"/>
+                <a:ea typeface="SimSun" panose="02010600030101010101" pitchFamily="2" charset="-122"/>
+              </a:rPr>
+              <a:t>，</a:t>
+            </a:r>
+            <a:r>
+              <a:rPr lang="en-US" sz="1600" b="0" dirty="0">
+                <a:latin typeface="SimSun" panose="02010600030101010101" pitchFamily="2" charset="-122"/>
+                <a:ea typeface="SimSun" panose="02010600030101010101" pitchFamily="2" charset="-122"/>
+              </a:rPr>
+              <a:t>ng-touched</a:t>
+            </a:r>
+            <a:endParaRPr lang="en-US" altLang="ja-JP" sz="1600" b="0" dirty="0">
+              <a:latin typeface="SimSun" panose="02010600030101010101" pitchFamily="2" charset="-122"/>
+              <a:ea typeface="SimSun" panose="02010600030101010101" pitchFamily="2" charset="-122"/>
+            </a:endParaRPr>
+          </a:p>
+          <a:p>
+            <a:endParaRPr lang="en-US" altLang="ja-JP" sz="1600" b="0" dirty="0">
+              <a:latin typeface="SimSun" panose="02010600030101010101" pitchFamily="2" charset="-122"/>
+              <a:ea typeface="SimSun" panose="02010600030101010101" pitchFamily="2" charset="-122"/>
+            </a:endParaRPr>
+          </a:p>
+          <a:p>
+            <a:endParaRPr lang="en-US" altLang="ja-JP" sz="1600" b="0" dirty="0">
+              <a:latin typeface="SimSun" panose="02010600030101010101" pitchFamily="2" charset="-122"/>
+              <a:ea typeface="SimSun" panose="02010600030101010101" pitchFamily="2" charset="-122"/>
+            </a:endParaRPr>
+          </a:p>
+          <a:p>
             <a:endParaRPr lang="en-US" altLang="ja-JP" sz="1600" b="0" dirty="0" smtClean="0">
               <a:latin typeface="SimSun" panose="02010600030101010101" pitchFamily="2" charset="-122"/>
               <a:ea typeface="SimSun" panose="02010600030101010101" pitchFamily="2" charset="-122"/>
@@ -15446,110 +14506,12 @@
             </a:endParaRPr>
           </a:p>
           <a:p>
-            <a:endParaRPr lang="en-US" altLang="ja-JP" sz="1600" b="0" dirty="0">
-              <a:latin typeface="SimSun" panose="02010600030101010101" pitchFamily="2" charset="-122"/>
-              <a:ea typeface="SimSun" panose="02010600030101010101" pitchFamily="2" charset="-122"/>
-            </a:endParaRPr>
-          </a:p>
-          <a:p>
             <a:endParaRPr lang="en-US" altLang="ja-JP" sz="1600" b="0" dirty="0" smtClean="0">
               <a:latin typeface="SimSun" panose="02010600030101010101" pitchFamily="2" charset="-122"/>
               <a:ea typeface="SimSun" panose="02010600030101010101" pitchFamily="2" charset="-122"/>
             </a:endParaRPr>
           </a:p>
           <a:p>
-            <a:endParaRPr lang="en-US" altLang="ja-JP" sz="1600" b="0" dirty="0">
-              <a:latin typeface="SimSun" panose="02010600030101010101" pitchFamily="2" charset="-122"/>
-              <a:ea typeface="SimSun" panose="02010600030101010101" pitchFamily="2" charset="-122"/>
-            </a:endParaRPr>
-          </a:p>
-          <a:p>
-            <a:r>
-              <a:rPr lang="zh-CN" altLang="en-US" sz="1600" b="0" dirty="0">
-                <a:latin typeface="SimSun" panose="02010600030101010101" pitchFamily="2" charset="-122"/>
-                <a:ea typeface="SimSun" panose="02010600030101010101" pitchFamily="2" charset="-122"/>
-              </a:rPr>
-              <a:t>两</a:t>
-            </a:r>
-            <a:r>
-              <a:rPr lang="zh-CN" altLang="en-US" sz="1600" b="0" dirty="0" smtClean="0">
-                <a:latin typeface="SimSun" panose="02010600030101010101" pitchFamily="2" charset="-122"/>
-                <a:ea typeface="SimSun" panose="02010600030101010101" pitchFamily="2" charset="-122"/>
-              </a:rPr>
-              <a:t>种验证方式的区别</a:t>
-            </a:r>
-            <a:r>
-              <a:rPr lang="zh-CN" altLang="en-US" sz="1600" b="0" dirty="0">
-                <a:latin typeface="SimSun" panose="02010600030101010101" pitchFamily="2" charset="-122"/>
-                <a:ea typeface="SimSun" panose="02010600030101010101" pitchFamily="2" charset="-122"/>
-              </a:rPr>
-              <a:t>主</a:t>
-            </a:r>
-            <a:r>
-              <a:rPr lang="zh-CN" altLang="en-US" sz="1600" b="0" dirty="0" smtClean="0">
-                <a:latin typeface="SimSun" panose="02010600030101010101" pitchFamily="2" charset="-122"/>
-                <a:ea typeface="SimSun" panose="02010600030101010101" pitchFamily="2" charset="-122"/>
-              </a:rPr>
-              <a:t>要</a:t>
-            </a:r>
-            <a:r>
-              <a:rPr lang="zh-CN" altLang="en-US" sz="1600" b="0" dirty="0">
-                <a:latin typeface="SimSun" panose="02010600030101010101" pitchFamily="2" charset="-122"/>
-                <a:ea typeface="SimSun" panose="02010600030101010101" pitchFamily="2" charset="-122"/>
-              </a:rPr>
-              <a:t>在</a:t>
-            </a:r>
-            <a:r>
-              <a:rPr lang="zh-CN" altLang="en-US" sz="1600" b="0" dirty="0" smtClean="0">
-                <a:latin typeface="SimSun" panose="02010600030101010101" pitchFamily="2" charset="-122"/>
-                <a:ea typeface="SimSun" panose="02010600030101010101" pitchFamily="2" charset="-122"/>
-              </a:rPr>
-              <a:t>于响应的方式，模版驱动表单是异步的，响应式表单是同步的。</a:t>
-            </a:r>
-            <a:endParaRPr lang="en-US" altLang="zh-CN" sz="1600" b="0" dirty="0" smtClean="0">
-              <a:latin typeface="SimSun" panose="02010600030101010101" pitchFamily="2" charset="-122"/>
-              <a:ea typeface="SimSun" panose="02010600030101010101" pitchFamily="2" charset="-122"/>
-            </a:endParaRPr>
-          </a:p>
-          <a:p>
-            <a:r>
-              <a:rPr lang="zh-CN" altLang="en-US" sz="1600" b="0" dirty="0">
-                <a:latin typeface="SimSun" panose="02010600030101010101" pitchFamily="2" charset="-122"/>
-                <a:ea typeface="SimSun" panose="02010600030101010101" pitchFamily="2" charset="-122"/>
-              </a:rPr>
-              <a:t>模版</a:t>
-            </a:r>
-            <a:r>
-              <a:rPr lang="zh-CN" altLang="en-US" sz="1600" b="0" dirty="0">
-                <a:latin typeface="SimSun" panose="02010600030101010101" pitchFamily="2" charset="-122"/>
-                <a:ea typeface="SimSun" panose="02010600030101010101" pitchFamily="2" charset="-122"/>
-              </a:rPr>
-              <a:t>驱动表</a:t>
-            </a:r>
-            <a:r>
-              <a:rPr lang="zh-CN" altLang="en-US" sz="1600" b="0" dirty="0">
-                <a:latin typeface="SimSun" panose="02010600030101010101" pitchFamily="2" charset="-122"/>
-                <a:ea typeface="SimSun" panose="02010600030101010101" pitchFamily="2" charset="-122"/>
-              </a:rPr>
-              <a:t>单</a:t>
-            </a:r>
-            <a:r>
-              <a:rPr lang="zh-CN" altLang="en-US" sz="1600" b="0" dirty="0">
-                <a:latin typeface="SimSun" panose="02010600030101010101" pitchFamily="2" charset="-122"/>
-                <a:ea typeface="SimSun" panose="02010600030101010101" pitchFamily="2" charset="-122"/>
-              </a:rPr>
-              <a:t>会委托指令来创建它们的表单控件。 为了消除“检查完后又变化了”的错误，这些指令需要消耗一个以上的变更检测周期来构建整个控件树。 这意味着在从组件类中操纵任何控件之前，我们都必须先等待一个节拍。</a:t>
-            </a:r>
-            <a:endParaRPr lang="en-US" altLang="ja-JP" sz="1600" b="0" dirty="0">
-              <a:latin typeface="SimSun" panose="02010600030101010101" pitchFamily="2" charset="-122"/>
-              <a:ea typeface="SimSun" panose="02010600030101010101" pitchFamily="2" charset="-122"/>
-            </a:endParaRPr>
-          </a:p>
-          <a:p>
-            <a:pPr marL="342900" indent="-342900">
-              <a:buFont typeface="+mj-lt"/>
-              <a:buAutoNum type="arabicPeriod"/>
-            </a:pPr>
             <a:endParaRPr lang="en-US" altLang="ja-JP" sz="1600" b="0" dirty="0">
               <a:latin typeface="SimSun" panose="02010600030101010101" pitchFamily="2" charset="-122"/>
               <a:ea typeface="SimSun" panose="02010600030101010101" pitchFamily="2" charset="-122"/>
@@ -15769,10 +14731,45 @@
                 <a:latin typeface="SimSun" panose="02010600030101010101" pitchFamily="2" charset="-122"/>
                 <a:ea typeface="SimSun" panose="02010600030101010101" pitchFamily="2" charset="-122"/>
               </a:rPr>
-              <a:t>整体验证方式以控件为主，通过</a:t>
-            </a:r>
-            <a:r>
-              <a:rPr lang="en-US" altLang="zh-CN" sz="1600" b="0" dirty="0" err="1">
+              <a:t>我们把</a:t>
+            </a:r>
+            <a:r>
+              <a:rPr lang="en-US" altLang="zh-CN" sz="1600" b="0" dirty="0">
+                <a:latin typeface="SimSun" panose="02010600030101010101" pitchFamily="2" charset="-122"/>
+                <a:ea typeface="SimSun" panose="02010600030101010101" pitchFamily="2" charset="-122"/>
+              </a:rPr>
+              <a:t>HTML</a:t>
+            </a:r>
+            <a:r>
+              <a:rPr lang="zh-CN" altLang="en-US" sz="1600" b="0" dirty="0">
+                <a:latin typeface="SimSun" panose="02010600030101010101" pitchFamily="2" charset="-122"/>
+                <a:ea typeface="SimSun" panose="02010600030101010101" pitchFamily="2" charset="-122"/>
+              </a:rPr>
+              <a:t>表单控</a:t>
+            </a:r>
+            <a:r>
+              <a:rPr lang="zh-CN" altLang="en-US" sz="1600" b="0" dirty="0" smtClean="0">
+                <a:latin typeface="SimSun" panose="02010600030101010101" pitchFamily="2" charset="-122"/>
+                <a:ea typeface="SimSun" panose="02010600030101010101" pitchFamily="2" charset="-122"/>
+              </a:rPr>
+              <a:t>件放</a:t>
+            </a:r>
+            <a:r>
+              <a:rPr lang="zh-CN" altLang="en-US" sz="1600" b="0" dirty="0">
+                <a:latin typeface="SimSun" panose="02010600030101010101" pitchFamily="2" charset="-122"/>
+                <a:ea typeface="SimSun" panose="02010600030101010101" pitchFamily="2" charset="-122"/>
+              </a:rPr>
+              <a:t>进组件模板中，并</a:t>
+            </a:r>
+            <a:r>
+              <a:rPr lang="zh-CN" altLang="en-US" sz="1600" b="0" dirty="0" smtClean="0">
+                <a:latin typeface="SimSun" panose="02010600030101010101" pitchFamily="2" charset="-122"/>
+                <a:ea typeface="SimSun" panose="02010600030101010101" pitchFamily="2" charset="-122"/>
+              </a:rPr>
+              <a:t>用</a:t>
+            </a:r>
+            <a:r>
+              <a:rPr lang="en-US" sz="1600" b="0" dirty="0" err="1" smtClean="0">
                 <a:latin typeface="SimSun" panose="02010600030101010101" pitchFamily="2" charset="-122"/>
                 <a:ea typeface="SimSun" panose="02010600030101010101" pitchFamily="2" charset="-122"/>
               </a:rPr>
@@ -15783,35 +14780,105 @@
                 <a:latin typeface="SimSun" panose="02010600030101010101" pitchFamily="2" charset="-122"/>
                 <a:ea typeface="SimSun" panose="02010600030101010101" pitchFamily="2" charset="-122"/>
               </a:rPr>
-              <a:t>绑定数据模型，直接将控件上添加要验证的内容，在</a:t>
-            </a:r>
-            <a:r>
-              <a:rPr lang="en-US" altLang="zh-CN" sz="1600" b="0" dirty="0" err="1">
-                <a:latin typeface="SimSun" panose="02010600030101010101" pitchFamily="2" charset="-122"/>
-                <a:ea typeface="SimSun" panose="02010600030101010101" pitchFamily="2" charset="-122"/>
-              </a:rPr>
-              <a:t>ts</a:t>
+              <a:t>等指令把它们绑定到组件中数据模型的属性上</a:t>
+            </a:r>
+            <a:r>
+              <a:rPr lang="zh-CN" altLang="en-US" sz="1600" b="0" dirty="0" smtClean="0">
+                <a:latin typeface="SimSun" panose="02010600030101010101" pitchFamily="2" charset="-122"/>
+                <a:ea typeface="SimSun" panose="02010600030101010101" pitchFamily="2" charset="-122"/>
+              </a:rPr>
+              <a:t>。我</a:t>
             </a:r>
             <a:r>
               <a:rPr lang="zh-CN" altLang="en-US" sz="1600" b="0" dirty="0">
                 <a:latin typeface="SimSun" panose="02010600030101010101" pitchFamily="2" charset="-122"/>
                 <a:ea typeface="SimSun" panose="02010600030101010101" pitchFamily="2" charset="-122"/>
               </a:rPr>
-              <a:t>内不用创建控件的对象，这样</a:t>
-            </a:r>
-            <a:r>
-              <a:rPr lang="en-US" altLang="zh-CN" sz="1600" b="0" dirty="0" err="1">
-                <a:latin typeface="SimSun" panose="02010600030101010101" pitchFamily="2" charset="-122"/>
-                <a:ea typeface="SimSun" panose="02010600030101010101" pitchFamily="2" charset="-122"/>
-              </a:rPr>
-              <a:t>ts</a:t>
+              <a:t>们不用自己创建</a:t>
+            </a:r>
+            <a:r>
+              <a:rPr lang="en-US" altLang="zh-CN" sz="1600" b="0" dirty="0">
+                <a:latin typeface="SimSun" panose="02010600030101010101" pitchFamily="2" charset="-122"/>
+                <a:ea typeface="SimSun" panose="02010600030101010101" pitchFamily="2" charset="-122"/>
+              </a:rPr>
+              <a:t>Angular</a:t>
             </a:r>
             <a:r>
               <a:rPr lang="zh-CN" altLang="en-US" sz="1600" b="0" dirty="0">
                 <a:latin typeface="SimSun" panose="02010600030101010101" pitchFamily="2" charset="-122"/>
                 <a:ea typeface="SimSun" panose="02010600030101010101" pitchFamily="2" charset="-122"/>
               </a:rPr>
-              <a:t>内部代码量更小</a:t>
+              <a:t>表单控件对象。</a:t>
+            </a:r>
+            <a:r>
+              <a:rPr lang="en-US" altLang="zh-CN" sz="1600" b="0" dirty="0">
+                <a:latin typeface="SimSun" panose="02010600030101010101" pitchFamily="2" charset="-122"/>
+                <a:ea typeface="SimSun" panose="02010600030101010101" pitchFamily="2" charset="-122"/>
+              </a:rPr>
+              <a:t>Angular</a:t>
+            </a:r>
+            <a:r>
+              <a:rPr lang="zh-CN" altLang="en-US" sz="1600" b="0" dirty="0">
+                <a:latin typeface="SimSun" panose="02010600030101010101" pitchFamily="2" charset="-122"/>
+                <a:ea typeface="SimSun" panose="02010600030101010101" pitchFamily="2" charset="-122"/>
+              </a:rPr>
+              <a:t>指令会使用数据绑定中的信息创建它们</a:t>
+            </a:r>
+            <a:r>
+              <a:rPr lang="zh-CN" altLang="en-US" sz="1600" b="0" dirty="0" smtClean="0">
+                <a:latin typeface="SimSun" panose="02010600030101010101" pitchFamily="2" charset="-122"/>
+                <a:ea typeface="SimSun" panose="02010600030101010101" pitchFamily="2" charset="-122"/>
+              </a:rPr>
+              <a:t>。</a:t>
+            </a:r>
+            <a:r>
+              <a:rPr lang="en-US" altLang="zh-CN" sz="1600" b="0" dirty="0" smtClean="0">
+                <a:latin typeface="SimSun" panose="02010600030101010101" pitchFamily="2" charset="-122"/>
+                <a:ea typeface="SimSun" panose="02010600030101010101" pitchFamily="2" charset="-122"/>
+              </a:rPr>
+              <a:t>Angular</a:t>
+            </a:r>
+            <a:r>
+              <a:rPr lang="zh-CN" altLang="en-US" sz="1600" b="0" dirty="0">
+                <a:latin typeface="SimSun" panose="02010600030101010101" pitchFamily="2" charset="-122"/>
+                <a:ea typeface="SimSun" panose="02010600030101010101" pitchFamily="2" charset="-122"/>
+              </a:rPr>
+              <a:t>使</a:t>
+            </a:r>
+            <a:r>
+              <a:rPr lang="zh-CN" altLang="en-US" sz="1600" b="0" dirty="0" smtClean="0">
+                <a:latin typeface="SimSun" panose="02010600030101010101" pitchFamily="2" charset="-122"/>
+                <a:ea typeface="SimSun" panose="02010600030101010101" pitchFamily="2" charset="-122"/>
+              </a:rPr>
+              <a:t>用</a:t>
+            </a:r>
+            <a:r>
+              <a:rPr lang="en-US" sz="1600" b="0" dirty="0" err="1" smtClean="0">
+                <a:latin typeface="SimSun" panose="02010600030101010101" pitchFamily="2" charset="-122"/>
+                <a:ea typeface="SimSun" panose="02010600030101010101" pitchFamily="2" charset="-122"/>
+              </a:rPr>
+              <a:t>ngModel</a:t>
+            </a:r>
+            <a:r>
+              <a:rPr lang="zh-CN" altLang="en-US" sz="1600" b="0" dirty="0">
+                <a:latin typeface="SimSun" panose="02010600030101010101" pitchFamily="2" charset="-122"/>
+                <a:ea typeface="SimSun" panose="02010600030101010101" pitchFamily="2" charset="-122"/>
+              </a:rPr>
+              <a:t>来替你管理它们。 当用户做出修改时，</a:t>
+            </a:r>
+            <a:r>
+              <a:rPr lang="en-US" altLang="zh-CN" sz="1600" b="0" dirty="0">
+                <a:latin typeface="SimSun" panose="02010600030101010101" pitchFamily="2" charset="-122"/>
+                <a:ea typeface="SimSun" panose="02010600030101010101" pitchFamily="2" charset="-122"/>
+              </a:rPr>
+              <a:t>Angular</a:t>
+            </a:r>
+            <a:r>
+              <a:rPr lang="zh-CN" altLang="en-US" sz="1600" b="0" dirty="0">
+                <a:latin typeface="SimSun" panose="02010600030101010101" pitchFamily="2" charset="-122"/>
+                <a:ea typeface="SimSun" panose="02010600030101010101" pitchFamily="2" charset="-122"/>
+              </a:rPr>
+              <a:t>会据此更新可变的数据模型</a:t>
             </a:r>
             <a:r>
               <a:rPr lang="zh-CN" altLang="en-US" sz="1600" b="0" dirty="0" smtClean="0">
@@ -15827,11 +14894,238 @@
           </a:p>
           <a:p>
             <a:r>
+              <a:rPr lang="zh-CN" altLang="en-US" sz="1600" b="0" dirty="0">
+                <a:latin typeface="SimSun" panose="02010600030101010101" pitchFamily="2" charset="-122"/>
+                <a:ea typeface="SimSun" panose="02010600030101010101" pitchFamily="2" charset="-122"/>
+              </a:rPr>
+              <a:t>虽然这意味着组件中的代码更少，但是</a:t>
+            </a:r>
+            <a:r>
+              <a:rPr lang="zh-CN" altLang="en-US" sz="1600" b="0" dirty="0">
+                <a:solidFill>
+                  <a:srgbClr val="FF0000"/>
+                </a:solidFill>
+                <a:latin typeface="SimSun" panose="02010600030101010101" pitchFamily="2" charset="-122"/>
+                <a:ea typeface="SimSun" panose="02010600030101010101" pitchFamily="2" charset="-122"/>
+              </a:rPr>
+              <a:t>模板驱动表单是异步工作</a:t>
+            </a:r>
+            <a:r>
+              <a:rPr lang="zh-CN" altLang="en-US" sz="1600" b="0" dirty="0">
+                <a:latin typeface="SimSun" panose="02010600030101010101" pitchFamily="2" charset="-122"/>
+                <a:ea typeface="SimSun" panose="02010600030101010101" pitchFamily="2" charset="-122"/>
+              </a:rPr>
+              <a:t>的，这可能在更高级的场景中让开发复杂化。</a:t>
+            </a:r>
+            <a:endParaRPr lang="en-US" altLang="zh-CN" sz="1600" b="0" dirty="0" smtClean="0">
+              <a:latin typeface="SimSun" panose="02010600030101010101" pitchFamily="2" charset="-122"/>
+              <a:ea typeface="SimSun" panose="02010600030101010101" pitchFamily="2" charset="-122"/>
+            </a:endParaRPr>
+          </a:p>
+          <a:p>
+            <a:r>
               <a:rPr lang="zh-CN" altLang="en-US" sz="1600" b="0" dirty="0" smtClean="0">
                 <a:latin typeface="SimSun" panose="02010600030101010101" pitchFamily="2" charset="-122"/>
                 <a:ea typeface="SimSun" panose="02010600030101010101" pitchFamily="2" charset="-122"/>
               </a:rPr>
-              <a:t>参照</a:t>
+              <a:t>一般想要进行模版驱动式表单验证</a:t>
+            </a:r>
+            <a:r>
+              <a:rPr lang="zh-CN" altLang="en-US" sz="1600" b="0" dirty="0">
+                <a:latin typeface="SimSun" panose="02010600030101010101" pitchFamily="2" charset="-122"/>
+                <a:ea typeface="SimSun" panose="02010600030101010101" pitchFamily="2" charset="-122"/>
+              </a:rPr>
+              <a:t>则</a:t>
+            </a:r>
+            <a:r>
+              <a:rPr lang="zh-CN" altLang="en-US" sz="1600" b="0" dirty="0" smtClean="0">
+                <a:latin typeface="SimSun" panose="02010600030101010101" pitchFamily="2" charset="-122"/>
+                <a:ea typeface="SimSun" panose="02010600030101010101" pitchFamily="2" charset="-122"/>
+              </a:rPr>
+              <a:t>会使用</a:t>
+            </a:r>
+            <a:r>
+              <a:rPr lang="ja-JP" altLang="en-US" sz="1600" b="0" dirty="0">
+                <a:latin typeface="SimSun" panose="02010600030101010101" pitchFamily="2" charset="-122"/>
+                <a:ea typeface="SimSun" panose="02010600030101010101" pitchFamily="2" charset="-122"/>
+              </a:rPr>
+              <a:t>「</a:t>
+            </a:r>
+            <a:r>
+              <a:rPr lang="en-US" sz="1600" b="0" dirty="0" err="1" smtClean="0">
+                <a:solidFill>
+                  <a:srgbClr val="FF0000"/>
+                </a:solidFill>
+                <a:latin typeface="SimSun" panose="02010600030101010101" pitchFamily="2" charset="-122"/>
+                <a:ea typeface="SimSun" panose="02010600030101010101" pitchFamily="2" charset="-122"/>
+              </a:rPr>
+              <a:t>ngAfterViewChecked</a:t>
+            </a:r>
+            <a:r>
+              <a:rPr lang="ja-JP" altLang="en-US" sz="1600" b="0" dirty="0" smtClean="0">
+                <a:latin typeface="SimSun" panose="02010600030101010101" pitchFamily="2" charset="-122"/>
+                <a:ea typeface="SimSun" panose="02010600030101010101" pitchFamily="2" charset="-122"/>
+              </a:rPr>
+              <a:t>」</a:t>
+            </a:r>
+            <a:r>
+              <a:rPr lang="zh-CN" altLang="en-US" sz="1600" b="0" dirty="0" smtClean="0">
+                <a:latin typeface="SimSun" panose="02010600030101010101" pitchFamily="2" charset="-122"/>
+                <a:ea typeface="SimSun" panose="02010600030101010101" pitchFamily="2" charset="-122"/>
+              </a:rPr>
+              <a:t>来进行多点次验证。</a:t>
+            </a:r>
+            <a:endParaRPr lang="en-US" altLang="zh-CN" sz="1600" b="0" dirty="0" smtClean="0">
+              <a:latin typeface="SimSun" panose="02010600030101010101" pitchFamily="2" charset="-122"/>
+              <a:ea typeface="SimSun" panose="02010600030101010101" pitchFamily="2" charset="-122"/>
+            </a:endParaRPr>
+          </a:p>
+          <a:p>
+            <a:r>
+              <a:rPr lang="zh-CN" altLang="en-US" sz="1600" b="0" dirty="0" smtClean="0">
+                <a:latin typeface="SimSun" panose="02010600030101010101" pitchFamily="2" charset="-122"/>
+                <a:ea typeface="SimSun" panose="02010600030101010101" pitchFamily="2" charset="-122"/>
+              </a:rPr>
+              <a:t>因</a:t>
+            </a:r>
+            <a:r>
+              <a:rPr lang="zh-CN" altLang="en-US" sz="1600" b="0" dirty="0">
+                <a:latin typeface="SimSun" panose="02010600030101010101" pitchFamily="2" charset="-122"/>
+                <a:ea typeface="SimSun" panose="02010600030101010101" pitchFamily="2" charset="-122"/>
+              </a:rPr>
+              <a:t>为模板驱动的表单位于它们自己的模块，所以在使用表单之前，需要</a:t>
+            </a:r>
+            <a:r>
+              <a:rPr lang="zh-CN" altLang="en-US" sz="1600" b="0" dirty="0" smtClean="0">
+                <a:latin typeface="SimSun" panose="02010600030101010101" pitchFamily="2" charset="-122"/>
+                <a:ea typeface="SimSun" panose="02010600030101010101" pitchFamily="2" charset="-122"/>
+              </a:rPr>
+              <a:t>将</a:t>
+            </a:r>
+            <a:r>
+              <a:rPr lang="en-US" altLang="zh-CN" sz="1600" b="0" dirty="0" err="1" smtClean="0">
+                <a:solidFill>
+                  <a:srgbClr val="FF0000"/>
+                </a:solidFill>
+                <a:latin typeface="SimSun" panose="02010600030101010101" pitchFamily="2" charset="-122"/>
+                <a:ea typeface="SimSun" panose="02010600030101010101" pitchFamily="2" charset="-122"/>
+              </a:rPr>
+              <a:t>FormsModule</a:t>
+            </a:r>
+            <a:r>
+              <a:rPr lang="zh-CN" altLang="en-US" sz="1600" b="0" dirty="0" smtClean="0">
+                <a:latin typeface="SimSun" panose="02010600030101010101" pitchFamily="2" charset="-122"/>
+                <a:ea typeface="SimSun" panose="02010600030101010101" pitchFamily="2" charset="-122"/>
+              </a:rPr>
+              <a:t>添</a:t>
+            </a:r>
+            <a:r>
+              <a:rPr lang="zh-CN" altLang="en-US" sz="1600" b="0" dirty="0">
+                <a:latin typeface="SimSun" panose="02010600030101010101" pitchFamily="2" charset="-122"/>
+                <a:ea typeface="SimSun" panose="02010600030101010101" pitchFamily="2" charset="-122"/>
+              </a:rPr>
+              <a:t>加到应用模块的</a:t>
+            </a:r>
+            <a:r>
+              <a:rPr lang="en-US" sz="1600" b="0" dirty="0">
+                <a:latin typeface="SimSun" panose="02010600030101010101" pitchFamily="2" charset="-122"/>
+                <a:ea typeface="SimSun" panose="02010600030101010101" pitchFamily="2" charset="-122"/>
+              </a:rPr>
+              <a:t>imports</a:t>
+            </a:r>
+            <a:r>
+              <a:rPr lang="ja-JP" altLang="en-US" sz="1600" b="0" dirty="0">
+                <a:latin typeface="SimSun" panose="02010600030101010101" pitchFamily="2" charset="-122"/>
+                <a:ea typeface="SimSun" panose="02010600030101010101" pitchFamily="2" charset="-122"/>
+              </a:rPr>
+              <a:t>数组中</a:t>
+            </a:r>
+            <a:r>
+              <a:rPr lang="ja-JP" altLang="en-US" sz="1600" b="0" dirty="0" smtClean="0">
+                <a:latin typeface="SimSun" panose="02010600030101010101" pitchFamily="2" charset="-122"/>
+                <a:ea typeface="SimSun" panose="02010600030101010101" pitchFamily="2" charset="-122"/>
+              </a:rPr>
+              <a:t>。</a:t>
+            </a:r>
+            <a:endParaRPr lang="en-US" altLang="ja-JP" sz="1600" b="0" dirty="0" smtClean="0">
+              <a:latin typeface="SimSun" panose="02010600030101010101" pitchFamily="2" charset="-122"/>
+              <a:ea typeface="SimSun" panose="02010600030101010101" pitchFamily="2" charset="-122"/>
+            </a:endParaRPr>
+          </a:p>
+          <a:p>
+            <a:r>
+              <a:rPr lang="en-US" altLang="zh-CN" sz="1600" b="0" dirty="0">
+                <a:latin typeface="SimSun" panose="02010600030101010101" pitchFamily="2" charset="-122"/>
+                <a:ea typeface="SimSun" panose="02010600030101010101" pitchFamily="2" charset="-122"/>
+              </a:rPr>
+              <a:t>http://www.cnblogs.com/wangking/p/7228956.html</a:t>
+            </a:r>
+            <a:endParaRPr lang="en-US" altLang="zh-CN" sz="1600" b="0" dirty="0">
+              <a:latin typeface="SimSun" panose="02010600030101010101" pitchFamily="2" charset="-122"/>
+              <a:ea typeface="SimSun" panose="02010600030101010101" pitchFamily="2" charset="-122"/>
+            </a:endParaRPr>
+          </a:p>
+          <a:p>
+            <a:endParaRPr lang="en-US" altLang="zh-CN" sz="1600" b="0" dirty="0" smtClean="0">
+              <a:latin typeface="SimSun" panose="02010600030101010101" pitchFamily="2" charset="-122"/>
+              <a:ea typeface="SimSun" panose="02010600030101010101" pitchFamily="2" charset="-122"/>
+            </a:endParaRPr>
+          </a:p>
+          <a:p>
+            <a:endParaRPr lang="en-US" altLang="zh-CN" sz="1600" b="0" dirty="0" smtClean="0">
+              <a:latin typeface="SimSun" panose="02010600030101010101" pitchFamily="2" charset="-122"/>
+              <a:ea typeface="SimSun" panose="02010600030101010101" pitchFamily="2" charset="-122"/>
+            </a:endParaRPr>
+          </a:p>
+          <a:p>
+            <a:endParaRPr lang="en-US" altLang="zh-CN" sz="1600" b="0" dirty="0">
+              <a:latin typeface="SimSun" panose="02010600030101010101" pitchFamily="2" charset="-122"/>
+              <a:ea typeface="SimSun" panose="02010600030101010101" pitchFamily="2" charset="-122"/>
+            </a:endParaRPr>
+          </a:p>
+          <a:p>
+            <a:endParaRPr lang="en-US" altLang="zh-CN" sz="1600" b="0" dirty="0" smtClean="0">
+              <a:latin typeface="SimSun" panose="02010600030101010101" pitchFamily="2" charset="-122"/>
+              <a:ea typeface="SimSun" panose="02010600030101010101" pitchFamily="2" charset="-122"/>
+            </a:endParaRPr>
+          </a:p>
+          <a:p>
+            <a:endParaRPr lang="en-US" altLang="zh-CN" sz="1600" b="0" dirty="0">
+              <a:latin typeface="SimSun" panose="02010600030101010101" pitchFamily="2" charset="-122"/>
+              <a:ea typeface="SimSun" panose="02010600030101010101" pitchFamily="2" charset="-122"/>
+            </a:endParaRPr>
+          </a:p>
+          <a:p>
+            <a:endParaRPr lang="en-US" altLang="zh-CN" sz="1600" b="0" dirty="0" smtClean="0">
+              <a:latin typeface="SimSun" panose="02010600030101010101" pitchFamily="2" charset="-122"/>
+              <a:ea typeface="SimSun" panose="02010600030101010101" pitchFamily="2" charset="-122"/>
+            </a:endParaRPr>
+          </a:p>
+          <a:p>
+            <a:endParaRPr lang="en-US" altLang="zh-CN" sz="1600" b="0" dirty="0">
+              <a:latin typeface="SimSun" panose="02010600030101010101" pitchFamily="2" charset="-122"/>
+              <a:ea typeface="SimSun" panose="02010600030101010101" pitchFamily="2" charset="-122"/>
+            </a:endParaRPr>
+          </a:p>
+          <a:p>
+            <a:endParaRPr lang="en-US" altLang="zh-CN" sz="1600" b="0" dirty="0">
+              <a:latin typeface="SimSun" panose="02010600030101010101" pitchFamily="2" charset="-122"/>
+              <a:ea typeface="SimSun" panose="02010600030101010101" pitchFamily="2" charset="-122"/>
+            </a:endParaRPr>
+          </a:p>
+          <a:p>
+            <a:endParaRPr lang="en-US" altLang="zh-CN" sz="1600" b="0" dirty="0" smtClean="0">
+              <a:latin typeface="SimSun" panose="02010600030101010101" pitchFamily="2" charset="-122"/>
+              <a:ea typeface="SimSun" panose="02010600030101010101" pitchFamily="2" charset="-122"/>
+            </a:endParaRPr>
+          </a:p>
+          <a:p>
+            <a:r>
+              <a:rPr lang="zh-CN" altLang="en-US" sz="1600" b="0" dirty="0" smtClean="0">
+                <a:latin typeface="SimSun" panose="02010600030101010101" pitchFamily="2" charset="-122"/>
+                <a:ea typeface="SimSun" panose="02010600030101010101" pitchFamily="2" charset="-122"/>
+              </a:rPr>
+              <a:t>详细参照</a:t>
             </a:r>
             <a:r>
               <a:rPr lang="ja-JP" altLang="en-US" sz="1600" b="0" dirty="0" smtClean="0">
@@ -15987,6 +15281,570 @@
           </a:p>
         </p:txBody>
       </p:sp>
+      <p:sp>
+        <p:nvSpPr>
+          <p:cNvPr id="6" name="Right Arrow 5"/>
+          <p:cNvSpPr/>
+          <p:nvPr/>
+        </p:nvSpPr>
+        <p:spPr>
+          <a:xfrm>
+            <a:off x="614988" y="4301544"/>
+            <a:ext cx="7897354" cy="631064"/>
+          </a:xfrm>
+          <a:prstGeom prst="rightArrow">
+            <a:avLst/>
+          </a:prstGeom>
+          <a:ln/>
+        </p:spPr>
+        <p:style>
+          <a:lnRef idx="1">
+            <a:schemeClr val="accent3"/>
+          </a:lnRef>
+          <a:fillRef idx="2">
+            <a:schemeClr val="accent3"/>
+          </a:fillRef>
+          <a:effectRef idx="1">
+            <a:schemeClr val="accent3"/>
+          </a:effectRef>
+          <a:fontRef idx="minor">
+            <a:schemeClr val="dk1"/>
+          </a:fontRef>
+        </p:style>
+        <p:txBody>
+          <a:bodyPr rtlCol="0" anchor="ctr"/>
+          <a:lstStyle/>
+          <a:p>
+            <a:pPr algn="ctr"/>
+            <a:r>
+              <a:rPr lang="en-US" altLang="zh-CN" sz="2000" dirty="0" smtClean="0"/>
+              <a:t>Time Line</a:t>
+            </a:r>
+            <a:endParaRPr lang="en-US" sz="2000" dirty="0"/>
+          </a:p>
+        </p:txBody>
+      </p:sp>
+      <p:sp>
+        <p:nvSpPr>
+          <p:cNvPr id="7" name="Rectangle 6"/>
+          <p:cNvSpPr/>
+          <p:nvPr/>
+        </p:nvSpPr>
+        <p:spPr>
+          <a:xfrm>
+            <a:off x="1068596" y="5041889"/>
+            <a:ext cx="1272679" cy="537882"/>
+          </a:xfrm>
+          <a:prstGeom prst="rect">
+            <a:avLst/>
+          </a:prstGeom>
+          <a:solidFill>
+            <a:srgbClr val="87B998"/>
+          </a:solidFill>
+          <a:ln>
+            <a:noFill/>
+          </a:ln>
+        </p:spPr>
+        <p:style>
+          <a:lnRef idx="2">
+            <a:schemeClr val="accent1">
+              <a:shade val="50000"/>
+            </a:schemeClr>
+          </a:lnRef>
+          <a:fillRef idx="1">
+            <a:schemeClr val="accent1"/>
+          </a:fillRef>
+          <a:effectRef idx="0">
+            <a:schemeClr val="accent1"/>
+          </a:effectRef>
+          <a:fontRef idx="minor">
+            <a:schemeClr val="lt1"/>
+          </a:fontRef>
+        </p:style>
+        <p:txBody>
+          <a:bodyPr rtlCol="0" anchor="ctr"/>
+          <a:lstStyle/>
+          <a:p>
+            <a:pPr algn="ctr"/>
+            <a:r>
+              <a:rPr lang="en-US" altLang="zh-CN" sz="1200" b="0" dirty="0" smtClean="0">
+                <a:solidFill>
+                  <a:schemeClr val="bg1"/>
+                </a:solidFill>
+                <a:latin typeface="Arial Unicode MS" panose="020B0604020202020204" pitchFamily="50" charset="-128"/>
+                <a:ea typeface="Arial Unicode MS" panose="020B0604020202020204" pitchFamily="50" charset="-128"/>
+                <a:cs typeface="Arial Unicode MS" panose="020B0604020202020204" pitchFamily="50" charset="-128"/>
+              </a:rPr>
+              <a:t>Change Data</a:t>
+            </a:r>
+            <a:endParaRPr lang="en-US" sz="1200" b="0" dirty="0">
+              <a:solidFill>
+                <a:schemeClr val="bg1"/>
+              </a:solidFill>
+              <a:latin typeface="Arial Unicode MS" panose="020B0604020202020204" pitchFamily="50" charset="-128"/>
+              <a:ea typeface="Arial Unicode MS" panose="020B0604020202020204" pitchFamily="50" charset="-128"/>
+              <a:cs typeface="Arial Unicode MS" panose="020B0604020202020204" pitchFamily="50" charset="-128"/>
+            </a:endParaRPr>
+          </a:p>
+        </p:txBody>
+      </p:sp>
+      <p:sp>
+        <p:nvSpPr>
+          <p:cNvPr id="11" name="Rectangle 10"/>
+          <p:cNvSpPr/>
+          <p:nvPr/>
+        </p:nvSpPr>
+        <p:spPr>
+          <a:xfrm>
+            <a:off x="2770634" y="5041889"/>
+            <a:ext cx="1318055" cy="537882"/>
+          </a:xfrm>
+          <a:prstGeom prst="rect">
+            <a:avLst/>
+          </a:prstGeom>
+          <a:solidFill>
+            <a:srgbClr val="92D050"/>
+          </a:solidFill>
+          <a:ln>
+            <a:noFill/>
+          </a:ln>
+        </p:spPr>
+        <p:style>
+          <a:lnRef idx="2">
+            <a:schemeClr val="accent1">
+              <a:shade val="50000"/>
+            </a:schemeClr>
+          </a:lnRef>
+          <a:fillRef idx="1">
+            <a:schemeClr val="accent1"/>
+          </a:fillRef>
+          <a:effectRef idx="0">
+            <a:schemeClr val="accent1"/>
+          </a:effectRef>
+          <a:fontRef idx="minor">
+            <a:schemeClr val="lt1"/>
+          </a:fontRef>
+        </p:style>
+        <p:txBody>
+          <a:bodyPr rtlCol="0" anchor="ctr"/>
+          <a:lstStyle/>
+          <a:p>
+            <a:pPr algn="ctr"/>
+            <a:r>
+              <a:rPr lang="en-US" altLang="zh-CN" sz="1200" b="0" dirty="0" err="1" smtClean="0">
+                <a:solidFill>
+                  <a:schemeClr val="bg1"/>
+                </a:solidFill>
+                <a:latin typeface="Arial Unicode MS" panose="020B0604020202020204" pitchFamily="50" charset="-128"/>
+                <a:ea typeface="Arial Unicode MS" panose="020B0604020202020204" pitchFamily="50" charset="-128"/>
+                <a:cs typeface="Arial Unicode MS" panose="020B0604020202020204" pitchFamily="50" charset="-128"/>
+              </a:rPr>
+              <a:t>ngModel</a:t>
+            </a:r>
+            <a:r>
+              <a:rPr lang="en-US" altLang="zh-CN" sz="1200" b="0" dirty="0">
+                <a:solidFill>
+                  <a:schemeClr val="bg1"/>
+                </a:solidFill>
+                <a:latin typeface="Arial Unicode MS" panose="020B0604020202020204" pitchFamily="50" charset="-128"/>
+                <a:ea typeface="Arial Unicode MS" panose="020B0604020202020204" pitchFamily="50" charset="-128"/>
+                <a:cs typeface="Arial Unicode MS" panose="020B0604020202020204" pitchFamily="50" charset="-128"/>
+              </a:rPr>
+              <a:t> Sync</a:t>
+            </a:r>
+            <a:endParaRPr lang="en-US" sz="1200" b="0" dirty="0">
+              <a:solidFill>
+                <a:schemeClr val="bg1"/>
+              </a:solidFill>
+              <a:latin typeface="Arial Unicode MS" panose="020B0604020202020204" pitchFamily="50" charset="-128"/>
+              <a:ea typeface="Arial Unicode MS" panose="020B0604020202020204" pitchFamily="50" charset="-128"/>
+              <a:cs typeface="Arial Unicode MS" panose="020B0604020202020204" pitchFamily="50" charset="-128"/>
+            </a:endParaRPr>
+          </a:p>
+        </p:txBody>
+      </p:sp>
+      <p:cxnSp>
+        <p:nvCxnSpPr>
+          <p:cNvPr id="12" name="Straight Connector 11"/>
+          <p:cNvCxnSpPr/>
+          <p:nvPr/>
+        </p:nvCxnSpPr>
+        <p:spPr>
+          <a:xfrm>
+            <a:off x="3447849" y="4481848"/>
+            <a:ext cx="0" cy="560041"/>
+          </a:xfrm>
+          <a:prstGeom prst="line">
+            <a:avLst/>
+          </a:prstGeom>
+          <a:ln w="47625">
+            <a:prstDash val="sysDash"/>
+          </a:ln>
+        </p:spPr>
+        <p:style>
+          <a:lnRef idx="1">
+            <a:schemeClr val="accent2"/>
+          </a:lnRef>
+          <a:fillRef idx="0">
+            <a:schemeClr val="accent2"/>
+          </a:fillRef>
+          <a:effectRef idx="0">
+            <a:schemeClr val="accent2"/>
+          </a:effectRef>
+          <a:fontRef idx="minor">
+            <a:schemeClr val="tx1"/>
+          </a:fontRef>
+        </p:style>
+      </p:cxnSp>
+      <p:cxnSp>
+        <p:nvCxnSpPr>
+          <p:cNvPr id="20" name="Straight Connector 19"/>
+          <p:cNvCxnSpPr/>
+          <p:nvPr/>
+        </p:nvCxnSpPr>
+        <p:spPr>
+          <a:xfrm>
+            <a:off x="1704935" y="4481848"/>
+            <a:ext cx="0" cy="560041"/>
+          </a:xfrm>
+          <a:prstGeom prst="line">
+            <a:avLst/>
+          </a:prstGeom>
+          <a:ln w="47625">
+            <a:prstDash val="sysDash"/>
+          </a:ln>
+        </p:spPr>
+        <p:style>
+          <a:lnRef idx="1">
+            <a:schemeClr val="accent2"/>
+          </a:lnRef>
+          <a:fillRef idx="0">
+            <a:schemeClr val="accent2"/>
+          </a:fillRef>
+          <a:effectRef idx="0">
+            <a:schemeClr val="accent2"/>
+          </a:effectRef>
+          <a:fontRef idx="minor">
+            <a:schemeClr val="tx1"/>
+          </a:fontRef>
+        </p:style>
+      </p:cxnSp>
+      <p:sp>
+        <p:nvSpPr>
+          <p:cNvPr id="21" name="Rectangle 20"/>
+          <p:cNvSpPr/>
+          <p:nvPr/>
+        </p:nvSpPr>
+        <p:spPr>
+          <a:xfrm>
+            <a:off x="4926249" y="5035534"/>
+            <a:ext cx="1272679" cy="537882"/>
+          </a:xfrm>
+          <a:prstGeom prst="rect">
+            <a:avLst/>
+          </a:prstGeom>
+          <a:ln>
+            <a:noFill/>
+          </a:ln>
+        </p:spPr>
+        <p:style>
+          <a:lnRef idx="2">
+            <a:schemeClr val="accent1">
+              <a:shade val="50000"/>
+            </a:schemeClr>
+          </a:lnRef>
+          <a:fillRef idx="1">
+            <a:schemeClr val="accent1"/>
+          </a:fillRef>
+          <a:effectRef idx="0">
+            <a:schemeClr val="accent1"/>
+          </a:effectRef>
+          <a:fontRef idx="minor">
+            <a:schemeClr val="lt1"/>
+          </a:fontRef>
+        </p:style>
+        <p:txBody>
+          <a:bodyPr rot="0" spcFirstLastPara="0" vert="horz" wrap="square" lIns="91440" tIns="45720" rIns="91440" bIns="45720" numCol="1" spcCol="0" rtlCol="0" fromWordArt="0" anchor="ctr" anchorCtr="0" forceAA="0" compatLnSpc="1">
+            <a:prstTxWarp prst="textNoShape">
+              <a:avLst/>
+            </a:prstTxWarp>
+            <a:noAutofit/>
+          </a:bodyPr>
+          <a:lstStyle>
+            <a:defPPr>
+              <a:defRPr lang="en-GB"/>
+            </a:defPPr>
+            <a:lvl1pPr algn="l" rtl="0" fontAlgn="base">
+              <a:spcBef>
+                <a:spcPct val="0"/>
+              </a:spcBef>
+              <a:spcAft>
+                <a:spcPct val="0"/>
+              </a:spcAft>
+              <a:defRPr sz="3200" b="1" kern="1200">
+                <a:solidFill>
+                  <a:schemeClr val="lt1"/>
+                </a:solidFill>
+                <a:latin typeface="+mn-lt"/>
+                <a:ea typeface="+mn-ea"/>
+                <a:cs typeface="+mn-cs"/>
+              </a:defRPr>
+            </a:lvl1pPr>
+            <a:lvl2pPr marL="457200" algn="l" rtl="0" fontAlgn="base">
+              <a:spcBef>
+                <a:spcPct val="0"/>
+              </a:spcBef>
+              <a:spcAft>
+                <a:spcPct val="0"/>
+              </a:spcAft>
+              <a:defRPr sz="3200" b="1" kern="1200">
+                <a:solidFill>
+                  <a:schemeClr val="lt1"/>
+                </a:solidFill>
+                <a:latin typeface="+mn-lt"/>
+                <a:ea typeface="+mn-ea"/>
+                <a:cs typeface="+mn-cs"/>
+              </a:defRPr>
+            </a:lvl2pPr>
+            <a:lvl3pPr marL="914400" algn="l" rtl="0" fontAlgn="base">
+              <a:spcBef>
+                <a:spcPct val="0"/>
+              </a:spcBef>
+              <a:spcAft>
+                <a:spcPct val="0"/>
+              </a:spcAft>
+              <a:defRPr sz="3200" b="1" kern="1200">
+                <a:solidFill>
+                  <a:schemeClr val="lt1"/>
+                </a:solidFill>
+                <a:latin typeface="+mn-lt"/>
+                <a:ea typeface="+mn-ea"/>
+                <a:cs typeface="+mn-cs"/>
+              </a:defRPr>
+            </a:lvl3pPr>
+            <a:lvl4pPr marL="1371600" algn="l" rtl="0" fontAlgn="base">
+              <a:spcBef>
+                <a:spcPct val="0"/>
+              </a:spcBef>
+              <a:spcAft>
+                <a:spcPct val="0"/>
+              </a:spcAft>
+              <a:defRPr sz="3200" b="1" kern="1200">
+                <a:solidFill>
+                  <a:schemeClr val="lt1"/>
+                </a:solidFill>
+                <a:latin typeface="+mn-lt"/>
+                <a:ea typeface="+mn-ea"/>
+                <a:cs typeface="+mn-cs"/>
+              </a:defRPr>
+            </a:lvl4pPr>
+            <a:lvl5pPr marL="1828800" algn="l" rtl="0" fontAlgn="base">
+              <a:spcBef>
+                <a:spcPct val="0"/>
+              </a:spcBef>
+              <a:spcAft>
+                <a:spcPct val="0"/>
+              </a:spcAft>
+              <a:defRPr sz="3200" b="1" kern="1200">
+                <a:solidFill>
+                  <a:schemeClr val="lt1"/>
+                </a:solidFill>
+                <a:latin typeface="+mn-lt"/>
+                <a:ea typeface="+mn-ea"/>
+                <a:cs typeface="+mn-cs"/>
+              </a:defRPr>
+            </a:lvl5pPr>
+            <a:lvl6pPr marL="2286000" algn="l" defTabSz="914400" rtl="0" eaLnBrk="1" latinLnBrk="0" hangingPunct="1">
+              <a:defRPr sz="3200" b="1" kern="1200">
+                <a:solidFill>
+                  <a:schemeClr val="lt1"/>
+                </a:solidFill>
+                <a:latin typeface="+mn-lt"/>
+                <a:ea typeface="+mn-ea"/>
+                <a:cs typeface="+mn-cs"/>
+              </a:defRPr>
+            </a:lvl6pPr>
+            <a:lvl7pPr marL="2743200" algn="l" defTabSz="914400" rtl="0" eaLnBrk="1" latinLnBrk="0" hangingPunct="1">
+              <a:defRPr sz="3200" b="1" kern="1200">
+                <a:solidFill>
+                  <a:schemeClr val="lt1"/>
+                </a:solidFill>
+                <a:latin typeface="+mn-lt"/>
+                <a:ea typeface="+mn-ea"/>
+                <a:cs typeface="+mn-cs"/>
+              </a:defRPr>
+            </a:lvl7pPr>
+            <a:lvl8pPr marL="3200400" algn="l" defTabSz="914400" rtl="0" eaLnBrk="1" latinLnBrk="0" hangingPunct="1">
+              <a:defRPr sz="3200" b="1" kern="1200">
+                <a:solidFill>
+                  <a:schemeClr val="lt1"/>
+                </a:solidFill>
+                <a:latin typeface="+mn-lt"/>
+                <a:ea typeface="+mn-ea"/>
+                <a:cs typeface="+mn-cs"/>
+              </a:defRPr>
+            </a:lvl8pPr>
+            <a:lvl9pPr marL="3657600" algn="l" defTabSz="914400" rtl="0" eaLnBrk="1" latinLnBrk="0" hangingPunct="1">
+              <a:defRPr sz="3200" b="1" kern="1200">
+                <a:solidFill>
+                  <a:schemeClr val="lt1"/>
+                </a:solidFill>
+                <a:latin typeface="+mn-lt"/>
+                <a:ea typeface="+mn-ea"/>
+                <a:cs typeface="+mn-cs"/>
+              </a:defRPr>
+            </a:lvl9pPr>
+          </a:lstStyle>
+          <a:p>
+            <a:pPr algn="ctr"/>
+            <a:r>
+              <a:rPr lang="en-US" altLang="zh-CN" sz="1200" b="0" dirty="0" smtClean="0">
+                <a:solidFill>
+                  <a:schemeClr val="bg1"/>
+                </a:solidFill>
+                <a:latin typeface="Arial Unicode MS" panose="020B0604020202020204" pitchFamily="50" charset="-128"/>
+                <a:ea typeface="Arial Unicode MS" panose="020B0604020202020204" pitchFamily="50" charset="-128"/>
+                <a:cs typeface="Arial Unicode MS" panose="020B0604020202020204" pitchFamily="50" charset="-128"/>
+              </a:rPr>
+              <a:t>Value validate</a:t>
+            </a:r>
+            <a:endParaRPr lang="en-US" sz="1200" b="0" dirty="0">
+              <a:solidFill>
+                <a:schemeClr val="bg1"/>
+              </a:solidFill>
+              <a:latin typeface="Arial Unicode MS" panose="020B0604020202020204" pitchFamily="50" charset="-128"/>
+              <a:ea typeface="Arial Unicode MS" panose="020B0604020202020204" pitchFamily="50" charset="-128"/>
+              <a:cs typeface="Arial Unicode MS" panose="020B0604020202020204" pitchFamily="50" charset="-128"/>
+            </a:endParaRPr>
+          </a:p>
+        </p:txBody>
+      </p:sp>
+      <p:cxnSp>
+        <p:nvCxnSpPr>
+          <p:cNvPr id="22" name="Straight Connector 21"/>
+          <p:cNvCxnSpPr/>
+          <p:nvPr/>
+        </p:nvCxnSpPr>
+        <p:spPr>
+          <a:xfrm>
+            <a:off x="5562588" y="4481848"/>
+            <a:ext cx="0" cy="560041"/>
+          </a:xfrm>
+          <a:prstGeom prst="line">
+            <a:avLst/>
+          </a:prstGeom>
+          <a:ln w="47625">
+            <a:prstDash val="sysDash"/>
+          </a:ln>
+        </p:spPr>
+        <p:style>
+          <a:lnRef idx="1">
+            <a:schemeClr val="accent2"/>
+          </a:lnRef>
+          <a:fillRef idx="0">
+            <a:schemeClr val="accent2"/>
+          </a:fillRef>
+          <a:effectRef idx="0">
+            <a:schemeClr val="accent2"/>
+          </a:effectRef>
+          <a:fontRef idx="minor">
+            <a:schemeClr val="tx1"/>
+          </a:fontRef>
+        </p:style>
+      </p:cxnSp>
+      <p:sp>
+        <p:nvSpPr>
+          <p:cNvPr id="24" name="Rectangle 23"/>
+          <p:cNvSpPr/>
+          <p:nvPr/>
+        </p:nvSpPr>
+        <p:spPr>
+          <a:xfrm>
+            <a:off x="6787547" y="5054662"/>
+            <a:ext cx="1304931" cy="518754"/>
+          </a:xfrm>
+          <a:prstGeom prst="rect">
+            <a:avLst/>
+          </a:prstGeom>
+          <a:solidFill>
+            <a:schemeClr val="accent2"/>
+          </a:solidFill>
+          <a:ln/>
+        </p:spPr>
+        <p:style>
+          <a:lnRef idx="2">
+            <a:schemeClr val="accent2"/>
+          </a:lnRef>
+          <a:fillRef idx="1">
+            <a:schemeClr val="lt1"/>
+          </a:fillRef>
+          <a:effectRef idx="0">
+            <a:schemeClr val="accent2"/>
+          </a:effectRef>
+          <a:fontRef idx="minor">
+            <a:schemeClr val="dk1"/>
+          </a:fontRef>
+        </p:style>
+        <p:txBody>
+          <a:bodyPr rtlCol="0" anchor="ctr"/>
+          <a:lstStyle/>
+          <a:p>
+            <a:pPr algn="ctr"/>
+            <a:r>
+              <a:rPr lang="en-US" altLang="zh-CN" sz="1200" b="0" dirty="0" err="1" smtClean="0">
+                <a:solidFill>
+                  <a:schemeClr val="bg1"/>
+                </a:solidFill>
+                <a:latin typeface="Arial Unicode MS" panose="020B0604020202020204" pitchFamily="50" charset="-128"/>
+                <a:ea typeface="Arial Unicode MS" panose="020B0604020202020204" pitchFamily="50" charset="-128"/>
+                <a:cs typeface="Arial Unicode MS" panose="020B0604020202020204" pitchFamily="50" charset="-128"/>
+              </a:rPr>
+              <a:t>ngDoCheck</a:t>
+            </a:r>
+            <a:endParaRPr lang="en-US" sz="1200" b="0" dirty="0">
+              <a:solidFill>
+                <a:schemeClr val="bg1"/>
+              </a:solidFill>
+              <a:latin typeface="Arial Unicode MS" panose="020B0604020202020204" pitchFamily="50" charset="-128"/>
+              <a:ea typeface="Arial Unicode MS" panose="020B0604020202020204" pitchFamily="50" charset="-128"/>
+              <a:cs typeface="Arial Unicode MS" panose="020B0604020202020204" pitchFamily="50" charset="-128"/>
+            </a:endParaRPr>
+          </a:p>
+        </p:txBody>
+      </p:sp>
+      <p:cxnSp>
+        <p:nvCxnSpPr>
+          <p:cNvPr id="25" name="Straight Connector 24"/>
+          <p:cNvCxnSpPr/>
+          <p:nvPr/>
+        </p:nvCxnSpPr>
+        <p:spPr>
+          <a:xfrm>
+            <a:off x="7426048" y="4481848"/>
+            <a:ext cx="0" cy="560041"/>
+          </a:xfrm>
+          <a:prstGeom prst="line">
+            <a:avLst/>
+          </a:prstGeom>
+          <a:ln w="47625">
+            <a:prstDash val="sysDash"/>
+          </a:ln>
+        </p:spPr>
+        <p:style>
+          <a:lnRef idx="1">
+            <a:schemeClr val="accent2"/>
+          </a:lnRef>
+          <a:fillRef idx="0">
+            <a:schemeClr val="accent2"/>
+          </a:fillRef>
+          <a:effectRef idx="0">
+            <a:schemeClr val="accent2"/>
+          </a:effectRef>
+          <a:fontRef idx="minor">
+            <a:schemeClr val="tx1"/>
+          </a:fontRef>
+        </p:style>
+      </p:cxnSp>
     </p:spTree>
     <p:extLst>
       <p:ext uri="{BB962C8B-B14F-4D97-AF65-F5344CB8AC3E}">
@@ -16001,9 +15859,126 @@
   <p:timing>
     <p:tnLst>
       <p:par>
-        <p:cTn id="1" dur="indefinite" restart="never" nodeType="tmRoot"/>
+        <p:cTn id="1" dur="indefinite" restart="never" nodeType="tmRoot">
+          <p:childTnLst>
+            <p:seq concurrent="1" nextAc="seek">
+              <p:cTn id="2" dur="indefinite" nodeType="mainSeq">
+                <p:childTnLst>
+                  <p:par>
+                    <p:cTn id="3" fill="hold">
+                      <p:stCondLst>
+                        <p:cond delay="indefinite"/>
+                      </p:stCondLst>
+                      <p:childTnLst>
+                        <p:par>
+                          <p:cTn id="4" fill="hold">
+                            <p:stCondLst>
+                              <p:cond delay="0"/>
+                            </p:stCondLst>
+                            <p:childTnLst>
+                              <p:par>
+                                <p:cTn id="5" presetID="2" presetClass="entr" presetSubtype="4" fill="hold" grpId="0" nodeType="clickEffect">
+                                  <p:stCondLst>
+                                    <p:cond delay="0"/>
+                                  </p:stCondLst>
+                                  <p:childTnLst>
+                                    <p:set>
+                                      <p:cBhvr>
+                                        <p:cTn id="6" dur="1" fill="hold">
+                                          <p:stCondLst>
+                                            <p:cond delay="0"/>
+                                          </p:stCondLst>
+                                        </p:cTn>
+                                        <p:tgtEl>
+                                          <p:spTgt spid="24"/>
+                                        </p:tgtEl>
+                                        <p:attrNameLst>
+                                          <p:attrName>style.visibility</p:attrName>
+                                        </p:attrNameLst>
+                                      </p:cBhvr>
+                                      <p:to>
+                                        <p:strVal val="visible"/>
+                                      </p:to>
+                                    </p:set>
+                                    <p:anim calcmode="lin" valueType="num">
+                                      <p:cBhvr additive="base">
+                                        <p:cTn id="7" dur="500" fill="hold"/>
+                                        <p:tgtEl>
+                                          <p:spTgt spid="24"/>
+                                        </p:tgtEl>
+                                        <p:attrNameLst>
+                                          <p:attrName>ppt_x</p:attrName>
+                                        </p:attrNameLst>
+                                      </p:cBhvr>
+                                      <p:tavLst>
+                                        <p:tav tm="0">
+                                          <p:val>
+                                            <p:strVal val="#ppt_x"/>
+                                          </p:val>
+                                        </p:tav>
+                                        <p:tav tm="100000">
+                                          <p:val>
+                                            <p:strVal val="#ppt_x"/>
+                                          </p:val>
+                                        </p:tav>
+                                      </p:tavLst>
+                                    </p:anim>
+                                    <p:anim calcmode="lin" valueType="num">
+                                      <p:cBhvr additive="base">
+                                        <p:cTn id="8" dur="500" fill="hold"/>
+                                        <p:tgtEl>
+                                          <p:spTgt spid="24"/>
+                                        </p:tgtEl>
+                                        <p:attrNameLst>
+                                          <p:attrName>ppt_y</p:attrName>
+                                        </p:attrNameLst>
+                                      </p:cBhvr>
+                                      <p:tavLst>
+                                        <p:tav tm="0">
+                                          <p:val>
+                                            <p:strVal val="1+#ppt_h/2"/>
+                                          </p:val>
+                                        </p:tav>
+                                        <p:tav tm="100000">
+                                          <p:val>
+                                            <p:strVal val="#ppt_y"/>
+                                          </p:val>
+                                        </p:tav>
+                                      </p:tavLst>
+                                    </p:anim>
+                                  </p:childTnLst>
+                                </p:cTn>
+                              </p:par>
+                            </p:childTnLst>
+                          </p:cTn>
+                        </p:par>
+                      </p:childTnLst>
+                    </p:cTn>
+                  </p:par>
+                </p:childTnLst>
+              </p:cTn>
+              <p:prevCondLst>
+                <p:cond evt="onPrev" delay="0">
+                  <p:tgtEl>
+                    <p:sldTgt/>
+                  </p:tgtEl>
+                </p:cond>
+              </p:prevCondLst>
+              <p:nextCondLst>
+                <p:cond evt="onNext" delay="0">
+                  <p:tgtEl>
+                    <p:sldTgt/>
+                  </p:tgtEl>
+                </p:cond>
+              </p:nextCondLst>
+            </p:seq>
+          </p:childTnLst>
+        </p:cTn>
       </p:par>
     </p:tnLst>
+    <p:bldLst>
+      <p:bldP spid="24" grpId="0" animBg="1"/>
+    </p:bldLst>
   </p:timing>
 </p:sld>
 </file>
@@ -16025,6 +16000,56 @@
           <a:chExt cx="0" cy="0"/>
         </a:xfrm>
       </p:grpSpPr>
+      <p:sp>
+        <p:nvSpPr>
+          <p:cNvPr id="5122" name="Rectangle 2"/>
+          <p:cNvSpPr>
+            <a:spLocks noGrp="1" noChangeArrowheads="1"/>
+          </p:cNvSpPr>
+          <p:nvPr>
+            <p:ph type="title"/>
+          </p:nvPr>
+        </p:nvSpPr>
+        <p:spPr bwMode="auto">
+          <a:xfrm>
+            <a:off x="461035" y="534399"/>
+            <a:ext cx="8205261" cy="785553"/>
+          </a:xfrm>
+        </p:spPr>
+        <p:txBody>
+          <a:bodyPr anchor="ctr">
+            <a:normAutofit/>
+          </a:bodyPr>
+          <a:lstStyle/>
+          <a:p>
+            <a:r>
+              <a:rPr lang="zh-CN" altLang="en-US" sz="2800" dirty="0">
+                <a:latin typeface="SimSun" panose="02010600030101010101" pitchFamily="2" charset="-122"/>
+                <a:ea typeface="SimSun" panose="02010600030101010101" pitchFamily="2" charset="-122"/>
+              </a:rPr>
+              <a:t>响应</a:t>
+            </a:r>
+            <a:r>
+              <a:rPr lang="zh-CN" altLang="en-US" sz="2800" dirty="0" smtClean="0">
+                <a:latin typeface="SimSun" panose="02010600030101010101" pitchFamily="2" charset="-122"/>
+                <a:ea typeface="SimSun" panose="02010600030101010101" pitchFamily="2" charset="-122"/>
+              </a:rPr>
+              <a:t>式</a:t>
+            </a:r>
+            <a:r>
+              <a:rPr lang="zh-CN" altLang="en-US" sz="2800" dirty="0">
+                <a:latin typeface="SimSun" panose="02010600030101010101" pitchFamily="2" charset="-122"/>
+                <a:ea typeface="SimSun" panose="02010600030101010101" pitchFamily="2" charset="-122"/>
+              </a:rPr>
+              <a:t>表单</a:t>
+            </a:r>
+            <a:endParaRPr lang="en-US" sz="2800" dirty="0">
+              <a:latin typeface="SimSun" panose="02010600030101010101" pitchFamily="2" charset="-122"/>
+              <a:ea typeface="SimSun" panose="02010600030101010101" pitchFamily="2" charset="-122"/>
+            </a:endParaRPr>
+          </a:p>
+        </p:txBody>
+      </p:sp>
       <p:sp>
         <p:nvSpPr>
           <p:cNvPr id="5123" name="Rectangle 3"/>
@@ -16054,127 +16079,325 @@
           <a:lstStyle/>
           <a:p>
             <a:r>
-              <a:rPr lang="en-US" altLang="zh-CN" sz="1600" b="0" dirty="0" smtClean="0">
-                <a:latin typeface="SimSun" panose="02010600030101010101" pitchFamily="2" charset="-122"/>
-                <a:ea typeface="SimSun" panose="02010600030101010101" pitchFamily="2" charset="-122"/>
-              </a:rPr>
-              <a:t>path</a:t>
-            </a:r>
+              <a:rPr lang="en-US" altLang="zh-CN" sz="1600" b="0" dirty="0">
+                <a:latin typeface="SimSun" panose="02010600030101010101" pitchFamily="2" charset="-122"/>
+                <a:ea typeface="SimSun" panose="02010600030101010101" pitchFamily="2" charset="-122"/>
+              </a:rPr>
+              <a:t>Angular</a:t>
+            </a:r>
+            <a:r>
+              <a:rPr lang="zh-CN" altLang="en-US" sz="1600" b="0" dirty="0">
+                <a:latin typeface="SimSun" panose="02010600030101010101" pitchFamily="2" charset="-122"/>
+                <a:ea typeface="SimSun" panose="02010600030101010101" pitchFamily="2" charset="-122"/>
+              </a:rPr>
+              <a:t>的响应式表单能让实现响应式编程风格更容易，这种编程风格更倾向于在非</a:t>
+            </a:r>
+            <a:r>
+              <a:rPr lang="en-US" altLang="zh-CN" sz="1600" b="0" dirty="0">
+                <a:latin typeface="SimSun" panose="02010600030101010101" pitchFamily="2" charset="-122"/>
+                <a:ea typeface="SimSun" panose="02010600030101010101" pitchFamily="2" charset="-122"/>
+              </a:rPr>
+              <a:t>UI</a:t>
+            </a:r>
+            <a:r>
+              <a:rPr lang="zh-CN" altLang="en-US" sz="1600" b="0" dirty="0">
+                <a:latin typeface="SimSun" panose="02010600030101010101" pitchFamily="2" charset="-122"/>
+                <a:ea typeface="SimSun" panose="02010600030101010101" pitchFamily="2" charset="-122"/>
+              </a:rPr>
+              <a:t>的数据模型（通常接收自服务器）之间显式的管理数据流， 并且用一个</a:t>
+            </a:r>
+            <a:r>
+              <a:rPr lang="en-US" altLang="zh-CN" sz="1600" b="0" dirty="0">
+                <a:latin typeface="SimSun" panose="02010600030101010101" pitchFamily="2" charset="-122"/>
+                <a:ea typeface="SimSun" panose="02010600030101010101" pitchFamily="2" charset="-122"/>
+              </a:rPr>
+              <a:t>UI</a:t>
+            </a:r>
+            <a:r>
+              <a:rPr lang="zh-CN" altLang="en-US" sz="1600" b="0" dirty="0">
+                <a:latin typeface="SimSun" panose="02010600030101010101" pitchFamily="2" charset="-122"/>
+                <a:ea typeface="SimSun" panose="02010600030101010101" pitchFamily="2" charset="-122"/>
+              </a:rPr>
+              <a:t>导向的表单模型来保存屏幕上</a:t>
+            </a:r>
+            <a:r>
+              <a:rPr lang="en-US" altLang="zh-CN" sz="1600" b="0" dirty="0">
+                <a:latin typeface="SimSun" panose="02010600030101010101" pitchFamily="2" charset="-122"/>
+                <a:ea typeface="SimSun" panose="02010600030101010101" pitchFamily="2" charset="-122"/>
+              </a:rPr>
+              <a:t>HTML</a:t>
+            </a:r>
+            <a:r>
+              <a:rPr lang="zh-CN" altLang="en-US" sz="1600" b="0" dirty="0">
+                <a:latin typeface="SimSun" panose="02010600030101010101" pitchFamily="2" charset="-122"/>
+                <a:ea typeface="SimSun" panose="02010600030101010101" pitchFamily="2" charset="-122"/>
+              </a:rPr>
+              <a:t>控件的状态和值。 响应式表单可以让使用响应式编程模式、测试和校验变得更容易。</a:t>
+            </a:r>
+            <a:endParaRPr lang="en-US" altLang="zh-CN" sz="1600" b="0" dirty="0">
+              <a:latin typeface="SimSun" panose="02010600030101010101" pitchFamily="2" charset="-122"/>
+              <a:ea typeface="SimSun" panose="02010600030101010101" pitchFamily="2" charset="-122"/>
+            </a:endParaRPr>
+          </a:p>
+          <a:p>
+            <a:r>
+              <a:rPr lang="zh-CN" altLang="en-US" sz="1600" b="0" dirty="0">
+                <a:latin typeface="SimSun" panose="02010600030101010101" pitchFamily="2" charset="-122"/>
+                <a:ea typeface="SimSun" panose="02010600030101010101" pitchFamily="2" charset="-122"/>
+              </a:rPr>
+              <a:t>在响应式编程范式中，组件会负责维护数据模型的不可变性，把模型当做纯粹的原始数据源。 组件不会直接更新数据模型，而是把用户的修改提取出来，把它们转发给外部的组件或服务，外部程序才会使用这些进行处理（比如保存它们）， 并且给组件返回一个新的数据模型，以反映模型状态的变化。</a:t>
+            </a:r>
+            <a:endParaRPr lang="en-US" altLang="zh-CN" sz="1600" b="0" dirty="0">
+              <a:latin typeface="SimSun" panose="02010600030101010101" pitchFamily="2" charset="-122"/>
+              <a:ea typeface="SimSun" panose="02010600030101010101" pitchFamily="2" charset="-122"/>
+            </a:endParaRPr>
+          </a:p>
+          <a:p>
+            <a:r>
+              <a:rPr lang="zh-CN" altLang="en-US" sz="1600" b="0" dirty="0">
+                <a:latin typeface="SimSun" panose="02010600030101010101" pitchFamily="2" charset="-122"/>
+                <a:ea typeface="SimSun" panose="02010600030101010101" pitchFamily="2" charset="-122"/>
+              </a:rPr>
+              <a:t>直接使用表单控件对象的优点之一是</a:t>
+            </a:r>
+            <a:r>
+              <a:rPr lang="zh-CN" altLang="en-US" sz="1600" b="0" dirty="0">
+                <a:solidFill>
+                  <a:srgbClr val="FF0000"/>
+                </a:solidFill>
+                <a:latin typeface="SimSun" panose="02010600030101010101" pitchFamily="2" charset="-122"/>
+                <a:ea typeface="SimSun" panose="02010600030101010101" pitchFamily="2" charset="-122"/>
+              </a:rPr>
+              <a:t>值和有效性状态的更新总是同步的</a:t>
+            </a:r>
+            <a:r>
+              <a:rPr lang="zh-CN" altLang="en-US" sz="1600" b="0" dirty="0">
+                <a:latin typeface="SimSun" panose="02010600030101010101" pitchFamily="2" charset="-122"/>
+                <a:ea typeface="SimSun" panose="02010600030101010101" pitchFamily="2" charset="-122"/>
+              </a:rPr>
+              <a:t>，并且在你的控制之下。 我们不会遇到时序问题，这个问题有时在模板驱动表单中会成为灾难。而且响应式表单更容易进行单元测试。</a:t>
+            </a:r>
+            <a:endParaRPr lang="en-US" altLang="zh-CN" sz="1600" b="0" dirty="0">
+              <a:latin typeface="SimSun" panose="02010600030101010101" pitchFamily="2" charset="-122"/>
+              <a:ea typeface="SimSun" panose="02010600030101010101" pitchFamily="2" charset="-122"/>
+            </a:endParaRPr>
+          </a:p>
+          <a:p>
+            <a:endParaRPr lang="en-US" altLang="zh-CN" sz="1600" b="0" dirty="0">
+              <a:latin typeface="SimSun" panose="02010600030101010101" pitchFamily="2" charset="-122"/>
+              <a:ea typeface="SimSun" panose="02010600030101010101" pitchFamily="2" charset="-122"/>
+            </a:endParaRPr>
+          </a:p>
+          <a:p>
             <a:r>
               <a:rPr lang="zh-CN" altLang="en-US" sz="1600" b="0" dirty="0" smtClean="0">
                 <a:latin typeface="SimSun" panose="02010600030101010101" pitchFamily="2" charset="-122"/>
                 <a:ea typeface="SimSun" panose="02010600030101010101" pitchFamily="2" charset="-122"/>
               </a:rPr>
-              <a:t>：路由访问路径。</a:t>
-            </a:r>
+              <a:t>响</a:t>
+            </a:r>
+            <a:r>
+              <a:rPr lang="zh-CN" altLang="en-US" sz="1600" b="0" dirty="0">
+                <a:latin typeface="SimSun" panose="02010600030101010101" pitchFamily="2" charset="-122"/>
+                <a:ea typeface="SimSun" panose="02010600030101010101" pitchFamily="2" charset="-122"/>
+              </a:rPr>
+              <a:t>应式表单的模版是来源于</a:t>
+            </a:r>
+            <a:r>
+              <a:rPr lang="en-US" sz="1600" b="0" dirty="0">
+                <a:solidFill>
+                  <a:srgbClr val="FF0000"/>
+                </a:solidFill>
+                <a:latin typeface="SimSun" panose="02010600030101010101" pitchFamily="2" charset="-122"/>
+                <a:ea typeface="SimSun" panose="02010600030101010101" pitchFamily="2" charset="-122"/>
+              </a:rPr>
+              <a:t>ReactiveFormsModule</a:t>
+            </a:r>
+            <a:r>
+              <a:rPr lang="zh-CN" altLang="en-US" sz="1600" b="0" dirty="0">
+                <a:latin typeface="SimSun" panose="02010600030101010101" pitchFamily="2" charset="-122"/>
+                <a:ea typeface="SimSun" panose="02010600030101010101" pitchFamily="2" charset="-122"/>
+              </a:rPr>
+              <a:t>的</a:t>
+            </a:r>
+            <a:r>
+              <a:rPr lang="en-US" sz="1600" b="0" dirty="0" err="1" smtClean="0">
+                <a:latin typeface="SimSun" panose="02010600030101010101" pitchFamily="2" charset="-122"/>
+                <a:ea typeface="SimSun" panose="02010600030101010101" pitchFamily="2" charset="-122"/>
+              </a:rPr>
+              <a:t>formControlName</a:t>
+            </a:r>
+            <a:r>
+              <a:rPr lang="zh-CN" altLang="en-US" sz="1600" b="0" dirty="0" smtClean="0">
+                <a:latin typeface="SimSun" panose="02010600030101010101" pitchFamily="2" charset="-122"/>
+                <a:ea typeface="SimSun" panose="02010600030101010101" pitchFamily="2" charset="-122"/>
+              </a:rPr>
+              <a:t>在模块添加时需要将</a:t>
+            </a:r>
+            <a:r>
+              <a:rPr lang="en-US" sz="1600" b="0" dirty="0" smtClean="0">
+                <a:solidFill>
+                  <a:srgbClr val="FF0000"/>
+                </a:solidFill>
+                <a:latin typeface="SimSun" panose="02010600030101010101" pitchFamily="2" charset="-122"/>
+                <a:ea typeface="SimSun" panose="02010600030101010101" pitchFamily="2" charset="-122"/>
+              </a:rPr>
+              <a:t>ReactiveFormsModule</a:t>
+            </a:r>
+            <a:r>
+              <a:rPr lang="zh-CN" altLang="en-US" sz="1600" b="0" dirty="0">
+                <a:latin typeface="SimSun" panose="02010600030101010101" pitchFamily="2" charset="-122"/>
+                <a:ea typeface="SimSun" panose="02010600030101010101" pitchFamily="2" charset="-122"/>
+              </a:rPr>
+              <a:t>添</a:t>
+            </a:r>
+            <a:r>
+              <a:rPr lang="zh-CN" altLang="en-US" sz="1600" b="0" dirty="0" smtClean="0">
+                <a:latin typeface="SimSun" panose="02010600030101010101" pitchFamily="2" charset="-122"/>
+                <a:ea typeface="SimSun" panose="02010600030101010101" pitchFamily="2" charset="-122"/>
+              </a:rPr>
+              <a:t>加</a:t>
+            </a:r>
+            <a:r>
+              <a:rPr lang="zh-CN" altLang="en-US" sz="1600" b="0" dirty="0">
+                <a:latin typeface="SimSun" panose="02010600030101010101" pitchFamily="2" charset="-122"/>
+                <a:ea typeface="SimSun" panose="02010600030101010101" pitchFamily="2" charset="-122"/>
+              </a:rPr>
+              <a:t>到</a:t>
+            </a:r>
+            <a:r>
+              <a:rPr lang="en-US" sz="1600" b="0" dirty="0" smtClean="0">
+                <a:latin typeface="SimSun" panose="02010600030101010101" pitchFamily="2" charset="-122"/>
+                <a:ea typeface="SimSun" panose="02010600030101010101" pitchFamily="2" charset="-122"/>
+              </a:rPr>
+              <a:t>imports</a:t>
+            </a:r>
+            <a:r>
+              <a:rPr lang="ja-JP" altLang="en-US" sz="1600" b="0" dirty="0">
+                <a:latin typeface="SimSun" panose="02010600030101010101" pitchFamily="2" charset="-122"/>
+                <a:ea typeface="SimSun" panose="02010600030101010101" pitchFamily="2" charset="-122"/>
+              </a:rPr>
+              <a:t>数组</a:t>
+            </a:r>
+            <a:r>
+              <a:rPr lang="ja-JP" altLang="en-US" sz="1600" b="0" dirty="0" smtClean="0">
+                <a:latin typeface="SimSun" panose="02010600030101010101" pitchFamily="2" charset="-122"/>
+                <a:ea typeface="SimSun" panose="02010600030101010101" pitchFamily="2" charset="-122"/>
+              </a:rPr>
+              <a:t>中</a:t>
+            </a:r>
+            <a:r>
+              <a:rPr lang="zh-CN" altLang="en-US" sz="1600" b="0" dirty="0" smtClean="0">
+                <a:latin typeface="SimSun" panose="02010600030101010101" pitchFamily="2" charset="-122"/>
+                <a:ea typeface="SimSun" panose="02010600030101010101" pitchFamily="2" charset="-122"/>
+              </a:rPr>
+              <a:t>。</a:t>
+            </a:r>
+            <a:endParaRPr lang="en-US" altLang="zh-CN" sz="1600" b="0" dirty="0">
+              <a:latin typeface="SimSun" panose="02010600030101010101" pitchFamily="2" charset="-122"/>
+              <a:ea typeface="SimSun" panose="02010600030101010101" pitchFamily="2" charset="-122"/>
+            </a:endParaRPr>
+          </a:p>
+          <a:p>
+            <a:endParaRPr lang="en-US" altLang="zh-CN" sz="1600" b="0" dirty="0">
+              <a:latin typeface="SimSun" panose="02010600030101010101" pitchFamily="2" charset="-122"/>
+              <a:ea typeface="SimSun" panose="02010600030101010101" pitchFamily="2" charset="-122"/>
+            </a:endParaRPr>
+          </a:p>
+          <a:p>
             <a:endParaRPr lang="en-US" altLang="zh-CN" sz="1600" b="0" dirty="0" smtClean="0">
               <a:latin typeface="SimSun" panose="02010600030101010101" pitchFamily="2" charset="-122"/>
               <a:ea typeface="SimSun" panose="02010600030101010101" pitchFamily="2" charset="-122"/>
             </a:endParaRPr>
           </a:p>
           <a:p>
-            <a:r>
-              <a:rPr lang="en-US" altLang="zh-CN" sz="1600" b="0" dirty="0" err="1" smtClean="0">
-                <a:latin typeface="SimSun" panose="02010600030101010101" pitchFamily="2" charset="-122"/>
-                <a:ea typeface="SimSun" panose="02010600030101010101" pitchFamily="2" charset="-122"/>
-              </a:rPr>
-              <a:t>pathMatch</a:t>
-            </a:r>
-            <a:r>
-              <a:rPr lang="zh-CN" altLang="en-US" sz="1600" b="0" dirty="0" smtClean="0">
-                <a:latin typeface="SimSun" panose="02010600030101010101" pitchFamily="2" charset="-122"/>
-                <a:ea typeface="SimSun" panose="02010600030101010101" pitchFamily="2" charset="-122"/>
-              </a:rPr>
-              <a:t>：如果为重定向则为必须项目，路径的匹配模式，默认为</a:t>
-            </a:r>
-            <a:r>
-              <a:rPr lang="en-US" altLang="zh-CN" sz="1600" b="0" dirty="0" smtClean="0">
-                <a:latin typeface="SimSun" panose="02010600030101010101" pitchFamily="2" charset="-122"/>
-                <a:ea typeface="SimSun" panose="02010600030101010101" pitchFamily="2" charset="-122"/>
-              </a:rPr>
-              <a:t>’</a:t>
-            </a:r>
-            <a:r>
-              <a:rPr lang="en-US" altLang="zh-CN" sz="1600" b="0" dirty="0" err="1" smtClean="0">
-                <a:latin typeface="SimSun" panose="02010600030101010101" pitchFamily="2" charset="-122"/>
-                <a:ea typeface="SimSun" panose="02010600030101010101" pitchFamily="2" charset="-122"/>
-              </a:rPr>
-              <a:t>prefix’,’full</a:t>
-            </a:r>
-            <a:r>
-              <a:rPr lang="en-US" altLang="zh-CN" sz="1600" b="0" dirty="0" smtClean="0">
-                <a:latin typeface="SimSun" panose="02010600030101010101" pitchFamily="2" charset="-122"/>
-                <a:ea typeface="SimSun" panose="02010600030101010101" pitchFamily="2" charset="-122"/>
-              </a:rPr>
-              <a:t>’</a:t>
-            </a:r>
-            <a:r>
-              <a:rPr lang="zh-CN" altLang="en-US" sz="1600" b="0" dirty="0" smtClean="0">
-                <a:latin typeface="SimSun" panose="02010600030101010101" pitchFamily="2" charset="-122"/>
-                <a:ea typeface="SimSun" panose="02010600030101010101" pitchFamily="2" charset="-122"/>
-              </a:rPr>
-              <a:t>可选。</a:t>
-            </a:r>
             <a:endParaRPr lang="en-US" altLang="zh-CN" sz="1600" b="0" dirty="0">
               <a:latin typeface="SimSun" panose="02010600030101010101" pitchFamily="2" charset="-122"/>
               <a:ea typeface="SimSun" panose="02010600030101010101" pitchFamily="2" charset="-122"/>
             </a:endParaRPr>
           </a:p>
           <a:p>
-            <a:r>
-              <a:rPr lang="en-US" altLang="zh-CN" sz="1600" b="0" dirty="0" smtClean="0">
-                <a:latin typeface="SimSun" panose="02010600030101010101" pitchFamily="2" charset="-122"/>
-                <a:ea typeface="SimSun" panose="02010600030101010101" pitchFamily="2" charset="-122"/>
-              </a:rPr>
-              <a:t>matcher</a:t>
-            </a:r>
-            <a:r>
-              <a:rPr lang="zh-CN" altLang="en-US" sz="1600" b="0" dirty="0" smtClean="0">
-                <a:latin typeface="SimSun" panose="02010600030101010101" pitchFamily="2" charset="-122"/>
-                <a:ea typeface="SimSun" panose="02010600030101010101" pitchFamily="2" charset="-122"/>
-              </a:rPr>
-              <a:t>：自定义匹配路径模式。</a:t>
-            </a:r>
             <a:endParaRPr lang="en-US" altLang="zh-CN" sz="1600" b="0" dirty="0" smtClean="0">
               <a:latin typeface="SimSun" panose="02010600030101010101" pitchFamily="2" charset="-122"/>
               <a:ea typeface="SimSun" panose="02010600030101010101" pitchFamily="2" charset="-122"/>
             </a:endParaRPr>
           </a:p>
           <a:p>
-            <a:r>
-              <a:rPr lang="en-US" altLang="zh-CN" sz="1600" b="0" dirty="0">
-                <a:latin typeface="SimSun" panose="02010600030101010101" pitchFamily="2" charset="-122"/>
-                <a:ea typeface="SimSun" panose="02010600030101010101" pitchFamily="2" charset="-122"/>
-              </a:rPr>
-              <a:t>c</a:t>
+            <a:endParaRPr lang="en-US" altLang="zh-CN" sz="1600" b="0" dirty="0" smtClean="0">
+              <a:latin typeface="SimSun" panose="02010600030101010101" pitchFamily="2" charset="-122"/>
+              <a:ea typeface="SimSun" panose="02010600030101010101" pitchFamily="2" charset="-122"/>
+            </a:endParaRPr>
+          </a:p>
+          <a:p>
+            <a:r>
+              <a:rPr lang="zh-CN" altLang="en-US" sz="1600" b="0" dirty="0" smtClean="0">
+                <a:latin typeface="SimSun" panose="02010600030101010101" pitchFamily="2" charset="-122"/>
+                <a:ea typeface="SimSun" panose="02010600030101010101" pitchFamily="2" charset="-122"/>
+              </a:rPr>
+              <a:t>详细参照</a:t>
+            </a:r>
+            <a:r>
+              <a:rPr lang="ja-JP" altLang="en-US" sz="1600" b="0" dirty="0" smtClean="0">
+                <a:latin typeface="SimSun" panose="02010600030101010101" pitchFamily="2" charset="-122"/>
+                <a:ea typeface="SimSun" panose="02010600030101010101" pitchFamily="2" charset="-122"/>
+              </a:rPr>
+              <a:t>「</a:t>
+            </a:r>
+            <a:r>
+              <a:rPr lang="en-US" altLang="ja-JP" sz="1600" b="0" dirty="0">
+                <a:latin typeface="SimSun" panose="02010600030101010101" pitchFamily="2" charset="-122"/>
+                <a:ea typeface="SimSun" panose="02010600030101010101" pitchFamily="2" charset="-122"/>
+              </a:rPr>
+              <a:t> </a:t>
+            </a:r>
+            <a:r>
+              <a:rPr lang="en-US" altLang="ja-JP" sz="1600" b="0" dirty="0" smtClean="0">
+                <a:latin typeface="SimSun" panose="02010600030101010101" pitchFamily="2" charset="-122"/>
+                <a:ea typeface="SimSun" panose="02010600030101010101" pitchFamily="2" charset="-122"/>
+              </a:rPr>
+              <a:t>\</a:t>
+            </a:r>
+            <a:r>
+              <a:rPr lang="en-US" altLang="ja-JP" sz="1600" b="0" dirty="0" err="1" smtClean="0">
+                <a:latin typeface="SimSun" panose="02010600030101010101" pitchFamily="2" charset="-122"/>
+                <a:ea typeface="SimSun" panose="02010600030101010101" pitchFamily="2" charset="-122"/>
+              </a:rPr>
+              <a:t>samplesource</a:t>
+            </a:r>
+            <a:r>
+              <a:rPr lang="en-US" altLang="ja-JP" sz="1600" b="0" dirty="0" smtClean="0">
+                <a:latin typeface="SimSun" panose="02010600030101010101" pitchFamily="2" charset="-122"/>
+                <a:ea typeface="SimSun" panose="02010600030101010101" pitchFamily="2" charset="-122"/>
+              </a:rPr>
+              <a:t>\09\my-app\</a:t>
+            </a:r>
+            <a:r>
+              <a:rPr lang="en-US" altLang="ja-JP" sz="1600" b="0" dirty="0" err="1" smtClean="0">
+                <a:latin typeface="SimSun" panose="02010600030101010101" pitchFamily="2" charset="-122"/>
+                <a:ea typeface="SimSun" panose="02010600030101010101" pitchFamily="2" charset="-122"/>
+              </a:rPr>
+              <a:t>src</a:t>
+            </a:r>
+            <a:r>
+              <a:rPr lang="en-US" altLang="ja-JP" sz="1600" b="0" dirty="0" smtClean="0">
+                <a:latin typeface="SimSun" panose="02010600030101010101" pitchFamily="2" charset="-122"/>
+                <a:ea typeface="SimSun" panose="02010600030101010101" pitchFamily="2" charset="-122"/>
+              </a:rPr>
+              <a:t>\app\form</a:t>
             </a:r>
             <a:r>
               <a:rPr lang="en-US" altLang="zh-CN" sz="1600" b="0" dirty="0" smtClean="0">
                 <a:latin typeface="SimSun" panose="02010600030101010101" pitchFamily="2" charset="-122"/>
                 <a:ea typeface="SimSun" panose="02010600030101010101" pitchFamily="2" charset="-122"/>
               </a:rPr>
-              <a:t>omponent</a:t>
-            </a:r>
-            <a:r>
-              <a:rPr lang="zh-CN" altLang="en-US" sz="1600" b="0" dirty="0" smtClean="0">
-                <a:latin typeface="SimSun" panose="02010600030101010101" pitchFamily="2" charset="-122"/>
-                <a:ea typeface="SimSun" panose="02010600030101010101" pitchFamily="2" charset="-122"/>
-              </a:rPr>
-              <a:t>：指定要实例化的</a:t>
-            </a:r>
-            <a:r>
-              <a:rPr lang="en-US" altLang="zh-CN" sz="1600" b="0" dirty="0" smtClean="0">
-                <a:latin typeface="SimSun" panose="02010600030101010101" pitchFamily="2" charset="-122"/>
-                <a:ea typeface="SimSun" panose="02010600030101010101" pitchFamily="2" charset="-122"/>
-              </a:rPr>
-              <a:t>component </a:t>
-            </a:r>
-            <a:r>
-              <a:rPr lang="zh-CN" altLang="en-US" sz="1600" b="0" dirty="0" smtClean="0">
-                <a:latin typeface="SimSun" panose="02010600030101010101" pitchFamily="2" charset="-122"/>
-                <a:ea typeface="SimSun" panose="02010600030101010101" pitchFamily="2" charset="-122"/>
-              </a:rPr>
-              <a:t>。</a:t>
+              <a:t>2</a:t>
+            </a:r>
+            <a:r>
+              <a:rPr lang="ja-JP" altLang="en-US" sz="1600" b="0" dirty="0" smtClean="0">
+                <a:latin typeface="SimSun" panose="02010600030101010101" pitchFamily="2" charset="-122"/>
+                <a:ea typeface="SimSun" panose="02010600030101010101" pitchFamily="2" charset="-122"/>
+              </a:rPr>
+              <a:t>」</a:t>
             </a:r>
             <a:endParaRPr lang="en-US" altLang="zh-CN" sz="1600" b="0" dirty="0">
               <a:latin typeface="SimSun" panose="02010600030101010101" pitchFamily="2" charset="-122"/>
@@ -16182,576 +16405,7 @@
             </a:endParaRPr>
           </a:p>
           <a:p>
-            <a:r>
-              <a:rPr lang="en-US" altLang="zh-CN" sz="1600" b="0" dirty="0" err="1" smtClean="0">
-                <a:latin typeface="SimSun" panose="02010600030101010101" pitchFamily="2" charset="-122"/>
-                <a:ea typeface="SimSun" panose="02010600030101010101" pitchFamily="2" charset="-122"/>
-              </a:rPr>
-              <a:t>redirectTo</a:t>
-            </a:r>
-            <a:r>
-              <a:rPr lang="zh-CN" altLang="en-US" sz="1600" b="0" dirty="0" smtClean="0">
-                <a:latin typeface="SimSun" panose="02010600030101010101" pitchFamily="2" charset="-122"/>
-                <a:ea typeface="SimSun" panose="02010600030101010101" pitchFamily="2" charset="-122"/>
-              </a:rPr>
-              <a:t>：要重定向的路径。</a:t>
-            </a:r>
-            <a:endParaRPr lang="en-US" altLang="zh-CN" sz="1600" b="0" dirty="0">
-              <a:latin typeface="SimSun" panose="02010600030101010101" pitchFamily="2" charset="-122"/>
-              <a:ea typeface="SimSun" panose="02010600030101010101" pitchFamily="2" charset="-122"/>
-            </a:endParaRPr>
-          </a:p>
-          <a:p>
-            <a:r>
-              <a:rPr lang="en-US" altLang="zh-CN" sz="1600" b="0" dirty="0" smtClean="0">
-                <a:latin typeface="SimSun" panose="02010600030101010101" pitchFamily="2" charset="-122"/>
-                <a:ea typeface="SimSun" panose="02010600030101010101" pitchFamily="2" charset="-122"/>
-              </a:rPr>
-              <a:t>outlet</a:t>
-            </a:r>
-            <a:r>
-              <a:rPr lang="zh-CN" altLang="en-US" sz="1600" b="0" dirty="0" smtClean="0">
-                <a:latin typeface="SimSun" panose="02010600030101010101" pitchFamily="2" charset="-122"/>
-                <a:ea typeface="SimSun" panose="02010600030101010101" pitchFamily="2" charset="-122"/>
-              </a:rPr>
-              <a:t>：指定要解析的区域名称，改</a:t>
-            </a:r>
-            <a:r>
-              <a:rPr lang="en-US" altLang="zh-CN" sz="1600" b="0" dirty="0" smtClean="0">
-                <a:latin typeface="SimSun" panose="02010600030101010101" pitchFamily="2" charset="-122"/>
-                <a:ea typeface="SimSun" panose="02010600030101010101" pitchFamily="2" charset="-122"/>
-              </a:rPr>
-              <a:t>html</a:t>
-            </a:r>
-            <a:r>
-              <a:rPr lang="zh-CN" altLang="en-US" sz="1600" b="0" dirty="0" smtClean="0">
-                <a:latin typeface="SimSun" panose="02010600030101010101" pitchFamily="2" charset="-122"/>
-                <a:ea typeface="SimSun" panose="02010600030101010101" pitchFamily="2" charset="-122"/>
-              </a:rPr>
-              <a:t>内比如有对应的</a:t>
-            </a:r>
-            <a:r>
-              <a:rPr lang="en-US" altLang="zh-CN" sz="1600" b="0" dirty="0" smtClean="0">
-                <a:latin typeface="SimSun" panose="02010600030101010101" pitchFamily="2" charset="-122"/>
-                <a:ea typeface="SimSun" panose="02010600030101010101" pitchFamily="2" charset="-122"/>
-              </a:rPr>
-              <a:t>router-outlet</a:t>
-            </a:r>
-            <a:r>
-              <a:rPr lang="zh-CN" altLang="en-US" sz="1600" b="0" dirty="0" smtClean="0">
-                <a:latin typeface="SimSun" panose="02010600030101010101" pitchFamily="2" charset="-122"/>
-                <a:ea typeface="SimSun" panose="02010600030101010101" pitchFamily="2" charset="-122"/>
-              </a:rPr>
-              <a:t>并且</a:t>
-            </a:r>
-            <a:r>
-              <a:rPr lang="en-US" altLang="zh-CN" sz="1600" b="0" dirty="0" smtClean="0">
-                <a:latin typeface="SimSun" panose="02010600030101010101" pitchFamily="2" charset="-122"/>
-                <a:ea typeface="SimSun" panose="02010600030101010101" pitchFamily="2" charset="-122"/>
-              </a:rPr>
-              <a:t>name</a:t>
-            </a:r>
-            <a:r>
-              <a:rPr lang="zh-CN" altLang="en-US" sz="1600" b="0" dirty="0" smtClean="0">
-                <a:latin typeface="SimSun" panose="02010600030101010101" pitchFamily="2" charset="-122"/>
-                <a:ea typeface="SimSun" panose="02010600030101010101" pitchFamily="2" charset="-122"/>
-              </a:rPr>
-              <a:t>与该属性一致，否则会报错。</a:t>
-            </a:r>
-            <a:endParaRPr lang="en-US" altLang="zh-CN" sz="1600" b="0" dirty="0">
-              <a:latin typeface="SimSun" panose="02010600030101010101" pitchFamily="2" charset="-122"/>
-              <a:ea typeface="SimSun" panose="02010600030101010101" pitchFamily="2" charset="-122"/>
-            </a:endParaRPr>
-          </a:p>
-          <a:p>
-            <a:r>
-              <a:rPr lang="en-US" altLang="zh-CN" sz="1600" b="0" dirty="0" err="1" smtClean="0">
-                <a:latin typeface="SimSun" panose="02010600030101010101" pitchFamily="2" charset="-122"/>
-                <a:ea typeface="SimSun" panose="02010600030101010101" pitchFamily="2" charset="-122"/>
-              </a:rPr>
-              <a:t>canActivate</a:t>
-            </a:r>
-            <a:r>
-              <a:rPr lang="zh-CN" altLang="en-US" sz="1600" b="0" dirty="0" smtClean="0">
-                <a:latin typeface="SimSun" panose="02010600030101010101" pitchFamily="2" charset="-122"/>
-                <a:ea typeface="SimSun" panose="02010600030101010101" pitchFamily="2" charset="-122"/>
-              </a:rPr>
-              <a:t>：为</a:t>
-            </a:r>
-            <a:r>
-              <a:rPr lang="en-US" altLang="zh-CN" sz="1600" b="0" dirty="0" smtClean="0">
-                <a:latin typeface="SimSun" panose="02010600030101010101" pitchFamily="2" charset="-122"/>
-                <a:ea typeface="SimSun" panose="02010600030101010101" pitchFamily="2" charset="-122"/>
-              </a:rPr>
-              <a:t>router</a:t>
-            </a:r>
-            <a:r>
-              <a:rPr lang="zh-CN" altLang="en-US" sz="1600" b="0" dirty="0" smtClean="0">
-                <a:latin typeface="SimSun" panose="02010600030101010101" pitchFamily="2" charset="-122"/>
-                <a:ea typeface="SimSun" panose="02010600030101010101" pitchFamily="2" charset="-122"/>
-              </a:rPr>
-              <a:t>的服务卫士，来处理导航到某路由的情况。</a:t>
-            </a:r>
-            <a:endParaRPr lang="en-US" altLang="zh-CN" sz="1600" b="0" dirty="0" smtClean="0">
-              <a:latin typeface="SimSun" panose="02010600030101010101" pitchFamily="2" charset="-122"/>
-              <a:ea typeface="SimSun" panose="02010600030101010101" pitchFamily="2" charset="-122"/>
-            </a:endParaRPr>
-          </a:p>
-          <a:p>
-            <a:r>
-              <a:rPr lang="en-US" altLang="zh-CN" sz="1600" b="0" dirty="0" err="1" smtClean="0">
-                <a:latin typeface="SimSun" panose="02010600030101010101" pitchFamily="2" charset="-122"/>
-                <a:ea typeface="SimSun" panose="02010600030101010101" pitchFamily="2" charset="-122"/>
-              </a:rPr>
-              <a:t>canActivateChild</a:t>
-            </a:r>
-            <a:r>
-              <a:rPr lang="zh-CN" altLang="en-US" sz="1600" b="0" dirty="0" smtClean="0">
-                <a:latin typeface="SimSun" panose="02010600030101010101" pitchFamily="2" charset="-122"/>
-                <a:ea typeface="SimSun" panose="02010600030101010101" pitchFamily="2" charset="-122"/>
-              </a:rPr>
-              <a:t>：</a:t>
-            </a:r>
-            <a:r>
-              <a:rPr lang="zh-CN" altLang="en-US" sz="1600" b="0" dirty="0">
-                <a:latin typeface="SimSun" panose="02010600030101010101" pitchFamily="2" charset="-122"/>
-                <a:ea typeface="SimSun" panose="02010600030101010101" pitchFamily="2" charset="-122"/>
-              </a:rPr>
-              <a:t>为</a:t>
-            </a:r>
-            <a:r>
-              <a:rPr lang="en-US" altLang="zh-CN" sz="1600" b="0" dirty="0">
-                <a:latin typeface="SimSun" panose="02010600030101010101" pitchFamily="2" charset="-122"/>
-                <a:ea typeface="SimSun" panose="02010600030101010101" pitchFamily="2" charset="-122"/>
-              </a:rPr>
-              <a:t>router</a:t>
-            </a:r>
-            <a:r>
-              <a:rPr lang="zh-CN" altLang="en-US" sz="1600" b="0" dirty="0">
-                <a:latin typeface="SimSun" panose="02010600030101010101" pitchFamily="2" charset="-122"/>
-                <a:ea typeface="SimSun" panose="02010600030101010101" pitchFamily="2" charset="-122"/>
-              </a:rPr>
-              <a:t>的服务卫士，来处理导航</a:t>
-            </a:r>
-            <a:r>
-              <a:rPr lang="zh-CN" altLang="en-US" sz="1600" b="0" dirty="0" smtClean="0">
-                <a:latin typeface="SimSun" panose="02010600030101010101" pitchFamily="2" charset="-122"/>
-                <a:ea typeface="SimSun" panose="02010600030101010101" pitchFamily="2" charset="-122"/>
-              </a:rPr>
-              <a:t>到子路由</a:t>
-            </a:r>
-            <a:r>
-              <a:rPr lang="zh-CN" altLang="en-US" sz="1600" b="0" dirty="0">
-                <a:latin typeface="SimSun" panose="02010600030101010101" pitchFamily="2" charset="-122"/>
-                <a:ea typeface="SimSun" panose="02010600030101010101" pitchFamily="2" charset="-122"/>
-              </a:rPr>
-              <a:t>的情况</a:t>
-            </a:r>
-            <a:r>
-              <a:rPr lang="zh-CN" altLang="en-US" sz="1600" b="0" dirty="0" smtClean="0">
-                <a:latin typeface="SimSun" panose="02010600030101010101" pitchFamily="2" charset="-122"/>
-                <a:ea typeface="SimSun" panose="02010600030101010101" pitchFamily="2" charset="-122"/>
-              </a:rPr>
-              <a:t>。</a:t>
-            </a:r>
-            <a:endParaRPr lang="en-US" altLang="zh-CN" sz="1600" b="0" dirty="0">
-              <a:latin typeface="SimSun" panose="02010600030101010101" pitchFamily="2" charset="-122"/>
-              <a:ea typeface="SimSun" panose="02010600030101010101" pitchFamily="2" charset="-122"/>
-            </a:endParaRPr>
-          </a:p>
-          <a:p>
-            <a:r>
-              <a:rPr lang="en-US" altLang="zh-CN" sz="1600" b="0" dirty="0" err="1" smtClean="0">
-                <a:latin typeface="SimSun" panose="02010600030101010101" pitchFamily="2" charset="-122"/>
-                <a:ea typeface="SimSun" panose="02010600030101010101" pitchFamily="2" charset="-122"/>
-              </a:rPr>
-              <a:t>canDeactivate</a:t>
-            </a:r>
-            <a:r>
-              <a:rPr lang="zh-CN" altLang="en-US" sz="1600" b="0" dirty="0" smtClean="0">
-                <a:latin typeface="SimSun" panose="02010600030101010101" pitchFamily="2" charset="-122"/>
-                <a:ea typeface="SimSun" panose="02010600030101010101" pitchFamily="2" charset="-122"/>
-              </a:rPr>
-              <a:t>：</a:t>
-            </a:r>
-            <a:r>
-              <a:rPr lang="zh-CN" altLang="en-US" sz="1600" b="0" dirty="0">
-                <a:latin typeface="SimSun" panose="02010600030101010101" pitchFamily="2" charset="-122"/>
-                <a:ea typeface="SimSun" panose="02010600030101010101" pitchFamily="2" charset="-122"/>
-              </a:rPr>
-              <a:t>为</a:t>
-            </a:r>
-            <a:r>
-              <a:rPr lang="en-US" altLang="zh-CN" sz="1600" b="0" dirty="0">
-                <a:latin typeface="SimSun" panose="02010600030101010101" pitchFamily="2" charset="-122"/>
-                <a:ea typeface="SimSun" panose="02010600030101010101" pitchFamily="2" charset="-122"/>
-              </a:rPr>
-              <a:t>router</a:t>
-            </a:r>
-            <a:r>
-              <a:rPr lang="zh-CN" altLang="en-US" sz="1600" b="0" dirty="0">
-                <a:latin typeface="SimSun" panose="02010600030101010101" pitchFamily="2" charset="-122"/>
-                <a:ea typeface="SimSun" panose="02010600030101010101" pitchFamily="2" charset="-122"/>
-              </a:rPr>
-              <a:t>的服务</a:t>
-            </a:r>
-            <a:r>
-              <a:rPr lang="zh-CN" altLang="en-US" sz="1600" b="0" dirty="0" smtClean="0">
-                <a:latin typeface="SimSun" panose="02010600030101010101" pitchFamily="2" charset="-122"/>
-                <a:ea typeface="SimSun" panose="02010600030101010101" pitchFamily="2" charset="-122"/>
-              </a:rPr>
-              <a:t>卫士，来处理从当前路由离开的情况。</a:t>
-            </a:r>
-            <a:endParaRPr lang="en-US" altLang="zh-CN" sz="1600" b="0" dirty="0" smtClean="0">
-              <a:latin typeface="SimSun" panose="02010600030101010101" pitchFamily="2" charset="-122"/>
-              <a:ea typeface="SimSun" panose="02010600030101010101" pitchFamily="2" charset="-122"/>
-            </a:endParaRPr>
-          </a:p>
-          <a:p>
-            <a:r>
-              <a:rPr lang="en-US" altLang="zh-CN" sz="1600" b="0" dirty="0" err="1" smtClean="0">
-                <a:latin typeface="SimSun" panose="02010600030101010101" pitchFamily="2" charset="-122"/>
-                <a:ea typeface="SimSun" panose="02010600030101010101" pitchFamily="2" charset="-122"/>
-              </a:rPr>
-              <a:t>canLoad</a:t>
-            </a:r>
-            <a:r>
-              <a:rPr lang="zh-CN" altLang="en-US" sz="1600" b="0" dirty="0" smtClean="0">
-                <a:latin typeface="SimSun" panose="02010600030101010101" pitchFamily="2" charset="-122"/>
-                <a:ea typeface="SimSun" panose="02010600030101010101" pitchFamily="2" charset="-122"/>
-              </a:rPr>
-              <a:t>：</a:t>
-            </a:r>
-            <a:r>
-              <a:rPr lang="zh-CN" altLang="en-US" sz="1600" b="0" dirty="0">
-                <a:latin typeface="SimSun" panose="02010600030101010101" pitchFamily="2" charset="-122"/>
-                <a:ea typeface="SimSun" panose="02010600030101010101" pitchFamily="2" charset="-122"/>
-              </a:rPr>
-              <a:t>为</a:t>
-            </a:r>
-            <a:r>
-              <a:rPr lang="en-US" altLang="zh-CN" sz="1600" b="0" dirty="0">
-                <a:latin typeface="SimSun" panose="02010600030101010101" pitchFamily="2" charset="-122"/>
-                <a:ea typeface="SimSun" panose="02010600030101010101" pitchFamily="2" charset="-122"/>
-              </a:rPr>
-              <a:t>router</a:t>
-            </a:r>
-            <a:r>
-              <a:rPr lang="zh-CN" altLang="en-US" sz="1600" b="0" dirty="0">
-                <a:latin typeface="SimSun" panose="02010600030101010101" pitchFamily="2" charset="-122"/>
-                <a:ea typeface="SimSun" panose="02010600030101010101" pitchFamily="2" charset="-122"/>
-              </a:rPr>
-              <a:t>的服务</a:t>
-            </a:r>
-            <a:r>
-              <a:rPr lang="zh-CN" altLang="en-US" sz="1600" b="0" dirty="0" smtClean="0">
-                <a:latin typeface="SimSun" panose="02010600030101010101" pitchFamily="2" charset="-122"/>
-                <a:ea typeface="SimSun" panose="02010600030101010101" pitchFamily="2" charset="-122"/>
-              </a:rPr>
-              <a:t>卫士，</a:t>
-            </a:r>
-            <a:r>
-              <a:rPr lang="zh-CN" altLang="en-US" sz="1600" b="0" dirty="0">
-                <a:latin typeface="SimSun" panose="02010600030101010101" pitchFamily="2" charset="-122"/>
-                <a:ea typeface="SimSun" panose="02010600030101010101" pitchFamily="2" charset="-122"/>
-              </a:rPr>
-              <a:t>来处理异步导航到某特性模块的</a:t>
-            </a:r>
-            <a:r>
-              <a:rPr lang="zh-CN" altLang="en-US" sz="1600" b="0" dirty="0" smtClean="0">
-                <a:latin typeface="SimSun" panose="02010600030101010101" pitchFamily="2" charset="-122"/>
-                <a:ea typeface="SimSun" panose="02010600030101010101" pitchFamily="2" charset="-122"/>
-              </a:rPr>
-              <a:t>情况。</a:t>
-            </a:r>
-            <a:endParaRPr lang="en-US" altLang="zh-CN" sz="1600" b="0" dirty="0">
-              <a:latin typeface="SimSun" panose="02010600030101010101" pitchFamily="2" charset="-122"/>
-              <a:ea typeface="SimSun" panose="02010600030101010101" pitchFamily="2" charset="-122"/>
-            </a:endParaRPr>
-          </a:p>
-          <a:p>
-            <a:r>
-              <a:rPr lang="en-US" altLang="zh-CN" sz="1600" b="0" dirty="0" smtClean="0">
-                <a:latin typeface="SimSun" panose="02010600030101010101" pitchFamily="2" charset="-122"/>
-                <a:ea typeface="SimSun" panose="02010600030101010101" pitchFamily="2" charset="-122"/>
-              </a:rPr>
-              <a:t>data</a:t>
-            </a:r>
-            <a:r>
-              <a:rPr lang="zh-CN" altLang="en-US" sz="1600" b="0" dirty="0" smtClean="0">
-                <a:latin typeface="SimSun" panose="02010600030101010101" pitchFamily="2" charset="-122"/>
-                <a:ea typeface="SimSun" panose="02010600030101010101" pitchFamily="2" charset="-122"/>
-              </a:rPr>
-              <a:t>：可以用来传递一些默认值，需要使用</a:t>
-            </a:r>
-            <a:r>
-              <a:rPr lang="en-US" altLang="zh-CN" sz="1600" b="0" u="sng" dirty="0" smtClean="0">
-                <a:latin typeface="SimSun" panose="02010600030101010101" pitchFamily="2" charset="-122"/>
-                <a:ea typeface="SimSun" panose="02010600030101010101" pitchFamily="2" charset="-122"/>
-                <a:hlinkClick r:id="rId3"/>
-              </a:rPr>
-              <a:t>resolve</a:t>
-            </a:r>
-            <a:r>
-              <a:rPr lang="zh-CN" altLang="en-US" sz="1600" b="0" dirty="0" smtClean="0">
-                <a:latin typeface="SimSun" panose="02010600030101010101" pitchFamily="2" charset="-122"/>
-                <a:ea typeface="SimSun" panose="02010600030101010101" pitchFamily="2" charset="-122"/>
-              </a:rPr>
-              <a:t>来获取数据。</a:t>
-            </a:r>
-            <a:endParaRPr lang="en-US" altLang="zh-CN" sz="1600" b="0" dirty="0">
-              <a:latin typeface="SimSun" panose="02010600030101010101" pitchFamily="2" charset="-122"/>
-              <a:ea typeface="SimSun" panose="02010600030101010101" pitchFamily="2" charset="-122"/>
-            </a:endParaRPr>
-          </a:p>
-          <a:p>
-            <a:r>
-              <a:rPr lang="en-US" altLang="zh-CN" sz="1600" b="0" dirty="0" smtClean="0">
-                <a:latin typeface="SimSun" panose="02010600030101010101" pitchFamily="2" charset="-122"/>
-                <a:ea typeface="SimSun" panose="02010600030101010101" pitchFamily="2" charset="-122"/>
-              </a:rPr>
-              <a:t>resolve</a:t>
-            </a:r>
-            <a:r>
-              <a:rPr lang="zh-CN" altLang="en-US" sz="1600" b="0" dirty="0" smtClean="0">
-                <a:latin typeface="SimSun" panose="02010600030101010101" pitchFamily="2" charset="-122"/>
-                <a:ea typeface="SimSun" panose="02010600030101010101" pitchFamily="2" charset="-122"/>
-              </a:rPr>
-              <a:t>：用来在路由激活前获取数据。</a:t>
-            </a:r>
-            <a:r>
-              <a:rPr lang="en-US" altLang="zh-CN" sz="1600" b="0" dirty="0">
-                <a:latin typeface="SimSun" panose="02010600030101010101" pitchFamily="2" charset="-122"/>
-                <a:ea typeface="SimSun" panose="02010600030101010101" pitchFamily="2" charset="-122"/>
-              </a:rPr>
-              <a:t>(http://</a:t>
-            </a:r>
-            <a:r>
-              <a:rPr lang="en-US" altLang="zh-CN" sz="1600" b="0" dirty="0" smtClean="0">
-                <a:latin typeface="SimSun" panose="02010600030101010101" pitchFamily="2" charset="-122"/>
-                <a:ea typeface="SimSun" panose="02010600030101010101" pitchFamily="2" charset="-122"/>
-              </a:rPr>
-              <a:t>www.jb51.net/article/98934.htm)</a:t>
-            </a:r>
-            <a:endParaRPr lang="en-US" altLang="zh-CN" sz="1600" b="0" dirty="0">
-              <a:latin typeface="SimSun" panose="02010600030101010101" pitchFamily="2" charset="-122"/>
-              <a:ea typeface="SimSun" panose="02010600030101010101" pitchFamily="2" charset="-122"/>
-            </a:endParaRPr>
-          </a:p>
-          <a:p>
-            <a:r>
-              <a:rPr lang="en-US" altLang="zh-CN" sz="1600" b="0" dirty="0" smtClean="0">
-                <a:latin typeface="SimSun" panose="02010600030101010101" pitchFamily="2" charset="-122"/>
-                <a:ea typeface="SimSun" panose="02010600030101010101" pitchFamily="2" charset="-122"/>
-              </a:rPr>
-              <a:t>children</a:t>
-            </a:r>
-            <a:r>
-              <a:rPr lang="zh-CN" altLang="en-US" sz="1600" b="0" dirty="0" smtClean="0">
-                <a:latin typeface="SimSun" panose="02010600030101010101" pitchFamily="2" charset="-122"/>
-                <a:ea typeface="SimSun" panose="02010600030101010101" pitchFamily="2" charset="-122"/>
-              </a:rPr>
-              <a:t>：</a:t>
-            </a:r>
-            <a:r>
-              <a:rPr lang="zh-CN" altLang="en-US" sz="1600" b="0" dirty="0">
-                <a:latin typeface="SimSun" panose="02010600030101010101" pitchFamily="2" charset="-122"/>
-                <a:ea typeface="SimSun" panose="02010600030101010101" pitchFamily="2" charset="-122"/>
-              </a:rPr>
-              <a:t>子</a:t>
-            </a:r>
-            <a:r>
-              <a:rPr lang="zh-CN" altLang="en-US" sz="1600" b="0" dirty="0" smtClean="0">
-                <a:latin typeface="SimSun" panose="02010600030101010101" pitchFamily="2" charset="-122"/>
-                <a:ea typeface="SimSun" panose="02010600030101010101" pitchFamily="2" charset="-122"/>
-              </a:rPr>
-              <a:t>路由配置，使用子路由时当前的父路由对应的</a:t>
-            </a:r>
-            <a:r>
-              <a:rPr lang="en-US" altLang="zh-CN" sz="1600" b="0" dirty="0" smtClean="0">
-                <a:latin typeface="SimSun" panose="02010600030101010101" pitchFamily="2" charset="-122"/>
-                <a:ea typeface="SimSun" panose="02010600030101010101" pitchFamily="2" charset="-122"/>
-              </a:rPr>
-              <a:t>html</a:t>
-            </a:r>
-            <a:r>
-              <a:rPr lang="zh-CN" altLang="en-US" sz="1600" b="0" dirty="0" smtClean="0">
-                <a:latin typeface="SimSun" panose="02010600030101010101" pitchFamily="2" charset="-122"/>
-                <a:ea typeface="SimSun" panose="02010600030101010101" pitchFamily="2" charset="-122"/>
-              </a:rPr>
-              <a:t>内必有</a:t>
-            </a:r>
-            <a:r>
-              <a:rPr lang="en-US" altLang="zh-CN" sz="1600" b="0" dirty="0" smtClean="0">
-                <a:latin typeface="SimSun" panose="02010600030101010101" pitchFamily="2" charset="-122"/>
-                <a:ea typeface="SimSun" panose="02010600030101010101" pitchFamily="2" charset="-122"/>
-              </a:rPr>
-              <a:t>router-outlet</a:t>
-            </a:r>
-            <a:r>
-              <a:rPr lang="zh-CN" altLang="en-US" sz="1600" b="0" dirty="0" smtClean="0">
-                <a:latin typeface="SimSun" panose="02010600030101010101" pitchFamily="2" charset="-122"/>
-                <a:ea typeface="SimSun" panose="02010600030101010101" pitchFamily="2" charset="-122"/>
-              </a:rPr>
-              <a:t>。</a:t>
-            </a:r>
-            <a:endParaRPr lang="en-US" altLang="zh-CN" sz="1600" b="0" dirty="0">
-              <a:latin typeface="SimSun" panose="02010600030101010101" pitchFamily="2" charset="-122"/>
-              <a:ea typeface="SimSun" panose="02010600030101010101" pitchFamily="2" charset="-122"/>
-            </a:endParaRPr>
-          </a:p>
-          <a:p>
-            <a:r>
-              <a:rPr lang="en-US" altLang="zh-CN" sz="1600" b="0" dirty="0" err="1" smtClean="0">
-                <a:latin typeface="SimSun" panose="02010600030101010101" pitchFamily="2" charset="-122"/>
-                <a:ea typeface="SimSun" panose="02010600030101010101" pitchFamily="2" charset="-122"/>
-              </a:rPr>
-              <a:t>loadChildren</a:t>
-            </a:r>
-            <a:r>
-              <a:rPr lang="zh-CN" altLang="en-US" sz="1600" b="0" dirty="0" smtClean="0">
-                <a:latin typeface="SimSun" panose="02010600030101010101" pitchFamily="2" charset="-122"/>
-                <a:ea typeface="SimSun" panose="02010600030101010101" pitchFamily="2" charset="-122"/>
-              </a:rPr>
-              <a:t>：用于懒加载，加载对应的</a:t>
-            </a:r>
-            <a:r>
-              <a:rPr lang="en-US" altLang="zh-CN" sz="1600" b="0" dirty="0" smtClean="0">
-                <a:latin typeface="SimSun" panose="02010600030101010101" pitchFamily="2" charset="-122"/>
-                <a:ea typeface="SimSun" panose="02010600030101010101" pitchFamily="2" charset="-122"/>
-              </a:rPr>
-              <a:t>component</a:t>
-            </a:r>
-            <a:r>
-              <a:rPr lang="zh-CN" altLang="en-US" sz="1600" b="0" dirty="0" smtClean="0">
-                <a:latin typeface="SimSun" panose="02010600030101010101" pitchFamily="2" charset="-122"/>
-                <a:ea typeface="SimSun" panose="02010600030101010101" pitchFamily="2" charset="-122"/>
-              </a:rPr>
-              <a:t>。</a:t>
-            </a:r>
-            <a:endParaRPr lang="en-US" altLang="zh-CN" sz="1600" b="0" dirty="0" smtClean="0">
-              <a:latin typeface="SimSun" panose="02010600030101010101" pitchFamily="2" charset="-122"/>
-              <a:ea typeface="SimSun" panose="02010600030101010101" pitchFamily="2" charset="-122"/>
-            </a:endParaRPr>
-          </a:p>
-          <a:p>
-            <a:r>
-              <a:rPr lang="en-US" altLang="zh-CN" sz="1600" b="0" dirty="0" err="1" smtClean="0">
-                <a:latin typeface="SimSun" panose="02010600030101010101" pitchFamily="2" charset="-122"/>
-                <a:ea typeface="SimSun" panose="02010600030101010101" pitchFamily="2" charset="-122"/>
-              </a:rPr>
-              <a:t>runGuardsAndResolvers</a:t>
-            </a:r>
-            <a:r>
-              <a:rPr lang="zh-CN" altLang="en-US" sz="1600" b="0" dirty="0" smtClean="0">
-                <a:latin typeface="SimSun" panose="02010600030101010101" pitchFamily="2" charset="-122"/>
-                <a:ea typeface="SimSun" panose="02010600030101010101" pitchFamily="2" charset="-122"/>
-              </a:rPr>
-              <a:t>：用来规定要验证的时机，默认为</a:t>
-            </a:r>
-            <a:r>
-              <a:rPr lang="en-US" altLang="zh-CN" sz="1600" b="0" dirty="0" smtClean="0">
-                <a:latin typeface="SimSun" panose="02010600030101010101" pitchFamily="2" charset="-122"/>
-                <a:ea typeface="SimSun" panose="02010600030101010101" pitchFamily="2" charset="-122"/>
-              </a:rPr>
-              <a:t>always</a:t>
-            </a:r>
-            <a:r>
-              <a:rPr lang="zh-CN" altLang="en-US" sz="1600" b="0" dirty="0" smtClean="0">
-                <a:latin typeface="SimSun" panose="02010600030101010101" pitchFamily="2" charset="-122"/>
-                <a:ea typeface="SimSun" panose="02010600030101010101" pitchFamily="2" charset="-122"/>
-              </a:rPr>
-              <a:t>，有</a:t>
-            </a:r>
-            <a:r>
-              <a:rPr lang="en-US" altLang="zh-CN" sz="1600" b="0" dirty="0" smtClean="0">
-                <a:latin typeface="SimSun" panose="02010600030101010101" pitchFamily="2" charset="-122"/>
-                <a:ea typeface="SimSun" panose="02010600030101010101" pitchFamily="2" charset="-122"/>
-              </a:rPr>
-              <a:t>‘</a:t>
-            </a:r>
-            <a:r>
-              <a:rPr lang="en-US" altLang="zh-CN" sz="1600" b="0" dirty="0" err="1" smtClean="0">
-                <a:latin typeface="SimSun" panose="02010600030101010101" pitchFamily="2" charset="-122"/>
-                <a:ea typeface="SimSun" panose="02010600030101010101" pitchFamily="2" charset="-122"/>
-              </a:rPr>
-              <a:t>paramsChange</a:t>
-            </a:r>
-            <a:r>
-              <a:rPr lang="en-US" altLang="zh-CN" sz="1600" b="0" dirty="0" smtClean="0">
-                <a:latin typeface="SimSun" panose="02010600030101010101" pitchFamily="2" charset="-122"/>
-                <a:ea typeface="SimSun" panose="02010600030101010101" pitchFamily="2" charset="-122"/>
-              </a:rPr>
-              <a:t>’ </a:t>
-            </a:r>
-            <a:r>
-              <a:rPr lang="zh-CN" altLang="en-US" sz="1600" b="0" dirty="0" smtClean="0">
-                <a:latin typeface="SimSun" panose="02010600030101010101" pitchFamily="2" charset="-122"/>
-                <a:ea typeface="SimSun" panose="02010600030101010101" pitchFamily="2" charset="-122"/>
-              </a:rPr>
-              <a:t>，</a:t>
-            </a:r>
-            <a:r>
-              <a:rPr lang="en-US" altLang="zh-CN" sz="1600" b="0" dirty="0" smtClean="0">
-                <a:latin typeface="SimSun" panose="02010600030101010101" pitchFamily="2" charset="-122"/>
-                <a:ea typeface="SimSun" panose="02010600030101010101" pitchFamily="2" charset="-122"/>
-              </a:rPr>
-              <a:t>‘</a:t>
-            </a:r>
-            <a:r>
-              <a:rPr lang="en-US" altLang="zh-CN" sz="1600" b="0" dirty="0" err="1" smtClean="0">
-                <a:latin typeface="SimSun" panose="02010600030101010101" pitchFamily="2" charset="-122"/>
-                <a:ea typeface="SimSun" panose="02010600030101010101" pitchFamily="2" charset="-122"/>
-              </a:rPr>
-              <a:t>paramsOrQueryParamsChange</a:t>
-            </a:r>
-            <a:r>
-              <a:rPr lang="en-US" altLang="zh-CN" sz="1600" b="0" dirty="0" smtClean="0">
-                <a:latin typeface="SimSun" panose="02010600030101010101" pitchFamily="2" charset="-122"/>
-                <a:ea typeface="SimSun" panose="02010600030101010101" pitchFamily="2" charset="-122"/>
-              </a:rPr>
-              <a:t>’ </a:t>
-            </a:r>
-            <a:r>
-              <a:rPr lang="zh-CN" altLang="en-US" sz="1600" b="0" dirty="0" smtClean="0">
-                <a:latin typeface="SimSun" panose="02010600030101010101" pitchFamily="2" charset="-122"/>
-                <a:ea typeface="SimSun" panose="02010600030101010101" pitchFamily="2" charset="-122"/>
-              </a:rPr>
-              <a:t>，</a:t>
-            </a:r>
-            <a:r>
-              <a:rPr lang="en-US" altLang="zh-CN" sz="1600" b="0" dirty="0" smtClean="0">
-                <a:latin typeface="SimSun" panose="02010600030101010101" pitchFamily="2" charset="-122"/>
-                <a:ea typeface="SimSun" panose="02010600030101010101" pitchFamily="2" charset="-122"/>
-              </a:rPr>
-              <a:t>‘always’</a:t>
-            </a:r>
-            <a:r>
-              <a:rPr lang="zh-CN" altLang="en-US" sz="1600" b="0" dirty="0" smtClean="0">
-                <a:latin typeface="SimSun" panose="02010600030101010101" pitchFamily="2" charset="-122"/>
-                <a:ea typeface="SimSun" panose="02010600030101010101" pitchFamily="2" charset="-122"/>
-              </a:rPr>
-              <a:t>可选择。</a:t>
-            </a:r>
-            <a:endParaRPr lang="en-US" altLang="zh-CN" sz="1600" b="0" dirty="0">
-              <a:latin typeface="SimSun" panose="02010600030101010101" pitchFamily="2" charset="-122"/>
-              <a:ea typeface="SimSun" panose="02010600030101010101" pitchFamily="2" charset="-122"/>
-            </a:endParaRPr>
-          </a:p>
-          <a:p>
-            <a:endParaRPr lang="en-US" altLang="zh-CN" sz="1600" b="0" dirty="0">
-              <a:latin typeface="SimSun" panose="02010600030101010101" pitchFamily="2" charset="-122"/>
-              <a:ea typeface="SimSun" panose="02010600030101010101" pitchFamily="2" charset="-122"/>
-            </a:endParaRPr>
-          </a:p>
-          <a:p>
-            <a:endParaRPr lang="en-US" altLang="zh-CN" sz="1600" b="0" dirty="0">
-              <a:latin typeface="SimSun" panose="02010600030101010101" pitchFamily="2" charset="-122"/>
-              <a:ea typeface="SimSun" panose="02010600030101010101" pitchFamily="2" charset="-122"/>
-            </a:endParaRPr>
-          </a:p>
-          <a:p>
-            <a:endParaRPr lang="en-US" altLang="zh-CN" sz="1600" b="0" dirty="0">
+            <a:endParaRPr lang="ja-JP" altLang="en-US" sz="1600" b="0" dirty="0">
               <a:latin typeface="SimSun" panose="02010600030101010101" pitchFamily="2" charset="-122"/>
               <a:ea typeface="SimSun" panose="02010600030101010101" pitchFamily="2" charset="-122"/>
             </a:endParaRPr>
@@ -16843,77 +16497,10 @@
           </a:p>
         </p:txBody>
       </p:sp>
-      <p:sp>
-        <p:nvSpPr>
-          <p:cNvPr id="8" name="Rectangle 2"/>
-          <p:cNvSpPr txBox="1">
-            <a:spLocks noChangeArrowheads="1"/>
-          </p:cNvSpPr>
-          <p:nvPr/>
-        </p:nvSpPr>
-        <p:spPr bwMode="auto">
-          <a:xfrm>
-            <a:off x="461035" y="534399"/>
-            <a:ext cx="8205261" cy="785553"/>
-          </a:xfrm>
-          <a:prstGeom prst="rect">
-            <a:avLst/>
-          </a:prstGeom>
-        </p:spPr>
-        <p:txBody>
-          <a:bodyPr vert="horz" lIns="0" tIns="0" rIns="0" bIns="0" rtlCol="0" anchor="ctr" anchorCtr="0">
-            <a:normAutofit/>
-          </a:bodyPr>
-          <a:lstStyle>
-            <a:lvl1pPr algn="l" defTabSz="914400" rtl="0" eaLnBrk="1" latinLnBrk="0" hangingPunct="1">
-              <a:lnSpc>
-                <a:spcPts val="2600"/>
-              </a:lnSpc>
-              <a:spcBef>
-                <a:spcPct val="0"/>
-              </a:spcBef>
-              <a:buNone/>
-              <a:defRPr sz="2600" b="1" kern="1200">
-                <a:solidFill>
-                  <a:schemeClr val="tx1"/>
-                </a:solidFill>
-                <a:latin typeface="Arial" pitchFamily="34" charset="0"/>
-                <a:ea typeface="+mj-ea"/>
-                <a:cs typeface="Arial" pitchFamily="34" charset="0"/>
-              </a:defRPr>
-            </a:lvl1pPr>
-          </a:lstStyle>
-          <a:p>
-            <a:pPr fontAlgn="auto">
-              <a:spcAft>
-                <a:spcPts val="0"/>
-              </a:spcAft>
-            </a:pPr>
-            <a:r>
-              <a:rPr lang="en-US" altLang="zh-CN" sz="2800" dirty="0" smtClean="0">
-                <a:latin typeface="SimSun" panose="02010600030101010101" pitchFamily="2" charset="-122"/>
-                <a:ea typeface="SimSun" panose="02010600030101010101" pitchFamily="2" charset="-122"/>
-              </a:rPr>
-              <a:t>Route</a:t>
-            </a:r>
-            <a:r>
-              <a:rPr lang="zh-CN" altLang="en-US" sz="2800" dirty="0" smtClean="0">
-                <a:latin typeface="SimSun" panose="02010600030101010101" pitchFamily="2" charset="-122"/>
-                <a:ea typeface="SimSun" panose="02010600030101010101" pitchFamily="2" charset="-122"/>
-              </a:rPr>
-              <a:t>属性</a:t>
-            </a:r>
-            <a:endParaRPr lang="en-US" altLang="zh-CN" sz="2800" dirty="0">
-              <a:latin typeface="SimSun" panose="02010600030101010101" pitchFamily="2" charset="-122"/>
-              <a:ea typeface="SimSun" panose="02010600030101010101" pitchFamily="2" charset="-122"/>
-            </a:endParaRPr>
-          </a:p>
-        </p:txBody>
-      </p:sp>
     </p:spTree>
     <p:extLst>
       <p:ext uri="{BB962C8B-B14F-4D97-AF65-F5344CB8AC3E}">
-        <p14:creationId xmlns:p14="http://schemas.microsoft.com/office/powerpoint/2010/main" val="2926011950"/>
+        <p14:creationId xmlns:p14="http://schemas.microsoft.com/office/powerpoint/2010/main" val="1389821892"/>
       </p:ext>
     </p:extLst>
   </p:cSld>
@@ -16950,6 +16537,49 @@
       </p:grpSpPr>
       <p:sp>
         <p:nvSpPr>
+          <p:cNvPr id="5122" name="Rectangle 2"/>
+          <p:cNvSpPr>
+            <a:spLocks noGrp="1" noChangeArrowheads="1"/>
+          </p:cNvSpPr>
+          <p:nvPr>
+            <p:ph type="title"/>
+          </p:nvPr>
+        </p:nvSpPr>
+        <p:spPr bwMode="auto">
+          <a:xfrm>
+            <a:off x="461035" y="534399"/>
+            <a:ext cx="8205261" cy="785553"/>
+          </a:xfrm>
+        </p:spPr>
+        <p:txBody>
+          <a:bodyPr anchor="ctr">
+            <a:normAutofit/>
+          </a:bodyPr>
+          <a:lstStyle/>
+          <a:p>
+            <a:r>
+              <a:rPr lang="en-US" sz="2800" dirty="0" smtClean="0">
+                <a:latin typeface="SimSun" panose="02010600030101010101" pitchFamily="2" charset="-122"/>
+                <a:ea typeface="SimSun" panose="02010600030101010101" pitchFamily="2" charset="-122"/>
+              </a:rPr>
+              <a:t>DOM</a:t>
+            </a:r>
+            <a:r>
+              <a:rPr lang="zh-CN" altLang="en-US" sz="2800" dirty="0">
+                <a:latin typeface="SimSun" panose="02010600030101010101" pitchFamily="2" charset="-122"/>
+                <a:ea typeface="SimSun" panose="02010600030101010101" pitchFamily="2" charset="-122"/>
+              </a:rPr>
+              <a:t>操作</a:t>
+            </a:r>
+            <a:endParaRPr lang="en-US" sz="2800" dirty="0">
+              <a:latin typeface="SimSun" panose="02010600030101010101" pitchFamily="2" charset="-122"/>
+              <a:ea typeface="SimSun" panose="02010600030101010101" pitchFamily="2" charset="-122"/>
+            </a:endParaRPr>
+          </a:p>
+        </p:txBody>
+      </p:sp>
+      <p:sp>
+        <p:nvSpPr>
           <p:cNvPr id="5123" name="Rectangle 3"/>
           <p:cNvSpPr txBox="1">
             <a:spLocks noChangeArrowheads="1"/>
@@ -16976,33 +16606,289 @@
           <a:bodyPr/>
           <a:lstStyle/>
           <a:p>
-            <a:r>
-              <a:rPr lang="en-US" altLang="zh-CN" sz="1600" b="0" dirty="0" smtClean="0">
-                <a:latin typeface="SimSun" panose="02010600030101010101" pitchFamily="2" charset="-122"/>
-                <a:ea typeface="SimSun" panose="02010600030101010101" pitchFamily="2" charset="-122"/>
-              </a:rPr>
-              <a:t>Router</a:t>
+            <a:pPr eaLnBrk="0" hangingPunct="0">
+              <a:defRPr/>
+            </a:pPr>
+            <a:r>
+              <a:rPr lang="en-US" altLang="zh-CN" sz="1600" b="0" dirty="0">
+                <a:latin typeface="SimSun" panose="02010600030101010101" pitchFamily="2" charset="-122"/>
+                <a:ea typeface="SimSun" panose="02010600030101010101" pitchFamily="2" charset="-122"/>
+              </a:rPr>
+              <a:t>Angular4</a:t>
+            </a:r>
+            <a:r>
+              <a:rPr lang="zh-CN" altLang="en-US" sz="1600" b="0" dirty="0">
+                <a:latin typeface="SimSun" panose="02010600030101010101" pitchFamily="2" charset="-122"/>
+                <a:ea typeface="SimSun" panose="02010600030101010101" pitchFamily="2" charset="-122"/>
+              </a:rPr>
+              <a:t>中提供了独有的</a:t>
+            </a:r>
+            <a:r>
+              <a:rPr lang="en-US" altLang="zh-CN" sz="1600" b="0" dirty="0">
+                <a:latin typeface="SimSun" panose="02010600030101010101" pitchFamily="2" charset="-122"/>
+                <a:ea typeface="SimSun" panose="02010600030101010101" pitchFamily="2" charset="-122"/>
+              </a:rPr>
+              <a:t>DOM</a:t>
+            </a:r>
+            <a:r>
+              <a:rPr lang="zh-CN" altLang="en-US" sz="1600" b="0" dirty="0">
+                <a:latin typeface="SimSun" panose="02010600030101010101" pitchFamily="2" charset="-122"/>
+                <a:ea typeface="SimSun" panose="02010600030101010101" pitchFamily="2" charset="-122"/>
+              </a:rPr>
+              <a:t>操作方式，它将所有控件视为</a:t>
+            </a:r>
+            <a:r>
+              <a:rPr lang="en-US" sz="1600" b="0" dirty="0">
+                <a:latin typeface="SimSun" panose="02010600030101010101" pitchFamily="2" charset="-122"/>
+                <a:ea typeface="SimSun" panose="02010600030101010101" pitchFamily="2" charset="-122"/>
+              </a:rPr>
+              <a:t>Component</a:t>
+            </a:r>
+            <a:r>
+              <a:rPr lang="zh-CN" altLang="en-US" sz="1600" b="0" dirty="0">
+                <a:latin typeface="SimSun" panose="02010600030101010101" pitchFamily="2" charset="-122"/>
+                <a:ea typeface="SimSun" panose="02010600030101010101" pitchFamily="2" charset="-122"/>
+              </a:rPr>
+              <a:t>对象来进行</a:t>
+            </a:r>
+            <a:r>
+              <a:rPr lang="en-US" altLang="zh-CN" sz="1600" b="0" dirty="0">
+                <a:latin typeface="SimSun" panose="02010600030101010101" pitchFamily="2" charset="-122"/>
+                <a:ea typeface="SimSun" panose="02010600030101010101" pitchFamily="2" charset="-122"/>
+              </a:rPr>
+              <a:t>DOM</a:t>
+            </a:r>
+            <a:r>
+              <a:rPr lang="zh-CN" altLang="en-US" sz="1600" b="0" dirty="0">
+                <a:latin typeface="SimSun" panose="02010600030101010101" pitchFamily="2" charset="-122"/>
+                <a:ea typeface="SimSun" panose="02010600030101010101" pitchFamily="2" charset="-122"/>
+              </a:rPr>
+              <a:t>操作。它使用装饰器</a:t>
+            </a:r>
+            <a:r>
+              <a:rPr lang="en-US" sz="1600" b="0" dirty="0" err="1">
+                <a:solidFill>
+                  <a:srgbClr val="FF0000"/>
+                </a:solidFill>
+                <a:latin typeface="SimSun" panose="02010600030101010101" pitchFamily="2" charset="-122"/>
+                <a:ea typeface="SimSun" panose="02010600030101010101" pitchFamily="2" charset="-122"/>
+              </a:rPr>
+              <a:t>ViewChild</a:t>
+            </a:r>
+            <a:r>
+              <a:rPr lang="zh-CN" altLang="en-US" sz="1600" b="0" dirty="0">
+                <a:latin typeface="SimSun" panose="02010600030101010101" pitchFamily="2" charset="-122"/>
+                <a:ea typeface="SimSun" panose="02010600030101010101" pitchFamily="2" charset="-122"/>
+              </a:rPr>
+              <a:t>来获取画面上的</a:t>
+            </a:r>
+            <a:r>
+              <a:rPr lang="en-US" altLang="zh-CN" sz="1600" b="0" dirty="0">
+                <a:latin typeface="SimSun" panose="02010600030101010101" pitchFamily="2" charset="-122"/>
+                <a:ea typeface="SimSun" panose="02010600030101010101" pitchFamily="2" charset="-122"/>
+              </a:rPr>
+              <a:t>DOM</a:t>
+            </a:r>
+            <a:r>
+              <a:rPr lang="zh-CN" altLang="en-US" sz="1600" b="0" dirty="0">
+                <a:latin typeface="SimSun" panose="02010600030101010101" pitchFamily="2" charset="-122"/>
+                <a:ea typeface="SimSun" panose="02010600030101010101" pitchFamily="2" charset="-122"/>
+              </a:rPr>
+              <a:t>。</a:t>
+            </a:r>
+            <a:endParaRPr lang="en-US" altLang="zh-CN" sz="1600" b="0" dirty="0">
+              <a:latin typeface="SimSun" panose="02010600030101010101" pitchFamily="2" charset="-122"/>
+              <a:ea typeface="SimSun" panose="02010600030101010101" pitchFamily="2" charset="-122"/>
+            </a:endParaRPr>
+          </a:p>
+          <a:p>
+            <a:pPr eaLnBrk="0" hangingPunct="0">
+              <a:defRPr/>
+            </a:pPr>
+            <a:r>
+              <a:rPr lang="en-US" sz="1600" b="0" dirty="0" err="1">
+                <a:solidFill>
+                  <a:srgbClr val="FF0000"/>
+                </a:solidFill>
+                <a:latin typeface="SimSun" panose="02010600030101010101" pitchFamily="2" charset="-122"/>
+                <a:ea typeface="SimSun" panose="02010600030101010101" pitchFamily="2" charset="-122"/>
+              </a:rPr>
+              <a:t>ViewChild</a:t>
+            </a:r>
+            <a:r>
+              <a:rPr lang="zh-CN" altLang="en-US" sz="1600" b="0" dirty="0">
+                <a:latin typeface="SimSun" panose="02010600030101010101" pitchFamily="2" charset="-122"/>
+                <a:ea typeface="SimSun" panose="02010600030101010101" pitchFamily="2" charset="-122"/>
+              </a:rPr>
+              <a:t>内需要一个参数，可以是字符串，也可以是一个类型，如果是复数时使用</a:t>
+            </a:r>
+            <a:r>
+              <a:rPr lang="en-US" sz="1600" b="0" dirty="0" err="1">
+                <a:solidFill>
+                  <a:srgbClr val="FF0000"/>
+                </a:solidFill>
+                <a:latin typeface="SimSun" panose="02010600030101010101" pitchFamily="2" charset="-122"/>
+                <a:ea typeface="SimSun" panose="02010600030101010101" pitchFamily="2" charset="-122"/>
+              </a:rPr>
+              <a:t>ViewChildren</a:t>
+            </a:r>
+            <a:r>
+              <a:rPr lang="zh-CN" altLang="en-US" sz="1600" b="0" dirty="0">
+                <a:latin typeface="SimSun" panose="02010600030101010101" pitchFamily="2" charset="-122"/>
+                <a:ea typeface="SimSun" panose="02010600030101010101" pitchFamily="2" charset="-122"/>
+              </a:rPr>
+              <a:t>，如：</a:t>
+            </a:r>
+            <a:endParaRPr lang="en-US" altLang="zh-CN" sz="1600" b="0" dirty="0">
+              <a:latin typeface="SimSun" panose="02010600030101010101" pitchFamily="2" charset="-122"/>
+              <a:ea typeface="SimSun" panose="02010600030101010101" pitchFamily="2" charset="-122"/>
+            </a:endParaRPr>
+          </a:p>
+          <a:p>
+            <a:pPr eaLnBrk="0" hangingPunct="0">
+              <a:defRPr/>
+            </a:pPr>
+            <a:r>
+              <a:rPr lang="en-US" sz="1600" b="0" dirty="0">
+                <a:latin typeface="SimSun" panose="02010600030101010101" pitchFamily="2" charset="-122"/>
+                <a:ea typeface="SimSun" panose="02010600030101010101" pitchFamily="2" charset="-122"/>
+              </a:rPr>
+              <a:t>@</a:t>
+            </a:r>
+            <a:r>
+              <a:rPr lang="en-US" sz="1600" b="0" dirty="0" err="1">
+                <a:latin typeface="SimSun" panose="02010600030101010101" pitchFamily="2" charset="-122"/>
+                <a:ea typeface="SimSun" panose="02010600030101010101" pitchFamily="2" charset="-122"/>
+              </a:rPr>
+              <a:t>ViewChild</a:t>
+            </a:r>
+            <a:r>
+              <a:rPr lang="en-US" sz="1600" b="0" dirty="0">
+                <a:latin typeface="SimSun" panose="02010600030101010101" pitchFamily="2" charset="-122"/>
+                <a:ea typeface="SimSun" panose="02010600030101010101" pitchFamily="2" charset="-122"/>
+              </a:rPr>
+              <a:t>(‘</a:t>
+            </a:r>
+            <a:r>
+              <a:rPr lang="en-US" sz="1600" b="0" dirty="0" err="1">
+                <a:latin typeface="SimSun" panose="02010600030101010101" pitchFamily="2" charset="-122"/>
+                <a:ea typeface="SimSun" panose="02010600030101010101" pitchFamily="2" charset="-122"/>
+              </a:rPr>
+              <a:t>heroForm</a:t>
+            </a:r>
+            <a:r>
+              <a:rPr lang="en-US" sz="1600" b="0" dirty="0">
+                <a:latin typeface="SimSun" panose="02010600030101010101" pitchFamily="2" charset="-122"/>
+                <a:ea typeface="SimSun" panose="02010600030101010101" pitchFamily="2" charset="-122"/>
+              </a:rPr>
+              <a:t>’)</a:t>
+            </a:r>
+            <a:r>
+              <a:rPr lang="zh-CN" altLang="en-US" sz="1600" b="0" dirty="0">
+                <a:latin typeface="SimSun" panose="02010600030101010101" pitchFamily="2" charset="-122"/>
+                <a:ea typeface="SimSun" panose="02010600030101010101" pitchFamily="2" charset="-122"/>
+              </a:rPr>
+              <a:t>：画面内需要使用</a:t>
+            </a:r>
+            <a:r>
+              <a:rPr lang="en-US" altLang="zh-CN" sz="1600" b="0" dirty="0">
+                <a:latin typeface="SimSun" panose="02010600030101010101" pitchFamily="2" charset="-122"/>
+                <a:ea typeface="SimSun" panose="02010600030101010101" pitchFamily="2" charset="-122"/>
+              </a:rPr>
+              <a:t>#</a:t>
+            </a:r>
+            <a:r>
+              <a:rPr lang="en-US" altLang="zh-CN" sz="1600" b="0" dirty="0" err="1">
+                <a:latin typeface="SimSun" panose="02010600030101010101" pitchFamily="2" charset="-122"/>
+                <a:ea typeface="SimSun" panose="02010600030101010101" pitchFamily="2" charset="-122"/>
+              </a:rPr>
+              <a:t>heroForm</a:t>
+            </a:r>
+            <a:endParaRPr lang="en-US" altLang="zh-CN" sz="1600" b="0" dirty="0">
+              <a:latin typeface="SimSun" panose="02010600030101010101" pitchFamily="2" charset="-122"/>
+              <a:ea typeface="SimSun" panose="02010600030101010101" pitchFamily="2" charset="-122"/>
+            </a:endParaRPr>
+          </a:p>
+          <a:p>
+            <a:pPr eaLnBrk="0" hangingPunct="0">
+              <a:defRPr/>
+            </a:pPr>
+            <a:r>
+              <a:rPr lang="en-US" sz="1600" b="0" dirty="0">
+                <a:latin typeface="SimSun" panose="02010600030101010101" pitchFamily="2" charset="-122"/>
+                <a:ea typeface="SimSun" panose="02010600030101010101" pitchFamily="2" charset="-122"/>
+              </a:rPr>
+              <a:t>@</a:t>
+            </a:r>
+            <a:r>
+              <a:rPr lang="en-US" sz="1600" b="0" dirty="0" err="1">
+                <a:latin typeface="SimSun" panose="02010600030101010101" pitchFamily="2" charset="-122"/>
+                <a:ea typeface="SimSun" panose="02010600030101010101" pitchFamily="2" charset="-122"/>
+              </a:rPr>
+              <a:t>ViewChild</a:t>
+            </a:r>
+            <a:r>
+              <a:rPr lang="en-US" sz="1600" b="0" dirty="0">
+                <a:latin typeface="SimSun" panose="02010600030101010101" pitchFamily="2" charset="-122"/>
+                <a:ea typeface="SimSun" panose="02010600030101010101" pitchFamily="2" charset="-122"/>
+              </a:rPr>
+              <a:t>(</a:t>
+            </a:r>
+            <a:r>
+              <a:rPr lang="en-US" sz="1600" b="0" dirty="0" err="1">
+                <a:latin typeface="SimSun" panose="02010600030101010101" pitchFamily="2" charset="-122"/>
+                <a:ea typeface="SimSun" panose="02010600030101010101" pitchFamily="2" charset="-122"/>
+              </a:rPr>
+              <a:t>CountdownTimerComponent</a:t>
+            </a:r>
+            <a:r>
+              <a:rPr lang="en-US" sz="1600" b="0" dirty="0">
+                <a:latin typeface="SimSun" panose="02010600030101010101" pitchFamily="2" charset="-122"/>
+                <a:ea typeface="SimSun" panose="02010600030101010101" pitchFamily="2" charset="-122"/>
+              </a:rPr>
+              <a:t>)</a:t>
+            </a:r>
+            <a:r>
+              <a:rPr lang="zh-CN" altLang="en-US" sz="1600" b="0" dirty="0">
+                <a:latin typeface="SimSun" panose="02010600030101010101" pitchFamily="2" charset="-122"/>
+                <a:ea typeface="SimSun" panose="02010600030101010101" pitchFamily="2" charset="-122"/>
+              </a:rPr>
+              <a:t>：使用</a:t>
+            </a:r>
+            <a:r>
+              <a:rPr lang="en-US" sz="1600" b="0" dirty="0">
+                <a:latin typeface="SimSun" panose="02010600030101010101" pitchFamily="2" charset="-122"/>
+                <a:ea typeface="SimSun" panose="02010600030101010101" pitchFamily="2" charset="-122"/>
+              </a:rPr>
+              <a:t>Component</a:t>
+            </a:r>
+            <a:r>
+              <a:rPr lang="zh-CN" altLang="en-US" sz="1600" b="0" dirty="0">
+                <a:latin typeface="SimSun" panose="02010600030101010101" pitchFamily="2" charset="-122"/>
+                <a:ea typeface="SimSun" panose="02010600030101010101" pitchFamily="2" charset="-122"/>
+              </a:rPr>
+              <a:t>的</a:t>
+            </a:r>
+            <a:r>
+              <a:rPr lang="en-US" sz="1600" b="0" dirty="0">
+                <a:latin typeface="SimSun" panose="02010600030101010101" pitchFamily="2" charset="-122"/>
+                <a:ea typeface="SimSun" panose="02010600030101010101" pitchFamily="2" charset="-122"/>
+              </a:rPr>
+              <a:t>selector</a:t>
+            </a:r>
+            <a:r>
+              <a:rPr lang="zh-CN" altLang="en-US" sz="1600" b="0" dirty="0">
+                <a:latin typeface="SimSun" panose="02010600030101010101" pitchFamily="2" charset="-122"/>
+                <a:ea typeface="SimSun" panose="02010600030101010101" pitchFamily="2" charset="-122"/>
+              </a:rPr>
+              <a:t>进行检</a:t>
             </a:r>
             <a:r>
               <a:rPr lang="zh-CN" altLang="en-US" sz="1600" b="0" dirty="0" smtClean="0">
                 <a:latin typeface="SimSun" panose="02010600030101010101" pitchFamily="2" charset="-122"/>
                 <a:ea typeface="SimSun" panose="02010600030101010101" pitchFamily="2" charset="-122"/>
               </a:rPr>
-              <a:t>提供了一下</a:t>
-            </a:r>
-            <a:r>
-              <a:rPr lang="en-US" altLang="zh-CN" sz="1600" b="0" dirty="0" smtClean="0">
-                <a:latin typeface="SimSun" panose="02010600030101010101" pitchFamily="2" charset="-122"/>
-                <a:ea typeface="SimSun" panose="02010600030101010101" pitchFamily="2" charset="-122"/>
-              </a:rPr>
-              <a:t>2</a:t>
-            </a:r>
-            <a:r>
-              <a:rPr lang="zh-CN" altLang="en-US" sz="1600" b="0" dirty="0" smtClean="0">
-                <a:latin typeface="SimSun" panose="02010600030101010101" pitchFamily="2" charset="-122"/>
-                <a:ea typeface="SimSun" panose="02010600030101010101" pitchFamily="2" charset="-122"/>
-              </a:rPr>
-              <a:t>种方式传值：</a:t>
+              <a:t>索</a:t>
             </a:r>
             <a:endParaRPr lang="en-US" altLang="zh-CN" sz="1600" b="0" dirty="0" smtClean="0">
               <a:latin typeface="SimSun" panose="02010600030101010101" pitchFamily="2" charset="-122"/>
@@ -17010,186 +16896,8 @@
             </a:endParaRPr>
           </a:p>
           <a:p>
-            <a:pPr marL="342900" indent="-342900">
-              <a:buFont typeface="+mj-lt"/>
-              <a:buAutoNum type="arabicPeriod"/>
-            </a:pPr>
-            <a:r>
-              <a:rPr lang="en-US" altLang="zh-CN" sz="1600" b="0" dirty="0" smtClean="0">
-                <a:latin typeface="SimSun" panose="02010600030101010101" pitchFamily="2" charset="-122"/>
-                <a:ea typeface="SimSun" panose="02010600030101010101" pitchFamily="2" charset="-122"/>
-              </a:rPr>
-              <a:t>URL</a:t>
-            </a:r>
-            <a:r>
-              <a:rPr lang="zh-CN" altLang="en-US" sz="1600" b="0" dirty="0" smtClean="0">
-                <a:latin typeface="SimSun" panose="02010600030101010101" pitchFamily="2" charset="-122"/>
-                <a:ea typeface="SimSun" panose="02010600030101010101" pitchFamily="2" charset="-122"/>
-              </a:rPr>
-              <a:t>传值：在</a:t>
-            </a:r>
-            <a:r>
-              <a:rPr lang="en-US" altLang="zh-CN" sz="1600" b="0" dirty="0" smtClean="0">
-                <a:latin typeface="SimSun" panose="02010600030101010101" pitchFamily="2" charset="-122"/>
-                <a:ea typeface="SimSun" panose="02010600030101010101" pitchFamily="2" charset="-122"/>
-              </a:rPr>
-              <a:t>router</a:t>
-            </a:r>
-            <a:r>
-              <a:rPr lang="zh-CN" altLang="en-US" sz="1600" b="0" dirty="0" smtClean="0">
-                <a:latin typeface="SimSun" panose="02010600030101010101" pitchFamily="2" charset="-122"/>
-                <a:ea typeface="SimSun" panose="02010600030101010101" pitchFamily="2" charset="-122"/>
-              </a:rPr>
-              <a:t>内的</a:t>
-            </a:r>
-            <a:r>
-              <a:rPr lang="en-US" altLang="zh-CN" sz="1600" b="0" dirty="0" smtClean="0">
-                <a:latin typeface="SimSun" panose="02010600030101010101" pitchFamily="2" charset="-122"/>
-                <a:ea typeface="SimSun" panose="02010600030101010101" pitchFamily="2" charset="-122"/>
-              </a:rPr>
-              <a:t>Path</a:t>
-            </a:r>
-            <a:r>
-              <a:rPr lang="zh-CN" altLang="en-US" sz="1600" b="0" dirty="0" smtClean="0">
-                <a:latin typeface="SimSun" panose="02010600030101010101" pitchFamily="2" charset="-122"/>
-                <a:ea typeface="SimSun" panose="02010600030101010101" pitchFamily="2" charset="-122"/>
-              </a:rPr>
-              <a:t>定义时使用</a:t>
-            </a:r>
-            <a:r>
-              <a:rPr lang="ja-JP" altLang="en-US" sz="1600" b="0" dirty="0" smtClean="0">
-                <a:latin typeface="SimSun" panose="02010600030101010101" pitchFamily="2" charset="-122"/>
-                <a:ea typeface="SimSun" panose="02010600030101010101" pitchFamily="2" charset="-122"/>
-              </a:rPr>
-              <a:t>「</a:t>
-            </a:r>
-            <a:r>
-              <a:rPr lang="en-US" altLang="ja-JP" sz="1600" b="0" dirty="0" smtClean="0">
-                <a:latin typeface="SimSun" panose="02010600030101010101" pitchFamily="2" charset="-122"/>
-                <a:ea typeface="SimSun" panose="02010600030101010101" pitchFamily="2" charset="-122"/>
-              </a:rPr>
-              <a:t>:</a:t>
-            </a:r>
-            <a:r>
-              <a:rPr lang="zh-CN" altLang="en-US" sz="1600" b="0" dirty="0" smtClean="0">
-                <a:latin typeface="SimSun" panose="02010600030101010101" pitchFamily="2" charset="-122"/>
-                <a:ea typeface="SimSun" panose="02010600030101010101" pitchFamily="2" charset="-122"/>
-              </a:rPr>
-              <a:t>参数名称</a:t>
-            </a:r>
-            <a:r>
-              <a:rPr lang="ja-JP" altLang="en-US" sz="1600" b="0" dirty="0" smtClean="0">
-                <a:latin typeface="SimSun" panose="02010600030101010101" pitchFamily="2" charset="-122"/>
-                <a:ea typeface="SimSun" panose="02010600030101010101" pitchFamily="2" charset="-122"/>
-              </a:rPr>
-              <a:t>」</a:t>
-            </a:r>
-            <a:r>
-              <a:rPr lang="zh-CN" altLang="en-US" sz="1600" b="0" dirty="0" smtClean="0">
-                <a:latin typeface="SimSun" panose="02010600030101010101" pitchFamily="2" charset="-122"/>
-                <a:ea typeface="SimSun" panose="02010600030101010101" pitchFamily="2" charset="-122"/>
-              </a:rPr>
-              <a:t>来定义传参。画面迁移时会将传递的内容显示到</a:t>
-            </a:r>
-            <a:r>
-              <a:rPr lang="en-US" altLang="zh-CN" sz="1600" b="0" dirty="0" smtClean="0">
-                <a:latin typeface="SimSun" panose="02010600030101010101" pitchFamily="2" charset="-122"/>
-                <a:ea typeface="SimSun" panose="02010600030101010101" pitchFamily="2" charset="-122"/>
-              </a:rPr>
-              <a:t>URL</a:t>
-            </a:r>
-            <a:r>
-              <a:rPr lang="zh-CN" altLang="en-US" sz="1600" b="0" dirty="0" smtClean="0">
-                <a:latin typeface="SimSun" panose="02010600030101010101" pitchFamily="2" charset="-122"/>
-                <a:ea typeface="SimSun" panose="02010600030101010101" pitchFamily="2" charset="-122"/>
-              </a:rPr>
-              <a:t>上。</a:t>
-            </a:r>
-            <a:endParaRPr lang="en-US" altLang="zh-CN" sz="1600" b="0" dirty="0">
-              <a:latin typeface="SimSun" panose="02010600030101010101" pitchFamily="2" charset="-122"/>
-              <a:ea typeface="SimSun" panose="02010600030101010101" pitchFamily="2" charset="-122"/>
-            </a:endParaRPr>
-          </a:p>
-          <a:p>
-            <a:pPr marL="342900" indent="-342900">
-              <a:buFont typeface="+mj-lt"/>
-              <a:buAutoNum type="arabicPeriod"/>
-            </a:pPr>
-            <a:endParaRPr lang="en-US" altLang="zh-CN" sz="1600" b="0" dirty="0" smtClean="0">
-              <a:latin typeface="SimSun" panose="02010600030101010101" pitchFamily="2" charset="-122"/>
-              <a:ea typeface="SimSun" panose="02010600030101010101" pitchFamily="2" charset="-122"/>
-            </a:endParaRPr>
-          </a:p>
-          <a:p>
-            <a:pPr marL="342900" indent="-342900">
-              <a:buFont typeface="+mj-lt"/>
-              <a:buAutoNum type="arabicPeriod"/>
-            </a:pPr>
-            <a:r>
-              <a:rPr lang="zh-CN" altLang="en-US" sz="1600" b="0" dirty="0" smtClean="0">
-                <a:latin typeface="SimSun" panose="02010600030101010101" pitchFamily="2" charset="-122"/>
-                <a:ea typeface="SimSun" panose="02010600030101010101" pitchFamily="2" charset="-122"/>
-              </a:rPr>
-              <a:t>默认传值</a:t>
-            </a:r>
-            <a:r>
-              <a:rPr lang="zh-CN" altLang="en-US" sz="1600" b="0" dirty="0">
-                <a:latin typeface="SimSun" panose="02010600030101010101" pitchFamily="2" charset="-122"/>
-                <a:ea typeface="SimSun" panose="02010600030101010101" pitchFamily="2" charset="-122"/>
-              </a:rPr>
-              <a:t>：不</a:t>
-            </a:r>
-            <a:r>
-              <a:rPr lang="zh-CN" altLang="en-US" sz="1600" b="0" dirty="0" smtClean="0">
-                <a:latin typeface="SimSun" panose="02010600030101010101" pitchFamily="2" charset="-122"/>
-                <a:ea typeface="SimSun" panose="02010600030101010101" pitchFamily="2" charset="-122"/>
-              </a:rPr>
-              <a:t>需要在</a:t>
-            </a:r>
-            <a:r>
-              <a:rPr lang="en-US" altLang="zh-CN" sz="1600" b="0" dirty="0" smtClean="0">
-                <a:latin typeface="SimSun" panose="02010600030101010101" pitchFamily="2" charset="-122"/>
-                <a:ea typeface="SimSun" panose="02010600030101010101" pitchFamily="2" charset="-122"/>
-              </a:rPr>
-              <a:t>Path</a:t>
-            </a:r>
-            <a:r>
-              <a:rPr lang="zh-CN" altLang="en-US" sz="1600" b="0" dirty="0">
-                <a:latin typeface="SimSun" panose="02010600030101010101" pitchFamily="2" charset="-122"/>
-                <a:ea typeface="SimSun" panose="02010600030101010101" pitchFamily="2" charset="-122"/>
-              </a:rPr>
-              <a:t>内</a:t>
-            </a:r>
-            <a:r>
-              <a:rPr lang="zh-CN" altLang="en-US" sz="1600" b="0" dirty="0" smtClean="0">
-                <a:latin typeface="SimSun" panose="02010600030101010101" pitchFamily="2" charset="-122"/>
-                <a:ea typeface="SimSun" panose="02010600030101010101" pitchFamily="2" charset="-122"/>
-              </a:rPr>
-              <a:t>定义做任何定义，传递的内容也不会显示到</a:t>
-            </a:r>
-            <a:r>
-              <a:rPr lang="en-US" altLang="zh-CN" sz="1600" b="0" dirty="0" smtClean="0">
-                <a:latin typeface="SimSun" panose="02010600030101010101" pitchFamily="2" charset="-122"/>
-                <a:ea typeface="SimSun" panose="02010600030101010101" pitchFamily="2" charset="-122"/>
-              </a:rPr>
-              <a:t>URL</a:t>
-            </a:r>
-            <a:r>
-              <a:rPr lang="zh-CN" altLang="en-US" sz="1600" b="0" dirty="0" smtClean="0">
-                <a:latin typeface="SimSun" panose="02010600030101010101" pitchFamily="2" charset="-122"/>
-                <a:ea typeface="SimSun" panose="02010600030101010101" pitchFamily="2" charset="-122"/>
-              </a:rPr>
-              <a:t>上。</a:t>
-            </a:r>
-            <a:endParaRPr lang="en-US" altLang="zh-CN" sz="1600" b="0" dirty="0" smtClean="0">
-              <a:latin typeface="SimSun" panose="02010600030101010101" pitchFamily="2" charset="-122"/>
-              <a:ea typeface="SimSun" panose="02010600030101010101" pitchFamily="2" charset="-122"/>
-            </a:endParaRPr>
-          </a:p>
-          <a:p>
-            <a:pPr marL="342900" indent="-342900">
-              <a:buFont typeface="+mj-lt"/>
-              <a:buAutoNum type="arabicPeriod"/>
+            <a:pPr eaLnBrk="0" hangingPunct="0">
+              <a:defRPr/>
             </a:pPr>
             <a:endParaRPr lang="en-US" altLang="zh-CN" sz="1600" b="0" dirty="0">
               <a:latin typeface="SimSun" panose="02010600030101010101" pitchFamily="2" charset="-122"/>
@@ -17197,102 +16905,53 @@
             </a:endParaRPr>
           </a:p>
           <a:p>
+            <a:pPr eaLnBrk="0" hangingPunct="0">
+              <a:defRPr/>
+            </a:pPr>
+            <a:r>
+              <a:rPr lang="zh-CN" altLang="en-US" sz="1600" b="0" dirty="0">
+                <a:latin typeface="SimSun" panose="02010600030101010101" pitchFamily="2" charset="-122"/>
+                <a:ea typeface="SimSun" panose="02010600030101010101" pitchFamily="2" charset="-122"/>
+              </a:rPr>
+              <a:t>也可以使用</a:t>
+            </a:r>
+            <a:r>
+              <a:rPr lang="en-US" sz="1600" b="0" dirty="0" err="1">
+                <a:solidFill>
+                  <a:srgbClr val="FF0000"/>
+                </a:solidFill>
+                <a:latin typeface="SimSun" panose="02010600030101010101" pitchFamily="2" charset="-122"/>
+                <a:ea typeface="SimSun" panose="02010600030101010101" pitchFamily="2" charset="-122"/>
+              </a:rPr>
+              <a:t>ContentChild</a:t>
+            </a:r>
+            <a:r>
+              <a:rPr lang="zh-CN" altLang="en-US" sz="1600" b="0" dirty="0">
+                <a:latin typeface="SimSun" panose="02010600030101010101" pitchFamily="2" charset="-122"/>
+                <a:ea typeface="SimSun" panose="02010600030101010101" pitchFamily="2" charset="-122"/>
+              </a:rPr>
+              <a:t>来获取画面上的</a:t>
+            </a:r>
+            <a:r>
+              <a:rPr lang="en-US" altLang="zh-CN" sz="1600" b="0" dirty="0">
+                <a:latin typeface="SimSun" panose="02010600030101010101" pitchFamily="2" charset="-122"/>
+                <a:ea typeface="SimSun" panose="02010600030101010101" pitchFamily="2" charset="-122"/>
+              </a:rPr>
+              <a:t>DOM</a:t>
+            </a:r>
+            <a:r>
+              <a:rPr lang="zh-CN" altLang="en-US" sz="1600" b="0" dirty="0">
+                <a:latin typeface="SimSun" panose="02010600030101010101" pitchFamily="2" charset="-122"/>
+                <a:ea typeface="SimSun" panose="02010600030101010101" pitchFamily="2" charset="-122"/>
+              </a:rPr>
+              <a:t>，两种方式类似，不过使用这种方式的话需要传入的值必须为类型</a:t>
+            </a:r>
             <a:r>
               <a:rPr lang="zh-CN" altLang="en-US" sz="1600" b="0" dirty="0" smtClean="0">
                 <a:latin typeface="SimSun" panose="02010600030101010101" pitchFamily="2" charset="-122"/>
                 <a:ea typeface="SimSun" panose="02010600030101010101" pitchFamily="2" charset="-122"/>
               </a:rPr>
-              <a:t>使用</a:t>
-            </a:r>
-            <a:r>
-              <a:rPr lang="en-US" altLang="zh-CN" sz="1600" b="0" dirty="0" err="1" smtClean="0">
-                <a:latin typeface="SimSun" panose="02010600030101010101" pitchFamily="2" charset="-122"/>
-                <a:ea typeface="SimSun" panose="02010600030101010101" pitchFamily="2" charset="-122"/>
-              </a:rPr>
-              <a:t>ActivatedRoute</a:t>
-            </a:r>
-            <a:r>
-              <a:rPr lang="zh-CN" altLang="en-US" sz="1600" b="0" dirty="0" smtClean="0">
-                <a:latin typeface="SimSun" panose="02010600030101010101" pitchFamily="2" charset="-122"/>
-                <a:ea typeface="SimSun" panose="02010600030101010101" pitchFamily="2" charset="-122"/>
-              </a:rPr>
-              <a:t>类</a:t>
-            </a:r>
-            <a:r>
-              <a:rPr lang="zh-CN" altLang="en-US" sz="1600" b="0" dirty="0">
-                <a:latin typeface="SimSun" panose="02010600030101010101" pitchFamily="2" charset="-122"/>
-                <a:ea typeface="SimSun" panose="02010600030101010101" pitchFamily="2" charset="-122"/>
-              </a:rPr>
-              <a:t>的</a:t>
-            </a:r>
-            <a:r>
-              <a:rPr lang="en-US" altLang="zh-CN" sz="1600" b="0" dirty="0" err="1">
-                <a:latin typeface="SimSun" panose="02010600030101010101" pitchFamily="2" charset="-122"/>
-                <a:ea typeface="SimSun" panose="02010600030101010101" pitchFamily="2" charset="-122"/>
-              </a:rPr>
-              <a:t>params</a:t>
-            </a:r>
-            <a:r>
-              <a:rPr lang="zh-CN" altLang="en-US" sz="1600" b="0" dirty="0">
-                <a:latin typeface="SimSun" panose="02010600030101010101" pitchFamily="2" charset="-122"/>
-                <a:ea typeface="SimSun" panose="02010600030101010101" pitchFamily="2" charset="-122"/>
-              </a:rPr>
-              <a:t>属性</a:t>
-            </a:r>
-            <a:r>
-              <a:rPr lang="zh-CN" altLang="en-US" sz="1600" b="0" dirty="0" smtClean="0">
-                <a:latin typeface="SimSun" panose="02010600030101010101" pitchFamily="2" charset="-122"/>
-                <a:ea typeface="SimSun" panose="02010600030101010101" pitchFamily="2" charset="-122"/>
-              </a:rPr>
-              <a:t>来获取</a:t>
-            </a:r>
-            <a:r>
-              <a:rPr lang="en-US" altLang="zh-CN" sz="1600" b="0" dirty="0" smtClean="0">
-                <a:latin typeface="SimSun" panose="02010600030101010101" pitchFamily="2" charset="-122"/>
-                <a:ea typeface="SimSun" panose="02010600030101010101" pitchFamily="2" charset="-122"/>
-              </a:rPr>
-              <a:t>Router</a:t>
-            </a:r>
-            <a:r>
-              <a:rPr lang="zh-CN" altLang="en-US" sz="1600" b="0" dirty="0" smtClean="0">
-                <a:latin typeface="SimSun" panose="02010600030101010101" pitchFamily="2" charset="-122"/>
-                <a:ea typeface="SimSun" panose="02010600030101010101" pitchFamily="2" charset="-122"/>
-              </a:rPr>
-              <a:t>传递过来的数据。如果当前画面为子画面，想要获取父画面中传递的数据则使用</a:t>
-            </a:r>
-            <a:r>
-              <a:rPr lang="en-US" altLang="zh-CN" sz="1600" b="0" dirty="0" err="1" smtClean="0">
-                <a:latin typeface="SimSun" panose="02010600030101010101" pitchFamily="2" charset="-122"/>
-                <a:ea typeface="SimSun" panose="02010600030101010101" pitchFamily="2" charset="-122"/>
-              </a:rPr>
-              <a:t>ActivatedRoute</a:t>
-            </a:r>
-            <a:r>
-              <a:rPr lang="zh-CN" altLang="en-US" sz="1600" b="0" dirty="0" smtClean="0">
-                <a:latin typeface="SimSun" panose="02010600030101010101" pitchFamily="2" charset="-122"/>
-                <a:ea typeface="SimSun" panose="02010600030101010101" pitchFamily="2" charset="-122"/>
-              </a:rPr>
-              <a:t>内</a:t>
-            </a:r>
-            <a:r>
-              <a:rPr lang="en-US" altLang="zh-CN" sz="1600" b="0" dirty="0" err="1" smtClean="0">
-                <a:latin typeface="SimSun" panose="02010600030101010101" pitchFamily="2" charset="-122"/>
-                <a:ea typeface="SimSun" panose="02010600030101010101" pitchFamily="2" charset="-122"/>
-              </a:rPr>
-              <a:t>snapshot.parent.params</a:t>
-            </a:r>
-            <a:endParaRPr lang="en-US" altLang="zh-CN" sz="1600" b="0" dirty="0">
-              <a:latin typeface="SimSun" panose="02010600030101010101" pitchFamily="2" charset="-122"/>
-              <a:ea typeface="SimSun" panose="02010600030101010101" pitchFamily="2" charset="-122"/>
-            </a:endParaRPr>
-          </a:p>
-          <a:p>
-            <a:r>
-              <a:rPr lang="zh-CN" altLang="en-US" sz="1600" b="0" dirty="0" smtClean="0">
-                <a:latin typeface="SimSun" panose="02010600030101010101" pitchFamily="2" charset="-122"/>
-                <a:ea typeface="SimSun" panose="02010600030101010101" pitchFamily="2" charset="-122"/>
-              </a:rPr>
-              <a:t>属性，来获取幅画面数据。</a:t>
+              <a:t>。</a:t>
             </a:r>
             <a:endParaRPr lang="en-US" altLang="zh-CN" sz="1600" b="0" dirty="0" smtClean="0">
               <a:latin typeface="SimSun" panose="02010600030101010101" pitchFamily="2" charset="-122"/>
@@ -17300,339 +16959,8 @@
             </a:endParaRPr>
           </a:p>
           <a:p>
-            <a:endParaRPr lang="en-US" altLang="zh-CN" sz="1600" b="0" dirty="0">
-              <a:latin typeface="SimSun" panose="02010600030101010101" pitchFamily="2" charset="-122"/>
-              <a:ea typeface="SimSun" panose="02010600030101010101" pitchFamily="2" charset="-122"/>
-            </a:endParaRPr>
-          </a:p>
-          <a:p>
-            <a:r>
-              <a:rPr lang="en-US" altLang="zh-CN" sz="1600" b="0" dirty="0" smtClean="0">
-                <a:latin typeface="SimSun" panose="02010600030101010101" pitchFamily="2" charset="-122"/>
-                <a:ea typeface="SimSun" panose="02010600030101010101" pitchFamily="2" charset="-122"/>
-              </a:rPr>
-              <a:t>HTML</a:t>
-            </a:r>
-            <a:r>
-              <a:rPr lang="zh-CN" altLang="en-US" sz="1600" b="0" dirty="0" smtClean="0">
-                <a:latin typeface="SimSun" panose="02010600030101010101" pitchFamily="2" charset="-122"/>
-                <a:ea typeface="SimSun" panose="02010600030101010101" pitchFamily="2" charset="-122"/>
-              </a:rPr>
-              <a:t>迁移使用</a:t>
-            </a:r>
-            <a:r>
-              <a:rPr lang="en-US" altLang="zh-CN" sz="1600" b="0" dirty="0" err="1" smtClean="0">
-                <a:latin typeface="SimSun" panose="02010600030101010101" pitchFamily="2" charset="-122"/>
-                <a:ea typeface="SimSun" panose="02010600030101010101" pitchFamily="2" charset="-122"/>
-              </a:rPr>
-              <a:t>routerLink</a:t>
-            </a:r>
-            <a:r>
-              <a:rPr lang="zh-CN" altLang="en-US" sz="1600" b="0" dirty="0" smtClean="0">
-                <a:latin typeface="SimSun" panose="02010600030101010101" pitchFamily="2" charset="-122"/>
-                <a:ea typeface="SimSun" panose="02010600030101010101" pitchFamily="2" charset="-122"/>
-              </a:rPr>
-              <a:t>来进行画面迁移。例如：</a:t>
-            </a:r>
-            <a:endParaRPr lang="en-US" altLang="zh-CN" sz="1600" b="0" dirty="0" smtClean="0">
-              <a:latin typeface="SimSun" panose="02010600030101010101" pitchFamily="2" charset="-122"/>
-              <a:ea typeface="SimSun" panose="02010600030101010101" pitchFamily="2" charset="-122"/>
-            </a:endParaRPr>
-          </a:p>
-          <a:p>
-            <a:r>
-              <a:rPr lang="en-US" altLang="zh-CN" sz="1600" b="0" dirty="0">
-                <a:latin typeface="SimSun" panose="02010600030101010101" pitchFamily="2" charset="-122"/>
-                <a:ea typeface="SimSun" panose="02010600030101010101" pitchFamily="2" charset="-122"/>
-              </a:rPr>
-              <a:t> </a:t>
-            </a:r>
-            <a:r>
-              <a:rPr lang="en-US" altLang="zh-CN" sz="1600" b="0" dirty="0" smtClean="0">
-                <a:latin typeface="SimSun" panose="02010600030101010101" pitchFamily="2" charset="-122"/>
-                <a:ea typeface="SimSun" panose="02010600030101010101" pitchFamily="2" charset="-122"/>
-              </a:rPr>
-              <a:t>   &lt;</a:t>
-            </a:r>
-            <a:r>
-              <a:rPr lang="en-US" altLang="zh-CN" sz="1600" b="0" dirty="0">
-                <a:latin typeface="SimSun" panose="02010600030101010101" pitchFamily="2" charset="-122"/>
-                <a:ea typeface="SimSun" panose="02010600030101010101" pitchFamily="2" charset="-122"/>
-              </a:rPr>
-              <a:t>a [</a:t>
-            </a:r>
-            <a:r>
-              <a:rPr lang="en-US" altLang="zh-CN" sz="1600" b="0" dirty="0" err="1">
-                <a:latin typeface="SimSun" panose="02010600030101010101" pitchFamily="2" charset="-122"/>
-                <a:ea typeface="SimSun" panose="02010600030101010101" pitchFamily="2" charset="-122"/>
-              </a:rPr>
-              <a:t>routerLink</a:t>
-            </a:r>
-            <a:r>
-              <a:rPr lang="en-US" altLang="zh-CN" sz="1600" b="0" dirty="0">
-                <a:latin typeface="SimSun" panose="02010600030101010101" pitchFamily="2" charset="-122"/>
-                <a:ea typeface="SimSun" panose="02010600030101010101" pitchFamily="2" charset="-122"/>
-              </a:rPr>
-              <a:t>]="['/</a:t>
-            </a:r>
-            <a:r>
-              <a:rPr lang="en-US" altLang="zh-CN" sz="1600" b="0" dirty="0" err="1">
-                <a:latin typeface="SimSun" panose="02010600030101010101" pitchFamily="2" charset="-122"/>
-                <a:ea typeface="SimSun" panose="02010600030101010101" pitchFamily="2" charset="-122"/>
-              </a:rPr>
-              <a:t>github</a:t>
-            </a:r>
-            <a:r>
-              <a:rPr lang="en-US" altLang="zh-CN" sz="1600" b="0" dirty="0">
-                <a:latin typeface="SimSun" panose="02010600030101010101" pitchFamily="2" charset="-122"/>
-                <a:ea typeface="SimSun" panose="02010600030101010101" pitchFamily="2" charset="-122"/>
-              </a:rPr>
-              <a:t>', </a:t>
-            </a:r>
-            <a:r>
-              <a:rPr lang="en-US" altLang="zh-CN" sz="1600" b="0" dirty="0" err="1">
-                <a:latin typeface="SimSun" panose="02010600030101010101" pitchFamily="2" charset="-122"/>
-                <a:ea typeface="SimSun" panose="02010600030101010101" pitchFamily="2" charset="-122"/>
-              </a:rPr>
-              <a:t>repo.owner.login</a:t>
-            </a:r>
-            <a:r>
-              <a:rPr lang="en-US" altLang="zh-CN" sz="1600" b="0" dirty="0">
-                <a:latin typeface="SimSun" panose="02010600030101010101" pitchFamily="2" charset="-122"/>
-                <a:ea typeface="SimSun" panose="02010600030101010101" pitchFamily="2" charset="-122"/>
-              </a:rPr>
-              <a:t>, repo.name]"&gt;</a:t>
-            </a:r>
-          </a:p>
-          <a:p>
-            <a:endParaRPr lang="en-US" altLang="zh-CN" sz="1600" b="0" dirty="0" smtClean="0">
-              <a:latin typeface="SimSun" panose="02010600030101010101" pitchFamily="2" charset="-122"/>
-              <a:ea typeface="SimSun" panose="02010600030101010101" pitchFamily="2" charset="-122"/>
-            </a:endParaRPr>
-          </a:p>
-          <a:p>
-            <a:r>
-              <a:rPr lang="zh-CN" altLang="en-US" sz="1600" b="0" dirty="0" smtClean="0">
-                <a:latin typeface="SimSun" panose="02010600030101010101" pitchFamily="2" charset="-122"/>
-                <a:ea typeface="SimSun" panose="02010600030101010101" pitchFamily="2" charset="-122"/>
-              </a:rPr>
-              <a:t>在</a:t>
-            </a:r>
-            <a:r>
-              <a:rPr lang="en-US" altLang="zh-CN" sz="1600" b="0" dirty="0" err="1" smtClean="0">
-                <a:latin typeface="SimSun" panose="02010600030101010101" pitchFamily="2" charset="-122"/>
-                <a:ea typeface="SimSun" panose="02010600030101010101" pitchFamily="2" charset="-122"/>
-              </a:rPr>
-              <a:t>TypeScript</a:t>
-            </a:r>
-            <a:r>
-              <a:rPr lang="zh-CN" altLang="en-US" sz="1600" b="0" dirty="0" smtClean="0">
-                <a:latin typeface="SimSun" panose="02010600030101010101" pitchFamily="2" charset="-122"/>
-                <a:ea typeface="SimSun" panose="02010600030101010101" pitchFamily="2" charset="-122"/>
-              </a:rPr>
-              <a:t>内使用</a:t>
-            </a:r>
-            <a:r>
-              <a:rPr lang="en-US" altLang="zh-CN" sz="1600" b="0" dirty="0" smtClean="0">
-                <a:latin typeface="SimSun" panose="02010600030101010101" pitchFamily="2" charset="-122"/>
-                <a:ea typeface="SimSun" panose="02010600030101010101" pitchFamily="2" charset="-122"/>
-              </a:rPr>
-              <a:t>Router</a:t>
-            </a:r>
-            <a:r>
-              <a:rPr lang="zh-CN" altLang="en-US" sz="1600" b="0" dirty="0" smtClean="0">
-                <a:latin typeface="SimSun" panose="02010600030101010101" pitchFamily="2" charset="-122"/>
-                <a:ea typeface="SimSun" panose="02010600030101010101" pitchFamily="2" charset="-122"/>
-              </a:rPr>
-              <a:t>类的</a:t>
-            </a:r>
-            <a:r>
-              <a:rPr lang="en-US" altLang="zh-CN" sz="1600" b="0" dirty="0" smtClean="0">
-                <a:latin typeface="SimSun" panose="02010600030101010101" pitchFamily="2" charset="-122"/>
-                <a:ea typeface="SimSun" panose="02010600030101010101" pitchFamily="2" charset="-122"/>
-              </a:rPr>
-              <a:t>navigate</a:t>
-            </a:r>
-            <a:r>
-              <a:rPr lang="zh-CN" altLang="en-US" sz="1600" b="0" dirty="0" smtClean="0">
-                <a:latin typeface="SimSun" panose="02010600030101010101" pitchFamily="2" charset="-122"/>
-                <a:ea typeface="SimSun" panose="02010600030101010101" pitchFamily="2" charset="-122"/>
-              </a:rPr>
-              <a:t>或者</a:t>
-            </a:r>
-            <a:r>
-              <a:rPr lang="en-US" altLang="zh-CN" sz="1600" b="0" dirty="0" err="1" smtClean="0">
-                <a:latin typeface="SimSun" panose="02010600030101010101" pitchFamily="2" charset="-122"/>
-                <a:ea typeface="SimSun" panose="02010600030101010101" pitchFamily="2" charset="-122"/>
-              </a:rPr>
-              <a:t>navigateByUrl</a:t>
-            </a:r>
-            <a:r>
-              <a:rPr lang="zh-CN" altLang="en-US" sz="1600" b="0" dirty="0" smtClean="0">
-                <a:latin typeface="SimSun" panose="02010600030101010101" pitchFamily="2" charset="-122"/>
-                <a:ea typeface="SimSun" panose="02010600030101010101" pitchFamily="2" charset="-122"/>
-              </a:rPr>
-              <a:t>，使用默认传值时则只能使用</a:t>
-            </a:r>
-            <a:r>
-              <a:rPr lang="en-US" altLang="zh-CN" sz="1600" b="0" dirty="0" smtClean="0">
-                <a:latin typeface="SimSun" panose="02010600030101010101" pitchFamily="2" charset="-122"/>
-                <a:ea typeface="SimSun" panose="02010600030101010101" pitchFamily="2" charset="-122"/>
-              </a:rPr>
-              <a:t>navigate</a:t>
-            </a:r>
-            <a:r>
-              <a:rPr lang="zh-CN" altLang="en-US" sz="1600" b="0" dirty="0" smtClean="0">
-                <a:latin typeface="SimSun" panose="02010600030101010101" pitchFamily="2" charset="-122"/>
-                <a:ea typeface="SimSun" panose="02010600030101010101" pitchFamily="2" charset="-122"/>
-              </a:rPr>
-              <a:t>。例如：</a:t>
-            </a:r>
-            <a:endParaRPr lang="en-US" altLang="zh-CN" sz="1600" b="0" dirty="0" smtClean="0">
-              <a:latin typeface="SimSun" panose="02010600030101010101" pitchFamily="2" charset="-122"/>
-              <a:ea typeface="SimSun" panose="02010600030101010101" pitchFamily="2" charset="-122"/>
-            </a:endParaRPr>
-          </a:p>
-          <a:p>
-            <a:r>
-              <a:rPr lang="en-US" altLang="zh-CN" sz="1600" b="0" dirty="0" smtClean="0">
-                <a:latin typeface="SimSun" panose="02010600030101010101" pitchFamily="2" charset="-122"/>
-                <a:ea typeface="SimSun" panose="02010600030101010101" pitchFamily="2" charset="-122"/>
-              </a:rPr>
-              <a:t>    </a:t>
-            </a:r>
-            <a:r>
-              <a:rPr lang="en-US" altLang="zh-CN" sz="1600" b="0" dirty="0" err="1">
-                <a:latin typeface="SimSun" panose="02010600030101010101" pitchFamily="2" charset="-122"/>
-                <a:ea typeface="SimSun" panose="02010600030101010101" pitchFamily="2" charset="-122"/>
-              </a:rPr>
-              <a:t>router.navigateByUrl</a:t>
-            </a:r>
-            <a:r>
-              <a:rPr lang="en-US" altLang="zh-CN" sz="1600" b="0" dirty="0">
-                <a:latin typeface="SimSun" panose="02010600030101010101" pitchFamily="2" charset="-122"/>
-                <a:ea typeface="SimSun" panose="02010600030101010101" pitchFamily="2" charset="-122"/>
-              </a:rPr>
-              <a:t>("/team/33/user/11</a:t>
-            </a:r>
-            <a:r>
-              <a:rPr lang="en-US" altLang="zh-CN" sz="1600" b="0" dirty="0" smtClean="0">
-                <a:latin typeface="SimSun" panose="02010600030101010101" pitchFamily="2" charset="-122"/>
-                <a:ea typeface="SimSun" panose="02010600030101010101" pitchFamily="2" charset="-122"/>
-              </a:rPr>
-              <a:t>");</a:t>
-            </a:r>
-          </a:p>
-          <a:p>
-            <a:r>
-              <a:rPr lang="en-US" altLang="zh-CN" sz="1600" b="0" dirty="0">
-                <a:latin typeface="SimSun" panose="02010600030101010101" pitchFamily="2" charset="-122"/>
-                <a:ea typeface="SimSun" panose="02010600030101010101" pitchFamily="2" charset="-122"/>
-              </a:rPr>
-              <a:t> </a:t>
-            </a:r>
-            <a:r>
-              <a:rPr lang="en-US" altLang="zh-CN" sz="1600" b="0" dirty="0" smtClean="0">
-                <a:latin typeface="SimSun" panose="02010600030101010101" pitchFamily="2" charset="-122"/>
-                <a:ea typeface="SimSun" panose="02010600030101010101" pitchFamily="2" charset="-122"/>
-              </a:rPr>
-              <a:t>   </a:t>
-            </a:r>
-            <a:r>
-              <a:rPr lang="en-US" altLang="zh-CN" sz="1600" b="0" dirty="0" err="1" smtClean="0">
-                <a:latin typeface="SimSun" panose="02010600030101010101" pitchFamily="2" charset="-122"/>
-                <a:ea typeface="SimSun" panose="02010600030101010101" pitchFamily="2" charset="-122"/>
-              </a:rPr>
-              <a:t>router.navigate</a:t>
-            </a:r>
-            <a:r>
-              <a:rPr lang="en-US" altLang="zh-CN" sz="1600" b="0" dirty="0">
-                <a:latin typeface="SimSun" panose="02010600030101010101" pitchFamily="2" charset="-122"/>
-                <a:ea typeface="SimSun" panose="02010600030101010101" pitchFamily="2" charset="-122"/>
-              </a:rPr>
-              <a:t>(['team', 33, 'user', 11</a:t>
-            </a:r>
-            <a:r>
-              <a:rPr lang="en-US" altLang="zh-CN" sz="1600" b="0" dirty="0" smtClean="0">
-                <a:latin typeface="SimSun" panose="02010600030101010101" pitchFamily="2" charset="-122"/>
-                <a:ea typeface="SimSun" panose="02010600030101010101" pitchFamily="2" charset="-122"/>
-              </a:rPr>
-              <a:t>]);</a:t>
-            </a:r>
-          </a:p>
-          <a:p>
-            <a:r>
-              <a:rPr lang="en-US" altLang="zh-CN" sz="1600" b="0" dirty="0" smtClean="0">
-                <a:latin typeface="SimSun" panose="02010600030101010101" pitchFamily="2" charset="-122"/>
-                <a:ea typeface="SimSun" panose="02010600030101010101" pitchFamily="2" charset="-122"/>
-              </a:rPr>
-              <a:t>    </a:t>
-            </a:r>
-            <a:r>
-              <a:rPr lang="en-US" altLang="zh-CN" sz="1600" b="0" dirty="0" err="1">
-                <a:latin typeface="SimSun" panose="02010600030101010101" pitchFamily="2" charset="-122"/>
-                <a:ea typeface="SimSun" panose="02010600030101010101" pitchFamily="2" charset="-122"/>
-              </a:rPr>
-              <a:t>router.navigate</a:t>
-            </a:r>
-            <a:r>
-              <a:rPr lang="en-US" altLang="zh-CN" sz="1600" b="0" dirty="0" smtClean="0">
-                <a:latin typeface="SimSun" panose="02010600030101010101" pitchFamily="2" charset="-122"/>
-                <a:ea typeface="SimSun" panose="02010600030101010101" pitchFamily="2" charset="-122"/>
-              </a:rPr>
-              <a:t>([‘team’, {‘</a:t>
-            </a:r>
-            <a:r>
-              <a:rPr lang="en-US" altLang="zh-CN" sz="1600" b="0" dirty="0" err="1" smtClean="0">
-                <a:latin typeface="SimSun" panose="02010600030101010101" pitchFamily="2" charset="-122"/>
-                <a:ea typeface="SimSun" panose="02010600030101010101" pitchFamily="2" charset="-122"/>
-              </a:rPr>
-              <a:t>teamId</a:t>
-            </a:r>
-            <a:r>
-              <a:rPr lang="en-US" altLang="zh-CN" sz="1600" b="0" dirty="0" smtClean="0">
-                <a:latin typeface="SimSun" panose="02010600030101010101" pitchFamily="2" charset="-122"/>
-                <a:ea typeface="SimSun" panose="02010600030101010101" pitchFamily="2" charset="-122"/>
-              </a:rPr>
-              <a:t>’: 33, 'user‘: 11});</a:t>
-            </a:r>
-            <a:endParaRPr lang="en-US" altLang="zh-CN" sz="1600" b="0" dirty="0">
-              <a:latin typeface="SimSun" panose="02010600030101010101" pitchFamily="2" charset="-122"/>
-              <a:ea typeface="SimSun" panose="02010600030101010101" pitchFamily="2" charset="-122"/>
-            </a:endParaRPr>
-          </a:p>
-          <a:p>
-            <a:endParaRPr lang="en-US" altLang="zh-CN" sz="1600" b="0" dirty="0">
-              <a:latin typeface="SimSun" panose="02010600030101010101" pitchFamily="2" charset="-122"/>
-              <a:ea typeface="SimSun" panose="02010600030101010101" pitchFamily="2" charset="-122"/>
-            </a:endParaRPr>
-          </a:p>
-          <a:p>
-            <a:endParaRPr lang="en-US" altLang="zh-CN" sz="1600" b="0" dirty="0">
-              <a:latin typeface="SimSun" panose="02010600030101010101" pitchFamily="2" charset="-122"/>
-              <a:ea typeface="SimSun" panose="02010600030101010101" pitchFamily="2" charset="-122"/>
-            </a:endParaRPr>
-          </a:p>
-          <a:p>
-            <a:endParaRPr lang="en-US" altLang="zh-CN" sz="1600" b="0" dirty="0" smtClean="0">
-              <a:latin typeface="SimSun" panose="02010600030101010101" pitchFamily="2" charset="-122"/>
-              <a:ea typeface="SimSun" panose="02010600030101010101" pitchFamily="2" charset="-122"/>
-            </a:endParaRPr>
-          </a:p>
-          <a:p>
-            <a:pPr marL="342900" indent="-342900">
-              <a:buFont typeface="+mj-lt"/>
-              <a:buAutoNum type="arabicPeriod"/>
-            </a:pPr>
-            <a:endParaRPr lang="en-US" altLang="zh-CN" sz="1600" b="0" dirty="0" smtClean="0">
-              <a:latin typeface="SimSun" panose="02010600030101010101" pitchFamily="2" charset="-122"/>
-              <a:ea typeface="SimSun" panose="02010600030101010101" pitchFamily="2" charset="-122"/>
-            </a:endParaRPr>
-          </a:p>
-          <a:p>
-            <a:pPr marL="342900" indent="-342900">
-              <a:buFont typeface="+mj-lt"/>
-              <a:buAutoNum type="arabicPeriod"/>
+            <a:pPr eaLnBrk="0" hangingPunct="0">
+              <a:defRPr/>
             </a:pPr>
             <a:endParaRPr lang="en-US" altLang="zh-CN" sz="1600" b="0" dirty="0">
               <a:latin typeface="SimSun" panose="02010600030101010101" pitchFamily="2" charset="-122"/>
@@ -17640,9 +16968,8 @@
             </a:endParaRPr>
           </a:p>
           <a:p>
-            <a:pPr marL="342900" indent="-342900">
-              <a:buFont typeface="+mj-lt"/>
-              <a:buAutoNum type="arabicPeriod"/>
+            <a:pPr eaLnBrk="0" hangingPunct="0">
+              <a:defRPr/>
             </a:pPr>
             <a:endParaRPr lang="en-US" altLang="zh-CN" sz="1600" b="0" dirty="0">
               <a:latin typeface="SimSun" panose="02010600030101010101" pitchFamily="2" charset="-122"/>
@@ -17650,43 +16977,253 @@
             </a:endParaRPr>
           </a:p>
           <a:p>
-            <a:endParaRPr lang="en-US" altLang="zh-CN" sz="1600" b="0" dirty="0">
+            <a:pPr eaLnBrk="0" hangingPunct="0">
+              <a:defRPr/>
+            </a:pPr>
+            <a:r>
+              <a:rPr lang="en-US" altLang="zh-CN" sz="1600" b="0" dirty="0">
+                <a:latin typeface="SimSun" panose="02010600030101010101" pitchFamily="2" charset="-122"/>
+                <a:ea typeface="SimSun" panose="02010600030101010101" pitchFamily="2" charset="-122"/>
+              </a:rPr>
+              <a:t>Angular4</a:t>
+            </a:r>
+            <a:r>
+              <a:rPr lang="zh-CN" altLang="en-US" sz="1600" b="0" dirty="0">
+                <a:latin typeface="SimSun" panose="02010600030101010101" pitchFamily="2" charset="-122"/>
+                <a:ea typeface="SimSun" panose="02010600030101010101" pitchFamily="2" charset="-122"/>
+              </a:rPr>
+              <a:t>同时支持</a:t>
+            </a:r>
+            <a:r>
+              <a:rPr lang="en-US" altLang="zh-CN" sz="1600" b="0" dirty="0" err="1">
+                <a:latin typeface="SimSun" panose="02010600030101010101" pitchFamily="2" charset="-122"/>
+                <a:ea typeface="SimSun" panose="02010600030101010101" pitchFamily="2" charset="-122"/>
+              </a:rPr>
+              <a:t>dom</a:t>
+            </a:r>
+            <a:r>
+              <a:rPr lang="zh-CN" altLang="en-US" sz="1600" b="0" dirty="0">
+                <a:latin typeface="SimSun" panose="02010600030101010101" pitchFamily="2" charset="-122"/>
+                <a:ea typeface="SimSun" panose="02010600030101010101" pitchFamily="2" charset="-122"/>
+              </a:rPr>
+              <a:t>直接获取，利用构造方法注入</a:t>
+            </a:r>
+            <a:r>
+              <a:rPr lang="en-US" altLang="zh-CN" sz="1600" b="0" dirty="0" err="1">
+                <a:latin typeface="SimSun" panose="02010600030101010101" pitchFamily="2" charset="-122"/>
+                <a:ea typeface="SimSun" panose="02010600030101010101" pitchFamily="2" charset="-122"/>
+              </a:rPr>
+              <a:t>ElementRef</a:t>
+            </a:r>
+            <a:r>
+              <a:rPr lang="zh-CN" altLang="en-US" sz="1600" b="0" dirty="0">
+                <a:latin typeface="SimSun" panose="02010600030101010101" pitchFamily="2" charset="-122"/>
+                <a:ea typeface="SimSun" panose="02010600030101010101" pitchFamily="2" charset="-122"/>
+              </a:rPr>
+              <a:t>，后使用</a:t>
+            </a:r>
+            <a:r>
+              <a:rPr lang="en-US" altLang="zh-CN" sz="1600" b="0" dirty="0" err="1">
+                <a:latin typeface="SimSun" panose="02010600030101010101" pitchFamily="2" charset="-122"/>
+                <a:ea typeface="SimSun" panose="02010600030101010101" pitchFamily="2" charset="-122"/>
+              </a:rPr>
+              <a:t>ElementRef</a:t>
+            </a:r>
+            <a:r>
+              <a:rPr lang="en-US" altLang="zh-CN" sz="1600" b="0" dirty="0">
+                <a:latin typeface="SimSun" panose="02010600030101010101" pitchFamily="2" charset="-122"/>
+                <a:ea typeface="SimSun" panose="02010600030101010101" pitchFamily="2" charset="-122"/>
+              </a:rPr>
+              <a:t> </a:t>
+            </a:r>
+            <a:r>
+              <a:rPr lang="zh-CN" altLang="en-US" sz="1600" b="0" dirty="0" smtClean="0">
+                <a:latin typeface="SimSun" panose="02010600030101010101" pitchFamily="2" charset="-122"/>
+                <a:ea typeface="SimSun" panose="02010600030101010101" pitchFamily="2" charset="-122"/>
+              </a:rPr>
+              <a:t>的</a:t>
+            </a:r>
+            <a:r>
+              <a:rPr lang="en-US" sz="1600" b="0" dirty="0" err="1" smtClean="0">
+                <a:latin typeface="SimSun" panose="02010600030101010101" pitchFamily="2" charset="-122"/>
+                <a:ea typeface="SimSun" panose="02010600030101010101" pitchFamily="2" charset="-122"/>
+              </a:rPr>
+              <a:t>nativeElement.querySelector</a:t>
+            </a:r>
+            <a:r>
+              <a:rPr lang="zh-CN" altLang="en-US" sz="1600" b="0" dirty="0" smtClean="0">
+                <a:latin typeface="SimSun" panose="02010600030101010101" pitchFamily="2" charset="-122"/>
+                <a:ea typeface="SimSun" panose="02010600030101010101" pitchFamily="2" charset="-122"/>
+              </a:rPr>
+              <a:t>（</a:t>
+            </a:r>
+            <a:r>
+              <a:rPr lang="zh-CN" altLang="en-US" sz="1600" b="0" dirty="0">
+                <a:latin typeface="SimSun" panose="02010600030101010101" pitchFamily="2" charset="-122"/>
+                <a:ea typeface="SimSun" panose="02010600030101010101" pitchFamily="2" charset="-122"/>
+              </a:rPr>
+              <a:t>类似</a:t>
+            </a:r>
+            <a:r>
+              <a:rPr lang="en-US" altLang="zh-CN" sz="1600" b="0" dirty="0" err="1">
+                <a:latin typeface="SimSun" panose="02010600030101010101" pitchFamily="2" charset="-122"/>
+                <a:ea typeface="SimSun" panose="02010600030101010101" pitchFamily="2" charset="-122"/>
+              </a:rPr>
+              <a:t>jquery</a:t>
+            </a:r>
+            <a:r>
+              <a:rPr lang="zh-CN" altLang="en-US" sz="1600" b="0" dirty="0">
+                <a:latin typeface="SimSun" panose="02010600030101010101" pitchFamily="2" charset="-122"/>
+                <a:ea typeface="SimSun" panose="02010600030101010101" pitchFamily="2" charset="-122"/>
+              </a:rPr>
+              <a:t>）来筛选要获取的</a:t>
+            </a:r>
+            <a:r>
+              <a:rPr lang="en-US" altLang="zh-CN" sz="1600" b="0" dirty="0" err="1">
+                <a:latin typeface="SimSun" panose="02010600030101010101" pitchFamily="2" charset="-122"/>
+                <a:ea typeface="SimSun" panose="02010600030101010101" pitchFamily="2" charset="-122"/>
+              </a:rPr>
+              <a:t>dom</a:t>
+            </a:r>
+            <a:r>
+              <a:rPr lang="zh-CN" altLang="en-US" sz="1600" b="0" dirty="0">
+                <a:latin typeface="SimSun" panose="02010600030101010101" pitchFamily="2" charset="-122"/>
+                <a:ea typeface="SimSun" panose="02010600030101010101" pitchFamily="2" charset="-122"/>
+              </a:rPr>
+              <a:t>，不过不推荐</a:t>
+            </a:r>
+            <a:r>
+              <a:rPr lang="zh-CN" altLang="en-US" sz="1600" b="0" dirty="0" smtClean="0">
+                <a:latin typeface="SimSun" panose="02010600030101010101" pitchFamily="2" charset="-122"/>
+                <a:ea typeface="SimSun" panose="02010600030101010101" pitchFamily="2" charset="-122"/>
+              </a:rPr>
+              <a:t>。</a:t>
+            </a:r>
+            <a:endParaRPr lang="en-US" sz="1600" b="0" dirty="0">
               <a:latin typeface="SimSun" panose="02010600030101010101" pitchFamily="2" charset="-122"/>
               <a:ea typeface="SimSun" panose="02010600030101010101" pitchFamily="2" charset="-122"/>
             </a:endParaRPr>
           </a:p>
           <a:p>
-            <a:endParaRPr lang="en-US" altLang="zh-CN" sz="1600" b="0" dirty="0">
+            <a:pPr eaLnBrk="0" hangingPunct="0">
+              <a:defRPr/>
+            </a:pPr>
+            <a:r>
+              <a:rPr lang="zh-CN" altLang="en-US" sz="1600" b="0" dirty="0" smtClean="0">
+                <a:latin typeface="SimSun" panose="02010600030101010101" pitchFamily="2" charset="-122"/>
+                <a:ea typeface="SimSun" panose="02010600030101010101" pitchFamily="2" charset="-122"/>
+              </a:rPr>
+              <a:t>同样在</a:t>
+            </a:r>
+            <a:r>
+              <a:rPr lang="en-US" altLang="zh-CN" sz="1600" b="0" dirty="0" smtClean="0">
+                <a:latin typeface="SimSun" panose="02010600030101010101" pitchFamily="2" charset="-122"/>
+                <a:ea typeface="SimSun" panose="02010600030101010101" pitchFamily="2" charset="-122"/>
+              </a:rPr>
+              <a:t>HTML</a:t>
+            </a:r>
+            <a:r>
+              <a:rPr lang="zh-CN" altLang="en-US" sz="1600" b="0" dirty="0" smtClean="0">
+                <a:latin typeface="SimSun" panose="02010600030101010101" pitchFamily="2" charset="-122"/>
+                <a:ea typeface="SimSun" panose="02010600030101010101" pitchFamily="2" charset="-122"/>
+              </a:rPr>
+              <a:t>控制</a:t>
+            </a:r>
+            <a:r>
+              <a:rPr lang="en-US" altLang="zh-CN" sz="1600" b="0" dirty="0" smtClean="0">
+                <a:latin typeface="SimSun" panose="02010600030101010101" pitchFamily="2" charset="-122"/>
+                <a:ea typeface="SimSun" panose="02010600030101010101" pitchFamily="2" charset="-122"/>
+              </a:rPr>
+              <a:t>DOM</a:t>
+            </a:r>
+            <a:r>
+              <a:rPr lang="zh-CN" altLang="en-US" sz="1600" b="0" dirty="0" smtClean="0">
+                <a:latin typeface="SimSun" panose="02010600030101010101" pitchFamily="2" charset="-122"/>
+                <a:ea typeface="SimSun" panose="02010600030101010101" pitchFamily="2" charset="-122"/>
+              </a:rPr>
+              <a:t>时尽量不要使用</a:t>
+            </a:r>
+            <a:r>
+              <a:rPr lang="en-US" altLang="zh-CN" sz="1600" b="0" dirty="0" smtClean="0">
+                <a:latin typeface="SimSun" panose="02010600030101010101" pitchFamily="2" charset="-122"/>
+                <a:ea typeface="SimSun" panose="02010600030101010101" pitchFamily="2" charset="-122"/>
+              </a:rPr>
+              <a:t>Element</a:t>
+            </a:r>
+            <a:r>
+              <a:rPr lang="zh-CN" altLang="en-US" sz="1600" b="0" dirty="0" smtClean="0">
+                <a:latin typeface="SimSun" panose="02010600030101010101" pitchFamily="2" charset="-122"/>
+                <a:ea typeface="SimSun" panose="02010600030101010101" pitchFamily="2" charset="-122"/>
+              </a:rPr>
+              <a:t>进行修改，</a:t>
+            </a:r>
+            <a:r>
+              <a:rPr lang="en-US" altLang="zh-CN" sz="1600" b="0" dirty="0" smtClean="0">
+                <a:latin typeface="SimSun" panose="02010600030101010101" pitchFamily="2" charset="-122"/>
+                <a:ea typeface="SimSun" panose="02010600030101010101" pitchFamily="2" charset="-122"/>
+              </a:rPr>
+              <a:t>angular</a:t>
+            </a:r>
+            <a:r>
+              <a:rPr lang="zh-CN" altLang="en-US" sz="1600" b="0" dirty="0" smtClean="0">
+                <a:latin typeface="SimSun" panose="02010600030101010101" pitchFamily="2" charset="-122"/>
+                <a:ea typeface="SimSun" panose="02010600030101010101" pitchFamily="2" charset="-122"/>
+              </a:rPr>
+              <a:t>提供了很多不同的标签进行</a:t>
+            </a:r>
+            <a:r>
+              <a:rPr lang="en-US" altLang="zh-CN" sz="1600" b="0" dirty="0" smtClean="0">
+                <a:latin typeface="SimSun" panose="02010600030101010101" pitchFamily="2" charset="-122"/>
+                <a:ea typeface="SimSun" panose="02010600030101010101" pitchFamily="2" charset="-122"/>
+              </a:rPr>
+              <a:t>HTML</a:t>
+            </a:r>
+            <a:r>
+              <a:rPr lang="zh-CN" altLang="en-US" sz="1600" b="0" dirty="0" smtClean="0">
+                <a:latin typeface="SimSun" panose="02010600030101010101" pitchFamily="2" charset="-122"/>
+                <a:ea typeface="SimSun" panose="02010600030101010101" pitchFamily="2" charset="-122"/>
+              </a:rPr>
+              <a:t>的</a:t>
+            </a:r>
+            <a:r>
+              <a:rPr lang="en-US" altLang="zh-CN" sz="1600" b="0" dirty="0" smtClean="0">
+                <a:latin typeface="SimSun" panose="02010600030101010101" pitchFamily="2" charset="-122"/>
+                <a:ea typeface="SimSun" panose="02010600030101010101" pitchFamily="2" charset="-122"/>
+              </a:rPr>
+              <a:t>DOM</a:t>
+            </a:r>
+            <a:r>
+              <a:rPr lang="zh-CN" altLang="en-US" sz="1600" b="0" dirty="0" smtClean="0">
+                <a:latin typeface="SimSun" panose="02010600030101010101" pitchFamily="2" charset="-122"/>
+                <a:ea typeface="SimSun" panose="02010600030101010101" pitchFamily="2" charset="-122"/>
+              </a:rPr>
+              <a:t>进行控制。</a:t>
+            </a:r>
+            <a:endParaRPr lang="en-US" sz="1600" b="0" dirty="0">
               <a:latin typeface="SimSun" panose="02010600030101010101" pitchFamily="2" charset="-122"/>
               <a:ea typeface="SimSun" panose="02010600030101010101" pitchFamily="2" charset="-122"/>
             </a:endParaRPr>
           </a:p>
           <a:p>
-            <a:endParaRPr lang="en-US" altLang="zh-CN" sz="1600" b="0" dirty="0">
+            <a:pPr algn="just" eaLnBrk="0" hangingPunct="0">
+              <a:spcBef>
+                <a:spcPct val="100000"/>
+              </a:spcBef>
+              <a:defRPr/>
+            </a:pPr>
+            <a:endParaRPr lang="en-US" sz="1600" b="0" dirty="0">
               <a:latin typeface="SimSun" panose="02010600030101010101" pitchFamily="2" charset="-122"/>
               <a:ea typeface="SimSun" panose="02010600030101010101" pitchFamily="2" charset="-122"/>
             </a:endParaRPr>
           </a:p>
           <a:p>
-            <a:endParaRPr lang="en-US" altLang="zh-CN" sz="1600" b="0" dirty="0">
-              <a:latin typeface="SimSun" panose="02010600030101010101" pitchFamily="2" charset="-122"/>
-              <a:ea typeface="SimSun" panose="02010600030101010101" pitchFamily="2" charset="-122"/>
-            </a:endParaRPr>
-          </a:p>
-          <a:p>
-            <a:endParaRPr lang="en-US" altLang="zh-CN" sz="1600" b="0" dirty="0">
-              <a:latin typeface="SimSun" panose="02010600030101010101" pitchFamily="2" charset="-122"/>
-              <a:ea typeface="SimSun" panose="02010600030101010101" pitchFamily="2" charset="-122"/>
-            </a:endParaRPr>
-          </a:p>
-          <a:p>
-            <a:endParaRPr lang="en-US" altLang="zh-CN" sz="1600" b="0" dirty="0">
-              <a:latin typeface="SimSun" panose="02010600030101010101" pitchFamily="2" charset="-122"/>
-              <a:ea typeface="SimSun" panose="02010600030101010101" pitchFamily="2" charset="-122"/>
-            </a:endParaRPr>
-          </a:p>
-          <a:p>
-            <a:endParaRPr lang="en-US" altLang="zh-CN" sz="1600" b="0" dirty="0">
+            <a:pPr algn="just" eaLnBrk="0" hangingPunct="0">
+              <a:spcBef>
+                <a:spcPct val="100000"/>
+              </a:spcBef>
+              <a:defRPr/>
+            </a:pPr>
+            <a:endParaRPr lang="en-US" sz="1600" b="0" dirty="0">
               <a:latin typeface="SimSun" panose="02010600030101010101" pitchFamily="2" charset="-122"/>
               <a:ea typeface="SimSun" panose="02010600030101010101" pitchFamily="2" charset="-122"/>
             </a:endParaRPr>
@@ -17778,77 +17315,10 @@
           </a:p>
         </p:txBody>
       </p:sp>
-      <p:sp>
-        <p:nvSpPr>
-          <p:cNvPr id="8" name="Rectangle 2"/>
-          <p:cNvSpPr txBox="1">
-            <a:spLocks noChangeArrowheads="1"/>
-          </p:cNvSpPr>
-          <p:nvPr/>
-        </p:nvSpPr>
-        <p:spPr bwMode="auto">
-          <a:xfrm>
-            <a:off x="461035" y="534399"/>
-            <a:ext cx="8205261" cy="785553"/>
-          </a:xfrm>
-          <a:prstGeom prst="rect">
-            <a:avLst/>
-          </a:prstGeom>
-        </p:spPr>
-        <p:txBody>
-          <a:bodyPr vert="horz" lIns="0" tIns="0" rIns="0" bIns="0" rtlCol="0" anchor="ctr" anchorCtr="0">
-            <a:normAutofit/>
-          </a:bodyPr>
-          <a:lstStyle>
-            <a:lvl1pPr algn="l" defTabSz="914400" rtl="0" eaLnBrk="1" latinLnBrk="0" hangingPunct="1">
-              <a:lnSpc>
-                <a:spcPts val="2600"/>
-              </a:lnSpc>
-              <a:spcBef>
-                <a:spcPct val="0"/>
-              </a:spcBef>
-              <a:buNone/>
-              <a:defRPr sz="2600" b="1" kern="1200">
-                <a:solidFill>
-                  <a:schemeClr val="tx1"/>
-                </a:solidFill>
-                <a:latin typeface="Arial" pitchFamily="34" charset="0"/>
-                <a:ea typeface="+mj-ea"/>
-                <a:cs typeface="Arial" pitchFamily="34" charset="0"/>
-              </a:defRPr>
-            </a:lvl1pPr>
-          </a:lstStyle>
-          <a:p>
-            <a:pPr fontAlgn="auto">
-              <a:spcAft>
-                <a:spcPts val="0"/>
-              </a:spcAft>
-            </a:pPr>
-            <a:r>
-              <a:rPr lang="en-US" altLang="zh-CN" sz="2800" dirty="0" smtClean="0">
-                <a:latin typeface="SimSun" panose="02010600030101010101" pitchFamily="2" charset="-122"/>
-                <a:ea typeface="SimSun" panose="02010600030101010101" pitchFamily="2" charset="-122"/>
-              </a:rPr>
-              <a:t>Router</a:t>
-            </a:r>
-            <a:r>
-              <a:rPr lang="zh-CN" altLang="en-US" sz="2800" dirty="0" smtClean="0">
-                <a:latin typeface="SimSun" panose="02010600030101010101" pitchFamily="2" charset="-122"/>
-                <a:ea typeface="SimSun" panose="02010600030101010101" pitchFamily="2" charset="-122"/>
-              </a:rPr>
-              <a:t>的传值</a:t>
-            </a:r>
-            <a:endParaRPr lang="en-US" altLang="zh-CN" sz="2800" dirty="0">
-              <a:latin typeface="SimSun" panose="02010600030101010101" pitchFamily="2" charset="-122"/>
-              <a:ea typeface="SimSun" panose="02010600030101010101" pitchFamily="2" charset="-122"/>
-            </a:endParaRPr>
-          </a:p>
-        </p:txBody>
-      </p:sp>
     </p:spTree>
     <p:extLst>
       <p:ext uri="{BB962C8B-B14F-4D97-AF65-F5344CB8AC3E}">
-        <p14:creationId xmlns:p14="http://schemas.microsoft.com/office/powerpoint/2010/main" val="169751449"/>
+        <p14:creationId xmlns:p14="http://schemas.microsoft.com/office/powerpoint/2010/main" val="557244586"/>
       </p:ext>
     </p:extLst>
   </p:cSld>
@@ -17911,311 +17381,43 @@
           <a:bodyPr/>
           <a:lstStyle/>
           <a:p>
-            <a:r>
-              <a:rPr lang="en-US" altLang="zh-CN" sz="1800" dirty="0" err="1">
-                <a:latin typeface="SimSun" panose="02010600030101010101" pitchFamily="2" charset="-122"/>
-                <a:ea typeface="SimSun" panose="02010600030101010101" pitchFamily="2" charset="-122"/>
-              </a:rPr>
-              <a:t>RouterActivate</a:t>
-            </a:r>
-            <a:endParaRPr lang="en-US" altLang="zh-CN" sz="1800" dirty="0">
-              <a:latin typeface="SimSun" panose="02010600030101010101" pitchFamily="2" charset="-122"/>
-              <a:ea typeface="SimSun" panose="02010600030101010101" pitchFamily="2" charset="-122"/>
-            </a:endParaRPr>
-          </a:p>
-          <a:p>
-            <a:r>
-              <a:rPr lang="zh-CN" altLang="en-US" sz="1600" b="0" dirty="0" smtClean="0">
-                <a:latin typeface="SimSun" panose="02010600030101010101" pitchFamily="2" charset="-122"/>
-                <a:ea typeface="SimSun" panose="02010600030101010101" pitchFamily="2" charset="-122"/>
-              </a:rPr>
-              <a:t>创建</a:t>
-            </a:r>
-            <a:r>
-              <a:rPr lang="en-US" altLang="zh-CN" sz="1600" b="0" dirty="0" smtClean="0">
-                <a:latin typeface="SimSun" panose="02010600030101010101" pitchFamily="2" charset="-122"/>
-                <a:ea typeface="SimSun" panose="02010600030101010101" pitchFamily="2" charset="-122"/>
-              </a:rPr>
-              <a:t>Router</a:t>
-            </a:r>
-            <a:r>
-              <a:rPr lang="zh-CN" altLang="en-US" sz="1600" b="0" dirty="0" smtClean="0">
-                <a:latin typeface="SimSun" panose="02010600030101010101" pitchFamily="2" charset="-122"/>
-                <a:ea typeface="SimSun" panose="02010600030101010101" pitchFamily="2" charset="-122"/>
-              </a:rPr>
-              <a:t>卫士必须实现</a:t>
-            </a:r>
-            <a:r>
-              <a:rPr lang="en-US" altLang="zh-CN" sz="1600" b="0" dirty="0" err="1">
-                <a:latin typeface="SimSun" panose="02010600030101010101" pitchFamily="2" charset="-122"/>
-                <a:ea typeface="SimSun" panose="02010600030101010101" pitchFamily="2" charset="-122"/>
-              </a:rPr>
-              <a:t>CanActivate</a:t>
-            </a:r>
-            <a:r>
-              <a:rPr lang="zh-CN" altLang="en-US" sz="1600" b="0" dirty="0" smtClean="0">
-                <a:latin typeface="SimSun" panose="02010600030101010101" pitchFamily="2" charset="-122"/>
-                <a:ea typeface="SimSun" panose="02010600030101010101" pitchFamily="2" charset="-122"/>
-              </a:rPr>
-              <a:t>接口的</a:t>
-            </a:r>
-            <a:r>
-              <a:rPr lang="en-US" altLang="zh-CN" sz="1600" b="0" dirty="0" err="1" smtClean="0">
-                <a:latin typeface="SimSun" panose="02010600030101010101" pitchFamily="2" charset="-122"/>
-                <a:ea typeface="SimSun" panose="02010600030101010101" pitchFamily="2" charset="-122"/>
-              </a:rPr>
-              <a:t>canActivate</a:t>
-            </a:r>
-            <a:r>
-              <a:rPr lang="zh-CN" altLang="en-US" sz="1600" b="0" dirty="0" smtClean="0">
-                <a:latin typeface="SimSun" panose="02010600030101010101" pitchFamily="2" charset="-122"/>
-                <a:ea typeface="SimSun" panose="02010600030101010101" pitchFamily="2" charset="-122"/>
-              </a:rPr>
-              <a:t>方法，方法返回值为</a:t>
-            </a:r>
-            <a:r>
-              <a:rPr lang="en-US" altLang="zh-CN" sz="1600" b="0" dirty="0" err="1" smtClean="0">
-                <a:latin typeface="SimSun" panose="02010600030101010101" pitchFamily="2" charset="-122"/>
-                <a:ea typeface="SimSun" panose="02010600030101010101" pitchFamily="2" charset="-122"/>
-              </a:rPr>
-              <a:t>boolean</a:t>
-            </a:r>
-            <a:r>
-              <a:rPr lang="zh-CN" altLang="en-US" sz="1600" b="0" dirty="0" smtClean="0">
-                <a:latin typeface="SimSun" panose="02010600030101010101" pitchFamily="2" charset="-122"/>
-                <a:ea typeface="SimSun" panose="02010600030101010101" pitchFamily="2" charset="-122"/>
-              </a:rPr>
-              <a:t>型，</a:t>
-            </a:r>
-            <a:r>
-              <a:rPr lang="en-US" altLang="zh-CN" sz="1600" b="0" dirty="0" smtClean="0">
-                <a:latin typeface="SimSun" panose="02010600030101010101" pitchFamily="2" charset="-122"/>
-                <a:ea typeface="SimSun" panose="02010600030101010101" pitchFamily="2" charset="-122"/>
-              </a:rPr>
-              <a:t>true</a:t>
-            </a:r>
-            <a:r>
-              <a:rPr lang="zh-CN" altLang="en-US" sz="1600" b="0" dirty="0" smtClean="0">
-                <a:latin typeface="SimSun" panose="02010600030101010101" pitchFamily="2" charset="-122"/>
-                <a:ea typeface="SimSun" panose="02010600030101010101" pitchFamily="2" charset="-122"/>
-              </a:rPr>
-              <a:t>时则导航继续执行。在选取</a:t>
-            </a:r>
-            <a:r>
-              <a:rPr lang="en-US" altLang="zh-CN" sz="1600" b="0" dirty="0" smtClean="0">
-                <a:latin typeface="SimSun" panose="02010600030101010101" pitchFamily="2" charset="-122"/>
-                <a:ea typeface="SimSun" panose="02010600030101010101" pitchFamily="2" charset="-122"/>
-              </a:rPr>
-              <a:t>Router</a:t>
-            </a:r>
-            <a:r>
-              <a:rPr lang="zh-CN" altLang="en-US" sz="1600" b="0" dirty="0" smtClean="0">
-                <a:latin typeface="SimSun" panose="02010600030101010101" pitchFamily="2" charset="-122"/>
-                <a:ea typeface="SimSun" panose="02010600030101010101" pitchFamily="2" charset="-122"/>
-              </a:rPr>
-              <a:t>卫士时可以根据需求进行配置</a:t>
-            </a:r>
-            <a:r>
-              <a:rPr lang="zh-CN" altLang="en-US" sz="1600" b="0" dirty="0">
-                <a:latin typeface="SimSun" panose="02010600030101010101" pitchFamily="2" charset="-122"/>
-                <a:ea typeface="SimSun" panose="02010600030101010101" pitchFamily="2" charset="-122"/>
-              </a:rPr>
-              <a:t>。</a:t>
-            </a:r>
-            <a:endParaRPr lang="en-US" altLang="zh-CN" sz="1600" b="0" dirty="0" smtClean="0">
-              <a:latin typeface="SimSun" panose="02010600030101010101" pitchFamily="2" charset="-122"/>
-              <a:ea typeface="SimSun" panose="02010600030101010101" pitchFamily="2" charset="-122"/>
-            </a:endParaRPr>
-          </a:p>
-          <a:p>
-            <a:endParaRPr lang="en-US" altLang="zh-CN" sz="1600" b="0" dirty="0" smtClean="0">
-              <a:latin typeface="SimSun" panose="02010600030101010101" pitchFamily="2" charset="-122"/>
-              <a:ea typeface="SimSun" panose="02010600030101010101" pitchFamily="2" charset="-122"/>
-            </a:endParaRPr>
-          </a:p>
-          <a:p>
-            <a:endParaRPr lang="en-US" altLang="zh-CN" sz="1600" b="0" dirty="0" smtClean="0">
-              <a:latin typeface="SimSun" panose="02010600030101010101" pitchFamily="2" charset="-122"/>
-              <a:ea typeface="SimSun" panose="02010600030101010101" pitchFamily="2" charset="-122"/>
-            </a:endParaRPr>
-          </a:p>
-          <a:p>
-            <a:r>
-              <a:rPr lang="zh-CN" altLang="en-US" sz="1600" b="0" dirty="0" smtClean="0">
-                <a:latin typeface="SimSun" panose="02010600030101010101" pitchFamily="2" charset="-122"/>
-                <a:ea typeface="SimSun" panose="02010600030101010101" pitchFamily="2" charset="-122"/>
-              </a:rPr>
-              <a:t>实现方法内有</a:t>
-            </a:r>
-            <a:r>
-              <a:rPr lang="en-US" altLang="zh-CN" sz="1600" b="0" dirty="0" smtClean="0">
-                <a:latin typeface="SimSun" panose="02010600030101010101" pitchFamily="2" charset="-122"/>
-                <a:ea typeface="SimSun" panose="02010600030101010101" pitchFamily="2" charset="-122"/>
-              </a:rPr>
-              <a:t>2</a:t>
-            </a:r>
-            <a:r>
-              <a:rPr lang="zh-CN" altLang="en-US" sz="1600" b="0" dirty="0" smtClean="0">
-                <a:latin typeface="SimSun" panose="02010600030101010101" pitchFamily="2" charset="-122"/>
-                <a:ea typeface="SimSun" panose="02010600030101010101" pitchFamily="2" charset="-122"/>
-              </a:rPr>
-              <a:t>个参数：</a:t>
-            </a:r>
-            <a:endParaRPr lang="en-US" altLang="zh-CN" sz="1600" b="0" dirty="0" smtClean="0">
-              <a:latin typeface="SimSun" panose="02010600030101010101" pitchFamily="2" charset="-122"/>
-              <a:ea typeface="SimSun" panose="02010600030101010101" pitchFamily="2" charset="-122"/>
-            </a:endParaRPr>
-          </a:p>
-          <a:p>
-            <a:r>
-              <a:rPr lang="en-US" altLang="zh-CN" sz="1600" b="0" dirty="0">
-                <a:latin typeface="SimSun" panose="02010600030101010101" pitchFamily="2" charset="-122"/>
-                <a:ea typeface="SimSun" panose="02010600030101010101" pitchFamily="2" charset="-122"/>
-              </a:rPr>
-              <a:t>route: </a:t>
-            </a:r>
-            <a:r>
-              <a:rPr lang="en-US" altLang="zh-CN" sz="1600" b="0" dirty="0" err="1" smtClean="0">
-                <a:latin typeface="SimSun" panose="02010600030101010101" pitchFamily="2" charset="-122"/>
-                <a:ea typeface="SimSun" panose="02010600030101010101" pitchFamily="2" charset="-122"/>
-              </a:rPr>
-              <a:t>ActivatedRouteSnapshot</a:t>
-            </a:r>
-            <a:r>
-              <a:rPr lang="en-US" altLang="zh-CN" sz="1600" b="0" dirty="0">
-                <a:latin typeface="SimSun" panose="02010600030101010101" pitchFamily="2" charset="-122"/>
-                <a:ea typeface="SimSun" panose="02010600030101010101" pitchFamily="2" charset="-122"/>
-              </a:rPr>
-              <a:t> </a:t>
-            </a:r>
-            <a:r>
-              <a:rPr lang="en-US" altLang="zh-CN" sz="1600" b="0" dirty="0" smtClean="0">
-                <a:latin typeface="SimSun" panose="02010600030101010101" pitchFamily="2" charset="-122"/>
-                <a:ea typeface="SimSun" panose="02010600030101010101" pitchFamily="2" charset="-122"/>
-              </a:rPr>
-              <a:t>   //</a:t>
-            </a:r>
-            <a:r>
-              <a:rPr lang="zh-CN" altLang="en-US" sz="1600" b="0" dirty="0">
-                <a:latin typeface="SimSun" panose="02010600030101010101" pitchFamily="2" charset="-122"/>
-                <a:ea typeface="SimSun" panose="02010600030101010101" pitchFamily="2" charset="-122"/>
-              </a:rPr>
-              <a:t>包含了即将被激活的路</a:t>
-            </a:r>
-            <a:r>
-              <a:rPr lang="zh-CN" altLang="en-US" sz="1600" b="0" dirty="0" smtClean="0">
-                <a:latin typeface="SimSun" panose="02010600030101010101" pitchFamily="2" charset="-122"/>
-                <a:ea typeface="SimSun" panose="02010600030101010101" pitchFamily="2" charset="-122"/>
-              </a:rPr>
-              <a:t>由。</a:t>
-            </a:r>
-            <a:endParaRPr lang="en-US" altLang="zh-CN" sz="1600" b="0" dirty="0" smtClean="0">
-              <a:latin typeface="SimSun" panose="02010600030101010101" pitchFamily="2" charset="-122"/>
-              <a:ea typeface="SimSun" panose="02010600030101010101" pitchFamily="2" charset="-122"/>
-            </a:endParaRPr>
-          </a:p>
-          <a:p>
-            <a:r>
-              <a:rPr lang="en-US" altLang="zh-CN" sz="1600" b="0" dirty="0">
-                <a:latin typeface="SimSun" panose="02010600030101010101" pitchFamily="2" charset="-122"/>
-                <a:ea typeface="SimSun" panose="02010600030101010101" pitchFamily="2" charset="-122"/>
-              </a:rPr>
-              <a:t>state: </a:t>
-            </a:r>
-            <a:r>
-              <a:rPr lang="en-US" altLang="zh-CN" sz="1600" b="0" dirty="0" err="1" smtClean="0">
-                <a:latin typeface="SimSun" panose="02010600030101010101" pitchFamily="2" charset="-122"/>
-                <a:ea typeface="SimSun" panose="02010600030101010101" pitchFamily="2" charset="-122"/>
-              </a:rPr>
-              <a:t>RouterStateSnapshot</a:t>
-            </a:r>
-            <a:r>
-              <a:rPr lang="en-US" altLang="zh-CN" sz="1600" b="0" dirty="0">
-                <a:latin typeface="SimSun" panose="02010600030101010101" pitchFamily="2" charset="-122"/>
-                <a:ea typeface="SimSun" panose="02010600030101010101" pitchFamily="2" charset="-122"/>
-              </a:rPr>
-              <a:t>       //</a:t>
-            </a:r>
-            <a:r>
-              <a:rPr lang="zh-CN" altLang="en-US" sz="1600" b="0" dirty="0">
-                <a:latin typeface="SimSun" panose="02010600030101010101" pitchFamily="2" charset="-122"/>
-                <a:ea typeface="SimSun" panose="02010600030101010101" pitchFamily="2" charset="-122"/>
-              </a:rPr>
-              <a:t>包含了该应用即将到达的状态。</a:t>
-            </a:r>
             <a:endParaRPr lang="en-US" altLang="zh-CN" sz="1600" b="0" dirty="0">
               <a:latin typeface="SimSun" panose="02010600030101010101" pitchFamily="2" charset="-122"/>
               <a:ea typeface="SimSun" panose="02010600030101010101" pitchFamily="2" charset="-122"/>
             </a:endParaRPr>
           </a:p>
           <a:p>
-            <a:endParaRPr lang="en-US" altLang="zh-CN" sz="1600" b="0" dirty="0" smtClean="0">
-              <a:latin typeface="SimSun" panose="02010600030101010101" pitchFamily="2" charset="-122"/>
-              <a:ea typeface="SimSun" panose="02010600030101010101" pitchFamily="2" charset="-122"/>
-            </a:endParaRPr>
-          </a:p>
-          <a:p>
-            <a:endParaRPr lang="en-US" altLang="zh-CN" sz="1600" b="0" dirty="0" smtClean="0">
-              <a:latin typeface="SimSun" panose="02010600030101010101" pitchFamily="2" charset="-122"/>
-              <a:ea typeface="SimSun" panose="02010600030101010101" pitchFamily="2" charset="-122"/>
-            </a:endParaRPr>
-          </a:p>
-          <a:p>
-            <a:r>
-              <a:rPr lang="zh-CN" altLang="en-US" sz="1600" b="0" dirty="0" smtClean="0">
-                <a:latin typeface="SimSun" panose="02010600030101010101" pitchFamily="2" charset="-122"/>
-                <a:ea typeface="SimSun" panose="02010600030101010101" pitchFamily="2" charset="-122"/>
-              </a:rPr>
-              <a:t>实现后需要使用</a:t>
-            </a:r>
-            <a:r>
-              <a:rPr lang="en-US" altLang="zh-CN" sz="1600" b="0" dirty="0">
-                <a:latin typeface="SimSun" panose="02010600030101010101" pitchFamily="2" charset="-122"/>
-                <a:ea typeface="SimSun" panose="02010600030101010101" pitchFamily="2" charset="-122"/>
-              </a:rPr>
-              <a:t>@</a:t>
-            </a:r>
-            <a:r>
-              <a:rPr lang="en-US" altLang="zh-CN" sz="1600" b="0" dirty="0" smtClean="0">
-                <a:latin typeface="SimSun" panose="02010600030101010101" pitchFamily="2" charset="-122"/>
-                <a:ea typeface="SimSun" panose="02010600030101010101" pitchFamily="2" charset="-122"/>
-              </a:rPr>
-              <a:t>Injectable</a:t>
-            </a:r>
-            <a:r>
-              <a:rPr lang="zh-CN" altLang="en-US" sz="1600" b="0" dirty="0" smtClean="0">
-                <a:latin typeface="SimSun" panose="02010600030101010101" pitchFamily="2" charset="-122"/>
-                <a:ea typeface="SimSun" panose="02010600030101010101" pitchFamily="2" charset="-122"/>
-              </a:rPr>
-              <a:t>进行注入。并在模块的</a:t>
-            </a:r>
-            <a:r>
-              <a:rPr lang="en-US" altLang="zh-CN" sz="1600" b="0" dirty="0" smtClean="0">
-                <a:latin typeface="SimSun" panose="02010600030101010101" pitchFamily="2" charset="-122"/>
-                <a:ea typeface="SimSun" panose="02010600030101010101" pitchFamily="2" charset="-122"/>
-              </a:rPr>
-              <a:t>providers</a:t>
-            </a:r>
-            <a:r>
-              <a:rPr lang="zh-CN" altLang="en-US" sz="1600" b="0" dirty="0" smtClean="0">
-                <a:latin typeface="SimSun" panose="02010600030101010101" pitchFamily="2" charset="-122"/>
-                <a:ea typeface="SimSun" panose="02010600030101010101" pitchFamily="2" charset="-122"/>
-              </a:rPr>
-              <a:t>内定义。</a:t>
-            </a:r>
-            <a:endParaRPr lang="en-US" altLang="zh-CN" sz="1600" b="0" dirty="0" smtClean="0">
-              <a:latin typeface="SimSun" panose="02010600030101010101" pitchFamily="2" charset="-122"/>
-              <a:ea typeface="SimSun" panose="02010600030101010101" pitchFamily="2" charset="-122"/>
-            </a:endParaRPr>
-          </a:p>
-          <a:p>
             <a:endParaRPr lang="en-US" altLang="zh-CN" sz="1600" b="0" dirty="0">
               <a:latin typeface="SimSun" panose="02010600030101010101" pitchFamily="2" charset="-122"/>
               <a:ea typeface="SimSun" panose="02010600030101010101" pitchFamily="2" charset="-122"/>
             </a:endParaRPr>
           </a:p>
           <a:p>
-            <a:endParaRPr lang="en-US" altLang="zh-CN" sz="1600" b="0" dirty="0" smtClean="0">
+            <a:endParaRPr lang="en-US" altLang="zh-CN" sz="1600" b="0" dirty="0">
+              <a:latin typeface="SimSun" panose="02010600030101010101" pitchFamily="2" charset="-122"/>
+              <a:ea typeface="SimSun" panose="02010600030101010101" pitchFamily="2" charset="-122"/>
+            </a:endParaRPr>
+          </a:p>
+          <a:p>
+            <a:endParaRPr lang="en-US" altLang="zh-CN" sz="1600" b="0" dirty="0">
+              <a:latin typeface="SimSun" panose="02010600030101010101" pitchFamily="2" charset="-122"/>
+              <a:ea typeface="SimSun" panose="02010600030101010101" pitchFamily="2" charset="-122"/>
+            </a:endParaRPr>
+          </a:p>
+          <a:p>
+            <a:endParaRPr lang="en-US" altLang="zh-CN" sz="1600" b="0" dirty="0">
+              <a:latin typeface="SimSun" panose="02010600030101010101" pitchFamily="2" charset="-122"/>
+              <a:ea typeface="SimSun" panose="02010600030101010101" pitchFamily="2" charset="-122"/>
+            </a:endParaRPr>
+          </a:p>
+          <a:p>
+            <a:endParaRPr lang="en-US" altLang="zh-CN" sz="1600" b="0" dirty="0">
+              <a:latin typeface="SimSun" panose="02010600030101010101" pitchFamily="2" charset="-122"/>
+              <a:ea typeface="SimSun" panose="02010600030101010101" pitchFamily="2" charset="-122"/>
+            </a:endParaRPr>
+          </a:p>
+          <a:p>
+            <a:endParaRPr lang="en-US" altLang="zh-CN" sz="1600" b="0" dirty="0">
               <a:latin typeface="SimSun" panose="02010600030101010101" pitchFamily="2" charset="-122"/>
               <a:ea typeface="SimSun" panose="02010600030101010101" pitchFamily="2" charset="-122"/>
             </a:endParaRPr>
@@ -18360,266 +17562,6 @@
               </a:spcAft>
             </a:pPr>
             <a:r>
-              <a:rPr lang="en-US" altLang="zh-CN" sz="2800" dirty="0" smtClean="0">
-                <a:latin typeface="SimSun" panose="02010600030101010101" pitchFamily="2" charset="-122"/>
-                <a:ea typeface="SimSun" panose="02010600030101010101" pitchFamily="2" charset="-122"/>
-              </a:rPr>
-              <a:t>Router</a:t>
-            </a:r>
-            <a:r>
-              <a:rPr lang="zh-CN" altLang="en-US" sz="2800" dirty="0">
-                <a:latin typeface="SimSun" panose="02010600030101010101" pitchFamily="2" charset="-122"/>
-                <a:ea typeface="SimSun" panose="02010600030101010101" pitchFamily="2" charset="-122"/>
-              </a:rPr>
-              <a:t>卫士</a:t>
-            </a:r>
-            <a:endParaRPr lang="en-US" altLang="zh-CN" sz="2800" dirty="0">
-              <a:latin typeface="SimSun" panose="02010600030101010101" pitchFamily="2" charset="-122"/>
-              <a:ea typeface="SimSun" panose="02010600030101010101" pitchFamily="2" charset="-122"/>
-            </a:endParaRPr>
-          </a:p>
-        </p:txBody>
-      </p:sp>
-    </p:spTree>
-    <p:extLst>
-      <p:ext uri="{BB962C8B-B14F-4D97-AF65-F5344CB8AC3E}">
-        <p14:creationId xmlns:p14="http://schemas.microsoft.com/office/powerpoint/2010/main" val="1361950797"/>
-      </p:ext>
-    </p:extLst>
-  </p:cSld>
-  <p:clrMapOvr>
-    <a:masterClrMapping/>
-  </p:clrMapOvr>
-  <p:transition/>
-</p:sld>
-</file>
-
-<file path=ppt/slides/slide9.xml><?xml version="1.0" encoding="utf-8"?>
-<p:sld xmlns:a="http://schemas.openxmlformats.org/drawingml/2006/main" xmlns:r="http://schemas.openxmlformats.org/officeDocument/2006/relationships" xmlns:p="http://schemas.openxmlformats.org/presentationml/2006/main">
-  <p:cSld>
-    <p:spTree>
-      <p:nvGrpSpPr>
-        <p:cNvPr id="1" name=""/>
-        <p:cNvGrpSpPr/>
-        <p:nvPr/>
-      </p:nvGrpSpPr>
-      <p:grpSpPr>
-        <a:xfrm>
-          <a:off x="0" y="0"/>
-          <a:ext cx="0" cy="0"/>
-          <a:chOff x="0" y="0"/>
-          <a:chExt cx="0" cy="0"/>
-        </a:xfrm>
-      </p:grpSpPr>
-      <p:sp>
-        <p:nvSpPr>
-          <p:cNvPr id="5123" name="Rectangle 3"/>
-          <p:cNvSpPr txBox="1">
-            <a:spLocks noChangeArrowheads="1"/>
-          </p:cNvSpPr>
-          <p:nvPr/>
-        </p:nvSpPr>
-        <p:spPr bwMode="auto">
-          <a:xfrm>
-            <a:off x="495300" y="1422878"/>
-            <a:ext cx="8185798" cy="5341938"/>
-          </a:xfrm>
-          <a:prstGeom prst="rect">
-            <a:avLst/>
-          </a:prstGeom>
-          <a:noFill/>
-          <a:ln w="9525">
-            <a:noFill/>
-            <a:miter lim="800000"/>
-            <a:headEnd/>
-            <a:tailEnd/>
-          </a:ln>
-        </p:spPr>
-        <p:txBody>
-          <a:bodyPr/>
-          <a:lstStyle/>
-          <a:p>
-            <a:endParaRPr lang="en-US" altLang="zh-CN" sz="1600" b="0" dirty="0">
-              <a:latin typeface="SimSun" panose="02010600030101010101" pitchFamily="2" charset="-122"/>
-              <a:ea typeface="SimSun" panose="02010600030101010101" pitchFamily="2" charset="-122"/>
-            </a:endParaRPr>
-          </a:p>
-          <a:p>
-            <a:endParaRPr lang="en-US" altLang="zh-CN" sz="1600" b="0" dirty="0">
-              <a:latin typeface="SimSun" panose="02010600030101010101" pitchFamily="2" charset="-122"/>
-              <a:ea typeface="SimSun" panose="02010600030101010101" pitchFamily="2" charset="-122"/>
-            </a:endParaRPr>
-          </a:p>
-          <a:p>
-            <a:endParaRPr lang="en-US" altLang="zh-CN" sz="1600" b="0" dirty="0">
-              <a:latin typeface="SimSun" panose="02010600030101010101" pitchFamily="2" charset="-122"/>
-              <a:ea typeface="SimSun" panose="02010600030101010101" pitchFamily="2" charset="-122"/>
-            </a:endParaRPr>
-          </a:p>
-          <a:p>
-            <a:endParaRPr lang="en-US" altLang="zh-CN" sz="1600" b="0" dirty="0">
-              <a:latin typeface="SimSun" panose="02010600030101010101" pitchFamily="2" charset="-122"/>
-              <a:ea typeface="SimSun" panose="02010600030101010101" pitchFamily="2" charset="-122"/>
-            </a:endParaRPr>
-          </a:p>
-          <a:p>
-            <a:endParaRPr lang="en-US" altLang="zh-CN" sz="1600" b="0" dirty="0">
-              <a:latin typeface="SimSun" panose="02010600030101010101" pitchFamily="2" charset="-122"/>
-              <a:ea typeface="SimSun" panose="02010600030101010101" pitchFamily="2" charset="-122"/>
-            </a:endParaRPr>
-          </a:p>
-          <a:p>
-            <a:endParaRPr lang="en-US" altLang="zh-CN" sz="1600" b="0" dirty="0">
-              <a:latin typeface="SimSun" panose="02010600030101010101" pitchFamily="2" charset="-122"/>
-              <a:ea typeface="SimSun" panose="02010600030101010101" pitchFamily="2" charset="-122"/>
-            </a:endParaRPr>
-          </a:p>
-          <a:p>
-            <a:endParaRPr lang="en-US" altLang="zh-CN" sz="1600" b="0" dirty="0">
-              <a:latin typeface="SimSun" panose="02010600030101010101" pitchFamily="2" charset="-122"/>
-              <a:ea typeface="SimSun" panose="02010600030101010101" pitchFamily="2" charset="-122"/>
-            </a:endParaRPr>
-          </a:p>
-          <a:p>
-            <a:endParaRPr lang="en-US" altLang="zh-CN" sz="1600" b="0" dirty="0">
-              <a:latin typeface="SimSun" panose="02010600030101010101" pitchFamily="2" charset="-122"/>
-              <a:ea typeface="SimSun" panose="02010600030101010101" pitchFamily="2" charset="-122"/>
-            </a:endParaRPr>
-          </a:p>
-        </p:txBody>
-      </p:sp>
-      <p:sp>
-        <p:nvSpPr>
-          <p:cNvPr id="4" name="TextBox 3"/>
-          <p:cNvSpPr txBox="1"/>
-          <p:nvPr/>
-        </p:nvSpPr>
-        <p:spPr>
-          <a:xfrm>
-            <a:off x="267494" y="6570473"/>
-            <a:ext cx="3180355" cy="230832"/>
-          </a:xfrm>
-          <a:prstGeom prst="rect">
-            <a:avLst/>
-          </a:prstGeom>
-          <a:noFill/>
-        </p:spPr>
-        <p:txBody>
-          <a:bodyPr wrap="square" lIns="0">
-            <a:spAutoFit/>
-          </a:bodyPr>
-          <a:lstStyle/>
-          <a:p>
-            <a:pPr algn="ctr">
-              <a:defRPr/>
-            </a:pPr>
-            <a:r>
-              <a:rPr lang="en-US" sz="900" dirty="0">
-                <a:solidFill>
-                  <a:srgbClr val="7F7F7F"/>
-                </a:solidFill>
-                <a:latin typeface="SimSun" panose="02010600030101010101" pitchFamily="2" charset="-122"/>
-                <a:ea typeface="SimSun" panose="02010600030101010101" pitchFamily="2" charset="-122"/>
-                <a:cs typeface="Arial" pitchFamily="34" charset="0"/>
-              </a:rPr>
-              <a:t>Copyright © 2014 Accenture  All rights reserved.</a:t>
-            </a:r>
-          </a:p>
-        </p:txBody>
-      </p:sp>
-      <p:sp>
-        <p:nvSpPr>
-          <p:cNvPr id="5" name="TextBox 4"/>
-          <p:cNvSpPr txBox="1"/>
-          <p:nvPr/>
-        </p:nvSpPr>
-        <p:spPr>
-          <a:xfrm>
-            <a:off x="8144698" y="6562940"/>
-            <a:ext cx="536400" cy="244800"/>
-          </a:xfrm>
-          <a:prstGeom prst="rect">
-            <a:avLst/>
-          </a:prstGeom>
-          <a:noFill/>
-        </p:spPr>
-        <p:txBody>
-          <a:bodyPr wrap="square" lIns="0" tIns="0" rIns="0" bIns="0" rtlCol="0" anchor="ctr" anchorCtr="0">
-            <a:noAutofit/>
-          </a:bodyPr>
-          <a:lstStyle/>
-          <a:p>
-            <a:pPr algn="r"/>
-            <a:fld id="{597A8DCA-8F96-49CD-B4D5-7AC92F955860}" type="slidenum">
-              <a:rPr lang="en-CA" sz="900" smtClean="0">
-                <a:solidFill>
-                  <a:srgbClr val="7F7F7F"/>
-                </a:solidFill>
-                <a:latin typeface="SimSun" panose="02010600030101010101" pitchFamily="2" charset="-122"/>
-                <a:ea typeface="SimSun" panose="02010600030101010101" pitchFamily="2" charset="-122"/>
-                <a:cs typeface="Arial" pitchFamily="34" charset="0"/>
-              </a:rPr>
-              <a:pPr algn="r"/>
-              <a:t>8</a:t>
-            </a:fld>
-            <a:endParaRPr lang="en-CA" sz="900" dirty="0">
-              <a:solidFill>
-                <a:srgbClr val="7F7F7F"/>
-              </a:solidFill>
-              <a:latin typeface="SimSun" panose="02010600030101010101" pitchFamily="2" charset="-122"/>
-              <a:ea typeface="SimSun" panose="02010600030101010101" pitchFamily="2" charset="-122"/>
-              <a:cs typeface="Arial" pitchFamily="34" charset="0"/>
-            </a:endParaRPr>
-          </a:p>
-        </p:txBody>
-      </p:sp>
-      <p:sp>
-        <p:nvSpPr>
-          <p:cNvPr id="8" name="Rectangle 2"/>
-          <p:cNvSpPr txBox="1">
-            <a:spLocks noChangeArrowheads="1"/>
-          </p:cNvSpPr>
-          <p:nvPr/>
-        </p:nvSpPr>
-        <p:spPr bwMode="auto">
-          <a:xfrm>
-            <a:off x="461035" y="534399"/>
-            <a:ext cx="8205261" cy="785553"/>
-          </a:xfrm>
-          <a:prstGeom prst="rect">
-            <a:avLst/>
-          </a:prstGeom>
-        </p:spPr>
-        <p:txBody>
-          <a:bodyPr vert="horz" lIns="0" tIns="0" rIns="0" bIns="0" rtlCol="0" anchor="ctr" anchorCtr="0">
-            <a:normAutofit/>
-          </a:bodyPr>
-          <a:lstStyle>
-            <a:lvl1pPr algn="l" defTabSz="914400" rtl="0" eaLnBrk="1" latinLnBrk="0" hangingPunct="1">
-              <a:lnSpc>
-                <a:spcPts val="2600"/>
-              </a:lnSpc>
-              <a:spcBef>
-                <a:spcPct val="0"/>
-              </a:spcBef>
-              <a:buNone/>
-              <a:defRPr sz="2600" b="1" kern="1200">
-                <a:solidFill>
-                  <a:schemeClr val="tx1"/>
-                </a:solidFill>
-                <a:latin typeface="Arial" pitchFamily="34" charset="0"/>
-                <a:ea typeface="+mj-ea"/>
-                <a:cs typeface="Arial" pitchFamily="34" charset="0"/>
-              </a:defRPr>
-            </a:lvl1pPr>
-          </a:lstStyle>
-          <a:p>
-            <a:pPr fontAlgn="auto">
-              <a:spcAft>
-                <a:spcPts val="0"/>
-              </a:spcAft>
-            </a:pPr>
-            <a:r>
               <a:rPr lang="zh-CN" altLang="en-US" sz="2800" dirty="0" smtClean="0">
                 <a:latin typeface="SimSun" panose="02010600030101010101" pitchFamily="2" charset="-122"/>
                 <a:ea typeface="SimSun" panose="02010600030101010101" pitchFamily="2" charset="-122"/>
@@ -18642,7 +17584,7 @@
           <p:nvPr>
             <p:extLst>
               <p:ext uri="{D42A27DB-BD31-4B8C-83A1-F6EECF244321}">
-                <p14:modId xmlns:p14="http://schemas.microsoft.com/office/powerpoint/2010/main" val="2960892036"/>
+                <p14:modId xmlns:p14="http://schemas.microsoft.com/office/powerpoint/2010/main" val="2268036742"/>
               </p:ext>
             </p:extLst>
           </p:nvPr>
@@ -18661,21 +17603,21 @@
                 <a:gridCol w="2187788">
                   <a:extLst>
                     <a:ext uri="{9D8B030D-6E8A-4147-A177-3AD203B41FA5}">
-                      <a16:colId xmlns="" xmlns:a16="http://schemas.microsoft.com/office/drawing/2014/main" val="1427776139"/>
+                      <a16:colId xmlns:a16="http://schemas.microsoft.com/office/drawing/2014/main" xmlns="" val="1427776139"/>
                     </a:ext>
                   </a:extLst>
                 </a:gridCol>
                 <a:gridCol w="2562274">
                   <a:extLst>
                     <a:ext uri="{9D8B030D-6E8A-4147-A177-3AD203B41FA5}">
-                      <a16:colId xmlns="" xmlns:a16="http://schemas.microsoft.com/office/drawing/2014/main" val="3370170297"/>
+                      <a16:colId xmlns:a16="http://schemas.microsoft.com/office/drawing/2014/main" xmlns="" val="3370170297"/>
                     </a:ext>
                   </a:extLst>
                 </a:gridCol>
                 <a:gridCol w="3687098">
                   <a:extLst>
                     <a:ext uri="{9D8B030D-6E8A-4147-A177-3AD203B41FA5}">
-                      <a16:colId xmlns="" xmlns:a16="http://schemas.microsoft.com/office/drawing/2014/main" val="784783711"/>
+                      <a16:colId xmlns:a16="http://schemas.microsoft.com/office/drawing/2014/main" xmlns="" val="784783711"/>
                     </a:ext>
                   </a:extLst>
                 </a:gridCol>
@@ -18746,7 +17688,7 @@
                 </a:tc>
                 <a:extLst>
                   <a:ext uri="{0D108BD9-81ED-4DB2-BD59-A6C34878D82A}">
-                    <a16:rowId xmlns="" xmlns:a16="http://schemas.microsoft.com/office/drawing/2014/main" val="2469836323"/>
+                    <a16:rowId xmlns:a16="http://schemas.microsoft.com/office/drawing/2014/main" xmlns="" val="2469836323"/>
                   </a:ext>
                 </a:extLst>
               </a:tr>
@@ -18762,21 +17704,7 @@
                           <a:latin typeface="SimSun" panose="02010600030101010101" pitchFamily="2" charset="-122"/>
                           <a:ea typeface="SimSun" panose="02010600030101010101" pitchFamily="2" charset="-122"/>
                         </a:rPr>
-                        <a:t>创建</a:t>
-                      </a:r>
-                      <a:r>
-                        <a:rPr lang="en-US" altLang="zh-CN" sz="1400" b="0" dirty="0" smtClean="0">
-                          <a:latin typeface="SimSun" panose="02010600030101010101" pitchFamily="2" charset="-122"/>
-                          <a:ea typeface="SimSun" panose="02010600030101010101" pitchFamily="2" charset="-122"/>
-                        </a:rPr>
-                        <a:t>3</a:t>
-                      </a:r>
-                      <a:r>
-                        <a:rPr lang="zh-CN" altLang="en-US" sz="1400" b="0" dirty="0" smtClean="0">
-                          <a:latin typeface="SimSun" panose="02010600030101010101" pitchFamily="2" charset="-122"/>
-                          <a:ea typeface="SimSun" panose="02010600030101010101" pitchFamily="2" charset="-122"/>
-                        </a:rPr>
-                        <a:t>个简单的画面并进行迁移</a:t>
+                        <a:t>创建版式驱动表单</a:t>
                       </a:r>
                       <a:endParaRPr lang="en-US" sz="1400" b="0" dirty="0">
                         <a:latin typeface="SimSun" panose="02010600030101010101" pitchFamily="2" charset="-122"/>
@@ -18797,35 +17725,21 @@
                           <a:latin typeface="SimSun" panose="02010600030101010101" pitchFamily="2" charset="-122"/>
                           <a:ea typeface="SimSun" panose="02010600030101010101" pitchFamily="2" charset="-122"/>
                         </a:rPr>
-                        <a:t>添加</a:t>
+                        <a:t>添加必须，最大值，最小值</a:t>
                       </a:r>
                       <a:r>
                         <a:rPr lang="en-US" altLang="zh-CN" sz="1400" b="0" dirty="0" smtClean="0">
                           <a:latin typeface="SimSun" panose="02010600030101010101" pitchFamily="2" charset="-122"/>
                           <a:ea typeface="SimSun" panose="02010600030101010101" pitchFamily="2" charset="-122"/>
                         </a:rPr>
-                        <a:t>3</a:t>
+                        <a:t>check</a:t>
                       </a:r>
                       <a:r>
                         <a:rPr lang="zh-CN" altLang="en-US" sz="1400" b="0" dirty="0" smtClean="0">
                           <a:latin typeface="SimSun" panose="02010600030101010101" pitchFamily="2" charset="-122"/>
                           <a:ea typeface="SimSun" panose="02010600030101010101" pitchFamily="2" charset="-122"/>
                         </a:rPr>
-                        <a:t>个画面，一个一览画面，详细画面，</a:t>
-                      </a:r>
-                      <a:r>
-                        <a:rPr lang="en-US" altLang="zh-CN" sz="1400" b="0" dirty="0" smtClean="0">
-                          <a:latin typeface="SimSun" panose="02010600030101010101" pitchFamily="2" charset="-122"/>
-                          <a:ea typeface="SimSun" panose="02010600030101010101" pitchFamily="2" charset="-122"/>
-                        </a:rPr>
-                        <a:t>home</a:t>
-                      </a:r>
-                      <a:r>
-                        <a:rPr lang="zh-CN" altLang="en-US" sz="1400" b="0" dirty="0" smtClean="0">
-                          <a:latin typeface="SimSun" panose="02010600030101010101" pitchFamily="2" charset="-122"/>
-                          <a:ea typeface="SimSun" panose="02010600030101010101" pitchFamily="2" charset="-122"/>
-                        </a:rPr>
-                        <a:t>画面</a:t>
+                        <a:t>。</a:t>
                       </a:r>
                       <a:endParaRPr lang="en-US" altLang="zh-CN" sz="1400" b="0" dirty="0">
                         <a:latin typeface="SimSun" panose="02010600030101010101" pitchFamily="2" charset="-122"/>
@@ -18846,9 +17760,9 @@
                           <a:latin typeface="SimSun" panose="02010600030101010101" pitchFamily="2" charset="-122"/>
                           <a:ea typeface="SimSun" panose="02010600030101010101" pitchFamily="2" charset="-122"/>
                         </a:rPr>
-                        <a:t>画面间互相可以迁移。</a:t>
+                        <a:t>画面正常验证。</a:t>
                       </a:r>
-                      <a:endParaRPr lang="en-US" sz="1400" b="0" dirty="0">
+                      <a:endParaRPr lang="en-US" altLang="zh-CN" sz="1400" b="0" dirty="0" smtClean="0">
                         <a:latin typeface="SimSun" panose="02010600030101010101" pitchFamily="2" charset="-122"/>
                         <a:ea typeface="SimSun" panose="02010600030101010101" pitchFamily="2" charset="-122"/>
                       </a:endParaRPr>
@@ -18858,7 +17772,7 @@
                 </a:tc>
                 <a:extLst>
                   <a:ext uri="{0D108BD9-81ED-4DB2-BD59-A6C34878D82A}">
-                    <a16:rowId xmlns="" xmlns:a16="http://schemas.microsoft.com/office/drawing/2014/main" val="4026608687"/>
+                    <a16:rowId xmlns:a16="http://schemas.microsoft.com/office/drawing/2014/main" xmlns="" val="4026608687"/>
                   </a:ext>
                 </a:extLst>
               </a:tr>
@@ -18874,7 +17788,7 @@
                           <a:latin typeface="SimSun" panose="02010600030101010101" pitchFamily="2" charset="-122"/>
                           <a:ea typeface="SimSun" panose="02010600030101010101" pitchFamily="2" charset="-122"/>
                         </a:rPr>
-                        <a:t>追加迁移时传值</a:t>
+                        <a:t>创建响应式表单</a:t>
                       </a:r>
                       <a:endParaRPr lang="en-US" sz="1400" b="0" dirty="0">
                         <a:latin typeface="SimSun" panose="02010600030101010101" pitchFamily="2" charset="-122"/>
@@ -18895,21 +17809,91 @@
                           <a:latin typeface="SimSun" panose="02010600030101010101" pitchFamily="2" charset="-122"/>
                           <a:ea typeface="SimSun" panose="02010600030101010101" pitchFamily="2" charset="-122"/>
                         </a:rPr>
-                        <a:t>在</a:t>
+                        <a:t>添加必须，最大值，最小值</a:t>
                       </a:r>
                       <a:r>
                         <a:rPr lang="en-US" altLang="zh-CN" sz="1400" b="0" dirty="0" smtClean="0">
                           <a:latin typeface="SimSun" panose="02010600030101010101" pitchFamily="2" charset="-122"/>
                           <a:ea typeface="SimSun" panose="02010600030101010101" pitchFamily="2" charset="-122"/>
                         </a:rPr>
-                        <a:t>3</a:t>
+                        <a:t>check</a:t>
                       </a:r>
                       <a:r>
                         <a:rPr lang="zh-CN" altLang="en-US" sz="1400" b="0" dirty="0" smtClean="0">
                           <a:latin typeface="SimSun" panose="02010600030101010101" pitchFamily="2" charset="-122"/>
                           <a:ea typeface="SimSun" panose="02010600030101010101" pitchFamily="2" charset="-122"/>
                         </a:rPr>
-                        <a:t>个画面间添加传值功能</a:t>
+                        <a:t>。</a:t>
+                      </a:r>
+                      <a:endParaRPr lang="en-US" altLang="zh-CN" sz="1400" b="0" dirty="0">
+                        <a:latin typeface="SimSun" panose="02010600030101010101" pitchFamily="2" charset="-122"/>
+                        <a:ea typeface="SimSun" panose="02010600030101010101" pitchFamily="2" charset="-122"/>
+                      </a:endParaRPr>
+                    </a:p>
+                  </a:txBody>
+                  <a:tcPr anchor="ctr"/>
+                </a:tc>
+                <a:tc>
+                  <a:txBody>
+                    <a:bodyPr/>
+                    <a:lstStyle/>
+                    <a:p>
+                      <a:pPr algn="l"/>
+                      <a:r>
+                        <a:rPr lang="zh-CN" altLang="en-US" sz="1400" b="0" dirty="0" smtClean="0">
+                          <a:latin typeface="SimSun" panose="02010600030101010101" pitchFamily="2" charset="-122"/>
+                          <a:ea typeface="SimSun" panose="02010600030101010101" pitchFamily="2" charset="-122"/>
+                        </a:rPr>
+                        <a:t>画面正常验证。</a:t>
+                      </a:r>
+                      <a:endParaRPr lang="en-US" altLang="zh-CN" sz="1400" b="0" dirty="0" smtClean="0">
+                        <a:latin typeface="SimSun" panose="02010600030101010101" pitchFamily="2" charset="-122"/>
+                        <a:ea typeface="SimSun" panose="02010600030101010101" pitchFamily="2" charset="-122"/>
+                      </a:endParaRPr>
+                    </a:p>
+                  </a:txBody>
+                  <a:tcPr anchor="ctr"/>
+                </a:tc>
+                <a:extLst>
+                  <a:ext uri="{0D108BD9-81ED-4DB2-BD59-A6C34878D82A}">
+                    <a16:rowId xmlns:a16="http://schemas.microsoft.com/office/drawing/2014/main" xmlns="" val="3808931876"/>
+                  </a:ext>
+                </a:extLst>
+              </a:tr>
+              <a:tr h="537675">
+                <a:tc>
+                  <a:txBody>
+                    <a:bodyPr/>
+                    <a:lstStyle/>
+                    <a:p>
+                      <a:pPr algn="ctr"/>
+                      <a:r>
+                        <a:rPr lang="zh-CN" altLang="en-US" sz="1400" b="0" dirty="0" smtClean="0">
+                          <a:latin typeface="SimSun" panose="02010600030101010101" pitchFamily="2" charset="-122"/>
+                          <a:ea typeface="SimSun" panose="02010600030101010101" pitchFamily="2" charset="-122"/>
+                        </a:rPr>
+                        <a:t>表单操作</a:t>
+                      </a:r>
+                      <a:endParaRPr lang="en-US" sz="1400" b="0" dirty="0">
+                        <a:latin typeface="SimSun" panose="02010600030101010101" pitchFamily="2" charset="-122"/>
+                        <a:ea typeface="SimSun" panose="02010600030101010101" pitchFamily="2" charset="-122"/>
+                      </a:endParaRPr>
+                    </a:p>
+                  </a:txBody>
+                  <a:tcPr anchor="ctr"/>
+                </a:tc>
+                <a:tc>
+                  <a:txBody>
+                    <a:bodyPr/>
+                    <a:lstStyle/>
+                    <a:p>
+                      <a:pPr algn="ctr"/>
+                      <a:r>
+                        <a:rPr lang="zh-CN" altLang="en-US" sz="1400" b="0" dirty="0" smtClean="0">
+                          <a:latin typeface="SimSun" panose="02010600030101010101" pitchFamily="2" charset="-122"/>
+                          <a:ea typeface="SimSun" panose="02010600030101010101" pitchFamily="2" charset="-122"/>
+                        </a:rPr>
+                        <a:t>对表单项目进行操作（修改样式，编辑模式）</a:t>
                       </a:r>
                       <a:endParaRPr lang="en-US" altLang="ja-JP" sz="1400" b="0" dirty="0">
                         <a:latin typeface="SimSun" panose="02010600030101010101" pitchFamily="2" charset="-122"/>
@@ -18930,7 +17914,7 @@
                           <a:latin typeface="SimSun" panose="02010600030101010101" pitchFamily="2" charset="-122"/>
                           <a:ea typeface="SimSun" panose="02010600030101010101" pitchFamily="2" charset="-122"/>
                         </a:rPr>
-                        <a:t>传值正确获取并使用。</a:t>
+                        <a:t>能够正确的完成要实现的功能。</a:t>
                       </a:r>
                       <a:endParaRPr lang="en-US" altLang="zh-CN" sz="1400" b="0" dirty="0">
                         <a:latin typeface="SimSun" panose="02010600030101010101" pitchFamily="2" charset="-122"/>
@@ -18942,98 +17926,7 @@
                 </a:tc>
                 <a:extLst>
                   <a:ext uri="{0D108BD9-81ED-4DB2-BD59-A6C34878D82A}">
-                    <a16:rowId xmlns="" xmlns:a16="http://schemas.microsoft.com/office/drawing/2014/main" val="3808931876"/>
-                  </a:ext>
-                </a:extLst>
-              </a:tr>
-              <a:tr h="537675">
-                <a:tc>
-                  <a:txBody>
-                    <a:bodyPr/>
-                    <a:lstStyle/>
-                    <a:p>
-                      <a:pPr algn="ctr"/>
-                      <a:r>
-                        <a:rPr lang="zh-CN" altLang="en-US" sz="1400" b="0" dirty="0" smtClean="0">
-                          <a:latin typeface="SimSun" panose="02010600030101010101" pitchFamily="2" charset="-122"/>
-                          <a:ea typeface="SimSun" panose="02010600030101010101" pitchFamily="2" charset="-122"/>
-                        </a:rPr>
-                        <a:t>添加画面间传递验证</a:t>
-                      </a:r>
-                      <a:endParaRPr lang="en-US" sz="1400" b="0" dirty="0">
-                        <a:latin typeface="SimSun" panose="02010600030101010101" pitchFamily="2" charset="-122"/>
-                        <a:ea typeface="SimSun" panose="02010600030101010101" pitchFamily="2" charset="-122"/>
-                      </a:endParaRPr>
-                    </a:p>
-                  </a:txBody>
-                  <a:tcPr anchor="ctr"/>
-                </a:tc>
-                <a:tc>
-                  <a:txBody>
-                    <a:bodyPr/>
-                    <a:lstStyle/>
-                    <a:p>
-                      <a:pPr algn="ctr"/>
-                      <a:r>
-                        <a:rPr lang="zh-CN" altLang="en-US" sz="1400" b="0" dirty="0" smtClean="0">
-                          <a:latin typeface="SimSun" panose="02010600030101010101" pitchFamily="2" charset="-122"/>
-                          <a:ea typeface="SimSun" panose="02010600030101010101" pitchFamily="2" charset="-122"/>
-                        </a:rPr>
-                        <a:t>创建</a:t>
-                      </a:r>
-                      <a:r>
-                        <a:rPr lang="en-US" altLang="zh-CN" sz="1400" b="0" dirty="0" smtClean="0">
-                          <a:latin typeface="SimSun" panose="02010600030101010101" pitchFamily="2" charset="-122"/>
-                          <a:ea typeface="SimSun" panose="02010600030101010101" pitchFamily="2" charset="-122"/>
-                        </a:rPr>
-                        <a:t>router</a:t>
-                      </a:r>
-                      <a:r>
-                        <a:rPr lang="zh-CN" altLang="en-US" sz="1400" b="0" dirty="0" smtClean="0">
-                          <a:latin typeface="SimSun" panose="02010600030101010101" pitchFamily="2" charset="-122"/>
-                          <a:ea typeface="SimSun" panose="02010600030101010101" pitchFamily="2" charset="-122"/>
-                        </a:rPr>
-                        <a:t>卫士并进行验证</a:t>
-                      </a:r>
-                      <a:endParaRPr lang="en-US" altLang="ja-JP" sz="1400" b="0" dirty="0">
-                        <a:latin typeface="SimSun" panose="02010600030101010101" pitchFamily="2" charset="-122"/>
-                        <a:ea typeface="SimSun" panose="02010600030101010101" pitchFamily="2" charset="-122"/>
-                      </a:endParaRPr>
-                    </a:p>
-                  </a:txBody>
-                  <a:tcPr anchor="ctr"/>
-                </a:tc>
-                <a:tc>
-                  <a:txBody>
-                    <a:bodyPr/>
-                    <a:lstStyle/>
-                    <a:p>
-                      <a:pPr algn="l"/>
-                      <a:r>
-                        <a:rPr lang="en-US" altLang="zh-CN" sz="1400" b="0" dirty="0" smtClean="0">
-                          <a:latin typeface="SimSun" panose="02010600030101010101" pitchFamily="2" charset="-122"/>
-                          <a:ea typeface="SimSun" panose="02010600030101010101" pitchFamily="2" charset="-122"/>
-                        </a:rPr>
-                        <a:t>Router</a:t>
-                      </a:r>
-                      <a:r>
-                        <a:rPr lang="zh-CN" altLang="en-US" sz="1400" b="0" smtClean="0">
-                          <a:latin typeface="SimSun" panose="02010600030101010101" pitchFamily="2" charset="-122"/>
-                          <a:ea typeface="SimSun" panose="02010600030101010101" pitchFamily="2" charset="-122"/>
-                        </a:rPr>
-                        <a:t>卫士根据条件验证。</a:t>
-                      </a:r>
-                      <a:endParaRPr lang="en-US" altLang="zh-CN" sz="1400" b="0" dirty="0">
-                        <a:latin typeface="SimSun" panose="02010600030101010101" pitchFamily="2" charset="-122"/>
-                        <a:ea typeface="SimSun" panose="02010600030101010101" pitchFamily="2" charset="-122"/>
-                      </a:endParaRPr>
-                    </a:p>
-                  </a:txBody>
-                  <a:tcPr anchor="ctr"/>
-                </a:tc>
-                <a:extLst>
-                  <a:ext uri="{0D108BD9-81ED-4DB2-BD59-A6C34878D82A}">
-                    <a16:rowId xmlns="" xmlns:a16="http://schemas.microsoft.com/office/drawing/2014/main" val="3120658752"/>
+                    <a16:rowId xmlns:a16="http://schemas.microsoft.com/office/drawing/2014/main" xmlns="" val="3120658752"/>
                   </a:ext>
                 </a:extLst>
               </a:tr>
@@ -19052,6 +17945,239 @@
     <a:masterClrMapping/>
   </p:clrMapOvr>
   <p:transition/>
+</p:sld>
+</file>
+
+<file path=ppt/slides/slide9.xml><?xml version="1.0" encoding="utf-8"?>
+<p:sld xmlns:a="http://schemas.openxmlformats.org/drawingml/2006/main" xmlns:r="http://schemas.openxmlformats.org/officeDocument/2006/relationships" xmlns:p="http://schemas.openxmlformats.org/presentationml/2006/main">
+  <p:cSld>
+    <p:spTree>
+      <p:nvGrpSpPr>
+        <p:cNvPr id="1" name=""/>
+        <p:cNvGrpSpPr/>
+        <p:nvPr/>
+      </p:nvGrpSpPr>
+      <p:grpSpPr>
+        <a:xfrm>
+          <a:off x="0" y="0"/>
+          <a:ext cx="0" cy="0"/>
+          <a:chOff x="0" y="0"/>
+          <a:chExt cx="0" cy="0"/>
+        </a:xfrm>
+      </p:grpSpPr>
+      <p:sp>
+        <p:nvSpPr>
+          <p:cNvPr id="3" name="Content Placeholder 2"/>
+          <p:cNvSpPr>
+            <a:spLocks noGrp="1"/>
+          </p:cNvSpPr>
+          <p:nvPr>
+            <p:ph sz="quarter" idx="12"/>
+          </p:nvPr>
+        </p:nvSpPr>
+        <p:spPr bwMode="gray">
+          <a:ln w="12700">
+            <a:miter lim="800000"/>
+            <a:headEnd/>
+            <a:tailEnd/>
+          </a:ln>
+        </p:spPr>
+        <p:txBody>
+          <a:bodyPr lIns="90488" tIns="44450" rIns="90488" bIns="44450" anchor="ctr">
+            <a:scene3d>
+              <a:camera prst="orthographicFront">
+                <a:rot lat="0" lon="0" rev="0"/>
+              </a:camera>
+              <a:lightRig rig="contrasting" dir="t">
+                <a:rot lat="0" lon="0" rev="4500000"/>
+              </a:lightRig>
+            </a:scene3d>
+            <a:sp3d contourW="6350" prstMaterial="metal">
+              <a:contourClr>
+                <a:schemeClr val="accent1">
+                  <a:shade val="75000"/>
+                </a:schemeClr>
+              </a:contourClr>
+            </a:sp3d>
+          </a:bodyPr>
+          <a:lstStyle/>
+          <a:p>
+            <a:pPr marL="176213" indent="-176213" algn="ctr" eaLnBrk="1" hangingPunct="1">
+              <a:lnSpc>
+                <a:spcPct val="90000"/>
+              </a:lnSpc>
+              <a:spcBef>
+                <a:spcPct val="40000"/>
+              </a:spcBef>
+              <a:buClr>
+                <a:schemeClr val="tx1"/>
+              </a:buClr>
+              <a:buFontTx/>
+              <a:buNone/>
+              <a:defRPr/>
+            </a:pPr>
+            <a:r>
+              <a:rPr lang="en-US" sz="7200" b="1" cap="all" dirty="0">
+                <a:ln w="0">
+                  <a:solidFill>
+                    <a:schemeClr val="accent6">
+                      <a:lumMod val="75000"/>
+                    </a:schemeClr>
+                  </a:solidFill>
+                </a:ln>
+                <a:solidFill>
+                  <a:srgbClr val="CCFF33"/>
+                </a:solidFill>
+                <a:effectLst>
+                  <a:reflection blurRad="6350" stA="55000" endA="300" endPos="45500" dir="5400000" sy="-100000" algn="bl" rotWithShape="0"/>
+                </a:effectLst>
+              </a:rPr>
+              <a:t>Q &amp; A</a:t>
+            </a:r>
+          </a:p>
+        </p:txBody>
+      </p:sp>
+      <p:sp>
+        <p:nvSpPr>
+          <p:cNvPr id="22531" name="Rectangle 2"/>
+          <p:cNvSpPr>
+            <a:spLocks noChangeArrowheads="1"/>
+          </p:cNvSpPr>
+          <p:nvPr/>
+        </p:nvSpPr>
+        <p:spPr bwMode="gray">
+          <a:xfrm>
+            <a:off x="356457" y="616374"/>
+            <a:ext cx="8380413" cy="523220"/>
+          </a:xfrm>
+          <a:prstGeom prst="rect">
+            <a:avLst/>
+          </a:prstGeom>
+          <a:noFill/>
+          <a:ln>
+            <a:noFill/>
+          </a:ln>
+          <a:extLst>
+            <a:ext uri="{909E8E84-426E-40DD-AFC4-6F175D3DCCD1}">
+              <a14:hiddenFill xmlns:a14="http://schemas.microsoft.com/office/drawing/2010/main">
+                <a:solidFill>
+                  <a:srgbClr val="FFFFFF"/>
+                </a:solidFill>
+              </a14:hiddenFill>
+            </a:ext>
+            <a:ext uri="{91240B29-F687-4F45-9708-019B960494DF}">
+              <a14:hiddenLine xmlns:a14="http://schemas.microsoft.com/office/drawing/2010/main" w="9525" algn="ctr">
+                <a:solidFill>
+                  <a:srgbClr val="000000"/>
+                </a:solidFill>
+                <a:miter lim="800000"/>
+                <a:headEnd/>
+                <a:tailEnd/>
+              </a14:hiddenLine>
+            </a:ext>
+          </a:extLst>
+        </p:spPr>
+        <p:txBody>
+          <a:bodyPr anchor="b">
+            <a:spAutoFit/>
+          </a:bodyPr>
+          <a:lstStyle/>
+          <a:p>
+            <a:pPr marL="58738" indent="-58738" eaLnBrk="0" hangingPunct="0"/>
+            <a:r>
+              <a:rPr lang="en-US" sz="2800" dirty="0"/>
+              <a:t>Questions &amp; Answers</a:t>
+            </a:r>
+          </a:p>
+        </p:txBody>
+      </p:sp>
+      <p:sp>
+        <p:nvSpPr>
+          <p:cNvPr id="4" name="TextBox 3"/>
+          <p:cNvSpPr txBox="1"/>
+          <p:nvPr/>
+        </p:nvSpPr>
+        <p:spPr>
+          <a:xfrm>
+            <a:off x="267494" y="6570473"/>
+            <a:ext cx="3180355" cy="230832"/>
+          </a:xfrm>
+          <a:prstGeom prst="rect">
+            <a:avLst/>
+          </a:prstGeom>
+          <a:noFill/>
+        </p:spPr>
+        <p:txBody>
+          <a:bodyPr wrap="square" lIns="0">
+            <a:spAutoFit/>
+          </a:bodyPr>
+          <a:lstStyle/>
+          <a:p>
+            <a:pPr algn="ctr">
+              <a:defRPr/>
+            </a:pPr>
+            <a:r>
+              <a:rPr lang="en-US" sz="900" dirty="0">
+                <a:solidFill>
+                  <a:srgbClr val="7F7F7F"/>
+                </a:solidFill>
+                <a:latin typeface="Arial" pitchFamily="34" charset="0"/>
+                <a:cs typeface="Arial" pitchFamily="34" charset="0"/>
+              </a:rPr>
+              <a:t>Copyright © 2014 Accenture  All rights reserved.</a:t>
+            </a:r>
+          </a:p>
+        </p:txBody>
+      </p:sp>
+      <p:sp>
+        <p:nvSpPr>
+          <p:cNvPr id="5" name="TextBox 4"/>
+          <p:cNvSpPr txBox="1"/>
+          <p:nvPr/>
+        </p:nvSpPr>
+        <p:spPr>
+          <a:xfrm>
+            <a:off x="8144698" y="6562940"/>
+            <a:ext cx="536400" cy="244800"/>
+          </a:xfrm>
+          <a:prstGeom prst="rect">
+            <a:avLst/>
+          </a:prstGeom>
+          <a:noFill/>
+        </p:spPr>
+        <p:txBody>
+          <a:bodyPr wrap="square" lIns="0" tIns="0" rIns="0" bIns="0" rtlCol="0" anchor="ctr" anchorCtr="0">
+            <a:noAutofit/>
+          </a:bodyPr>
+          <a:lstStyle/>
+          <a:p>
+            <a:pPr algn="r"/>
+            <a:fld id="{597A8DCA-8F96-49CD-B4D5-7AC92F955860}" type="slidenum">
+              <a:rPr lang="en-CA" sz="900" smtClean="0">
+                <a:solidFill>
+                  <a:srgbClr val="7F7F7F"/>
+                </a:solidFill>
+                <a:latin typeface="Arial" pitchFamily="34" charset="0"/>
+                <a:cs typeface="Arial" pitchFamily="34" charset="0"/>
+              </a:rPr>
+              <a:pPr algn="r"/>
+              <a:t>8</a:t>
+            </a:fld>
+            <a:endParaRPr lang="en-CA" sz="900" dirty="0">
+              <a:solidFill>
+                <a:srgbClr val="7F7F7F"/>
+              </a:solidFill>
+              <a:latin typeface="Arial" pitchFamily="34" charset="0"/>
+              <a:cs typeface="Arial" pitchFamily="34" charset="0"/>
+            </a:endParaRPr>
+          </a:p>
+        </p:txBody>
+      </p:sp>
+    </p:spTree>
+  </p:cSld>
+  <p:clrMapOvr>
+    <a:masterClrMapping/>
+  </p:clrMapOvr>
 </p:sld>
 </file>
 
@@ -19883,6 +19009,22 @@
 </file>
 
 <file path=customXml/item1.xml><?xml version="1.0" encoding="utf-8"?>
+<p:properties xmlns:p="http://schemas.microsoft.com/office/2006/metadata/properties" xmlns:xsi="http://www.w3.org/2001/XMLSchema-instance" xmlns:pc="http://schemas.microsoft.com/office/infopath/2007/PartnerControls">
+  <documentManagement>
+    <TemplateUrl xmlns="http://schemas.microsoft.com/sharepoint/v3" xsi:nil="true"/>
+    <_SourceUrl xmlns="http://schemas.microsoft.com/sharepoint/v3" xsi:nil="true"/>
+    <Comments0 xmlns="C6B13D8A-F6C8-4777-9906-93DFDA163C9A" xsi:nil="true"/>
+    <xd_ProgID xmlns="http://schemas.microsoft.com/sharepoint/v3" xsi:nil="true"/>
+    <test xmlns="C6B13D8A-F6C8-4777-9906-93DFDA163C9A" xsi:nil="true"/>
+    <Order xmlns="http://schemas.microsoft.com/sharepoint/v3" xsi:nil="true"/>
+    <_SharedFileIndex xmlns="http://schemas.microsoft.com/sharepoint/v3" xsi:nil="true"/>
+    <MetaInfo xmlns="http://schemas.microsoft.com/sharepoint/v3" xsi:nil="true"/>
+    <ContentTypeId xmlns="http://schemas.microsoft.com/sharepoint/v3">0x0101008A3DB1C6C8F67747990693DFDA163C9A</ContentTypeId>
+  </documentManagement>
+</p:properties>
+</file>
+
+<file path=customXml/item2.xml><?xml version="1.0" encoding="utf-8"?>
 <ct:contentTypeSchema xmlns:ct="http://schemas.microsoft.com/office/2006/metadata/contentType" xmlns:ma="http://schemas.microsoft.com/office/2006/metadata/properties/metaAttributes" ct:_="" ma:_="" ma:contentTypeName="Document" ma:contentTypeID="0x0101008A3DB1C6C8F67747990693DFDA163C9A" ma:contentTypeVersion="0" ma:contentTypeDescription="Create a new document." ma:contentTypeScope="" ma:versionID="c53e8d4c718320ba5c01db3429b48e01">
   <xsd:schema xmlns:xsd="http://www.w3.org/2001/XMLSchema" xmlns:xs="http://www.w3.org/2001/XMLSchema" xmlns:p="http://schemas.microsoft.com/office/2006/metadata/properties" xmlns:ns1="http://schemas.microsoft.com/sharepoint/v3" xmlns:ns2="C6B13D8A-F6C8-4777-9906-93DFDA163C9A" targetNamespace="http://schemas.microsoft.com/office/2006/metadata/properties" ma:root="true" ma:fieldsID="10d7d5cf4be4c05f12ebb16474ba6c35" ns1:_="" ns2:_="">
     <xsd:import namespace="http://schemas.microsoft.com/sharepoint/v3"/>
@@ -20353,22 +19495,6 @@
 </ct:contentTypeSchema>
 </file>
 
-<file path=customXml/item2.xml><?xml version="1.0" encoding="utf-8"?>
-<p:properties xmlns:p="http://schemas.microsoft.com/office/2006/metadata/properties" xmlns:xsi="http://www.w3.org/2001/XMLSchema-instance" xmlns:pc="http://schemas.microsoft.com/office/infopath/2007/PartnerControls">
-  <documentManagement>
-    <TemplateUrl xmlns="http://schemas.microsoft.com/sharepoint/v3" xsi:nil="true"/>
-    <_SourceUrl xmlns="http://schemas.microsoft.com/sharepoint/v3" xsi:nil="true"/>
-    <Comments0 xmlns="C6B13D8A-F6C8-4777-9906-93DFDA163C9A" xsi:nil="true"/>
-    <xd_ProgID xmlns="http://schemas.microsoft.com/sharepoint/v3" xsi:nil="true"/>
-    <test xmlns="C6B13D8A-F6C8-4777-9906-93DFDA163C9A" xsi:nil="true"/>
-    <Order xmlns="http://schemas.microsoft.com/sharepoint/v3" xsi:nil="true"/>
-    <_SharedFileIndex xmlns="http://schemas.microsoft.com/sharepoint/v3" xsi:nil="true"/>
-    <MetaInfo xmlns="http://schemas.microsoft.com/sharepoint/v3" xsi:nil="true"/>
-    <ContentTypeId xmlns="http://schemas.microsoft.com/sharepoint/v3">0x0101008A3DB1C6C8F67747990693DFDA163C9A</ContentTypeId>
-  </documentManagement>
-</p:properties>
-</file>
-
 <file path=customXml/item3.xml><?xml version="1.0" encoding="utf-8"?>
 <?mso-contentType ?>
 <FormTemplates xmlns="http://schemas.microsoft.com/sharepoint/v3/contenttype/forms">
@@ -20379,6 +19505,23 @@
 </file>
 
 <file path=customXml/itemProps1.xml><?xml version="1.0" encoding="utf-8"?>
+<ds:datastoreItem xmlns:ds="http://schemas.openxmlformats.org/officeDocument/2006/customXml" ds:itemID="{F59E41AE-6836-4572-AAEF-EE3E09D690B6}">
+  <ds:schemaRefs>
+    <ds:schemaRef ds:uri="http://schemas.microsoft.com/office/infopath/2007/PartnerControls"/>
+    <ds:schemaRef ds:uri="http://www.w3.org/XML/1998/namespace"/>
+    <ds:schemaRef ds:uri="http://purl.org/dc/terms/"/>
+    <ds:schemaRef ds:uri="http://purl.org/dc/elements/1.1/"/>
+    <ds:schemaRef ds:uri="http://schemas.microsoft.com/office/2006/metadata/properties"/>
+    <ds:schemaRef ds:uri="http://schemas.openxmlformats.org/package/2006/metadata/core-properties"/>
+    <ds:schemaRef ds:uri="C6B13D8A-F6C8-4777-9906-93DFDA163C9A"/>
+    <ds:schemaRef ds:uri="http://schemas.microsoft.com/office/2006/documentManagement/types"/>
+    <ds:schemaRef ds:uri="http://schemas.microsoft.com/sharepoint/v3"/>
+    <ds:schemaRef ds:uri="http://purl.org/dc/dcmitype/"/>
+  </ds:schemaRefs>
+</ds:datastoreItem>
+</file>
+
+<file path=customXml/itemProps2.xml><?xml version="1.0" encoding="utf-8"?>
 <ds:datastoreItem xmlns:ds="http://schemas.openxmlformats.org/officeDocument/2006/customXml" ds:itemID="{CC4C9FB6-25E4-4D1F-A1E8-D3497EBEE75E}">
   <ds:schemaRefs>
     <ds:schemaRef ds:uri="http://schemas.microsoft.com/office/2006/metadata/contentType"/>
@@ -20397,23 +19540,6 @@
 </ds:datastoreItem>
 </file>
 
-<file path=customXml/itemProps2.xml><?xml version="1.0" encoding="utf-8"?>
-<ds:datastoreItem xmlns:ds="http://schemas.openxmlformats.org/officeDocument/2006/customXml" ds:itemID="{F59E41AE-6836-4572-AAEF-EE3E09D690B6}">
-  <ds:schemaRefs>
-    <ds:schemaRef ds:uri="http://schemas.microsoft.com/office/infopath/2007/PartnerControls"/>
-    <ds:schemaRef ds:uri="http://www.w3.org/XML/1998/namespace"/>
-    <ds:schemaRef ds:uri="http://purl.org/dc/terms/"/>
-    <ds:schemaRef ds:uri="http://purl.org/dc/elements/1.1/"/>
-    <ds:schemaRef ds:uri="http://schemas.microsoft.com/office/2006/metadata/properties"/>
-    <ds:schemaRef ds:uri="http://schemas.openxmlformats.org/package/2006/metadata/core-properties"/>
-    <ds:schemaRef ds:uri="C6B13D8A-F6C8-4777-9906-93DFDA163C9A"/>
-    <ds:schemaRef ds:uri="http://schemas.microsoft.com/office/2006/documentManagement/types"/>
-    <ds:schemaRef ds:uri="http://schemas.microsoft.com/sharepoint/v3"/>
-    <ds:schemaRef ds:uri="http://purl.org/dc/dcmitype/"/>
-  </ds:schemaRefs>
-</ds:datastoreItem>
-</file>
-
 <file path=customXml/itemProps3.xml><?xml version="1.0" encoding="utf-8"?>
 <ds:datastoreItem xmlns:ds="http://schemas.openxmlformats.org/officeDocument/2006/customXml" ds:itemID="{6268566E-43AA-4A68-BD58-84AB4DF5B82A}">
   <ds:schemaRefs>

--- a/PPT/09-Accenture-FS-Angular-Form.pptx
+++ b/PPT/09-Accenture-FS-Angular-Form.pptx
@@ -867,7 +867,7 @@
           </a:lstStyle>
           <a:p>
             <a:r>
-              <a:rPr lang="en-US" sz="800" b="0"/>
+              <a:rPr lang="en-US" sz="800" b="0" dirty="0"/>
               <a:t>Agile University Delivery School</a:t>
             </a:r>
           </a:p>
@@ -1008,7 +1008,7 @@
           </a:lstStyle>
           <a:p>
             <a:r>
-              <a:rPr lang="en-US" sz="800" b="0"/>
+              <a:rPr lang="en-US" sz="800" b="0" dirty="0"/>
               <a:t>D01-M02-P01_Agile At Accenture Overview </a:t>
             </a:r>
           </a:p>
@@ -1295,7 +1295,7 @@
               <a:pPr/>
               <a:t>0</a:t>
             </a:fld>
-            <a:endParaRPr lang="en-GB" sz="800" b="0"/>
+            <a:endParaRPr lang="en-GB" sz="800" b="0" dirty="0"/>
           </a:p>
         </p:txBody>
       </p:sp>
@@ -1521,7 +1521,7 @@
           </a:lstStyle>
           <a:p>
             <a:r>
-              <a:rPr lang="en-GB" sz="800" b="0"/>
+              <a:rPr lang="en-GB" sz="800" b="0" dirty="0"/>
               <a:t>Agile University Delivery School</a:t>
             </a:r>
           </a:p>
@@ -1662,7 +1662,7 @@
           </a:lstStyle>
           <a:p>
             <a:r>
-              <a:rPr lang="en-GB" sz="800" b="0"/>
+              <a:rPr lang="en-GB" sz="800" b="0" dirty="0"/>
               <a:t>D02-M02-P02_Project Initiation in ADM for DA</a:t>
             </a:r>
           </a:p>
@@ -1803,7 +1803,7 @@
           </a:lstStyle>
           <a:p>
             <a:r>
-              <a:rPr lang="en-GB" sz="800" b="0"/>
+              <a:rPr lang="en-GB" sz="800" b="0" dirty="0"/>
               <a:t>Copyright © 2011 Accenture All Rights Reserved.</a:t>
             </a:r>
           </a:p>
@@ -1948,7 +1948,7 @@
               <a:pPr/>
               <a:t>1</a:t>
             </a:fld>
-            <a:endParaRPr lang="en-GB" sz="800" b="0"/>
+            <a:endParaRPr lang="en-GB" sz="800" b="0" dirty="0"/>
           </a:p>
         </p:txBody>
       </p:sp>
@@ -2286,7 +2286,7 @@
           </a:lstStyle>
           <a:p>
             <a:r>
-              <a:rPr lang="en-US" sz="800" b="0"/>
+              <a:rPr lang="en-US" sz="800" b="0" dirty="0"/>
               <a:t>Agile University Delivery School</a:t>
             </a:r>
           </a:p>
@@ -2435,7 +2435,7 @@
           <a:p>
             <a:pPr algn="r"/>
             <a:r>
-              <a:rPr lang="en-US" sz="800" b="0"/>
+              <a:rPr lang="en-US" sz="800" b="0" dirty="0"/>
               <a:t>D01-M02-P01_ADM for Distributed Agile Overview </a:t>
             </a:r>
           </a:p>
@@ -2737,7 +2737,7 @@
               <a:pPr algn="r"/>
               <a:t>2</a:t>
             </a:fld>
-            <a:endParaRPr lang="en-GB" sz="800" b="0"/>
+            <a:endParaRPr lang="en-GB" sz="800" b="0" dirty="0"/>
           </a:p>
         </p:txBody>
       </p:sp>
@@ -3020,7 +3020,7 @@
           </a:lstStyle>
           <a:p>
             <a:r>
-              <a:rPr lang="en-US" sz="800" b="0"/>
+              <a:rPr lang="en-US" sz="800" b="0" dirty="0"/>
               <a:t>Agile University Delivery School</a:t>
             </a:r>
           </a:p>
@@ -3169,7 +3169,7 @@
           <a:p>
             <a:pPr algn="r"/>
             <a:r>
-              <a:rPr lang="en-US" sz="800" b="0"/>
+              <a:rPr lang="en-US" sz="800" b="0" dirty="0"/>
               <a:t>D01-M02-P01_ADM for Distributed Agile Overview </a:t>
             </a:r>
           </a:p>
@@ -3471,7 +3471,7 @@
               <a:pPr algn="r"/>
               <a:t>3</a:t>
             </a:fld>
-            <a:endParaRPr lang="en-GB" sz="800" b="0"/>
+            <a:endParaRPr lang="en-GB" sz="800" b="0" dirty="0"/>
           </a:p>
         </p:txBody>
       </p:sp>
@@ -13038,14 +13038,14 @@
           <p:nvPr>
             <p:extLst>
               <p:ext uri="{D42A27DB-BD31-4B8C-83A1-F6EECF244321}">
-                <p14:modId xmlns:p14="http://schemas.microsoft.com/office/powerpoint/2010/main" val="3078086668"/>
+                <p14:modId xmlns:p14="http://schemas.microsoft.com/office/powerpoint/2010/main" val="1751359733"/>
               </p:ext>
             </p:extLst>
           </p:nvPr>
         </p:nvGraphicFramePr>
         <p:xfrm>
           <a:off x="422348" y="1333500"/>
-          <a:ext cx="7612062" cy="3716211"/>
+          <a:ext cx="7612062" cy="3761931"/>
         </p:xfrm>
         <a:graphic>
           <a:graphicData uri="http://schemas.openxmlformats.org/drawingml/2006/table">
@@ -13055,7 +13055,7 @@
                 <a:gridCol w="7612062">
                   <a:extLst>
                     <a:ext uri="{9D8B030D-6E8A-4147-A177-3AD203B41FA5}">
-                      <a16:colId xmlns:a16="http://schemas.microsoft.com/office/drawing/2014/main" xmlns="" val="20000"/>
+                      <a16:colId xmlns="" xmlns:a16="http://schemas.microsoft.com/office/drawing/2014/main" val="20000"/>
                     </a:ext>
                   </a:extLst>
                 </a:gridCol>
@@ -13083,43 +13083,34 @@
                         <a:tabLst/>
                       </a:pPr>
                       <a:r>
-                        <a:rPr kumimoji="0" lang="en-US" altLang="zh-CN" sz="2200" b="0" i="0" u="none" strike="noStrike" cap="none" normalizeH="0" baseline="0" dirty="0" smtClean="0">
-                          <a:ln>
-                            <a:noFill/>
-                          </a:ln>
+                        <a:rPr lang="en-US" altLang="zh-CN" sz="2400" kern="1200" dirty="0" smtClean="0">
                           <a:solidFill>
-                            <a:srgbClr val="000000"/>
+                            <a:schemeClr val="tx1"/>
                           </a:solidFill>
-                          <a:effectLst/>
                           <a:latin typeface="SimSun" panose="02010600030101010101" pitchFamily="2" charset="-122"/>
                           <a:ea typeface="SimSun" panose="02010600030101010101" pitchFamily="2" charset="-122"/>
+                          <a:cs typeface="+mn-cs"/>
                         </a:rPr>
                         <a:t>Angular4</a:t>
                       </a:r>
                       <a:r>
-                        <a:rPr kumimoji="0" lang="zh-CN" altLang="en-US" sz="2200" b="0" i="0" u="none" strike="noStrike" cap="none" normalizeH="0" baseline="0" dirty="0" smtClean="0">
-                          <a:ln>
-                            <a:noFill/>
-                          </a:ln>
+                        <a:rPr lang="zh-CN" altLang="en-US" sz="2400" kern="1200" dirty="0" smtClean="0">
                           <a:solidFill>
-                            <a:srgbClr val="000000"/>
+                            <a:schemeClr val="tx1"/>
                           </a:solidFill>
-                          <a:effectLst/>
                           <a:latin typeface="SimSun" panose="02010600030101010101" pitchFamily="2" charset="-122"/>
                           <a:ea typeface="SimSun" panose="02010600030101010101" pitchFamily="2" charset="-122"/>
+                          <a:cs typeface="+mn-cs"/>
                         </a:rPr>
                         <a:t>表单</a:t>
                       </a:r>
-                      <a:endParaRPr kumimoji="0" lang="en-US" sz="2200" b="0" i="0" u="none" strike="noStrike" cap="none" normalizeH="0" baseline="0" dirty="0">
-                        <a:ln>
-                          <a:noFill/>
-                        </a:ln>
+                      <a:endParaRPr lang="en-US" sz="2400" kern="1200" dirty="0">
                         <a:solidFill>
-                          <a:srgbClr val="000000"/>
+                          <a:schemeClr val="tx1"/>
                         </a:solidFill>
-                        <a:effectLst/>
                         <a:latin typeface="SimSun" panose="02010600030101010101" pitchFamily="2" charset="-122"/>
                         <a:ea typeface="SimSun" panose="02010600030101010101" pitchFamily="2" charset="-122"/>
+                        <a:cs typeface="+mn-cs"/>
                       </a:endParaRPr>
                     </a:p>
                     <a:p>
@@ -13403,7 +13394,7 @@
                 </a:tc>
                 <a:extLst>
                   <a:ext uri="{0D108BD9-81ED-4DB2-BD59-A6C34878D82A}">
-                    <a16:rowId xmlns:a16="http://schemas.microsoft.com/office/drawing/2014/main" xmlns="" val="10000"/>
+                    <a16:rowId xmlns="" xmlns:a16="http://schemas.microsoft.com/office/drawing/2014/main" val="10000"/>
                   </a:ext>
                 </a:extLst>
               </a:tr>
@@ -15060,10 +15051,6 @@
               </a:rPr>
               <a:t>http://www.cnblogs.com/wangking/p/7228956.html</a:t>
             </a:r>
-            <a:endParaRPr lang="en-US" altLang="zh-CN" sz="1600" b="0" dirty="0">
-              <a:latin typeface="SimSun" panose="02010600030101010101" pitchFamily="2" charset="-122"/>
-              <a:ea typeface="SimSun" panose="02010600030101010101" pitchFamily="2" charset="-122"/>
-            </a:endParaRPr>
           </a:p>
           <a:p>
             <a:endParaRPr lang="en-US" altLang="zh-CN" sz="1600" b="0" dirty="0" smtClean="0">
@@ -17603,21 +17590,21 @@
                 <a:gridCol w="2187788">
                   <a:extLst>
                     <a:ext uri="{9D8B030D-6E8A-4147-A177-3AD203B41FA5}">
-                      <a16:colId xmlns:a16="http://schemas.microsoft.com/office/drawing/2014/main" xmlns="" val="1427776139"/>
+                      <a16:colId xmlns="" xmlns:a16="http://schemas.microsoft.com/office/drawing/2014/main" val="1427776139"/>
                     </a:ext>
                   </a:extLst>
                 </a:gridCol>
                 <a:gridCol w="2562274">
                   <a:extLst>
                     <a:ext uri="{9D8B030D-6E8A-4147-A177-3AD203B41FA5}">
-                      <a16:colId xmlns:a16="http://schemas.microsoft.com/office/drawing/2014/main" xmlns="" val="3370170297"/>
+                      <a16:colId xmlns="" xmlns:a16="http://schemas.microsoft.com/office/drawing/2014/main" val="3370170297"/>
                     </a:ext>
                   </a:extLst>
                 </a:gridCol>
                 <a:gridCol w="3687098">
                   <a:extLst>
                     <a:ext uri="{9D8B030D-6E8A-4147-A177-3AD203B41FA5}">
-                      <a16:colId xmlns:a16="http://schemas.microsoft.com/office/drawing/2014/main" xmlns="" val="784783711"/>
+                      <a16:colId xmlns="" xmlns:a16="http://schemas.microsoft.com/office/drawing/2014/main" val="784783711"/>
                     </a:ext>
                   </a:extLst>
                 </a:gridCol>
@@ -17688,7 +17675,7 @@
                 </a:tc>
                 <a:extLst>
                   <a:ext uri="{0D108BD9-81ED-4DB2-BD59-A6C34878D82A}">
-                    <a16:rowId xmlns:a16="http://schemas.microsoft.com/office/drawing/2014/main" xmlns="" val="2469836323"/>
+                    <a16:rowId xmlns="" xmlns:a16="http://schemas.microsoft.com/office/drawing/2014/main" val="2469836323"/>
                   </a:ext>
                 </a:extLst>
               </a:tr>
@@ -17772,7 +17759,7 @@
                 </a:tc>
                 <a:extLst>
                   <a:ext uri="{0D108BD9-81ED-4DB2-BD59-A6C34878D82A}">
-                    <a16:rowId xmlns:a16="http://schemas.microsoft.com/office/drawing/2014/main" xmlns="" val="4026608687"/>
+                    <a16:rowId xmlns="" xmlns:a16="http://schemas.microsoft.com/office/drawing/2014/main" val="4026608687"/>
                   </a:ext>
                 </a:extLst>
               </a:tr>
@@ -17856,7 +17843,7 @@
                 </a:tc>
                 <a:extLst>
                   <a:ext uri="{0D108BD9-81ED-4DB2-BD59-A6C34878D82A}">
-                    <a16:rowId xmlns:a16="http://schemas.microsoft.com/office/drawing/2014/main" xmlns="" val="3808931876"/>
+                    <a16:rowId xmlns="" xmlns:a16="http://schemas.microsoft.com/office/drawing/2014/main" val="3808931876"/>
                   </a:ext>
                 </a:extLst>
               </a:tr>
@@ -17926,7 +17913,7 @@
                 </a:tc>
                 <a:extLst>
                   <a:ext uri="{0D108BD9-81ED-4DB2-BD59-A6C34878D82A}">
-                    <a16:rowId xmlns:a16="http://schemas.microsoft.com/office/drawing/2014/main" xmlns="" val="3120658752"/>
+                    <a16:rowId xmlns="" xmlns:a16="http://schemas.microsoft.com/office/drawing/2014/main" val="3120658752"/>
                   </a:ext>
                 </a:extLst>
               </a:tr>
@@ -19025,6 +19012,15 @@
 </file>
 
 <file path=customXml/item2.xml><?xml version="1.0" encoding="utf-8"?>
+<?mso-contentType ?>
+<FormTemplates xmlns="http://schemas.microsoft.com/sharepoint/v3/contenttype/forms">
+  <Display>DocumentLibraryForm</Display>
+  <Edit>DocumentLibraryForm</Edit>
+  <New>DocumentLibraryForm</New>
+</FormTemplates>
+</file>
+
+<file path=customXml/item3.xml><?xml version="1.0" encoding="utf-8"?>
 <ct:contentTypeSchema xmlns:ct="http://schemas.microsoft.com/office/2006/metadata/contentType" xmlns:ma="http://schemas.microsoft.com/office/2006/metadata/properties/metaAttributes" ct:_="" ma:_="" ma:contentTypeName="Document" ma:contentTypeID="0x0101008A3DB1C6C8F67747990693DFDA163C9A" ma:contentTypeVersion="0" ma:contentTypeDescription="Create a new document." ma:contentTypeScope="" ma:versionID="c53e8d4c718320ba5c01db3429b48e01">
   <xsd:schema xmlns:xsd="http://www.w3.org/2001/XMLSchema" xmlns:xs="http://www.w3.org/2001/XMLSchema" xmlns:p="http://schemas.microsoft.com/office/2006/metadata/properties" xmlns:ns1="http://schemas.microsoft.com/sharepoint/v3" xmlns:ns2="C6B13D8A-F6C8-4777-9906-93DFDA163C9A" targetNamespace="http://schemas.microsoft.com/office/2006/metadata/properties" ma:root="true" ma:fieldsID="10d7d5cf4be4c05f12ebb16474ba6c35" ns1:_="" ns2:_="">
     <xsd:import namespace="http://schemas.microsoft.com/sharepoint/v3"/>
@@ -19495,15 +19491,6 @@
 </ct:contentTypeSchema>
 </file>
 
-<file path=customXml/item3.xml><?xml version="1.0" encoding="utf-8"?>
-<?mso-contentType ?>
-<FormTemplates xmlns="http://schemas.microsoft.com/sharepoint/v3/contenttype/forms">
-  <Display>DocumentLibraryForm</Display>
-  <Edit>DocumentLibraryForm</Edit>
-  <New>DocumentLibraryForm</New>
-</FormTemplates>
-</file>
-
 <file path=customXml/itemProps1.xml><?xml version="1.0" encoding="utf-8"?>
 <ds:datastoreItem xmlns:ds="http://schemas.openxmlformats.org/officeDocument/2006/customXml" ds:itemID="{F59E41AE-6836-4572-AAEF-EE3E09D690B6}">
   <ds:schemaRefs>
@@ -19522,6 +19509,14 @@
 </file>
 
 <file path=customXml/itemProps2.xml><?xml version="1.0" encoding="utf-8"?>
+<ds:datastoreItem xmlns:ds="http://schemas.openxmlformats.org/officeDocument/2006/customXml" ds:itemID="{6268566E-43AA-4A68-BD58-84AB4DF5B82A}">
+  <ds:schemaRefs>
+    <ds:schemaRef ds:uri="http://schemas.microsoft.com/sharepoint/v3/contenttype/forms"/>
+  </ds:schemaRefs>
+</ds:datastoreItem>
+</file>
+
+<file path=customXml/itemProps3.xml><?xml version="1.0" encoding="utf-8"?>
 <ds:datastoreItem xmlns:ds="http://schemas.openxmlformats.org/officeDocument/2006/customXml" ds:itemID="{CC4C9FB6-25E4-4D1F-A1E8-D3497EBEE75E}">
   <ds:schemaRefs>
     <ds:schemaRef ds:uri="http://schemas.microsoft.com/office/2006/metadata/contentType"/>
@@ -19538,12 +19533,4 @@
     <ds:schemaRef ds:uri="http://schemas.microsoft.com/internal/obd"/>
   </ds:schemaRefs>
 </ds:datastoreItem>
-</file>
-
-<file path=customXml/itemProps3.xml><?xml version="1.0" encoding="utf-8"?>
-<ds:datastoreItem xmlns:ds="http://schemas.openxmlformats.org/officeDocument/2006/customXml" ds:itemID="{6268566E-43AA-4A68-BD58-84AB4DF5B82A}">
-  <ds:schemaRefs>
-    <ds:schemaRef ds:uri="http://schemas.microsoft.com/sharepoint/v3/contenttype/forms"/>
-  </ds:schemaRefs>
-</ds:datastoreItem>
 </file>